--- a/Desarrollo de aplicaciones móviles.pptx
+++ b/Desarrollo de aplicaciones móviles.pptx
@@ -2,10 +2,10 @@
 <file path=ppt/presentation.xml><?xml version="1.0" encoding="utf-8"?>
 <p:presentation xmlns:a="http://schemas.openxmlformats.org/drawingml/2006/main" xmlns:r="http://schemas.openxmlformats.org/officeDocument/2006/relationships" xmlns:p="http://schemas.openxmlformats.org/presentationml/2006/main" autoCompressPictures="0">
   <p:sldMasterIdLst>
-    <p:sldMasterId id="2147483648" r:id="rId1"/>
+    <p:sldMasterId id="2147483686" r:id="rId1"/>
   </p:sldMasterIdLst>
   <p:notesMasterIdLst>
-    <p:notesMasterId r:id="rId39"/>
+    <p:notesMasterId r:id="rId62"/>
   </p:notesMasterIdLst>
   <p:sldIdLst>
     <p:sldId id="256" r:id="rId2"/>
@@ -45,6 +45,29 @@
     <p:sldId id="289" r:id="rId36"/>
     <p:sldId id="292" r:id="rId37"/>
     <p:sldId id="291" r:id="rId38"/>
+    <p:sldId id="293" r:id="rId39"/>
+    <p:sldId id="294" r:id="rId40"/>
+    <p:sldId id="295" r:id="rId41"/>
+    <p:sldId id="296" r:id="rId42"/>
+    <p:sldId id="297" r:id="rId43"/>
+    <p:sldId id="298" r:id="rId44"/>
+    <p:sldId id="299" r:id="rId45"/>
+    <p:sldId id="300" r:id="rId46"/>
+    <p:sldId id="301" r:id="rId47"/>
+    <p:sldId id="315" r:id="rId48"/>
+    <p:sldId id="316" r:id="rId49"/>
+    <p:sldId id="302" r:id="rId50"/>
+    <p:sldId id="304" r:id="rId51"/>
+    <p:sldId id="305" r:id="rId52"/>
+    <p:sldId id="306" r:id="rId53"/>
+    <p:sldId id="307" r:id="rId54"/>
+    <p:sldId id="308" r:id="rId55"/>
+    <p:sldId id="309" r:id="rId56"/>
+    <p:sldId id="310" r:id="rId57"/>
+    <p:sldId id="311" r:id="rId58"/>
+    <p:sldId id="312" r:id="rId59"/>
+    <p:sldId id="313" r:id="rId60"/>
+    <p:sldId id="314" r:id="rId61"/>
   </p:sldIdLst>
   <p:sldSz cx="12192000" cy="6858000"/>
   <p:notesSz cx="6858000" cy="9144000"/>
@@ -1268,7 +1291,7 @@
           <a:lstStyle/>
           <a:p>
             <a:r>
-              <a:rPr lang="en-US" dirty="0" smtClean="0"/>
+              <a:rPr lang="en-US" smtClean="0"/>
               <a:t>Ing. Alejandro Soto Treviño</a:t>
             </a:r>
             <a:endParaRPr lang="en-US" dirty="0"/>
@@ -1291,7 +1314,7 @@
           <a:lstStyle/>
           <a:p>
             <a:fld id="{D57F1E4F-1CFF-5643-939E-217C01CDF565}" type="slidenum">
-              <a:rPr lang="en-US" dirty="0"/>
+              <a:rPr lang="en-US" smtClean="0"/>
               <a:pPr/>
               <a:t>‹Nº›</a:t>
             </a:fld>
@@ -1300,6 +1323,11 @@
         </p:txBody>
       </p:sp>
     </p:spTree>
+    <p:extLst>
+      <p:ext uri="{BB962C8B-B14F-4D97-AF65-F5344CB8AC3E}">
+        <p14:creationId xmlns:p14="http://schemas.microsoft.com/office/powerpoint/2010/main" val="2033340091"/>
+      </p:ext>
+    </p:extLst>
   </p:cSld>
   <p:clrMapOvr>
     <a:masterClrMapping/>
@@ -1519,7 +1547,7 @@
           <a:lstStyle/>
           <a:p>
             <a:r>
-              <a:rPr lang="en-US" dirty="0" smtClean="0"/>
+              <a:rPr lang="en-US" smtClean="0"/>
               <a:t>Ing. Alejandro Soto Treviño</a:t>
             </a:r>
             <a:endParaRPr lang="en-US" dirty="0"/>
@@ -1542,7 +1570,7 @@
           <a:lstStyle/>
           <a:p>
             <a:fld id="{D57F1E4F-1CFF-5643-939E-217C01CDF565}" type="slidenum">
-              <a:rPr lang="en-US" dirty="0"/>
+              <a:rPr lang="en-US" smtClean="0"/>
               <a:pPr/>
               <a:t>‹Nº›</a:t>
             </a:fld>
@@ -1551,6 +1579,11 @@
         </p:txBody>
       </p:sp>
     </p:spTree>
+    <p:extLst>
+      <p:ext uri="{BB962C8B-B14F-4D97-AF65-F5344CB8AC3E}">
+        <p14:creationId xmlns:p14="http://schemas.microsoft.com/office/powerpoint/2010/main" val="172265139"/>
+      </p:ext>
+    </p:extLst>
   </p:cSld>
   <p:clrMapOvr>
     <a:masterClrMapping/>
@@ -1833,7 +1866,7 @@
           <a:lstStyle/>
           <a:p>
             <a:r>
-              <a:rPr lang="en-US" dirty="0" smtClean="0"/>
+              <a:rPr lang="en-US" smtClean="0"/>
               <a:t>Ing. Alejandro Soto Treviño</a:t>
             </a:r>
             <a:endParaRPr lang="en-US" dirty="0"/>
@@ -1856,7 +1889,7 @@
           <a:lstStyle/>
           <a:p>
             <a:fld id="{D57F1E4F-1CFF-5643-939E-217C01CDF565}" type="slidenum">
-              <a:rPr lang="en-US" dirty="0"/>
+              <a:rPr lang="en-US" smtClean="0"/>
               <a:pPr/>
               <a:t>‹Nº›</a:t>
             </a:fld>
@@ -1947,6 +1980,11 @@
         </p:txBody>
       </p:sp>
     </p:spTree>
+    <p:extLst>
+      <p:ext uri="{BB962C8B-B14F-4D97-AF65-F5344CB8AC3E}">
+        <p14:creationId xmlns:p14="http://schemas.microsoft.com/office/powerpoint/2010/main" val="2032764074"/>
+      </p:ext>
+    </p:extLst>
   </p:cSld>
   <p:clrMapOvr>
     <a:masterClrMapping/>
@@ -2166,7 +2204,7 @@
           <a:lstStyle/>
           <a:p>
             <a:r>
-              <a:rPr lang="en-US" dirty="0" smtClean="0"/>
+              <a:rPr lang="en-US" smtClean="0"/>
               <a:t>Ing. Alejandro Soto Treviño</a:t>
             </a:r>
             <a:endParaRPr lang="en-US" dirty="0"/>
@@ -2189,7 +2227,7 @@
           <a:lstStyle/>
           <a:p>
             <a:fld id="{D57F1E4F-1CFF-5643-939E-217C01CDF565}" type="slidenum">
-              <a:rPr lang="en-US" dirty="0"/>
+              <a:rPr lang="en-US" smtClean="0"/>
               <a:pPr/>
               <a:t>‹Nº›</a:t>
             </a:fld>
@@ -2198,6 +2236,11 @@
         </p:txBody>
       </p:sp>
     </p:spTree>
+    <p:extLst>
+      <p:ext uri="{BB962C8B-B14F-4D97-AF65-F5344CB8AC3E}">
+        <p14:creationId xmlns:p14="http://schemas.microsoft.com/office/powerpoint/2010/main" val="3890072929"/>
+      </p:ext>
+    </p:extLst>
   </p:cSld>
   <p:clrMapOvr>
     <a:masterClrMapping/>
@@ -2480,7 +2523,7 @@
           <a:lstStyle/>
           <a:p>
             <a:r>
-              <a:rPr lang="en-US" dirty="0" smtClean="0"/>
+              <a:rPr lang="en-US" smtClean="0"/>
               <a:t>Ing. Alejandro Soto Treviño</a:t>
             </a:r>
             <a:endParaRPr lang="en-US" dirty="0"/>
@@ -2503,7 +2546,7 @@
           <a:lstStyle/>
           <a:p>
             <a:fld id="{D57F1E4F-1CFF-5643-939E-217C01CDF565}" type="slidenum">
-              <a:rPr lang="en-US" dirty="0"/>
+              <a:rPr lang="en-US" smtClean="0"/>
               <a:pPr/>
               <a:t>‹Nº›</a:t>
             </a:fld>
@@ -2594,6 +2637,11 @@
         </p:txBody>
       </p:sp>
     </p:spTree>
+    <p:extLst>
+      <p:ext uri="{BB962C8B-B14F-4D97-AF65-F5344CB8AC3E}">
+        <p14:creationId xmlns:p14="http://schemas.microsoft.com/office/powerpoint/2010/main" val="3577338847"/>
+      </p:ext>
+    </p:extLst>
   </p:cSld>
   <p:clrMapOvr>
     <a:masterClrMapping/>
@@ -2873,7 +2921,7 @@
           <a:lstStyle/>
           <a:p>
             <a:r>
-              <a:rPr lang="en-US" dirty="0" smtClean="0"/>
+              <a:rPr lang="en-US" smtClean="0"/>
               <a:t>Ing. Alejandro Soto Treviño</a:t>
             </a:r>
             <a:endParaRPr lang="en-US" dirty="0"/>
@@ -2896,7 +2944,7 @@
           <a:lstStyle/>
           <a:p>
             <a:fld id="{D57F1E4F-1CFF-5643-939E-217C01CDF565}" type="slidenum">
-              <a:rPr lang="en-US" dirty="0"/>
+              <a:rPr lang="en-US" smtClean="0"/>
               <a:pPr/>
               <a:t>‹Nº›</a:t>
             </a:fld>
@@ -2905,6 +2953,11 @@
         </p:txBody>
       </p:sp>
     </p:spTree>
+    <p:extLst>
+      <p:ext uri="{BB962C8B-B14F-4D97-AF65-F5344CB8AC3E}">
+        <p14:creationId xmlns:p14="http://schemas.microsoft.com/office/powerpoint/2010/main" val="409953268"/>
+      </p:ext>
+    </p:extLst>
   </p:cSld>
   <p:clrMapOvr>
     <a:masterClrMapping/>
@@ -3043,7 +3096,7 @@
           <a:lstStyle/>
           <a:p>
             <a:r>
-              <a:rPr lang="en-US" dirty="0" smtClean="0"/>
+              <a:rPr lang="en-US" smtClean="0"/>
               <a:t>Ing. Alejandro Soto Treviño</a:t>
             </a:r>
             <a:endParaRPr lang="en-US" dirty="0"/>
@@ -3066,7 +3119,7 @@
           <a:lstStyle/>
           <a:p>
             <a:fld id="{89333C77-0158-454C-844F-B7AB9BD7DAD4}" type="slidenum">
-              <a:rPr lang="en-US" dirty="0"/>
+              <a:rPr lang="en-US" smtClean="0"/>
               <a:t>‹Nº›</a:t>
             </a:fld>
             <a:endParaRPr lang="en-US" dirty="0"/>
@@ -3074,6 +3127,11 @@
         </p:txBody>
       </p:sp>
     </p:spTree>
+    <p:extLst>
+      <p:ext uri="{BB962C8B-B14F-4D97-AF65-F5344CB8AC3E}">
+        <p14:creationId xmlns:p14="http://schemas.microsoft.com/office/powerpoint/2010/main" val="1335262886"/>
+      </p:ext>
+    </p:extLst>
   </p:cSld>
   <p:clrMapOvr>
     <a:masterClrMapping/>
@@ -3222,7 +3280,7 @@
           <a:lstStyle/>
           <a:p>
             <a:r>
-              <a:rPr lang="en-US" dirty="0" smtClean="0"/>
+              <a:rPr lang="en-US" smtClean="0"/>
               <a:t>Ing. Alejandro Soto Treviño</a:t>
             </a:r>
             <a:endParaRPr lang="en-US" dirty="0"/>
@@ -3245,7 +3303,7 @@
           <a:lstStyle/>
           <a:p>
             <a:fld id="{D57F1E4F-1CFF-5643-939E-217C01CDF565}" type="slidenum">
-              <a:rPr lang="en-US" dirty="0"/>
+              <a:rPr lang="en-US" smtClean="0"/>
               <a:pPr/>
               <a:t>‹Nº›</a:t>
             </a:fld>
@@ -3254,6 +3312,11 @@
         </p:txBody>
       </p:sp>
     </p:spTree>
+    <p:extLst>
+      <p:ext uri="{BB962C8B-B14F-4D97-AF65-F5344CB8AC3E}">
+        <p14:creationId xmlns:p14="http://schemas.microsoft.com/office/powerpoint/2010/main" val="437089930"/>
+      </p:ext>
+    </p:extLst>
   </p:cSld>
   <p:clrMapOvr>
     <a:masterClrMapping/>
@@ -3392,7 +3455,7 @@
           <a:lstStyle/>
           <a:p>
             <a:r>
-              <a:rPr lang="en-US" dirty="0" smtClean="0"/>
+              <a:rPr lang="en-US" smtClean="0"/>
               <a:t>Ing. Alejandro Soto Treviño</a:t>
             </a:r>
             <a:endParaRPr lang="en-US" dirty="0"/>
@@ -3415,7 +3478,7 @@
           <a:lstStyle/>
           <a:p>
             <a:fld id="{519954A3-9DFD-4C44-94BA-B95130A3BA1C}" type="slidenum">
-              <a:rPr lang="en-US" dirty="0"/>
+              <a:rPr lang="en-US" smtClean="0"/>
               <a:t>‹Nº›</a:t>
             </a:fld>
             <a:endParaRPr lang="en-US" dirty="0"/>
@@ -3423,6 +3486,11 @@
         </p:txBody>
       </p:sp>
     </p:spTree>
+    <p:extLst>
+      <p:ext uri="{BB962C8B-B14F-4D97-AF65-F5344CB8AC3E}">
+        <p14:creationId xmlns:p14="http://schemas.microsoft.com/office/powerpoint/2010/main" val="289227682"/>
+      </p:ext>
+    </p:extLst>
   </p:cSld>
   <p:clrMapOvr>
     <a:masterClrMapping/>
@@ -3638,7 +3706,7 @@
           <a:lstStyle/>
           <a:p>
             <a:r>
-              <a:rPr lang="en-US" dirty="0" smtClean="0"/>
+              <a:rPr lang="en-US" smtClean="0"/>
               <a:t>Ing. Alejandro Soto Treviño</a:t>
             </a:r>
             <a:endParaRPr lang="en-US" dirty="0"/>
@@ -3661,7 +3729,7 @@
           <a:lstStyle/>
           <a:p>
             <a:fld id="{D57F1E4F-1CFF-5643-939E-217C01CDF565}" type="slidenum">
-              <a:rPr lang="en-US" dirty="0"/>
+              <a:rPr lang="en-US" smtClean="0"/>
               <a:pPr/>
               <a:t>‹Nº›</a:t>
             </a:fld>
@@ -3670,6 +3738,11 @@
         </p:txBody>
       </p:sp>
     </p:spTree>
+    <p:extLst>
+      <p:ext uri="{BB962C8B-B14F-4D97-AF65-F5344CB8AC3E}">
+        <p14:creationId xmlns:p14="http://schemas.microsoft.com/office/powerpoint/2010/main" val="2285953265"/>
+      </p:ext>
+    </p:extLst>
   </p:cSld>
   <p:clrMapOvr>
     <a:masterClrMapping/>
@@ -3870,7 +3943,7 @@
           <a:lstStyle/>
           <a:p>
             <a:r>
-              <a:rPr lang="en-US" dirty="0" smtClean="0"/>
+              <a:rPr lang="en-US" smtClean="0"/>
               <a:t>Ing. Alejandro Soto Treviño</a:t>
             </a:r>
             <a:endParaRPr lang="en-US" dirty="0"/>
@@ -3893,7 +3966,7 @@
           <a:lstStyle/>
           <a:p>
             <a:fld id="{519954A3-9DFD-4C44-94BA-B95130A3BA1C}" type="slidenum">
-              <a:rPr lang="en-US" dirty="0"/>
+              <a:rPr lang="en-US" smtClean="0"/>
               <a:t>‹Nº›</a:t>
             </a:fld>
             <a:endParaRPr lang="en-US" dirty="0"/>
@@ -3901,6 +3974,11 @@
         </p:txBody>
       </p:sp>
     </p:spTree>
+    <p:extLst>
+      <p:ext uri="{BB962C8B-B14F-4D97-AF65-F5344CB8AC3E}">
+        <p14:creationId xmlns:p14="http://schemas.microsoft.com/office/powerpoint/2010/main" val="3386099693"/>
+      </p:ext>
+    </p:extLst>
   </p:cSld>
   <p:clrMapOvr>
     <a:masterClrMapping/>
@@ -4243,7 +4321,7 @@
           <a:lstStyle/>
           <a:p>
             <a:r>
-              <a:rPr lang="en-US" dirty="0" smtClean="0"/>
+              <a:rPr lang="en-US" smtClean="0"/>
               <a:t>Ing. Alejandro Soto Treviño</a:t>
             </a:r>
             <a:endParaRPr lang="en-US" dirty="0"/>
@@ -4266,7 +4344,7 @@
           <a:lstStyle/>
           <a:p>
             <a:fld id="{D57F1E4F-1CFF-5643-939E-217C01CDF565}" type="slidenum">
-              <a:rPr lang="en-US" dirty="0"/>
+              <a:rPr lang="en-US" smtClean="0"/>
               <a:pPr/>
               <a:t>‹Nº›</a:t>
             </a:fld>
@@ -4275,6 +4353,11 @@
         </p:txBody>
       </p:sp>
     </p:spTree>
+    <p:extLst>
+      <p:ext uri="{BB962C8B-B14F-4D97-AF65-F5344CB8AC3E}">
+        <p14:creationId xmlns:p14="http://schemas.microsoft.com/office/powerpoint/2010/main" val="1835037436"/>
+      </p:ext>
+    </p:extLst>
   </p:cSld>
   <p:clrMapOvr>
     <a:masterClrMapping/>
@@ -4366,7 +4449,7 @@
           <a:lstStyle/>
           <a:p>
             <a:r>
-              <a:rPr lang="en-US" dirty="0" smtClean="0"/>
+              <a:rPr lang="en-US" smtClean="0"/>
               <a:t>Ing. Alejandro Soto Treviño</a:t>
             </a:r>
             <a:endParaRPr lang="en-US" dirty="0"/>
@@ -4389,7 +4472,7 @@
           <a:lstStyle/>
           <a:p>
             <a:fld id="{D57F1E4F-1CFF-5643-939E-217C01CDF565}" type="slidenum">
-              <a:rPr lang="en-US" dirty="0"/>
+              <a:rPr lang="en-US" smtClean="0"/>
               <a:pPr/>
               <a:t>‹Nº›</a:t>
             </a:fld>
@@ -4398,6 +4481,11 @@
         </p:txBody>
       </p:sp>
     </p:spTree>
+    <p:extLst>
+      <p:ext uri="{BB962C8B-B14F-4D97-AF65-F5344CB8AC3E}">
+        <p14:creationId xmlns:p14="http://schemas.microsoft.com/office/powerpoint/2010/main" val="3291822269"/>
+      </p:ext>
+    </p:extLst>
   </p:cSld>
   <p:clrMapOvr>
     <a:masterClrMapping/>
@@ -4461,7 +4549,7 @@
           <a:lstStyle/>
           <a:p>
             <a:r>
-              <a:rPr lang="en-US" dirty="0" smtClean="0"/>
+              <a:rPr lang="en-US" smtClean="0"/>
               <a:t>Ing. Alejandro Soto Treviño</a:t>
             </a:r>
             <a:endParaRPr lang="en-US" dirty="0"/>
@@ -4484,7 +4572,7 @@
           <a:lstStyle/>
           <a:p>
             <a:fld id="{D57F1E4F-1CFF-5643-939E-217C01CDF565}" type="slidenum">
-              <a:rPr lang="en-US" dirty="0"/>
+              <a:rPr lang="en-US" smtClean="0"/>
               <a:pPr/>
               <a:t>‹Nº›</a:t>
             </a:fld>
@@ -4493,6 +4581,11 @@
         </p:txBody>
       </p:sp>
     </p:spTree>
+    <p:extLst>
+      <p:ext uri="{BB962C8B-B14F-4D97-AF65-F5344CB8AC3E}">
+        <p14:creationId xmlns:p14="http://schemas.microsoft.com/office/powerpoint/2010/main" val="1814744272"/>
+      </p:ext>
+    </p:extLst>
   </p:cSld>
   <p:clrMapOvr>
     <a:masterClrMapping/>
@@ -4716,7 +4809,7 @@
           <a:lstStyle/>
           <a:p>
             <a:r>
-              <a:rPr lang="en-US" dirty="0" smtClean="0"/>
+              <a:rPr lang="en-US" smtClean="0"/>
               <a:t>Ing. Alejandro Soto Treviño</a:t>
             </a:r>
             <a:endParaRPr lang="en-US" dirty="0"/>
@@ -4739,7 +4832,7 @@
           <a:lstStyle/>
           <a:p>
             <a:fld id="{519954A3-9DFD-4C44-94BA-B95130A3BA1C}" type="slidenum">
-              <a:rPr lang="en-US" dirty="0"/>
+              <a:rPr lang="en-US" smtClean="0"/>
               <a:t>‹Nº›</a:t>
             </a:fld>
             <a:endParaRPr lang="en-US" dirty="0"/>
@@ -4747,6 +4840,11 @@
         </p:txBody>
       </p:sp>
     </p:spTree>
+    <p:extLst>
+      <p:ext uri="{BB962C8B-B14F-4D97-AF65-F5344CB8AC3E}">
+        <p14:creationId xmlns:p14="http://schemas.microsoft.com/office/powerpoint/2010/main" val="2017938581"/>
+      </p:ext>
+    </p:extLst>
   </p:cSld>
   <p:clrMapOvr>
     <a:masterClrMapping/>
@@ -4955,7 +5053,7 @@
           <a:lstStyle/>
           <a:p>
             <a:r>
-              <a:rPr lang="en-US" dirty="0" smtClean="0"/>
+              <a:rPr lang="en-US" smtClean="0"/>
               <a:t>Ing. Alejandro Soto Treviño</a:t>
             </a:r>
             <a:endParaRPr lang="en-US" dirty="0"/>
@@ -4978,7 +5076,7 @@
           <a:lstStyle/>
           <a:p>
             <a:fld id="{D57F1E4F-1CFF-5643-939E-217C01CDF565}" type="slidenum">
-              <a:rPr lang="en-US" dirty="0"/>
+              <a:rPr lang="en-US" smtClean="0"/>
               <a:pPr/>
               <a:t>‹Nº›</a:t>
             </a:fld>
@@ -5010,6 +5108,11 @@
         </p:txBody>
       </p:sp>
     </p:spTree>
+    <p:extLst>
+      <p:ext uri="{BB962C8B-B14F-4D97-AF65-F5344CB8AC3E}">
+        <p14:creationId xmlns:p14="http://schemas.microsoft.com/office/powerpoint/2010/main" val="213553051"/>
+      </p:ext>
+    </p:extLst>
   </p:cSld>
   <p:clrMapOvr>
     <a:masterClrMapping/>
@@ -5740,7 +5843,7 @@
           </a:lstStyle>
           <a:p>
             <a:r>
-              <a:rPr lang="en-US" dirty="0" smtClean="0"/>
+              <a:rPr lang="en-US" smtClean="0"/>
               <a:t>Ing. Alejandro Soto Treviño</a:t>
             </a:r>
             <a:endParaRPr lang="en-US" dirty="0"/>
@@ -5779,7 +5882,7 @@
           </a:lstStyle>
           <a:p>
             <a:fld id="{D57F1E4F-1CFF-5643-939E-217C01CDF565}" type="slidenum">
-              <a:rPr lang="en-US" dirty="0"/>
+              <a:rPr lang="en-US" smtClean="0"/>
               <a:pPr/>
               <a:t>‹Nº›</a:t>
             </a:fld>
@@ -5788,25 +5891,30 @@
         </p:txBody>
       </p:sp>
     </p:spTree>
+    <p:extLst>
+      <p:ext uri="{BB962C8B-B14F-4D97-AF65-F5344CB8AC3E}">
+        <p14:creationId xmlns:p14="http://schemas.microsoft.com/office/powerpoint/2010/main" val="3078097732"/>
+      </p:ext>
+    </p:extLst>
   </p:cSld>
   <p:clrMap bg1="lt1" tx1="dk1" bg2="lt2" tx2="dk2" accent1="accent1" accent2="accent2" accent3="accent3" accent4="accent4" accent5="accent5" accent6="accent6" hlink="hlink" folHlink="folHlink"/>
   <p:sldLayoutIdLst>
-    <p:sldLayoutId id="2147483649" r:id="rId1"/>
-    <p:sldLayoutId id="2147483665" r:id="rId2"/>
-    <p:sldLayoutId id="2147483651" r:id="rId3"/>
-    <p:sldLayoutId id="2147483666" r:id="rId4"/>
-    <p:sldLayoutId id="2147483653" r:id="rId5"/>
-    <p:sldLayoutId id="2147483654" r:id="rId6"/>
-    <p:sldLayoutId id="2147483655" r:id="rId7"/>
-    <p:sldLayoutId id="2147483667" r:id="rId8"/>
-    <p:sldLayoutId id="2147483657" r:id="rId9"/>
-    <p:sldLayoutId id="2147483660" r:id="rId10"/>
-    <p:sldLayoutId id="2147483661" r:id="rId11"/>
-    <p:sldLayoutId id="2147483662" r:id="rId12"/>
-    <p:sldLayoutId id="2147483663" r:id="rId13"/>
-    <p:sldLayoutId id="2147483664" r:id="rId14"/>
-    <p:sldLayoutId id="2147483668" r:id="rId15"/>
-    <p:sldLayoutId id="2147483659" r:id="rId16"/>
+    <p:sldLayoutId id="2147483687" r:id="rId1"/>
+    <p:sldLayoutId id="2147483688" r:id="rId2"/>
+    <p:sldLayoutId id="2147483689" r:id="rId3"/>
+    <p:sldLayoutId id="2147483690" r:id="rId4"/>
+    <p:sldLayoutId id="2147483691" r:id="rId5"/>
+    <p:sldLayoutId id="2147483692" r:id="rId6"/>
+    <p:sldLayoutId id="2147483693" r:id="rId7"/>
+    <p:sldLayoutId id="2147483694" r:id="rId8"/>
+    <p:sldLayoutId id="2147483695" r:id="rId9"/>
+    <p:sldLayoutId id="2147483696" r:id="rId10"/>
+    <p:sldLayoutId id="2147483697" r:id="rId11"/>
+    <p:sldLayoutId id="2147483698" r:id="rId12"/>
+    <p:sldLayoutId id="2147483699" r:id="rId13"/>
+    <p:sldLayoutId id="2147483700" r:id="rId14"/>
+    <p:sldLayoutId id="2147483701" r:id="rId15"/>
+    <p:sldLayoutId id="2147483702" r:id="rId16"/>
   </p:sldLayoutIdLst>
   <p:hf sldNum="0" hdr="0" dt="0"/>
   <p:txStyles>
@@ -6388,6 +6496,13 @@
   <p:clrMapOvr>
     <a:masterClrMapping/>
   </p:clrMapOvr>
+  <p:timing>
+    <p:tnLst>
+      <p:par>
+        <p:cTn id="1" dur="indefinite" restart="never" nodeType="tmRoot"/>
+      </p:par>
+    </p:tnLst>
+  </p:timing>
 </p:sld>
 </file>
 
@@ -9782,7 +9897,7 @@
               <a:buNone/>
             </a:pPr>
             <a:r>
-              <a:rPr lang="es-ES" sz="2400" b="1" dirty="0" err="1" smtClean="0">
+              <a:rPr lang="es-ES" sz="2400" b="1" dirty="0" smtClean="0">
                 <a:latin typeface="Arial" panose="020B0604020202020204" pitchFamily="34" charset="0"/>
                 <a:cs typeface="Arial" panose="020B0604020202020204" pitchFamily="34" charset="0"/>
               </a:rPr>
@@ -9881,7 +9996,7 @@
               <a:t>Además, un </a:t>
             </a:r>
             <a:r>
-              <a:rPr lang="es-ES" sz="2000" dirty="0" err="1" smtClean="0">
+              <a:rPr lang="es-ES" sz="2000" dirty="0" smtClean="0">
                 <a:latin typeface="Arial" panose="020B0604020202020204" pitchFamily="34" charset="0"/>
                 <a:cs typeface="Arial" panose="020B0604020202020204" pitchFamily="34" charset="0"/>
                 <a:hlinkClick r:id="rId3"/>
@@ -11155,29 +11270,6 @@
           </a:p>
         </p:txBody>
       </p:sp>
-      <p:sp>
-        <p:nvSpPr>
-          <p:cNvPr id="4" name="Marcador de pie de página 3"/>
-          <p:cNvSpPr>
-            <a:spLocks noGrp="1"/>
-          </p:cNvSpPr>
-          <p:nvPr>
-            <p:ph type="ftr" sz="quarter" idx="11"/>
-          </p:nvPr>
-        </p:nvSpPr>
-        <p:spPr/>
-        <p:txBody>
-          <a:bodyPr/>
-          <a:lstStyle/>
-          <a:p>
-            <a:r>
-              <a:rPr lang="en-US" smtClean="0"/>
-              <a:t>Ing. Alejandro Soto Treviño</a:t>
-            </a:r>
-            <a:endParaRPr lang="en-US" dirty="0"/>
-          </a:p>
-        </p:txBody>
-      </p:sp>
       <p:pic>
         <p:nvPicPr>
           <p:cNvPr id="6" name="Marcador de contenido 5"/>
@@ -11206,6 +11298,29 @@
           </a:xfrm>
         </p:spPr>
       </p:pic>
+      <p:sp>
+        <p:nvSpPr>
+          <p:cNvPr id="4" name="Marcador de pie de página 3"/>
+          <p:cNvSpPr>
+            <a:spLocks noGrp="1"/>
+          </p:cNvSpPr>
+          <p:nvPr>
+            <p:ph type="ftr" sz="quarter" idx="11"/>
+          </p:nvPr>
+        </p:nvSpPr>
+        <p:spPr/>
+        <p:txBody>
+          <a:bodyPr/>
+          <a:lstStyle/>
+          <a:p>
+            <a:r>
+              <a:rPr lang="en-US" smtClean="0"/>
+              <a:t>Ing. Alejandro Soto Treviño</a:t>
+            </a:r>
+            <a:endParaRPr lang="en-US" dirty="0"/>
+          </a:p>
+        </p:txBody>
+      </p:sp>
     </p:spTree>
     <p:extLst>
       <p:ext uri="{BB962C8B-B14F-4D97-AF65-F5344CB8AC3E}">
@@ -11270,29 +11385,6 @@
       </p:sp>
       <p:sp>
         <p:nvSpPr>
-          <p:cNvPr id="4" name="Marcador de pie de página 3"/>
-          <p:cNvSpPr>
-            <a:spLocks noGrp="1"/>
-          </p:cNvSpPr>
-          <p:nvPr>
-            <p:ph type="ftr" sz="quarter" idx="11"/>
-          </p:nvPr>
-        </p:nvSpPr>
-        <p:spPr/>
-        <p:txBody>
-          <a:bodyPr/>
-          <a:lstStyle/>
-          <a:p>
-            <a:r>
-              <a:rPr lang="en-US" smtClean="0"/>
-              <a:t>Ing. Alejandro Soto Treviño</a:t>
-            </a:r>
-            <a:endParaRPr lang="en-US" dirty="0"/>
-          </a:p>
-        </p:txBody>
-      </p:sp>
-      <p:sp>
-        <p:nvSpPr>
           <p:cNvPr id="7" name="Marcador de contenido 6"/>
           <p:cNvSpPr>
             <a:spLocks noGrp="1"/>
@@ -11360,6 +11452,29 @@
               <a:latin typeface="Arial" panose="020B0604020202020204" pitchFamily="34" charset="0"/>
               <a:cs typeface="Arial" panose="020B0604020202020204" pitchFamily="34" charset="0"/>
             </a:endParaRPr>
+          </a:p>
+        </p:txBody>
+      </p:sp>
+      <p:sp>
+        <p:nvSpPr>
+          <p:cNvPr id="4" name="Marcador de pie de página 3"/>
+          <p:cNvSpPr>
+            <a:spLocks noGrp="1"/>
+          </p:cNvSpPr>
+          <p:nvPr>
+            <p:ph type="ftr" sz="quarter" idx="11"/>
+          </p:nvPr>
+        </p:nvSpPr>
+        <p:spPr/>
+        <p:txBody>
+          <a:bodyPr/>
+          <a:lstStyle/>
+          <a:p>
+            <a:r>
+              <a:rPr lang="en-US" smtClean="0"/>
+              <a:t>Ing. Alejandro Soto Treviño</a:t>
+            </a:r>
+            <a:endParaRPr lang="en-US" dirty="0"/>
           </a:p>
         </p:txBody>
       </p:sp>
@@ -12007,21 +12122,7 @@
                 <a:latin typeface="Arial" panose="020B0604020202020204" pitchFamily="34" charset="0"/>
                 <a:cs typeface="Arial" panose="020B0604020202020204" pitchFamily="34" charset="0"/>
               </a:rPr>
-              <a:t>el método </a:t>
-            </a:r>
-            <a:r>
-              <a:rPr lang="es-ES" sz="2000" dirty="0" err="1">
-                <a:latin typeface="Arial" panose="020B0604020202020204" pitchFamily="34" charset="0"/>
-                <a:cs typeface="Arial" panose="020B0604020202020204" pitchFamily="34" charset="0"/>
-              </a:rPr>
-              <a:t>build</a:t>
-            </a:r>
-            <a:r>
-              <a:rPr lang="es-ES" sz="2000" dirty="0">
-                <a:latin typeface="Arial" panose="020B0604020202020204" pitchFamily="34" charset="0"/>
-                <a:cs typeface="Arial" panose="020B0604020202020204" pitchFamily="34" charset="0"/>
-              </a:rPr>
-              <a:t> de un Widget.</a:t>
+              <a:t>el método build de un Widget.</a:t>
             </a:r>
             <a:endParaRPr lang="es-ES" sz="2000" dirty="0" smtClean="0">
               <a:latin typeface="Arial" panose="020B0604020202020204" pitchFamily="34" charset="0"/>
@@ -12346,7 +12447,11 @@
           <a:p>
             <a:r>
               <a:rPr lang="es-MX" dirty="0" smtClean="0"/>
-              <a:t>Practica 1</a:t>
+              <a:t>Práctica </a:t>
+            </a:r>
+            <a:r>
+              <a:rPr lang="es-MX" dirty="0" smtClean="0"/>
+              <a:t>1</a:t>
             </a:r>
             <a:endParaRPr lang="es-MX" dirty="0"/>
           </a:p>
@@ -12488,6 +12593,456 @@
   <p:clrMapOvr>
     <a:masterClrMapping/>
   </p:clrMapOvr>
+  <p:timing>
+    <p:tnLst>
+      <p:par>
+        <p:cTn id="1" dur="indefinite" restart="never" nodeType="tmRoot"/>
+      </p:par>
+    </p:tnLst>
+  </p:timing>
+</p:sld>
+</file>
+
+<file path=ppt/slides/slide38.xml><?xml version="1.0" encoding="utf-8"?>
+<p:sld xmlns:a="http://schemas.openxmlformats.org/drawingml/2006/main" xmlns:r="http://schemas.openxmlformats.org/officeDocument/2006/relationships" xmlns:p="http://schemas.openxmlformats.org/presentationml/2006/main">
+  <p:cSld>
+    <p:spTree>
+      <p:nvGrpSpPr>
+        <p:cNvPr id="1" name=""/>
+        <p:cNvGrpSpPr/>
+        <p:nvPr/>
+      </p:nvGrpSpPr>
+      <p:grpSpPr>
+        <a:xfrm>
+          <a:off x="0" y="0"/>
+          <a:ext cx="0" cy="0"/>
+          <a:chOff x="0" y="0"/>
+          <a:chExt cx="0" cy="0"/>
+        </a:xfrm>
+      </p:grpSpPr>
+      <p:sp>
+        <p:nvSpPr>
+          <p:cNvPr id="2" name="Título 1"/>
+          <p:cNvSpPr>
+            <a:spLocks noGrp="1"/>
+          </p:cNvSpPr>
+          <p:nvPr>
+            <p:ph type="title"/>
+          </p:nvPr>
+        </p:nvSpPr>
+        <p:spPr>
+          <a:xfrm>
+            <a:off x="677334" y="609600"/>
+            <a:ext cx="8596668" cy="647700"/>
+          </a:xfrm>
+        </p:spPr>
+        <p:txBody>
+          <a:bodyPr/>
+          <a:lstStyle/>
+          <a:p>
+            <a:r>
+              <a:rPr lang="es-MX" dirty="0" smtClean="0"/>
+              <a:t>Práctica 2</a:t>
+            </a:r>
+            <a:endParaRPr lang="es-MX" dirty="0"/>
+          </a:p>
+        </p:txBody>
+      </p:sp>
+      <p:sp>
+        <p:nvSpPr>
+          <p:cNvPr id="3" name="Marcador de contenido 2"/>
+          <p:cNvSpPr>
+            <a:spLocks noGrp="1"/>
+          </p:cNvSpPr>
+          <p:nvPr>
+            <p:ph idx="1"/>
+          </p:nvPr>
+        </p:nvSpPr>
+        <p:spPr>
+          <a:xfrm>
+            <a:off x="677334" y="1257301"/>
+            <a:ext cx="8596668" cy="4784062"/>
+          </a:xfrm>
+        </p:spPr>
+        <p:txBody>
+          <a:bodyPr/>
+          <a:lstStyle/>
+          <a:p>
+            <a:pPr marL="0" indent="0">
+              <a:buNone/>
+            </a:pPr>
+            <a:endParaRPr lang="es-MX" dirty="0" smtClean="0"/>
+          </a:p>
+          <a:p>
+            <a:pPr marL="0" indent="0">
+              <a:buNone/>
+            </a:pPr>
+            <a:endParaRPr lang="es-MX" dirty="0"/>
+          </a:p>
+          <a:p>
+            <a:pPr marL="0" indent="0">
+              <a:buNone/>
+            </a:pPr>
+            <a:endParaRPr lang="es-MX" dirty="0" smtClean="0"/>
+          </a:p>
+          <a:p>
+            <a:pPr marL="0" indent="0">
+              <a:buNone/>
+            </a:pPr>
+            <a:endParaRPr lang="es-MX" dirty="0"/>
+          </a:p>
+          <a:p>
+            <a:pPr marL="0" indent="0">
+              <a:buNone/>
+            </a:pPr>
+            <a:endParaRPr lang="es-MX" dirty="0" smtClean="0"/>
+          </a:p>
+          <a:p>
+            <a:pPr marL="0" indent="0">
+              <a:buNone/>
+            </a:pPr>
+            <a:r>
+              <a:rPr lang="es-MX" dirty="0" smtClean="0"/>
+              <a:t>Construir el siguiente layout</a:t>
+            </a:r>
+            <a:r>
+              <a:rPr lang="es-MX" dirty="0"/>
+              <a:t>:</a:t>
+            </a:r>
+            <a:endParaRPr lang="es-MX" dirty="0" smtClean="0"/>
+          </a:p>
+        </p:txBody>
+      </p:sp>
+      <p:sp>
+        <p:nvSpPr>
+          <p:cNvPr id="4" name="Marcador de pie de página 3"/>
+          <p:cNvSpPr>
+            <a:spLocks noGrp="1"/>
+          </p:cNvSpPr>
+          <p:nvPr>
+            <p:ph type="ftr" sz="quarter" idx="11"/>
+          </p:nvPr>
+        </p:nvSpPr>
+        <p:spPr/>
+        <p:txBody>
+          <a:bodyPr/>
+          <a:lstStyle/>
+          <a:p>
+            <a:r>
+              <a:rPr lang="en-US" smtClean="0"/>
+              <a:t>Ing. Alejandro Soto Treviño</a:t>
+            </a:r>
+            <a:endParaRPr lang="en-US" dirty="0"/>
+          </a:p>
+        </p:txBody>
+      </p:sp>
+      <p:pic>
+        <p:nvPicPr>
+          <p:cNvPr id="6" name="Imagen 5"/>
+          <p:cNvPicPr>
+            <a:picLocks noChangeAspect="1"/>
+          </p:cNvPicPr>
+          <p:nvPr/>
+        </p:nvPicPr>
+        <p:blipFill>
+          <a:blip r:embed="rId2">
+            <a:extLst>
+              <a:ext uri="{28A0092B-C50C-407E-A947-70E740481C1C}">
+                <a14:useLocalDpi xmlns:a14="http://schemas.microsoft.com/office/drawing/2010/main" val="0"/>
+              </a:ext>
+            </a:extLst>
+          </a:blip>
+          <a:stretch>
+            <a:fillRect/>
+          </a:stretch>
+        </p:blipFill>
+        <p:spPr>
+          <a:xfrm>
+            <a:off x="3965118" y="270758"/>
+            <a:ext cx="3939167" cy="6253428"/>
+          </a:xfrm>
+          <a:prstGeom prst="rect">
+            <a:avLst/>
+          </a:prstGeom>
+        </p:spPr>
+      </p:pic>
+    </p:spTree>
+    <p:extLst>
+      <p:ext uri="{BB962C8B-B14F-4D97-AF65-F5344CB8AC3E}">
+        <p14:creationId xmlns:p14="http://schemas.microsoft.com/office/powerpoint/2010/main" val="291349810"/>
+      </p:ext>
+    </p:extLst>
+  </p:cSld>
+  <p:clrMapOvr>
+    <a:masterClrMapping/>
+  </p:clrMapOvr>
+  <p:timing>
+    <p:tnLst>
+      <p:par>
+        <p:cTn id="1" dur="indefinite" restart="never" nodeType="tmRoot"/>
+      </p:par>
+    </p:tnLst>
+  </p:timing>
+</p:sld>
+</file>
+
+<file path=ppt/slides/slide39.xml><?xml version="1.0" encoding="utf-8"?>
+<p:sld xmlns:a="http://schemas.openxmlformats.org/drawingml/2006/main" xmlns:r="http://schemas.openxmlformats.org/officeDocument/2006/relationships" xmlns:p="http://schemas.openxmlformats.org/presentationml/2006/main">
+  <p:cSld>
+    <p:spTree>
+      <p:nvGrpSpPr>
+        <p:cNvPr id="1" name=""/>
+        <p:cNvGrpSpPr/>
+        <p:nvPr/>
+      </p:nvGrpSpPr>
+      <p:grpSpPr>
+        <a:xfrm>
+          <a:off x="0" y="0"/>
+          <a:ext cx="0" cy="0"/>
+          <a:chOff x="0" y="0"/>
+          <a:chExt cx="0" cy="0"/>
+        </a:xfrm>
+      </p:grpSpPr>
+      <p:sp>
+        <p:nvSpPr>
+          <p:cNvPr id="2" name="Título 1"/>
+          <p:cNvSpPr>
+            <a:spLocks noGrp="1"/>
+          </p:cNvSpPr>
+          <p:nvPr>
+            <p:ph type="title"/>
+          </p:nvPr>
+        </p:nvSpPr>
+        <p:spPr>
+          <a:xfrm>
+            <a:off x="677334" y="609600"/>
+            <a:ext cx="8596668" cy="647700"/>
+          </a:xfrm>
+        </p:spPr>
+        <p:txBody>
+          <a:bodyPr/>
+          <a:lstStyle/>
+          <a:p>
+            <a:r>
+              <a:rPr lang="es-MX" dirty="0" smtClean="0"/>
+              <a:t>Práctica 2</a:t>
+            </a:r>
+            <a:endParaRPr lang="es-MX" dirty="0"/>
+          </a:p>
+        </p:txBody>
+      </p:sp>
+      <p:sp>
+        <p:nvSpPr>
+          <p:cNvPr id="3" name="Marcador de contenido 2"/>
+          <p:cNvSpPr>
+            <a:spLocks noGrp="1"/>
+          </p:cNvSpPr>
+          <p:nvPr>
+            <p:ph idx="1"/>
+          </p:nvPr>
+        </p:nvSpPr>
+        <p:spPr>
+          <a:xfrm>
+            <a:off x="677334" y="1257301"/>
+            <a:ext cx="4237566" cy="4784062"/>
+          </a:xfrm>
+        </p:spPr>
+        <p:txBody>
+          <a:bodyPr>
+            <a:normAutofit/>
+          </a:bodyPr>
+          <a:lstStyle/>
+          <a:p>
+            <a:r>
+              <a:rPr lang="es-MX" sz="2000" dirty="0" smtClean="0">
+                <a:latin typeface="Arial" panose="020B0604020202020204" pitchFamily="34" charset="0"/>
+                <a:cs typeface="Arial" panose="020B0604020202020204" pitchFamily="34" charset="0"/>
+              </a:rPr>
+              <a:t>Paso 1: </a:t>
+            </a:r>
+            <a:r>
+              <a:rPr lang="es-MX" sz="2000" dirty="0">
+                <a:latin typeface="Arial" panose="020B0604020202020204" pitchFamily="34" charset="0"/>
+                <a:cs typeface="Arial" panose="020B0604020202020204" pitchFamily="34" charset="0"/>
+              </a:rPr>
+              <a:t>Analizar diseño</a:t>
+            </a:r>
+            <a:endParaRPr lang="es-MX" sz="2000" dirty="0" smtClean="0">
+              <a:latin typeface="Arial" panose="020B0604020202020204" pitchFamily="34" charset="0"/>
+              <a:cs typeface="Arial" panose="020B0604020202020204" pitchFamily="34" charset="0"/>
+            </a:endParaRPr>
+          </a:p>
+          <a:p>
+            <a:pPr marL="0" indent="0">
+              <a:buNone/>
+            </a:pPr>
+            <a:endParaRPr lang="es-ES" sz="2000" dirty="0" smtClean="0">
+              <a:latin typeface="Arial" panose="020B0604020202020204" pitchFamily="34" charset="0"/>
+              <a:cs typeface="Arial" panose="020B0604020202020204" pitchFamily="34" charset="0"/>
+            </a:endParaRPr>
+          </a:p>
+          <a:p>
+            <a:pPr>
+              <a:buFont typeface="Arial" panose="020B0604020202020204" pitchFamily="34" charset="0"/>
+              <a:buChar char="•"/>
+            </a:pPr>
+            <a:r>
+              <a:rPr lang="es-ES" sz="2000" dirty="0" smtClean="0">
+                <a:latin typeface="Arial" panose="020B0604020202020204" pitchFamily="34" charset="0"/>
+                <a:cs typeface="Arial" panose="020B0604020202020204" pitchFamily="34" charset="0"/>
+              </a:rPr>
+              <a:t>Identificar </a:t>
+            </a:r>
+            <a:r>
+              <a:rPr lang="es-ES" sz="2000" dirty="0">
+                <a:latin typeface="Arial" panose="020B0604020202020204" pitchFamily="34" charset="0"/>
+                <a:cs typeface="Arial" panose="020B0604020202020204" pitchFamily="34" charset="0"/>
+              </a:rPr>
+              <a:t>las filas y columnas.</a:t>
+            </a:r>
+          </a:p>
+          <a:p>
+            <a:pPr>
+              <a:buFont typeface="Arial" panose="020B0604020202020204" pitchFamily="34" charset="0"/>
+              <a:buChar char="•"/>
+            </a:pPr>
+            <a:r>
+              <a:rPr lang="es-ES" sz="2000" dirty="0">
+                <a:latin typeface="Arial" panose="020B0604020202020204" pitchFamily="34" charset="0"/>
+                <a:cs typeface="Arial" panose="020B0604020202020204" pitchFamily="34" charset="0"/>
+              </a:rPr>
+              <a:t>¿El layout incluye una cuadrícula?</a:t>
+            </a:r>
+          </a:p>
+          <a:p>
+            <a:pPr>
+              <a:buFont typeface="Arial" panose="020B0604020202020204" pitchFamily="34" charset="0"/>
+              <a:buChar char="•"/>
+            </a:pPr>
+            <a:r>
+              <a:rPr lang="es-ES" sz="2000" dirty="0">
+                <a:latin typeface="Arial" panose="020B0604020202020204" pitchFamily="34" charset="0"/>
+                <a:cs typeface="Arial" panose="020B0604020202020204" pitchFamily="34" charset="0"/>
+              </a:rPr>
+              <a:t>¿Hay elementos que se superponen?</a:t>
+            </a:r>
+          </a:p>
+          <a:p>
+            <a:pPr>
+              <a:buFont typeface="Arial" panose="020B0604020202020204" pitchFamily="34" charset="0"/>
+              <a:buChar char="•"/>
+            </a:pPr>
+            <a:r>
+              <a:rPr lang="es-ES" sz="2000" dirty="0">
+                <a:latin typeface="Arial" panose="020B0604020202020204" pitchFamily="34" charset="0"/>
+                <a:cs typeface="Arial" panose="020B0604020202020204" pitchFamily="34" charset="0"/>
+              </a:rPr>
+              <a:t>¿Necesita pestañas la interfaz de usuario?</a:t>
+            </a:r>
+          </a:p>
+          <a:p>
+            <a:pPr>
+              <a:buFont typeface="Arial" panose="020B0604020202020204" pitchFamily="34" charset="0"/>
+              <a:buChar char="•"/>
+            </a:pPr>
+            <a:r>
+              <a:rPr lang="es-ES" sz="2000" dirty="0" smtClean="0">
+                <a:latin typeface="Arial" panose="020B0604020202020204" pitchFamily="34" charset="0"/>
+                <a:cs typeface="Arial" panose="020B0604020202020204" pitchFamily="34" charset="0"/>
+              </a:rPr>
+              <a:t>Se requiere alineación</a:t>
+            </a:r>
+            <a:r>
+              <a:rPr lang="es-ES" sz="2000" dirty="0">
+                <a:latin typeface="Arial" panose="020B0604020202020204" pitchFamily="34" charset="0"/>
+                <a:cs typeface="Arial" panose="020B0604020202020204" pitchFamily="34" charset="0"/>
+              </a:rPr>
+              <a:t>, padding o </a:t>
+            </a:r>
+            <a:r>
+              <a:rPr lang="es-ES" sz="2000" dirty="0" smtClean="0">
+                <a:latin typeface="Arial" panose="020B0604020202020204" pitchFamily="34" charset="0"/>
+                <a:cs typeface="Arial" panose="020B0604020202020204" pitchFamily="34" charset="0"/>
+              </a:rPr>
+              <a:t>bordes?</a:t>
+            </a:r>
+            <a:endParaRPr lang="es-MX" sz="2000" dirty="0" smtClean="0">
+              <a:latin typeface="Arial" panose="020B0604020202020204" pitchFamily="34" charset="0"/>
+              <a:cs typeface="Arial" panose="020B0604020202020204" pitchFamily="34" charset="0"/>
+            </a:endParaRPr>
+          </a:p>
+        </p:txBody>
+      </p:sp>
+      <p:sp>
+        <p:nvSpPr>
+          <p:cNvPr id="4" name="Marcador de pie de página 3"/>
+          <p:cNvSpPr>
+            <a:spLocks noGrp="1"/>
+          </p:cNvSpPr>
+          <p:nvPr>
+            <p:ph type="ftr" sz="quarter" idx="11"/>
+          </p:nvPr>
+        </p:nvSpPr>
+        <p:spPr/>
+        <p:txBody>
+          <a:bodyPr/>
+          <a:lstStyle/>
+          <a:p>
+            <a:r>
+              <a:rPr lang="en-US" dirty="0" smtClean="0"/>
+              <a:t>Ing. Alejandro Soto Treviño</a:t>
+            </a:r>
+            <a:endParaRPr lang="en-US" dirty="0"/>
+          </a:p>
+        </p:txBody>
+      </p:sp>
+      <p:pic>
+        <p:nvPicPr>
+          <p:cNvPr id="7" name="Imagen 6"/>
+          <p:cNvPicPr>
+            <a:picLocks noChangeAspect="1"/>
+          </p:cNvPicPr>
+          <p:nvPr/>
+        </p:nvPicPr>
+        <p:blipFill>
+          <a:blip r:embed="rId2">
+            <a:extLst>
+              <a:ext uri="{28A0092B-C50C-407E-A947-70E740481C1C}">
+                <a14:useLocalDpi xmlns:a14="http://schemas.microsoft.com/office/drawing/2010/main" val="0"/>
+              </a:ext>
+            </a:extLst>
+          </a:blip>
+          <a:stretch>
+            <a:fillRect/>
+          </a:stretch>
+        </p:blipFill>
+        <p:spPr>
+          <a:xfrm>
+            <a:off x="5089967" y="364915"/>
+            <a:ext cx="3581567" cy="5676446"/>
+          </a:xfrm>
+          <a:prstGeom prst="rect">
+            <a:avLst/>
+          </a:prstGeom>
+        </p:spPr>
+      </p:pic>
+    </p:spTree>
+    <p:extLst>
+      <p:ext uri="{BB962C8B-B14F-4D97-AF65-F5344CB8AC3E}">
+        <p14:creationId xmlns:p14="http://schemas.microsoft.com/office/powerpoint/2010/main" val="4291837454"/>
+      </p:ext>
+    </p:extLst>
+  </p:cSld>
+  <p:clrMapOvr>
+    <a:masterClrMapping/>
+  </p:clrMapOvr>
+  <p:timing>
+    <p:tnLst>
+      <p:par>
+        <p:cTn id="1" dur="indefinite" restart="never" nodeType="tmRoot"/>
+      </p:par>
+    </p:tnLst>
+  </p:timing>
 </p:sld>
 </file>
 
@@ -12640,6 +13195,2662 @@
 </p:sld>
 </file>
 
+<file path=ppt/slides/slide40.xml><?xml version="1.0" encoding="utf-8"?>
+<p:sld xmlns:a="http://schemas.openxmlformats.org/drawingml/2006/main" xmlns:r="http://schemas.openxmlformats.org/officeDocument/2006/relationships" xmlns:p="http://schemas.openxmlformats.org/presentationml/2006/main">
+  <p:cSld>
+    <p:spTree>
+      <p:nvGrpSpPr>
+        <p:cNvPr id="1" name=""/>
+        <p:cNvGrpSpPr/>
+        <p:nvPr/>
+      </p:nvGrpSpPr>
+      <p:grpSpPr>
+        <a:xfrm>
+          <a:off x="0" y="0"/>
+          <a:ext cx="0" cy="0"/>
+          <a:chOff x="0" y="0"/>
+          <a:chExt cx="0" cy="0"/>
+        </a:xfrm>
+      </p:grpSpPr>
+      <p:sp>
+        <p:nvSpPr>
+          <p:cNvPr id="2" name="Título 1"/>
+          <p:cNvSpPr>
+            <a:spLocks noGrp="1"/>
+          </p:cNvSpPr>
+          <p:nvPr>
+            <p:ph type="title"/>
+          </p:nvPr>
+        </p:nvSpPr>
+        <p:spPr>
+          <a:xfrm>
+            <a:off x="677334" y="609600"/>
+            <a:ext cx="8596668" cy="647700"/>
+          </a:xfrm>
+        </p:spPr>
+        <p:txBody>
+          <a:bodyPr/>
+          <a:lstStyle/>
+          <a:p>
+            <a:r>
+              <a:rPr lang="es-MX" dirty="0"/>
+              <a:t>Práctica</a:t>
+            </a:r>
+            <a:r>
+              <a:rPr lang="es-MX" dirty="0" smtClean="0"/>
+              <a:t> 2</a:t>
+            </a:r>
+            <a:endParaRPr lang="es-MX" dirty="0"/>
+          </a:p>
+        </p:txBody>
+      </p:sp>
+      <p:sp>
+        <p:nvSpPr>
+          <p:cNvPr id="3" name="Marcador de contenido 2"/>
+          <p:cNvSpPr>
+            <a:spLocks noGrp="1"/>
+          </p:cNvSpPr>
+          <p:nvPr>
+            <p:ph idx="1"/>
+          </p:nvPr>
+        </p:nvSpPr>
+        <p:spPr>
+          <a:xfrm>
+            <a:off x="677332" y="1257301"/>
+            <a:ext cx="9090921" cy="4784062"/>
+          </a:xfrm>
+        </p:spPr>
+        <p:txBody>
+          <a:bodyPr/>
+          <a:lstStyle/>
+          <a:p>
+            <a:r>
+              <a:rPr lang="es-MX" sz="2000" dirty="0" smtClean="0">
+                <a:latin typeface="Arial" panose="020B0604020202020204" pitchFamily="34" charset="0"/>
+                <a:cs typeface="Arial" panose="020B0604020202020204" pitchFamily="34" charset="0"/>
+              </a:rPr>
+              <a:t>Paso 2: Implementar </a:t>
+            </a:r>
+            <a:r>
+              <a:rPr lang="es-MX" sz="2000" dirty="0">
+                <a:latin typeface="Arial" panose="020B0604020202020204" pitchFamily="34" charset="0"/>
+                <a:cs typeface="Arial" panose="020B0604020202020204" pitchFamily="34" charset="0"/>
+              </a:rPr>
+              <a:t>la fila de </a:t>
+            </a:r>
+            <a:r>
+              <a:rPr lang="es-MX" sz="2000" dirty="0" smtClean="0">
+                <a:latin typeface="Arial" panose="020B0604020202020204" pitchFamily="34" charset="0"/>
+                <a:cs typeface="Arial" panose="020B0604020202020204" pitchFamily="34" charset="0"/>
+              </a:rPr>
+              <a:t>título</a:t>
+            </a:r>
+            <a:endParaRPr lang="es-MX" sz="2000" dirty="0">
+              <a:latin typeface="Arial" panose="020B0604020202020204" pitchFamily="34" charset="0"/>
+              <a:cs typeface="Arial" panose="020B0604020202020204" pitchFamily="34" charset="0"/>
+            </a:endParaRPr>
+          </a:p>
+          <a:p>
+            <a:pPr>
+              <a:buFont typeface="Arial" panose="020B0604020202020204" pitchFamily="34" charset="0"/>
+              <a:buChar char="•"/>
+            </a:pPr>
+            <a:endParaRPr lang="es-ES" dirty="0" smtClean="0"/>
+          </a:p>
+          <a:p>
+            <a:pPr>
+              <a:buFont typeface="Arial" panose="020B0604020202020204" pitchFamily="34" charset="0"/>
+              <a:buChar char="•"/>
+            </a:pPr>
+            <a:endParaRPr lang="es-ES" dirty="0"/>
+          </a:p>
+          <a:p>
+            <a:pPr>
+              <a:buFont typeface="Arial" panose="020B0604020202020204" pitchFamily="34" charset="0"/>
+              <a:buChar char="•"/>
+            </a:pPr>
+            <a:endParaRPr lang="es-ES" dirty="0" smtClean="0"/>
+          </a:p>
+          <a:p>
+            <a:pPr>
+              <a:buFont typeface="Arial" panose="020B0604020202020204" pitchFamily="34" charset="0"/>
+              <a:buChar char="•"/>
+            </a:pPr>
+            <a:endParaRPr lang="es-ES" dirty="0"/>
+          </a:p>
+          <a:p>
+            <a:pPr>
+              <a:buFont typeface="Arial" panose="020B0604020202020204" pitchFamily="34" charset="0"/>
+              <a:buChar char="•"/>
+            </a:pPr>
+            <a:endParaRPr lang="es-ES" dirty="0" smtClean="0"/>
+          </a:p>
+          <a:p>
+            <a:pPr algn="just">
+              <a:buFont typeface="Arial" panose="020B0604020202020204" pitchFamily="34" charset="0"/>
+              <a:buChar char="•"/>
+            </a:pPr>
+            <a:r>
+              <a:rPr lang="es-ES" dirty="0" smtClean="0"/>
+              <a:t>La </a:t>
+            </a:r>
+            <a:r>
+              <a:rPr lang="es-ES" dirty="0"/>
+              <a:t>primera fila, llamada sección Título, tiene 3 hijos: una columna de texto, un icono de estrella y un número. </a:t>
+            </a:r>
+            <a:endParaRPr lang="es-ES" dirty="0" smtClean="0"/>
+          </a:p>
+          <a:p>
+            <a:pPr algn="just">
+              <a:buFont typeface="Arial" panose="020B0604020202020204" pitchFamily="34" charset="0"/>
+              <a:buChar char="•"/>
+            </a:pPr>
+            <a:r>
+              <a:rPr lang="es-ES" dirty="0" smtClean="0"/>
+              <a:t>Su </a:t>
+            </a:r>
+            <a:r>
+              <a:rPr lang="es-ES" dirty="0"/>
+              <a:t>primer hijo, la columna, contiene 2 líneas de texto. </a:t>
+            </a:r>
+            <a:endParaRPr lang="es-ES" dirty="0" smtClean="0"/>
+          </a:p>
+          <a:p>
+            <a:pPr algn="just">
+              <a:buFont typeface="Arial" panose="020B0604020202020204" pitchFamily="34" charset="0"/>
+              <a:buChar char="•"/>
+            </a:pPr>
+            <a:r>
+              <a:rPr lang="es-ES" dirty="0" smtClean="0"/>
+              <a:t>Esa </a:t>
+            </a:r>
+            <a:r>
+              <a:rPr lang="es-ES" dirty="0"/>
+              <a:t>primera columna ocupa mucho espacio, por lo que debe estar envuelta en un widget </a:t>
+            </a:r>
+            <a:r>
+              <a:rPr lang="es-ES" b="1" dirty="0" err="1"/>
+              <a:t>Expanded</a:t>
+            </a:r>
+            <a:r>
+              <a:rPr lang="es-ES" dirty="0"/>
+              <a:t>.</a:t>
+            </a:r>
+            <a:endParaRPr lang="es-MX" dirty="0" smtClean="0"/>
+          </a:p>
+          <a:p>
+            <a:pPr marL="0" indent="0">
+              <a:buNone/>
+            </a:pPr>
+            <a:endParaRPr lang="es-ES" dirty="0"/>
+          </a:p>
+          <a:p>
+            <a:pPr marL="0" indent="0">
+              <a:buNone/>
+            </a:pPr>
+            <a:endParaRPr lang="es-ES" dirty="0" smtClean="0"/>
+          </a:p>
+        </p:txBody>
+      </p:sp>
+      <p:sp>
+        <p:nvSpPr>
+          <p:cNvPr id="4" name="Marcador de pie de página 3"/>
+          <p:cNvSpPr>
+            <a:spLocks noGrp="1"/>
+          </p:cNvSpPr>
+          <p:nvPr>
+            <p:ph type="ftr" sz="quarter" idx="11"/>
+          </p:nvPr>
+        </p:nvSpPr>
+        <p:spPr/>
+        <p:txBody>
+          <a:bodyPr/>
+          <a:lstStyle/>
+          <a:p>
+            <a:r>
+              <a:rPr lang="en-US" dirty="0" smtClean="0"/>
+              <a:t>Ing. Alejandro Soto Treviño</a:t>
+            </a:r>
+            <a:endParaRPr lang="en-US" dirty="0"/>
+          </a:p>
+        </p:txBody>
+      </p:sp>
+      <p:pic>
+        <p:nvPicPr>
+          <p:cNvPr id="9" name="Imagen 8"/>
+          <p:cNvPicPr>
+            <a:picLocks noChangeAspect="1"/>
+          </p:cNvPicPr>
+          <p:nvPr/>
+        </p:nvPicPr>
+        <p:blipFill>
+          <a:blip r:embed="rId2">
+            <a:extLst>
+              <a:ext uri="{28A0092B-C50C-407E-A947-70E740481C1C}">
+                <a14:useLocalDpi xmlns:a14="http://schemas.microsoft.com/office/drawing/2010/main" val="0"/>
+              </a:ext>
+            </a:extLst>
+          </a:blip>
+          <a:stretch>
+            <a:fillRect/>
+          </a:stretch>
+        </p:blipFill>
+        <p:spPr>
+          <a:xfrm>
+            <a:off x="2287032" y="1619468"/>
+            <a:ext cx="6211167" cy="2124371"/>
+          </a:xfrm>
+          <a:prstGeom prst="rect">
+            <a:avLst/>
+          </a:prstGeom>
+        </p:spPr>
+      </p:pic>
+    </p:spTree>
+    <p:extLst>
+      <p:ext uri="{BB962C8B-B14F-4D97-AF65-F5344CB8AC3E}">
+        <p14:creationId xmlns:p14="http://schemas.microsoft.com/office/powerpoint/2010/main" val="26673277"/>
+      </p:ext>
+    </p:extLst>
+  </p:cSld>
+  <p:clrMapOvr>
+    <a:masterClrMapping/>
+  </p:clrMapOvr>
+  <p:timing>
+    <p:tnLst>
+      <p:par>
+        <p:cTn id="1" dur="indefinite" restart="never" nodeType="tmRoot"/>
+      </p:par>
+    </p:tnLst>
+  </p:timing>
+</p:sld>
+</file>
+
+<file path=ppt/slides/slide41.xml><?xml version="1.0" encoding="utf-8"?>
+<p:sld xmlns:a="http://schemas.openxmlformats.org/drawingml/2006/main" xmlns:r="http://schemas.openxmlformats.org/officeDocument/2006/relationships" xmlns:p="http://schemas.openxmlformats.org/presentationml/2006/main">
+  <p:cSld>
+    <p:spTree>
+      <p:nvGrpSpPr>
+        <p:cNvPr id="1" name=""/>
+        <p:cNvGrpSpPr/>
+        <p:nvPr/>
+      </p:nvGrpSpPr>
+      <p:grpSpPr>
+        <a:xfrm>
+          <a:off x="0" y="0"/>
+          <a:ext cx="0" cy="0"/>
+          <a:chOff x="0" y="0"/>
+          <a:chExt cx="0" cy="0"/>
+        </a:xfrm>
+      </p:grpSpPr>
+      <p:sp>
+        <p:nvSpPr>
+          <p:cNvPr id="2" name="Título 1"/>
+          <p:cNvSpPr>
+            <a:spLocks noGrp="1"/>
+          </p:cNvSpPr>
+          <p:nvPr>
+            <p:ph type="title"/>
+          </p:nvPr>
+        </p:nvSpPr>
+        <p:spPr>
+          <a:xfrm>
+            <a:off x="677334" y="609600"/>
+            <a:ext cx="8596668" cy="647700"/>
+          </a:xfrm>
+        </p:spPr>
+        <p:txBody>
+          <a:bodyPr/>
+          <a:lstStyle/>
+          <a:p>
+            <a:r>
+              <a:rPr lang="es-MX" dirty="0"/>
+              <a:t>Práctica</a:t>
+            </a:r>
+            <a:r>
+              <a:rPr lang="es-MX" dirty="0" smtClean="0"/>
+              <a:t> 2</a:t>
+            </a:r>
+            <a:endParaRPr lang="es-MX" dirty="0"/>
+          </a:p>
+        </p:txBody>
+      </p:sp>
+      <p:sp>
+        <p:nvSpPr>
+          <p:cNvPr id="3" name="Marcador de contenido 2"/>
+          <p:cNvSpPr>
+            <a:spLocks noGrp="1"/>
+          </p:cNvSpPr>
+          <p:nvPr>
+            <p:ph idx="1"/>
+          </p:nvPr>
+        </p:nvSpPr>
+        <p:spPr>
+          <a:xfrm>
+            <a:off x="677332" y="1257301"/>
+            <a:ext cx="9090921" cy="4784062"/>
+          </a:xfrm>
+        </p:spPr>
+        <p:txBody>
+          <a:bodyPr/>
+          <a:lstStyle/>
+          <a:p>
+            <a:r>
+              <a:rPr lang="es-MX" sz="2000" dirty="0" smtClean="0">
+                <a:latin typeface="Arial" panose="020B0604020202020204" pitchFamily="34" charset="0"/>
+                <a:cs typeface="Arial" panose="020B0604020202020204" pitchFamily="34" charset="0"/>
+              </a:rPr>
+              <a:t>Código del Paso 2:</a:t>
+            </a:r>
+            <a:endParaRPr lang="es-ES" dirty="0" smtClean="0"/>
+          </a:p>
+          <a:p>
+            <a:pPr marL="0" indent="0">
+              <a:buNone/>
+            </a:pPr>
+            <a:endParaRPr lang="es-ES" dirty="0"/>
+          </a:p>
+          <a:p>
+            <a:pPr marL="0" indent="0">
+              <a:buNone/>
+            </a:pPr>
+            <a:endParaRPr lang="es-ES" dirty="0" smtClean="0"/>
+          </a:p>
+        </p:txBody>
+      </p:sp>
+      <p:sp>
+        <p:nvSpPr>
+          <p:cNvPr id="4" name="Marcador de pie de página 3"/>
+          <p:cNvSpPr>
+            <a:spLocks noGrp="1"/>
+          </p:cNvSpPr>
+          <p:nvPr>
+            <p:ph type="ftr" sz="quarter" idx="11"/>
+          </p:nvPr>
+        </p:nvSpPr>
+        <p:spPr/>
+        <p:txBody>
+          <a:bodyPr/>
+          <a:lstStyle/>
+          <a:p>
+            <a:r>
+              <a:rPr lang="en-US" dirty="0" smtClean="0"/>
+              <a:t>Ing. Alejandro Soto Treviño</a:t>
+            </a:r>
+            <a:endParaRPr lang="en-US" dirty="0"/>
+          </a:p>
+        </p:txBody>
+      </p:sp>
+      <p:pic>
+        <p:nvPicPr>
+          <p:cNvPr id="5" name="Imagen 4"/>
+          <p:cNvPicPr>
+            <a:picLocks noChangeAspect="1"/>
+          </p:cNvPicPr>
+          <p:nvPr/>
+        </p:nvPicPr>
+        <p:blipFill>
+          <a:blip r:embed="rId2">
+            <a:extLst>
+              <a:ext uri="{28A0092B-C50C-407E-A947-70E740481C1C}">
+                <a14:useLocalDpi xmlns:a14="http://schemas.microsoft.com/office/drawing/2010/main" val="0"/>
+              </a:ext>
+            </a:extLst>
+          </a:blip>
+          <a:stretch>
+            <a:fillRect/>
+          </a:stretch>
+        </p:blipFill>
+        <p:spPr>
+          <a:xfrm>
+            <a:off x="3738621" y="138016"/>
+            <a:ext cx="3981026" cy="6360030"/>
+          </a:xfrm>
+          <a:prstGeom prst="rect">
+            <a:avLst/>
+          </a:prstGeom>
+        </p:spPr>
+      </p:pic>
+    </p:spTree>
+    <p:extLst>
+      <p:ext uri="{BB962C8B-B14F-4D97-AF65-F5344CB8AC3E}">
+        <p14:creationId xmlns:p14="http://schemas.microsoft.com/office/powerpoint/2010/main" val="607807866"/>
+      </p:ext>
+    </p:extLst>
+  </p:cSld>
+  <p:clrMapOvr>
+    <a:masterClrMapping/>
+  </p:clrMapOvr>
+  <p:timing>
+    <p:tnLst>
+      <p:par>
+        <p:cTn id="1" dur="indefinite" restart="never" nodeType="tmRoot"/>
+      </p:par>
+    </p:tnLst>
+  </p:timing>
+</p:sld>
+</file>
+
+<file path=ppt/slides/slide42.xml><?xml version="1.0" encoding="utf-8"?>
+<p:sld xmlns:a="http://schemas.openxmlformats.org/drawingml/2006/main" xmlns:r="http://schemas.openxmlformats.org/officeDocument/2006/relationships" xmlns:p="http://schemas.openxmlformats.org/presentationml/2006/main">
+  <p:cSld>
+    <p:spTree>
+      <p:nvGrpSpPr>
+        <p:cNvPr id="1" name=""/>
+        <p:cNvGrpSpPr/>
+        <p:nvPr/>
+      </p:nvGrpSpPr>
+      <p:grpSpPr>
+        <a:xfrm>
+          <a:off x="0" y="0"/>
+          <a:ext cx="0" cy="0"/>
+          <a:chOff x="0" y="0"/>
+          <a:chExt cx="0" cy="0"/>
+        </a:xfrm>
+      </p:grpSpPr>
+      <p:sp>
+        <p:nvSpPr>
+          <p:cNvPr id="2" name="Título 1"/>
+          <p:cNvSpPr>
+            <a:spLocks noGrp="1"/>
+          </p:cNvSpPr>
+          <p:nvPr>
+            <p:ph type="title"/>
+          </p:nvPr>
+        </p:nvSpPr>
+        <p:spPr>
+          <a:xfrm>
+            <a:off x="677334" y="609600"/>
+            <a:ext cx="8596668" cy="647700"/>
+          </a:xfrm>
+        </p:spPr>
+        <p:txBody>
+          <a:bodyPr/>
+          <a:lstStyle/>
+          <a:p>
+            <a:r>
+              <a:rPr lang="es-MX" dirty="0"/>
+              <a:t>Práctica</a:t>
+            </a:r>
+            <a:r>
+              <a:rPr lang="es-MX" dirty="0" smtClean="0"/>
+              <a:t> 2</a:t>
+            </a:r>
+            <a:endParaRPr lang="es-MX" dirty="0"/>
+          </a:p>
+        </p:txBody>
+      </p:sp>
+      <p:sp>
+        <p:nvSpPr>
+          <p:cNvPr id="3" name="Marcador de contenido 2"/>
+          <p:cNvSpPr>
+            <a:spLocks noGrp="1"/>
+          </p:cNvSpPr>
+          <p:nvPr>
+            <p:ph idx="1"/>
+          </p:nvPr>
+        </p:nvSpPr>
+        <p:spPr>
+          <a:xfrm>
+            <a:off x="677333" y="1257301"/>
+            <a:ext cx="8596670" cy="4784062"/>
+          </a:xfrm>
+        </p:spPr>
+        <p:txBody>
+          <a:bodyPr/>
+          <a:lstStyle/>
+          <a:p>
+            <a:r>
+              <a:rPr lang="es-MX" sz="2000" dirty="0" smtClean="0">
+                <a:latin typeface="Arial" panose="020B0604020202020204" pitchFamily="34" charset="0"/>
+                <a:cs typeface="Arial" panose="020B0604020202020204" pitchFamily="34" charset="0"/>
+              </a:rPr>
+              <a:t>Paso </a:t>
+            </a:r>
+            <a:r>
+              <a:rPr lang="es-MX" sz="2000" dirty="0">
+                <a:latin typeface="Arial" panose="020B0604020202020204" pitchFamily="34" charset="0"/>
+                <a:cs typeface="Arial" panose="020B0604020202020204" pitchFamily="34" charset="0"/>
+              </a:rPr>
+              <a:t>3</a:t>
+            </a:r>
+            <a:r>
+              <a:rPr lang="es-MX" sz="2000" dirty="0" smtClean="0">
+                <a:latin typeface="Arial" panose="020B0604020202020204" pitchFamily="34" charset="0"/>
+                <a:cs typeface="Arial" panose="020B0604020202020204" pitchFamily="34" charset="0"/>
+              </a:rPr>
+              <a:t>: </a:t>
+            </a:r>
+            <a:r>
+              <a:rPr lang="es-MX" sz="2000" dirty="0">
+                <a:latin typeface="Arial" panose="020B0604020202020204" pitchFamily="34" charset="0"/>
+                <a:cs typeface="Arial" panose="020B0604020202020204" pitchFamily="34" charset="0"/>
+              </a:rPr>
+              <a:t>Implementar la fila de </a:t>
+            </a:r>
+            <a:r>
+              <a:rPr lang="es-MX" sz="2000" dirty="0" smtClean="0">
+                <a:latin typeface="Arial" panose="020B0604020202020204" pitchFamily="34" charset="0"/>
+                <a:cs typeface="Arial" panose="020B0604020202020204" pitchFamily="34" charset="0"/>
+              </a:rPr>
+              <a:t>botones.</a:t>
+            </a:r>
+          </a:p>
+          <a:p>
+            <a:endParaRPr lang="es-MX" sz="2000" dirty="0">
+              <a:latin typeface="Arial" panose="020B0604020202020204" pitchFamily="34" charset="0"/>
+              <a:cs typeface="Arial" panose="020B0604020202020204" pitchFamily="34" charset="0"/>
+            </a:endParaRPr>
+          </a:p>
+          <a:p>
+            <a:pPr>
+              <a:buFont typeface="Arial" panose="020B0604020202020204" pitchFamily="34" charset="0"/>
+              <a:buChar char="•"/>
+            </a:pPr>
+            <a:endParaRPr lang="es-MX" sz="2000" dirty="0" smtClean="0">
+              <a:latin typeface="Arial" panose="020B0604020202020204" pitchFamily="34" charset="0"/>
+              <a:cs typeface="Arial" panose="020B0604020202020204" pitchFamily="34" charset="0"/>
+            </a:endParaRPr>
+          </a:p>
+          <a:p>
+            <a:pPr>
+              <a:buFont typeface="Arial" panose="020B0604020202020204" pitchFamily="34" charset="0"/>
+              <a:buChar char="•"/>
+            </a:pPr>
+            <a:endParaRPr lang="es-MX" sz="2000" dirty="0">
+              <a:latin typeface="Arial" panose="020B0604020202020204" pitchFamily="34" charset="0"/>
+              <a:cs typeface="Arial" panose="020B0604020202020204" pitchFamily="34" charset="0"/>
+            </a:endParaRPr>
+          </a:p>
+          <a:p>
+            <a:pPr>
+              <a:buFont typeface="Arial" panose="020B0604020202020204" pitchFamily="34" charset="0"/>
+              <a:buChar char="•"/>
+            </a:pPr>
+            <a:endParaRPr lang="es-MX" sz="2000" dirty="0" smtClean="0">
+              <a:latin typeface="Arial" panose="020B0604020202020204" pitchFamily="34" charset="0"/>
+              <a:cs typeface="Arial" panose="020B0604020202020204" pitchFamily="34" charset="0"/>
+            </a:endParaRPr>
+          </a:p>
+          <a:p>
+            <a:pPr>
+              <a:buFont typeface="Arial" panose="020B0604020202020204" pitchFamily="34" charset="0"/>
+              <a:buChar char="•"/>
+            </a:pPr>
+            <a:endParaRPr lang="es-MX" sz="2000" dirty="0">
+              <a:latin typeface="Arial" panose="020B0604020202020204" pitchFamily="34" charset="0"/>
+              <a:cs typeface="Arial" panose="020B0604020202020204" pitchFamily="34" charset="0"/>
+            </a:endParaRPr>
+          </a:p>
+          <a:p>
+            <a:pPr>
+              <a:buFont typeface="Arial" panose="020B0604020202020204" pitchFamily="34" charset="0"/>
+              <a:buChar char="•"/>
+            </a:pPr>
+            <a:endParaRPr lang="es-MX" sz="2000" dirty="0" smtClean="0">
+              <a:latin typeface="Arial" panose="020B0604020202020204" pitchFamily="34" charset="0"/>
+              <a:cs typeface="Arial" panose="020B0604020202020204" pitchFamily="34" charset="0"/>
+            </a:endParaRPr>
+          </a:p>
+          <a:p>
+            <a:pPr>
+              <a:buFont typeface="Arial" panose="020B0604020202020204" pitchFamily="34" charset="0"/>
+              <a:buChar char="•"/>
+            </a:pPr>
+            <a:endParaRPr lang="es-MX" sz="2000" dirty="0">
+              <a:latin typeface="Arial" panose="020B0604020202020204" pitchFamily="34" charset="0"/>
+              <a:cs typeface="Arial" panose="020B0604020202020204" pitchFamily="34" charset="0"/>
+            </a:endParaRPr>
+          </a:p>
+          <a:p>
+            <a:pPr algn="just">
+              <a:buFont typeface="Arial" panose="020B0604020202020204" pitchFamily="34" charset="0"/>
+              <a:buChar char="•"/>
+            </a:pPr>
+            <a:r>
+              <a:rPr lang="es-ES" sz="2000" dirty="0">
+                <a:latin typeface="Arial" panose="020B0604020202020204" pitchFamily="34" charset="0"/>
+                <a:cs typeface="Arial" panose="020B0604020202020204" pitchFamily="34" charset="0"/>
+              </a:rPr>
+              <a:t>La sección de botones contiene 3 columnas que utilizan la misma disposición: un icono sobre una línea de texto. Las columnas de esta fila están espaciadas uniformemente, y el texto y los iconos están pintados con el color primario.</a:t>
+            </a:r>
+            <a:endParaRPr lang="es-ES" sz="2000" dirty="0" smtClean="0">
+              <a:latin typeface="Arial" panose="020B0604020202020204" pitchFamily="34" charset="0"/>
+              <a:cs typeface="Arial" panose="020B0604020202020204" pitchFamily="34" charset="0"/>
+            </a:endParaRPr>
+          </a:p>
+          <a:p>
+            <a:pPr marL="0" indent="0">
+              <a:buNone/>
+            </a:pPr>
+            <a:endParaRPr lang="es-ES" dirty="0"/>
+          </a:p>
+          <a:p>
+            <a:pPr marL="0" indent="0">
+              <a:buNone/>
+            </a:pPr>
+            <a:endParaRPr lang="es-ES" dirty="0" smtClean="0"/>
+          </a:p>
+        </p:txBody>
+      </p:sp>
+      <p:sp>
+        <p:nvSpPr>
+          <p:cNvPr id="4" name="Marcador de pie de página 3"/>
+          <p:cNvSpPr>
+            <a:spLocks noGrp="1"/>
+          </p:cNvSpPr>
+          <p:nvPr>
+            <p:ph type="ftr" sz="quarter" idx="11"/>
+          </p:nvPr>
+        </p:nvSpPr>
+        <p:spPr/>
+        <p:txBody>
+          <a:bodyPr/>
+          <a:lstStyle/>
+          <a:p>
+            <a:r>
+              <a:rPr lang="en-US" dirty="0" smtClean="0"/>
+              <a:t>Ing. Alejandro Soto Treviño</a:t>
+            </a:r>
+            <a:endParaRPr lang="en-US" dirty="0"/>
+          </a:p>
+        </p:txBody>
+      </p:sp>
+      <p:pic>
+        <p:nvPicPr>
+          <p:cNvPr id="6" name="Imagen 5"/>
+          <p:cNvPicPr>
+            <a:picLocks noChangeAspect="1"/>
+          </p:cNvPicPr>
+          <p:nvPr/>
+        </p:nvPicPr>
+        <p:blipFill>
+          <a:blip r:embed="rId2">
+            <a:extLst>
+              <a:ext uri="{28A0092B-C50C-407E-A947-70E740481C1C}">
+                <a14:useLocalDpi xmlns:a14="http://schemas.microsoft.com/office/drawing/2010/main" val="0"/>
+              </a:ext>
+            </a:extLst>
+          </a:blip>
+          <a:stretch>
+            <a:fillRect/>
+          </a:stretch>
+        </p:blipFill>
+        <p:spPr>
+          <a:xfrm>
+            <a:off x="1693574" y="1957229"/>
+            <a:ext cx="5868219" cy="2257740"/>
+          </a:xfrm>
+          <a:prstGeom prst="rect">
+            <a:avLst/>
+          </a:prstGeom>
+        </p:spPr>
+      </p:pic>
+    </p:spTree>
+    <p:extLst>
+      <p:ext uri="{BB962C8B-B14F-4D97-AF65-F5344CB8AC3E}">
+        <p14:creationId xmlns:p14="http://schemas.microsoft.com/office/powerpoint/2010/main" val="516488603"/>
+      </p:ext>
+    </p:extLst>
+  </p:cSld>
+  <p:clrMapOvr>
+    <a:masterClrMapping/>
+  </p:clrMapOvr>
+  <p:timing>
+    <p:tnLst>
+      <p:par>
+        <p:cTn id="1" dur="indefinite" restart="never" nodeType="tmRoot"/>
+      </p:par>
+    </p:tnLst>
+  </p:timing>
+</p:sld>
+</file>
+
+<file path=ppt/slides/slide43.xml><?xml version="1.0" encoding="utf-8"?>
+<p:sld xmlns:a="http://schemas.openxmlformats.org/drawingml/2006/main" xmlns:r="http://schemas.openxmlformats.org/officeDocument/2006/relationships" xmlns:p="http://schemas.openxmlformats.org/presentationml/2006/main">
+  <p:cSld>
+    <p:spTree>
+      <p:nvGrpSpPr>
+        <p:cNvPr id="1" name=""/>
+        <p:cNvGrpSpPr/>
+        <p:nvPr/>
+      </p:nvGrpSpPr>
+      <p:grpSpPr>
+        <a:xfrm>
+          <a:off x="0" y="0"/>
+          <a:ext cx="0" cy="0"/>
+          <a:chOff x="0" y="0"/>
+          <a:chExt cx="0" cy="0"/>
+        </a:xfrm>
+      </p:grpSpPr>
+      <p:sp>
+        <p:nvSpPr>
+          <p:cNvPr id="2" name="Título 1"/>
+          <p:cNvSpPr>
+            <a:spLocks noGrp="1"/>
+          </p:cNvSpPr>
+          <p:nvPr>
+            <p:ph type="title"/>
+          </p:nvPr>
+        </p:nvSpPr>
+        <p:spPr>
+          <a:xfrm>
+            <a:off x="677334" y="222926"/>
+            <a:ext cx="8596668" cy="647700"/>
+          </a:xfrm>
+        </p:spPr>
+        <p:txBody>
+          <a:bodyPr/>
+          <a:lstStyle/>
+          <a:p>
+            <a:r>
+              <a:rPr lang="es-MX" dirty="0"/>
+              <a:t>Práctica</a:t>
+            </a:r>
+            <a:r>
+              <a:rPr lang="es-MX" dirty="0" smtClean="0"/>
+              <a:t> 2</a:t>
+            </a:r>
+            <a:endParaRPr lang="es-MX" dirty="0"/>
+          </a:p>
+        </p:txBody>
+      </p:sp>
+      <p:sp>
+        <p:nvSpPr>
+          <p:cNvPr id="3" name="Marcador de contenido 2"/>
+          <p:cNvSpPr>
+            <a:spLocks noGrp="1"/>
+          </p:cNvSpPr>
+          <p:nvPr>
+            <p:ph idx="1"/>
+          </p:nvPr>
+        </p:nvSpPr>
+        <p:spPr>
+          <a:xfrm>
+            <a:off x="1" y="782703"/>
+            <a:ext cx="3976534" cy="4281666"/>
+          </a:xfrm>
+        </p:spPr>
+        <p:txBody>
+          <a:bodyPr>
+            <a:normAutofit/>
+          </a:bodyPr>
+          <a:lstStyle/>
+          <a:p>
+            <a:r>
+              <a:rPr lang="es-MX" sz="2000" dirty="0" smtClean="0">
+                <a:latin typeface="Arial" panose="020B0604020202020204" pitchFamily="34" charset="0"/>
+                <a:cs typeface="Arial" panose="020B0604020202020204" pitchFamily="34" charset="0"/>
+              </a:rPr>
+              <a:t>Código del Paso </a:t>
+            </a:r>
+            <a:r>
+              <a:rPr lang="es-MX" sz="2000" dirty="0">
+                <a:latin typeface="Arial" panose="020B0604020202020204" pitchFamily="34" charset="0"/>
+                <a:cs typeface="Arial" panose="020B0604020202020204" pitchFamily="34" charset="0"/>
+              </a:rPr>
+              <a:t>3</a:t>
+            </a:r>
+            <a:r>
+              <a:rPr lang="es-MX" sz="2000" dirty="0" smtClean="0">
+                <a:latin typeface="Arial" panose="020B0604020202020204" pitchFamily="34" charset="0"/>
+                <a:cs typeface="Arial" panose="020B0604020202020204" pitchFamily="34" charset="0"/>
+              </a:rPr>
+              <a:t>:</a:t>
+            </a:r>
+            <a:endParaRPr lang="es-MX" sz="2000" dirty="0">
+              <a:latin typeface="Arial" panose="020B0604020202020204" pitchFamily="34" charset="0"/>
+              <a:cs typeface="Arial" panose="020B0604020202020204" pitchFamily="34" charset="0"/>
+            </a:endParaRPr>
+          </a:p>
+          <a:p>
+            <a:pPr marL="0" indent="0">
+              <a:buNone/>
+            </a:pPr>
+            <a:endParaRPr lang="es-MX" sz="2000" dirty="0">
+              <a:latin typeface="Arial" panose="020B0604020202020204" pitchFamily="34" charset="0"/>
+              <a:cs typeface="Arial" panose="020B0604020202020204" pitchFamily="34" charset="0"/>
+            </a:endParaRPr>
+          </a:p>
+          <a:p>
+            <a:pPr algn="just">
+              <a:buFont typeface="Arial" panose="020B0604020202020204" pitchFamily="34" charset="0"/>
+              <a:buChar char="•"/>
+            </a:pPr>
+            <a:r>
+              <a:rPr lang="es-ES" sz="2000" dirty="0" smtClean="0">
+                <a:latin typeface="Arial" panose="020B0604020202020204" pitchFamily="34" charset="0"/>
+                <a:cs typeface="Arial" panose="020B0604020202020204" pitchFamily="34" charset="0"/>
+              </a:rPr>
+              <a:t>El código </a:t>
+            </a:r>
+            <a:r>
+              <a:rPr lang="es-ES" sz="2000" dirty="0">
+                <a:latin typeface="Arial" panose="020B0604020202020204" pitchFamily="34" charset="0"/>
+                <a:cs typeface="Arial" panose="020B0604020202020204" pitchFamily="34" charset="0"/>
+              </a:rPr>
+              <a:t>para construir cada columna es casi idéntico, crea un método de ayuda privado llamado </a:t>
+            </a:r>
+            <a:r>
+              <a:rPr lang="es-ES" sz="2000" b="1" dirty="0">
+                <a:latin typeface="Arial" panose="020B0604020202020204" pitchFamily="34" charset="0"/>
+                <a:cs typeface="Arial" panose="020B0604020202020204" pitchFamily="34" charset="0"/>
+              </a:rPr>
+              <a:t>buildButtonColumn</a:t>
+            </a:r>
+            <a:r>
+              <a:rPr lang="es-ES" sz="2000" b="1" dirty="0" smtClean="0">
+                <a:latin typeface="Arial" panose="020B0604020202020204" pitchFamily="34" charset="0"/>
+                <a:cs typeface="Arial" panose="020B0604020202020204" pitchFamily="34" charset="0"/>
+              </a:rPr>
+              <a:t>(), </a:t>
+            </a:r>
+            <a:r>
+              <a:rPr lang="es-ES" sz="2000" dirty="0" smtClean="0">
+                <a:latin typeface="Arial" panose="020B0604020202020204" pitchFamily="34" charset="0"/>
+                <a:cs typeface="Arial" panose="020B0604020202020204" pitchFamily="34" charset="0"/>
+              </a:rPr>
+              <a:t>que </a:t>
+            </a:r>
+            <a:r>
+              <a:rPr lang="es-ES" sz="2000" dirty="0">
+                <a:latin typeface="Arial" panose="020B0604020202020204" pitchFamily="34" charset="0"/>
+                <a:cs typeface="Arial" panose="020B0604020202020204" pitchFamily="34" charset="0"/>
+              </a:rPr>
+              <a:t>toma un color, un Icono y Texto, y devuelve una columna con sus widgets pintados con el color dado</a:t>
+            </a:r>
+            <a:r>
+              <a:rPr lang="es-ES" sz="2000" dirty="0" smtClean="0">
+                <a:latin typeface="Arial" panose="020B0604020202020204" pitchFamily="34" charset="0"/>
+                <a:cs typeface="Arial" panose="020B0604020202020204" pitchFamily="34" charset="0"/>
+              </a:rPr>
+              <a:t>.</a:t>
+            </a:r>
+          </a:p>
+          <a:p>
+            <a:pPr algn="just">
+              <a:buFont typeface="Arial" panose="020B0604020202020204" pitchFamily="34" charset="0"/>
+              <a:buChar char="•"/>
+            </a:pPr>
+            <a:endParaRPr lang="es-ES" sz="2000" dirty="0">
+              <a:latin typeface="Arial" panose="020B0604020202020204" pitchFamily="34" charset="0"/>
+              <a:cs typeface="Arial" panose="020B0604020202020204" pitchFamily="34" charset="0"/>
+            </a:endParaRPr>
+          </a:p>
+          <a:p>
+            <a:pPr algn="just">
+              <a:buFont typeface="Arial" panose="020B0604020202020204" pitchFamily="34" charset="0"/>
+              <a:buChar char="•"/>
+            </a:pPr>
+            <a:endParaRPr lang="es-ES" sz="2000" dirty="0" smtClean="0">
+              <a:latin typeface="Arial" panose="020B0604020202020204" pitchFamily="34" charset="0"/>
+              <a:cs typeface="Arial" panose="020B0604020202020204" pitchFamily="34" charset="0"/>
+            </a:endParaRPr>
+          </a:p>
+          <a:p>
+            <a:pPr marL="0" indent="0">
+              <a:buNone/>
+            </a:pPr>
+            <a:endParaRPr lang="es-ES" dirty="0" smtClean="0"/>
+          </a:p>
+        </p:txBody>
+      </p:sp>
+      <p:sp>
+        <p:nvSpPr>
+          <p:cNvPr id="4" name="Marcador de pie de página 3"/>
+          <p:cNvSpPr>
+            <a:spLocks noGrp="1"/>
+          </p:cNvSpPr>
+          <p:nvPr>
+            <p:ph type="ftr" sz="quarter" idx="11"/>
+          </p:nvPr>
+        </p:nvSpPr>
+        <p:spPr/>
+        <p:txBody>
+          <a:bodyPr/>
+          <a:lstStyle/>
+          <a:p>
+            <a:r>
+              <a:rPr lang="en-US" dirty="0" smtClean="0"/>
+              <a:t>Ing. Alejandro Soto Treviño</a:t>
+            </a:r>
+            <a:endParaRPr lang="en-US" dirty="0"/>
+          </a:p>
+        </p:txBody>
+      </p:sp>
+      <p:pic>
+        <p:nvPicPr>
+          <p:cNvPr id="7" name="Imagen 6"/>
+          <p:cNvPicPr>
+            <a:picLocks noChangeAspect="1"/>
+          </p:cNvPicPr>
+          <p:nvPr/>
+        </p:nvPicPr>
+        <p:blipFill rotWithShape="1">
+          <a:blip r:embed="rId2">
+            <a:extLst>
+              <a:ext uri="{28A0092B-C50C-407E-A947-70E740481C1C}">
+                <a14:useLocalDpi xmlns:a14="http://schemas.microsoft.com/office/drawing/2010/main" val="0"/>
+              </a:ext>
+            </a:extLst>
+          </a:blip>
+          <a:srcRect t="20705" r="5620"/>
+          <a:stretch/>
+        </p:blipFill>
+        <p:spPr>
+          <a:xfrm>
+            <a:off x="4079864" y="-28492"/>
+            <a:ext cx="5790163" cy="4366149"/>
+          </a:xfrm>
+          <a:prstGeom prst="rect">
+            <a:avLst/>
+          </a:prstGeom>
+          <a:effectLst>
+            <a:softEdge rad="31750"/>
+          </a:effectLst>
+        </p:spPr>
+      </p:pic>
+      <p:pic>
+        <p:nvPicPr>
+          <p:cNvPr id="8" name="Imagen 7"/>
+          <p:cNvPicPr>
+            <a:picLocks noChangeAspect="1"/>
+          </p:cNvPicPr>
+          <p:nvPr/>
+        </p:nvPicPr>
+        <p:blipFill>
+          <a:blip r:embed="rId3">
+            <a:extLst>
+              <a:ext uri="{28A0092B-C50C-407E-A947-70E740481C1C}">
+                <a14:useLocalDpi xmlns:a14="http://schemas.microsoft.com/office/drawing/2010/main" val="0"/>
+              </a:ext>
+            </a:extLst>
+          </a:blip>
+          <a:stretch>
+            <a:fillRect/>
+          </a:stretch>
+        </p:blipFill>
+        <p:spPr>
+          <a:xfrm>
+            <a:off x="4380382" y="4395087"/>
+            <a:ext cx="4544059" cy="2410161"/>
+          </a:xfrm>
+          <a:prstGeom prst="rect">
+            <a:avLst/>
+          </a:prstGeom>
+        </p:spPr>
+      </p:pic>
+      <p:sp>
+        <p:nvSpPr>
+          <p:cNvPr id="9" name="CuadroTexto 8"/>
+          <p:cNvSpPr txBox="1"/>
+          <p:nvPr/>
+        </p:nvSpPr>
+        <p:spPr>
+          <a:xfrm>
+            <a:off x="967155" y="5183533"/>
+            <a:ext cx="2385127" cy="954107"/>
+          </a:xfrm>
+          <a:prstGeom prst="rect">
+            <a:avLst/>
+          </a:prstGeom>
+        </p:spPr>
+        <p:style>
+          <a:lnRef idx="2">
+            <a:schemeClr val="accent1">
+              <a:shade val="50000"/>
+            </a:schemeClr>
+          </a:lnRef>
+          <a:fillRef idx="1">
+            <a:schemeClr val="accent1"/>
+          </a:fillRef>
+          <a:effectRef idx="0">
+            <a:schemeClr val="accent1"/>
+          </a:effectRef>
+          <a:fontRef idx="minor">
+            <a:schemeClr val="lt1"/>
+          </a:fontRef>
+        </p:style>
+        <p:txBody>
+          <a:bodyPr wrap="square" rtlCol="0">
+            <a:spAutoFit/>
+          </a:bodyPr>
+          <a:lstStyle/>
+          <a:p>
+            <a:r>
+              <a:rPr lang="es-MX" sz="1400" dirty="0" smtClean="0">
+                <a:latin typeface="Arial" panose="020B0604020202020204" pitchFamily="34" charset="0"/>
+                <a:cs typeface="Arial" panose="020B0604020202020204" pitchFamily="34" charset="0"/>
+              </a:rPr>
+              <a:t>Llamada al método creado anteriormente para crear cada columna de botones dentro de un Row</a:t>
+            </a:r>
+            <a:endParaRPr lang="es-MX" sz="1400" dirty="0">
+              <a:latin typeface="Arial" panose="020B0604020202020204" pitchFamily="34" charset="0"/>
+              <a:cs typeface="Arial" panose="020B0604020202020204" pitchFamily="34" charset="0"/>
+            </a:endParaRPr>
+          </a:p>
+        </p:txBody>
+      </p:sp>
+      <p:sp>
+        <p:nvSpPr>
+          <p:cNvPr id="10" name="Flecha derecha 9"/>
+          <p:cNvSpPr/>
+          <p:nvPr/>
+        </p:nvSpPr>
+        <p:spPr>
+          <a:xfrm>
+            <a:off x="3501451" y="5506988"/>
+            <a:ext cx="729762" cy="307196"/>
+          </a:xfrm>
+          <a:prstGeom prst="rightArrow">
+            <a:avLst/>
+          </a:prstGeom>
+        </p:spPr>
+        <p:style>
+          <a:lnRef idx="2">
+            <a:schemeClr val="accent1">
+              <a:shade val="50000"/>
+            </a:schemeClr>
+          </a:lnRef>
+          <a:fillRef idx="1">
+            <a:schemeClr val="accent1"/>
+          </a:fillRef>
+          <a:effectRef idx="0">
+            <a:schemeClr val="accent1"/>
+          </a:effectRef>
+          <a:fontRef idx="minor">
+            <a:schemeClr val="lt1"/>
+          </a:fontRef>
+        </p:style>
+        <p:txBody>
+          <a:bodyPr rtlCol="0" anchor="ctr"/>
+          <a:lstStyle/>
+          <a:p>
+            <a:pPr algn="ctr"/>
+            <a:endParaRPr lang="es-MX"/>
+          </a:p>
+        </p:txBody>
+      </p:sp>
+    </p:spTree>
+    <p:extLst>
+      <p:ext uri="{BB962C8B-B14F-4D97-AF65-F5344CB8AC3E}">
+        <p14:creationId xmlns:p14="http://schemas.microsoft.com/office/powerpoint/2010/main" val="1965837689"/>
+      </p:ext>
+    </p:extLst>
+  </p:cSld>
+  <p:clrMapOvr>
+    <a:masterClrMapping/>
+  </p:clrMapOvr>
+  <p:timing>
+    <p:tnLst>
+      <p:par>
+        <p:cTn id="1" dur="indefinite" restart="never" nodeType="tmRoot"/>
+      </p:par>
+    </p:tnLst>
+  </p:timing>
+</p:sld>
+</file>
+
+<file path=ppt/slides/slide44.xml><?xml version="1.0" encoding="utf-8"?>
+<p:sld xmlns:a="http://schemas.openxmlformats.org/drawingml/2006/main" xmlns:r="http://schemas.openxmlformats.org/officeDocument/2006/relationships" xmlns:p="http://schemas.openxmlformats.org/presentationml/2006/main">
+  <p:cSld>
+    <p:spTree>
+      <p:nvGrpSpPr>
+        <p:cNvPr id="1" name=""/>
+        <p:cNvGrpSpPr/>
+        <p:nvPr/>
+      </p:nvGrpSpPr>
+      <p:grpSpPr>
+        <a:xfrm>
+          <a:off x="0" y="0"/>
+          <a:ext cx="0" cy="0"/>
+          <a:chOff x="0" y="0"/>
+          <a:chExt cx="0" cy="0"/>
+        </a:xfrm>
+      </p:grpSpPr>
+      <p:sp>
+        <p:nvSpPr>
+          <p:cNvPr id="2" name="Título 1"/>
+          <p:cNvSpPr>
+            <a:spLocks noGrp="1"/>
+          </p:cNvSpPr>
+          <p:nvPr>
+            <p:ph type="title"/>
+          </p:nvPr>
+        </p:nvSpPr>
+        <p:spPr>
+          <a:xfrm>
+            <a:off x="677334" y="222926"/>
+            <a:ext cx="8596668" cy="647700"/>
+          </a:xfrm>
+        </p:spPr>
+        <p:txBody>
+          <a:bodyPr/>
+          <a:lstStyle/>
+          <a:p>
+            <a:r>
+              <a:rPr lang="es-MX" dirty="0"/>
+              <a:t>Práctica</a:t>
+            </a:r>
+            <a:r>
+              <a:rPr lang="es-MX" dirty="0" smtClean="0"/>
+              <a:t> 2</a:t>
+            </a:r>
+            <a:endParaRPr lang="es-MX" dirty="0"/>
+          </a:p>
+        </p:txBody>
+      </p:sp>
+      <p:sp>
+        <p:nvSpPr>
+          <p:cNvPr id="3" name="Marcador de contenido 2"/>
+          <p:cNvSpPr>
+            <a:spLocks noGrp="1"/>
+          </p:cNvSpPr>
+          <p:nvPr>
+            <p:ph idx="1"/>
+          </p:nvPr>
+        </p:nvSpPr>
+        <p:spPr>
+          <a:xfrm>
+            <a:off x="536659" y="862020"/>
+            <a:ext cx="9002996" cy="5433271"/>
+          </a:xfrm>
+        </p:spPr>
+        <p:txBody>
+          <a:bodyPr>
+            <a:normAutofit/>
+          </a:bodyPr>
+          <a:lstStyle/>
+          <a:p>
+            <a:r>
+              <a:rPr lang="es-MX" sz="2000" dirty="0" smtClean="0">
+                <a:latin typeface="Arial" panose="020B0604020202020204" pitchFamily="34" charset="0"/>
+                <a:cs typeface="Arial" panose="020B0604020202020204" pitchFamily="34" charset="0"/>
+              </a:rPr>
+              <a:t>Paso 4: </a:t>
+            </a:r>
+            <a:r>
+              <a:rPr lang="es-ES" sz="2000" dirty="0">
+                <a:latin typeface="Arial" panose="020B0604020202020204" pitchFamily="34" charset="0"/>
+                <a:cs typeface="Arial" panose="020B0604020202020204" pitchFamily="34" charset="0"/>
+              </a:rPr>
+              <a:t>Implementar la sección de texto</a:t>
+            </a:r>
+            <a:endParaRPr lang="es-MX" sz="2000" dirty="0">
+              <a:latin typeface="Arial" panose="020B0604020202020204" pitchFamily="34" charset="0"/>
+              <a:cs typeface="Arial" panose="020B0604020202020204" pitchFamily="34" charset="0"/>
+            </a:endParaRPr>
+          </a:p>
+          <a:p>
+            <a:pPr marL="0" indent="0">
+              <a:buNone/>
+            </a:pPr>
+            <a:endParaRPr lang="es-MX" sz="2000" dirty="0">
+              <a:latin typeface="Arial" panose="020B0604020202020204" pitchFamily="34" charset="0"/>
+              <a:cs typeface="Arial" panose="020B0604020202020204" pitchFamily="34" charset="0"/>
+            </a:endParaRPr>
+          </a:p>
+          <a:p>
+            <a:pPr algn="just">
+              <a:buFont typeface="Arial" panose="020B0604020202020204" pitchFamily="34" charset="0"/>
+              <a:buChar char="•"/>
+            </a:pPr>
+            <a:r>
+              <a:rPr lang="es-ES" sz="2000" dirty="0">
+                <a:latin typeface="Arial" panose="020B0604020202020204" pitchFamily="34" charset="0"/>
+                <a:cs typeface="Arial" panose="020B0604020202020204" pitchFamily="34" charset="0"/>
+              </a:rPr>
+              <a:t>Define la sección de texto como una variable. Pon el texto en un </a:t>
+            </a:r>
+            <a:r>
+              <a:rPr lang="es-ES" sz="2000" b="1" dirty="0">
+                <a:latin typeface="Arial" panose="020B0604020202020204" pitchFamily="34" charset="0"/>
+                <a:cs typeface="Arial" panose="020B0604020202020204" pitchFamily="34" charset="0"/>
+              </a:rPr>
+              <a:t>Container</a:t>
+            </a:r>
+            <a:r>
+              <a:rPr lang="es-ES" sz="2000" dirty="0">
+                <a:latin typeface="Arial" panose="020B0604020202020204" pitchFamily="34" charset="0"/>
+                <a:cs typeface="Arial" panose="020B0604020202020204" pitchFamily="34" charset="0"/>
+              </a:rPr>
+              <a:t> y agrega padding a lo largo de cada </a:t>
+            </a:r>
+            <a:r>
+              <a:rPr lang="es-ES" sz="2000" dirty="0" smtClean="0">
+                <a:latin typeface="Arial" panose="020B0604020202020204" pitchFamily="34" charset="0"/>
+                <a:cs typeface="Arial" panose="020B0604020202020204" pitchFamily="34" charset="0"/>
+              </a:rPr>
+              <a:t>borde.</a:t>
+            </a:r>
+          </a:p>
+          <a:p>
+            <a:pPr algn="just">
+              <a:buFont typeface="Arial" panose="020B0604020202020204" pitchFamily="34" charset="0"/>
+              <a:buChar char="•"/>
+            </a:pPr>
+            <a:endParaRPr lang="es-ES" sz="2000" dirty="0">
+              <a:latin typeface="Arial" panose="020B0604020202020204" pitchFamily="34" charset="0"/>
+              <a:cs typeface="Arial" panose="020B0604020202020204" pitchFamily="34" charset="0"/>
+            </a:endParaRPr>
+          </a:p>
+          <a:p>
+            <a:pPr algn="just">
+              <a:buFont typeface="Arial" panose="020B0604020202020204" pitchFamily="34" charset="0"/>
+              <a:buChar char="•"/>
+            </a:pPr>
+            <a:endParaRPr lang="es-ES" sz="2000" dirty="0" smtClean="0">
+              <a:latin typeface="Arial" panose="020B0604020202020204" pitchFamily="34" charset="0"/>
+              <a:cs typeface="Arial" panose="020B0604020202020204" pitchFamily="34" charset="0"/>
+            </a:endParaRPr>
+          </a:p>
+          <a:p>
+            <a:pPr algn="just">
+              <a:buFont typeface="Arial" panose="020B0604020202020204" pitchFamily="34" charset="0"/>
+              <a:buChar char="•"/>
+            </a:pPr>
+            <a:endParaRPr lang="es-ES" sz="2000" dirty="0">
+              <a:latin typeface="Arial" panose="020B0604020202020204" pitchFamily="34" charset="0"/>
+              <a:cs typeface="Arial" panose="020B0604020202020204" pitchFamily="34" charset="0"/>
+            </a:endParaRPr>
+          </a:p>
+          <a:p>
+            <a:pPr algn="just">
+              <a:buFont typeface="Arial" panose="020B0604020202020204" pitchFamily="34" charset="0"/>
+              <a:buChar char="•"/>
+            </a:pPr>
+            <a:endParaRPr lang="es-ES" sz="2000" dirty="0" smtClean="0">
+              <a:latin typeface="Arial" panose="020B0604020202020204" pitchFamily="34" charset="0"/>
+              <a:cs typeface="Arial" panose="020B0604020202020204" pitchFamily="34" charset="0"/>
+            </a:endParaRPr>
+          </a:p>
+          <a:p>
+            <a:pPr algn="just">
+              <a:buFont typeface="Arial" panose="020B0604020202020204" pitchFamily="34" charset="0"/>
+              <a:buChar char="•"/>
+            </a:pPr>
+            <a:endParaRPr lang="es-ES" sz="2000" dirty="0" smtClean="0">
+              <a:latin typeface="Arial" panose="020B0604020202020204" pitchFamily="34" charset="0"/>
+              <a:cs typeface="Arial" panose="020B0604020202020204" pitchFamily="34" charset="0"/>
+            </a:endParaRPr>
+          </a:p>
+          <a:p>
+            <a:pPr algn="just">
+              <a:buFont typeface="Arial" panose="020B0604020202020204" pitchFamily="34" charset="0"/>
+              <a:buChar char="•"/>
+            </a:pPr>
+            <a:endParaRPr lang="es-ES" sz="2000" dirty="0">
+              <a:latin typeface="Arial" panose="020B0604020202020204" pitchFamily="34" charset="0"/>
+              <a:cs typeface="Arial" panose="020B0604020202020204" pitchFamily="34" charset="0"/>
+            </a:endParaRPr>
+          </a:p>
+          <a:p>
+            <a:pPr algn="just">
+              <a:buFont typeface="Arial" panose="020B0604020202020204" pitchFamily="34" charset="0"/>
+              <a:buChar char="•"/>
+            </a:pPr>
+            <a:r>
+              <a:rPr lang="es-ES" sz="2000" dirty="0">
+                <a:latin typeface="Arial" panose="020B0604020202020204" pitchFamily="34" charset="0"/>
+                <a:cs typeface="Arial" panose="020B0604020202020204" pitchFamily="34" charset="0"/>
+              </a:rPr>
+              <a:t>Al establecer </a:t>
+            </a:r>
+            <a:r>
+              <a:rPr lang="es-ES" sz="2000" b="1" dirty="0" err="1">
+                <a:latin typeface="Arial" panose="020B0604020202020204" pitchFamily="34" charset="0"/>
+                <a:cs typeface="Arial" panose="020B0604020202020204" pitchFamily="34" charset="0"/>
+              </a:rPr>
+              <a:t>softwrap</a:t>
+            </a:r>
+            <a:r>
+              <a:rPr lang="es-ES" sz="2000" dirty="0">
+                <a:latin typeface="Arial" panose="020B0604020202020204" pitchFamily="34" charset="0"/>
+                <a:cs typeface="Arial" panose="020B0604020202020204" pitchFamily="34" charset="0"/>
+              </a:rPr>
+              <a:t> a </a:t>
+            </a:r>
+            <a:r>
+              <a:rPr lang="es-ES" sz="2000" b="1" dirty="0">
+                <a:latin typeface="Arial" panose="020B0604020202020204" pitchFamily="34" charset="0"/>
+                <a:cs typeface="Arial" panose="020B0604020202020204" pitchFamily="34" charset="0"/>
+              </a:rPr>
+              <a:t>true</a:t>
+            </a:r>
+            <a:r>
+              <a:rPr lang="es-ES" sz="2000" dirty="0">
+                <a:latin typeface="Arial" panose="020B0604020202020204" pitchFamily="34" charset="0"/>
+                <a:cs typeface="Arial" panose="020B0604020202020204" pitchFamily="34" charset="0"/>
+              </a:rPr>
+              <a:t>, las líneas de texto rellenarán el ancho de la columna antes de ajustarla al límite de una palabra.</a:t>
+            </a:r>
+          </a:p>
+          <a:p>
+            <a:pPr marL="0" indent="0" algn="just">
+              <a:buNone/>
+            </a:pPr>
+            <a:endParaRPr lang="es-ES" sz="2000" dirty="0">
+              <a:latin typeface="Arial" panose="020B0604020202020204" pitchFamily="34" charset="0"/>
+              <a:cs typeface="Arial" panose="020B0604020202020204" pitchFamily="34" charset="0"/>
+            </a:endParaRPr>
+          </a:p>
+          <a:p>
+            <a:pPr algn="just">
+              <a:buFont typeface="Arial" panose="020B0604020202020204" pitchFamily="34" charset="0"/>
+              <a:buChar char="•"/>
+            </a:pPr>
+            <a:endParaRPr lang="es-ES" sz="2000" dirty="0" smtClean="0">
+              <a:latin typeface="Arial" panose="020B0604020202020204" pitchFamily="34" charset="0"/>
+              <a:cs typeface="Arial" panose="020B0604020202020204" pitchFamily="34" charset="0"/>
+            </a:endParaRPr>
+          </a:p>
+          <a:p>
+            <a:pPr marL="0" indent="0">
+              <a:buNone/>
+            </a:pPr>
+            <a:endParaRPr lang="es-ES" dirty="0" smtClean="0"/>
+          </a:p>
+        </p:txBody>
+      </p:sp>
+      <p:sp>
+        <p:nvSpPr>
+          <p:cNvPr id="4" name="Marcador de pie de página 3"/>
+          <p:cNvSpPr>
+            <a:spLocks noGrp="1"/>
+          </p:cNvSpPr>
+          <p:nvPr>
+            <p:ph type="ftr" sz="quarter" idx="11"/>
+          </p:nvPr>
+        </p:nvSpPr>
+        <p:spPr/>
+        <p:txBody>
+          <a:bodyPr/>
+          <a:lstStyle/>
+          <a:p>
+            <a:r>
+              <a:rPr lang="en-US" dirty="0" smtClean="0"/>
+              <a:t>Ing. Alejandro Soto Treviño</a:t>
+            </a:r>
+            <a:endParaRPr lang="en-US" dirty="0"/>
+          </a:p>
+        </p:txBody>
+      </p:sp>
+      <p:pic>
+        <p:nvPicPr>
+          <p:cNvPr id="5" name="Imagen 4"/>
+          <p:cNvPicPr>
+            <a:picLocks noChangeAspect="1"/>
+          </p:cNvPicPr>
+          <p:nvPr/>
+        </p:nvPicPr>
+        <p:blipFill>
+          <a:blip r:embed="rId2">
+            <a:extLst>
+              <a:ext uri="{28A0092B-C50C-407E-A947-70E740481C1C}">
+                <a14:useLocalDpi xmlns:a14="http://schemas.microsoft.com/office/drawing/2010/main" val="0"/>
+              </a:ext>
+            </a:extLst>
+          </a:blip>
+          <a:stretch>
+            <a:fillRect/>
+          </a:stretch>
+        </p:blipFill>
+        <p:spPr>
+          <a:xfrm>
+            <a:off x="6139033" y="587780"/>
+            <a:ext cx="2626898" cy="1101887"/>
+          </a:xfrm>
+          <a:prstGeom prst="rect">
+            <a:avLst/>
+          </a:prstGeom>
+        </p:spPr>
+      </p:pic>
+      <p:pic>
+        <p:nvPicPr>
+          <p:cNvPr id="11" name="Imagen 10"/>
+          <p:cNvPicPr>
+            <a:picLocks noChangeAspect="1"/>
+          </p:cNvPicPr>
+          <p:nvPr/>
+        </p:nvPicPr>
+        <p:blipFill>
+          <a:blip r:embed="rId3">
+            <a:extLst>
+              <a:ext uri="{28A0092B-C50C-407E-A947-70E740481C1C}">
+                <a14:useLocalDpi xmlns:a14="http://schemas.microsoft.com/office/drawing/2010/main" val="0"/>
+              </a:ext>
+            </a:extLst>
+          </a:blip>
+          <a:stretch>
+            <a:fillRect/>
+          </a:stretch>
+        </p:blipFill>
+        <p:spPr>
+          <a:xfrm>
+            <a:off x="1751840" y="2399099"/>
+            <a:ext cx="6972776" cy="2718024"/>
+          </a:xfrm>
+          <a:prstGeom prst="rect">
+            <a:avLst/>
+          </a:prstGeom>
+        </p:spPr>
+      </p:pic>
+    </p:spTree>
+    <p:extLst>
+      <p:ext uri="{BB962C8B-B14F-4D97-AF65-F5344CB8AC3E}">
+        <p14:creationId xmlns:p14="http://schemas.microsoft.com/office/powerpoint/2010/main" val="502031603"/>
+      </p:ext>
+    </p:extLst>
+  </p:cSld>
+  <p:clrMapOvr>
+    <a:masterClrMapping/>
+  </p:clrMapOvr>
+  <p:timing>
+    <p:tnLst>
+      <p:par>
+        <p:cTn id="1" dur="indefinite" restart="never" nodeType="tmRoot"/>
+      </p:par>
+    </p:tnLst>
+  </p:timing>
+</p:sld>
+</file>
+
+<file path=ppt/slides/slide45.xml><?xml version="1.0" encoding="utf-8"?>
+<p:sld xmlns:a="http://schemas.openxmlformats.org/drawingml/2006/main" xmlns:r="http://schemas.openxmlformats.org/officeDocument/2006/relationships" xmlns:p="http://schemas.openxmlformats.org/presentationml/2006/main">
+  <p:cSld>
+    <p:spTree>
+      <p:nvGrpSpPr>
+        <p:cNvPr id="1" name=""/>
+        <p:cNvGrpSpPr/>
+        <p:nvPr/>
+      </p:nvGrpSpPr>
+      <p:grpSpPr>
+        <a:xfrm>
+          <a:off x="0" y="0"/>
+          <a:ext cx="0" cy="0"/>
+          <a:chOff x="0" y="0"/>
+          <a:chExt cx="0" cy="0"/>
+        </a:xfrm>
+      </p:grpSpPr>
+      <p:sp>
+        <p:nvSpPr>
+          <p:cNvPr id="2" name="Título 1"/>
+          <p:cNvSpPr>
+            <a:spLocks noGrp="1"/>
+          </p:cNvSpPr>
+          <p:nvPr>
+            <p:ph type="title"/>
+          </p:nvPr>
+        </p:nvSpPr>
+        <p:spPr>
+          <a:xfrm>
+            <a:off x="677334" y="222926"/>
+            <a:ext cx="8596668" cy="647700"/>
+          </a:xfrm>
+        </p:spPr>
+        <p:txBody>
+          <a:bodyPr/>
+          <a:lstStyle/>
+          <a:p>
+            <a:r>
+              <a:rPr lang="es-MX" dirty="0"/>
+              <a:t>Práctica</a:t>
+            </a:r>
+            <a:r>
+              <a:rPr lang="es-MX" dirty="0" smtClean="0"/>
+              <a:t> 2</a:t>
+            </a:r>
+            <a:endParaRPr lang="es-MX" dirty="0"/>
+          </a:p>
+        </p:txBody>
+      </p:sp>
+      <p:sp>
+        <p:nvSpPr>
+          <p:cNvPr id="3" name="Marcador de contenido 2"/>
+          <p:cNvSpPr>
+            <a:spLocks noGrp="1"/>
+          </p:cNvSpPr>
+          <p:nvPr>
+            <p:ph idx="1"/>
+          </p:nvPr>
+        </p:nvSpPr>
+        <p:spPr>
+          <a:xfrm>
+            <a:off x="536659" y="862020"/>
+            <a:ext cx="9002996" cy="5433271"/>
+          </a:xfrm>
+        </p:spPr>
+        <p:txBody>
+          <a:bodyPr>
+            <a:normAutofit/>
+          </a:bodyPr>
+          <a:lstStyle/>
+          <a:p>
+            <a:r>
+              <a:rPr lang="es-MX" sz="2000" dirty="0" smtClean="0">
+                <a:latin typeface="Arial" panose="020B0604020202020204" pitchFamily="34" charset="0"/>
+                <a:cs typeface="Arial" panose="020B0604020202020204" pitchFamily="34" charset="0"/>
+              </a:rPr>
+              <a:t>Paso 5: Implementar la sección de imagen</a:t>
+            </a:r>
+            <a:endParaRPr lang="es-MX" sz="2000" dirty="0">
+              <a:latin typeface="Arial" panose="020B0604020202020204" pitchFamily="34" charset="0"/>
+              <a:cs typeface="Arial" panose="020B0604020202020204" pitchFamily="34" charset="0"/>
+            </a:endParaRPr>
+          </a:p>
+          <a:p>
+            <a:pPr algn="just">
+              <a:buFont typeface="Arial" panose="020B0604020202020204" pitchFamily="34" charset="0"/>
+              <a:buChar char="•"/>
+            </a:pPr>
+            <a:endParaRPr lang="es-ES" sz="2000" dirty="0" smtClean="0">
+              <a:latin typeface="Arial" panose="020B0604020202020204" pitchFamily="34" charset="0"/>
+              <a:cs typeface="Arial" panose="020B0604020202020204" pitchFamily="34" charset="0"/>
+            </a:endParaRPr>
+          </a:p>
+          <a:p>
+            <a:pPr algn="just">
+              <a:buFont typeface="Arial" panose="020B0604020202020204" pitchFamily="34" charset="0"/>
+              <a:buChar char="•"/>
+            </a:pPr>
+            <a:endParaRPr lang="es-ES" sz="2000" dirty="0">
+              <a:latin typeface="Arial" panose="020B0604020202020204" pitchFamily="34" charset="0"/>
+              <a:cs typeface="Arial" panose="020B0604020202020204" pitchFamily="34" charset="0"/>
+            </a:endParaRPr>
+          </a:p>
+          <a:p>
+            <a:pPr algn="just">
+              <a:buFont typeface="Arial" panose="020B0604020202020204" pitchFamily="34" charset="0"/>
+              <a:buChar char="•"/>
+            </a:pPr>
+            <a:endParaRPr lang="es-ES" sz="2000" dirty="0" smtClean="0">
+              <a:latin typeface="Arial" panose="020B0604020202020204" pitchFamily="34" charset="0"/>
+              <a:cs typeface="Arial" panose="020B0604020202020204" pitchFamily="34" charset="0"/>
+            </a:endParaRPr>
+          </a:p>
+          <a:p>
+            <a:pPr algn="just">
+              <a:buFont typeface="Arial" panose="020B0604020202020204" pitchFamily="34" charset="0"/>
+              <a:buChar char="•"/>
+            </a:pPr>
+            <a:endParaRPr lang="es-ES" sz="2000" dirty="0" smtClean="0">
+              <a:latin typeface="Arial" panose="020B0604020202020204" pitchFamily="34" charset="0"/>
+              <a:cs typeface="Arial" panose="020B0604020202020204" pitchFamily="34" charset="0"/>
+            </a:endParaRPr>
+          </a:p>
+          <a:p>
+            <a:pPr algn="just">
+              <a:buFont typeface="Arial" panose="020B0604020202020204" pitchFamily="34" charset="0"/>
+              <a:buChar char="•"/>
+            </a:pPr>
+            <a:endParaRPr lang="es-ES" sz="2000" dirty="0" smtClean="0">
+              <a:latin typeface="Arial" panose="020B0604020202020204" pitchFamily="34" charset="0"/>
+              <a:cs typeface="Arial" panose="020B0604020202020204" pitchFamily="34" charset="0"/>
+            </a:endParaRPr>
+          </a:p>
+          <a:p>
+            <a:pPr algn="just">
+              <a:buFont typeface="Arial" panose="020B0604020202020204" pitchFamily="34" charset="0"/>
+              <a:buChar char="•"/>
+            </a:pPr>
+            <a:endParaRPr lang="es-ES" sz="2000" dirty="0">
+              <a:latin typeface="Arial" panose="020B0604020202020204" pitchFamily="34" charset="0"/>
+              <a:cs typeface="Arial" panose="020B0604020202020204" pitchFamily="34" charset="0"/>
+            </a:endParaRPr>
+          </a:p>
+          <a:p>
+            <a:pPr algn="just">
+              <a:buFont typeface="Arial" panose="020B0604020202020204" pitchFamily="34" charset="0"/>
+              <a:buChar char="•"/>
+            </a:pPr>
+            <a:endParaRPr lang="es-ES" sz="2000" dirty="0" smtClean="0">
+              <a:latin typeface="Arial" panose="020B0604020202020204" pitchFamily="34" charset="0"/>
+              <a:cs typeface="Arial" panose="020B0604020202020204" pitchFamily="34" charset="0"/>
+            </a:endParaRPr>
+          </a:p>
+          <a:p>
+            <a:pPr marL="0" indent="0" algn="just">
+              <a:buNone/>
+            </a:pPr>
+            <a:endParaRPr lang="es-ES" sz="2000" dirty="0" smtClean="0">
+              <a:latin typeface="Arial" panose="020B0604020202020204" pitchFamily="34" charset="0"/>
+              <a:cs typeface="Arial" panose="020B0604020202020204" pitchFamily="34" charset="0"/>
+            </a:endParaRPr>
+          </a:p>
+          <a:p>
+            <a:pPr marL="0" indent="0" algn="just">
+              <a:buNone/>
+            </a:pPr>
+            <a:endParaRPr lang="es-ES" sz="2000" dirty="0">
+              <a:latin typeface="Arial" panose="020B0604020202020204" pitchFamily="34" charset="0"/>
+              <a:cs typeface="Arial" panose="020B0604020202020204" pitchFamily="34" charset="0"/>
+            </a:endParaRPr>
+          </a:p>
+          <a:p>
+            <a:pPr algn="just">
+              <a:buFont typeface="Arial" panose="020B0604020202020204" pitchFamily="34" charset="0"/>
+              <a:buChar char="•"/>
+            </a:pPr>
+            <a:r>
+              <a:rPr lang="es-ES" sz="2000" dirty="0" smtClean="0">
+                <a:latin typeface="Arial" panose="020B0604020202020204" pitchFamily="34" charset="0"/>
+                <a:cs typeface="Arial" panose="020B0604020202020204" pitchFamily="34" charset="0"/>
+              </a:rPr>
+              <a:t>Recuerda agregar primero </a:t>
+            </a:r>
+            <a:r>
+              <a:rPr lang="es-ES" sz="2000" dirty="0">
+                <a:latin typeface="Arial" panose="020B0604020202020204" pitchFamily="34" charset="0"/>
+                <a:cs typeface="Arial" panose="020B0604020202020204" pitchFamily="34" charset="0"/>
+              </a:rPr>
+              <a:t>la imagen al proyecto e incluirla en el </a:t>
+            </a:r>
+            <a:r>
+              <a:rPr lang="es-ES" sz="2000" b="1" dirty="0" err="1">
+                <a:latin typeface="Arial" panose="020B0604020202020204" pitchFamily="34" charset="0"/>
+                <a:cs typeface="Arial" panose="020B0604020202020204" pitchFamily="34" charset="0"/>
+              </a:rPr>
+              <a:t>pubspec.yaml</a:t>
+            </a:r>
+            <a:endParaRPr lang="es-ES" sz="2000" b="1" dirty="0">
+              <a:latin typeface="Arial" panose="020B0604020202020204" pitchFamily="34" charset="0"/>
+              <a:cs typeface="Arial" panose="020B0604020202020204" pitchFamily="34" charset="0"/>
+            </a:endParaRPr>
+          </a:p>
+          <a:p>
+            <a:pPr marL="0" indent="0" algn="just">
+              <a:buNone/>
+            </a:pPr>
+            <a:endParaRPr lang="es-ES" sz="2000" dirty="0">
+              <a:latin typeface="Arial" panose="020B0604020202020204" pitchFamily="34" charset="0"/>
+              <a:cs typeface="Arial" panose="020B0604020202020204" pitchFamily="34" charset="0"/>
+            </a:endParaRPr>
+          </a:p>
+          <a:p>
+            <a:pPr algn="just">
+              <a:buFont typeface="Arial" panose="020B0604020202020204" pitchFamily="34" charset="0"/>
+              <a:buChar char="•"/>
+            </a:pPr>
+            <a:endParaRPr lang="es-ES" sz="2000" dirty="0" smtClean="0">
+              <a:latin typeface="Arial" panose="020B0604020202020204" pitchFamily="34" charset="0"/>
+              <a:cs typeface="Arial" panose="020B0604020202020204" pitchFamily="34" charset="0"/>
+            </a:endParaRPr>
+          </a:p>
+          <a:p>
+            <a:pPr marL="0" indent="0">
+              <a:buNone/>
+            </a:pPr>
+            <a:endParaRPr lang="es-ES" dirty="0" smtClean="0"/>
+          </a:p>
+        </p:txBody>
+      </p:sp>
+      <p:sp>
+        <p:nvSpPr>
+          <p:cNvPr id="4" name="Marcador de pie de página 3"/>
+          <p:cNvSpPr>
+            <a:spLocks noGrp="1"/>
+          </p:cNvSpPr>
+          <p:nvPr>
+            <p:ph type="ftr" sz="quarter" idx="11"/>
+          </p:nvPr>
+        </p:nvSpPr>
+        <p:spPr/>
+        <p:txBody>
+          <a:bodyPr/>
+          <a:lstStyle/>
+          <a:p>
+            <a:r>
+              <a:rPr lang="en-US" dirty="0" smtClean="0"/>
+              <a:t>Ing. Alejandro Soto Treviño</a:t>
+            </a:r>
+            <a:endParaRPr lang="en-US" dirty="0"/>
+          </a:p>
+        </p:txBody>
+      </p:sp>
+      <p:pic>
+        <p:nvPicPr>
+          <p:cNvPr id="6" name="Imagen 5"/>
+          <p:cNvPicPr>
+            <a:picLocks noChangeAspect="1"/>
+          </p:cNvPicPr>
+          <p:nvPr/>
+        </p:nvPicPr>
+        <p:blipFill>
+          <a:blip r:embed="rId2">
+            <a:extLst>
+              <a:ext uri="{28A0092B-C50C-407E-A947-70E740481C1C}">
+                <a14:useLocalDpi xmlns:a14="http://schemas.microsoft.com/office/drawing/2010/main" val="0"/>
+              </a:ext>
+            </a:extLst>
+          </a:blip>
+          <a:stretch>
+            <a:fillRect/>
+          </a:stretch>
+        </p:blipFill>
+        <p:spPr>
+          <a:xfrm>
+            <a:off x="3298548" y="1892884"/>
+            <a:ext cx="3231147" cy="2482756"/>
+          </a:xfrm>
+          <a:prstGeom prst="rect">
+            <a:avLst/>
+          </a:prstGeom>
+        </p:spPr>
+      </p:pic>
+    </p:spTree>
+    <p:extLst>
+      <p:ext uri="{BB962C8B-B14F-4D97-AF65-F5344CB8AC3E}">
+        <p14:creationId xmlns:p14="http://schemas.microsoft.com/office/powerpoint/2010/main" val="4072543312"/>
+      </p:ext>
+    </p:extLst>
+  </p:cSld>
+  <p:clrMapOvr>
+    <a:masterClrMapping/>
+  </p:clrMapOvr>
+  <p:timing>
+    <p:tnLst>
+      <p:par>
+        <p:cTn id="1" dur="indefinite" restart="never" nodeType="tmRoot"/>
+      </p:par>
+    </p:tnLst>
+  </p:timing>
+</p:sld>
+</file>
+
+<file path=ppt/slides/slide46.xml><?xml version="1.0" encoding="utf-8"?>
+<p:sld xmlns:a="http://schemas.openxmlformats.org/drawingml/2006/main" xmlns:r="http://schemas.openxmlformats.org/officeDocument/2006/relationships" xmlns:p="http://schemas.openxmlformats.org/presentationml/2006/main">
+  <p:cSld>
+    <p:spTree>
+      <p:nvGrpSpPr>
+        <p:cNvPr id="1" name=""/>
+        <p:cNvGrpSpPr/>
+        <p:nvPr/>
+      </p:nvGrpSpPr>
+      <p:grpSpPr>
+        <a:xfrm>
+          <a:off x="0" y="0"/>
+          <a:ext cx="0" cy="0"/>
+          <a:chOff x="0" y="0"/>
+          <a:chExt cx="0" cy="0"/>
+        </a:xfrm>
+      </p:grpSpPr>
+      <p:sp>
+        <p:nvSpPr>
+          <p:cNvPr id="2" name="Título 1"/>
+          <p:cNvSpPr>
+            <a:spLocks noGrp="1"/>
+          </p:cNvSpPr>
+          <p:nvPr>
+            <p:ph type="title"/>
+          </p:nvPr>
+        </p:nvSpPr>
+        <p:spPr>
+          <a:xfrm>
+            <a:off x="677334" y="222926"/>
+            <a:ext cx="8596668" cy="647700"/>
+          </a:xfrm>
+        </p:spPr>
+        <p:txBody>
+          <a:bodyPr/>
+          <a:lstStyle/>
+          <a:p>
+            <a:r>
+              <a:rPr lang="es-MX" dirty="0"/>
+              <a:t>Práctica</a:t>
+            </a:r>
+            <a:r>
+              <a:rPr lang="es-MX" dirty="0" smtClean="0"/>
+              <a:t> 2</a:t>
+            </a:r>
+            <a:endParaRPr lang="es-MX" dirty="0"/>
+          </a:p>
+        </p:txBody>
+      </p:sp>
+      <p:sp>
+        <p:nvSpPr>
+          <p:cNvPr id="3" name="Marcador de contenido 2"/>
+          <p:cNvSpPr>
+            <a:spLocks noGrp="1"/>
+          </p:cNvSpPr>
+          <p:nvPr>
+            <p:ph idx="1"/>
+          </p:nvPr>
+        </p:nvSpPr>
+        <p:spPr>
+          <a:xfrm>
+            <a:off x="369605" y="765923"/>
+            <a:ext cx="3476260" cy="5433271"/>
+          </a:xfrm>
+        </p:spPr>
+        <p:txBody>
+          <a:bodyPr>
+            <a:normAutofit/>
+          </a:bodyPr>
+          <a:lstStyle/>
+          <a:p>
+            <a:r>
+              <a:rPr lang="es-MX" sz="2000" dirty="0" smtClean="0">
+                <a:latin typeface="Arial" panose="020B0604020202020204" pitchFamily="34" charset="0"/>
+                <a:cs typeface="Arial" panose="020B0604020202020204" pitchFamily="34" charset="0"/>
+              </a:rPr>
+              <a:t>Paso 6: Dando el toque final.</a:t>
+            </a:r>
+            <a:endParaRPr lang="es-ES" sz="2000" dirty="0" smtClean="0">
+              <a:latin typeface="Arial" panose="020B0604020202020204" pitchFamily="34" charset="0"/>
+              <a:cs typeface="Arial" panose="020B0604020202020204" pitchFamily="34" charset="0"/>
+            </a:endParaRPr>
+          </a:p>
+          <a:p>
+            <a:pPr algn="just">
+              <a:buFont typeface="Arial" panose="020B0604020202020204" pitchFamily="34" charset="0"/>
+              <a:buChar char="•"/>
+            </a:pPr>
+            <a:endParaRPr lang="es-ES" sz="2000" dirty="0" smtClean="0">
+              <a:latin typeface="Arial" panose="020B0604020202020204" pitchFamily="34" charset="0"/>
+              <a:cs typeface="Arial" panose="020B0604020202020204" pitchFamily="34" charset="0"/>
+            </a:endParaRPr>
+          </a:p>
+          <a:p>
+            <a:pPr marL="0" indent="0" algn="just">
+              <a:buNone/>
+            </a:pPr>
+            <a:endParaRPr lang="es-ES" sz="2000" dirty="0" smtClean="0">
+              <a:latin typeface="Arial" panose="020B0604020202020204" pitchFamily="34" charset="0"/>
+              <a:cs typeface="Arial" panose="020B0604020202020204" pitchFamily="34" charset="0"/>
+            </a:endParaRPr>
+          </a:p>
+          <a:p>
+            <a:pPr marL="0" indent="0" algn="just">
+              <a:buNone/>
+            </a:pPr>
+            <a:endParaRPr lang="es-ES" sz="2000" dirty="0">
+              <a:latin typeface="Arial" panose="020B0604020202020204" pitchFamily="34" charset="0"/>
+              <a:cs typeface="Arial" panose="020B0604020202020204" pitchFamily="34" charset="0"/>
+            </a:endParaRPr>
+          </a:p>
+          <a:p>
+            <a:pPr algn="just">
+              <a:buFont typeface="Arial" panose="020B0604020202020204" pitchFamily="34" charset="0"/>
+              <a:buChar char="•"/>
+            </a:pPr>
+            <a:r>
+              <a:rPr lang="es-ES" sz="2000" dirty="0" smtClean="0">
+                <a:latin typeface="Arial" panose="020B0604020202020204" pitchFamily="34" charset="0"/>
+                <a:cs typeface="Arial" panose="020B0604020202020204" pitchFamily="34" charset="0"/>
+              </a:rPr>
+              <a:t>Así quedaría el método </a:t>
+            </a:r>
+            <a:r>
+              <a:rPr lang="es-ES" sz="2000" b="1" dirty="0" smtClean="0">
+                <a:latin typeface="Arial" panose="020B0604020202020204" pitchFamily="34" charset="0"/>
+                <a:cs typeface="Arial" panose="020B0604020202020204" pitchFamily="34" charset="0"/>
+              </a:rPr>
+              <a:t>build</a:t>
+            </a:r>
+            <a:r>
+              <a:rPr lang="es-ES" sz="2000" dirty="0" smtClean="0">
+                <a:latin typeface="Arial" panose="020B0604020202020204" pitchFamily="34" charset="0"/>
+                <a:cs typeface="Arial" panose="020B0604020202020204" pitchFamily="34" charset="0"/>
+              </a:rPr>
+              <a:t> de nuestro widget</a:t>
+            </a:r>
+            <a:endParaRPr lang="es-ES" sz="2000" b="1" dirty="0">
+              <a:latin typeface="Arial" panose="020B0604020202020204" pitchFamily="34" charset="0"/>
+              <a:cs typeface="Arial" panose="020B0604020202020204" pitchFamily="34" charset="0"/>
+            </a:endParaRPr>
+          </a:p>
+          <a:p>
+            <a:pPr marL="0" indent="0" algn="just">
+              <a:buNone/>
+            </a:pPr>
+            <a:endParaRPr lang="es-ES" sz="2000" dirty="0">
+              <a:latin typeface="Arial" panose="020B0604020202020204" pitchFamily="34" charset="0"/>
+              <a:cs typeface="Arial" panose="020B0604020202020204" pitchFamily="34" charset="0"/>
+            </a:endParaRPr>
+          </a:p>
+          <a:p>
+            <a:pPr algn="just">
+              <a:buFont typeface="Arial" panose="020B0604020202020204" pitchFamily="34" charset="0"/>
+              <a:buChar char="•"/>
+            </a:pPr>
+            <a:endParaRPr lang="es-ES" sz="2000" dirty="0" smtClean="0">
+              <a:latin typeface="Arial" panose="020B0604020202020204" pitchFamily="34" charset="0"/>
+              <a:cs typeface="Arial" panose="020B0604020202020204" pitchFamily="34" charset="0"/>
+            </a:endParaRPr>
+          </a:p>
+          <a:p>
+            <a:pPr marL="0" indent="0">
+              <a:buNone/>
+            </a:pPr>
+            <a:endParaRPr lang="es-ES" dirty="0" smtClean="0"/>
+          </a:p>
+        </p:txBody>
+      </p:sp>
+      <p:sp>
+        <p:nvSpPr>
+          <p:cNvPr id="4" name="Marcador de pie de página 3"/>
+          <p:cNvSpPr>
+            <a:spLocks noGrp="1"/>
+          </p:cNvSpPr>
+          <p:nvPr>
+            <p:ph type="ftr" sz="quarter" idx="11"/>
+          </p:nvPr>
+        </p:nvSpPr>
+        <p:spPr/>
+        <p:txBody>
+          <a:bodyPr/>
+          <a:lstStyle/>
+          <a:p>
+            <a:r>
+              <a:rPr lang="en-US" dirty="0" smtClean="0"/>
+              <a:t>Ing. Alejandro Soto Treviño</a:t>
+            </a:r>
+            <a:endParaRPr lang="en-US" dirty="0"/>
+          </a:p>
+        </p:txBody>
+      </p:sp>
+      <p:pic>
+        <p:nvPicPr>
+          <p:cNvPr id="5" name="Imagen 4"/>
+          <p:cNvPicPr>
+            <a:picLocks noChangeAspect="1"/>
+          </p:cNvPicPr>
+          <p:nvPr/>
+        </p:nvPicPr>
+        <p:blipFill>
+          <a:blip r:embed="rId2">
+            <a:extLst>
+              <a:ext uri="{28A0092B-C50C-407E-A947-70E740481C1C}">
+                <a14:useLocalDpi xmlns:a14="http://schemas.microsoft.com/office/drawing/2010/main" val="0"/>
+              </a:ext>
+            </a:extLst>
+          </a:blip>
+          <a:stretch>
+            <a:fillRect/>
+          </a:stretch>
+        </p:blipFill>
+        <p:spPr>
+          <a:xfrm>
+            <a:off x="4241519" y="0"/>
+            <a:ext cx="4500270" cy="6858000"/>
+          </a:xfrm>
+          <a:prstGeom prst="rect">
+            <a:avLst/>
+          </a:prstGeom>
+        </p:spPr>
+      </p:pic>
+    </p:spTree>
+    <p:extLst>
+      <p:ext uri="{BB962C8B-B14F-4D97-AF65-F5344CB8AC3E}">
+        <p14:creationId xmlns:p14="http://schemas.microsoft.com/office/powerpoint/2010/main" val="2015162146"/>
+      </p:ext>
+    </p:extLst>
+  </p:cSld>
+  <p:clrMapOvr>
+    <a:masterClrMapping/>
+  </p:clrMapOvr>
+  <p:timing>
+    <p:tnLst>
+      <p:par>
+        <p:cTn id="1" dur="indefinite" restart="never" nodeType="tmRoot"/>
+      </p:par>
+    </p:tnLst>
+  </p:timing>
+</p:sld>
+</file>
+
+<file path=ppt/slides/slide47.xml><?xml version="1.0" encoding="utf-8"?>
+<p:sld xmlns:a="http://schemas.openxmlformats.org/drawingml/2006/main" xmlns:r="http://schemas.openxmlformats.org/officeDocument/2006/relationships" xmlns:p="http://schemas.openxmlformats.org/presentationml/2006/main">
+  <p:cSld>
+    <p:spTree>
+      <p:nvGrpSpPr>
+        <p:cNvPr id="1" name=""/>
+        <p:cNvGrpSpPr/>
+        <p:nvPr/>
+      </p:nvGrpSpPr>
+      <p:grpSpPr>
+        <a:xfrm>
+          <a:off x="0" y="0"/>
+          <a:ext cx="0" cy="0"/>
+          <a:chOff x="0" y="0"/>
+          <a:chExt cx="0" cy="0"/>
+        </a:xfrm>
+      </p:grpSpPr>
+      <p:sp>
+        <p:nvSpPr>
+          <p:cNvPr id="2" name="Título 1"/>
+          <p:cNvSpPr>
+            <a:spLocks noGrp="1"/>
+          </p:cNvSpPr>
+          <p:nvPr>
+            <p:ph type="title"/>
+          </p:nvPr>
+        </p:nvSpPr>
+        <p:spPr>
+          <a:xfrm>
+            <a:off x="677334" y="257907"/>
+            <a:ext cx="8596668" cy="779585"/>
+          </a:xfrm>
+        </p:spPr>
+        <p:txBody>
+          <a:bodyPr/>
+          <a:lstStyle/>
+          <a:p>
+            <a:r>
+              <a:rPr lang="es-ES" dirty="0"/>
+              <a:t>Navegar a una nueva pantalla y volver</a:t>
+            </a:r>
+          </a:p>
+        </p:txBody>
+      </p:sp>
+      <p:sp>
+        <p:nvSpPr>
+          <p:cNvPr id="3" name="Marcador de contenido 2"/>
+          <p:cNvSpPr>
+            <a:spLocks noGrp="1"/>
+          </p:cNvSpPr>
+          <p:nvPr>
+            <p:ph idx="1"/>
+          </p:nvPr>
+        </p:nvSpPr>
+        <p:spPr>
+          <a:xfrm>
+            <a:off x="677334" y="888023"/>
+            <a:ext cx="8596668" cy="5153340"/>
+          </a:xfrm>
+        </p:spPr>
+        <p:txBody>
+          <a:bodyPr>
+            <a:normAutofit/>
+          </a:bodyPr>
+          <a:lstStyle/>
+          <a:p>
+            <a:pPr algn="just"/>
+            <a:r>
+              <a:rPr lang="es-ES" sz="2000" dirty="0">
+                <a:latin typeface="Arial" panose="020B0604020202020204" pitchFamily="34" charset="0"/>
+                <a:cs typeface="Arial" panose="020B0604020202020204" pitchFamily="34" charset="0"/>
+              </a:rPr>
+              <a:t>La mayoría de las aplicaciones contienen varias pantallas para mostrar diferentes tipos de información. Por ejemplo, una app puede tener una pantalla que muestre productos. Los usuarios pueden entonces pulsar un producto para obtener más información sobre él en una nueva pantalla</a:t>
+            </a:r>
+            <a:r>
+              <a:rPr lang="es-ES" sz="2000" dirty="0" smtClean="0">
+                <a:latin typeface="Arial" panose="020B0604020202020204" pitchFamily="34" charset="0"/>
+                <a:cs typeface="Arial" panose="020B0604020202020204" pitchFamily="34" charset="0"/>
+              </a:rPr>
+              <a:t>.</a:t>
+            </a:r>
+            <a:endParaRPr lang="es-ES" sz="2000" dirty="0">
+              <a:latin typeface="Arial" panose="020B0604020202020204" pitchFamily="34" charset="0"/>
+              <a:cs typeface="Arial" panose="020B0604020202020204" pitchFamily="34" charset="0"/>
+            </a:endParaRPr>
+          </a:p>
+          <a:p>
+            <a:pPr algn="just">
+              <a:buFont typeface="Arial" panose="020B0604020202020204" pitchFamily="34" charset="0"/>
+              <a:buChar char="•"/>
+            </a:pPr>
+            <a:r>
+              <a:rPr lang="es-ES" sz="2000" dirty="0">
+                <a:latin typeface="Arial" panose="020B0604020202020204" pitchFamily="34" charset="0"/>
+                <a:cs typeface="Arial" panose="020B0604020202020204" pitchFamily="34" charset="0"/>
+              </a:rPr>
+              <a:t>Navega a </a:t>
+            </a:r>
+            <a:r>
+              <a:rPr lang="es-ES" sz="2000" dirty="0" smtClean="0">
+                <a:latin typeface="Arial" panose="020B0604020202020204" pitchFamily="34" charset="0"/>
+                <a:cs typeface="Arial" panose="020B0604020202020204" pitchFamily="34" charset="0"/>
+              </a:rPr>
+              <a:t>una </a:t>
+            </a:r>
+            <a:r>
+              <a:rPr lang="es-ES" sz="2000" dirty="0">
+                <a:latin typeface="Arial" panose="020B0604020202020204" pitchFamily="34" charset="0"/>
+                <a:cs typeface="Arial" panose="020B0604020202020204" pitchFamily="34" charset="0"/>
+              </a:rPr>
+              <a:t>segunda ruta usando </a:t>
+            </a:r>
+            <a:r>
+              <a:rPr lang="es-ES" sz="2000" b="1" dirty="0" smtClean="0">
+                <a:latin typeface="Arial" panose="020B0604020202020204" pitchFamily="34" charset="0"/>
+                <a:cs typeface="Arial" panose="020B0604020202020204" pitchFamily="34" charset="0"/>
+              </a:rPr>
+              <a:t>Navigator.push</a:t>
+            </a:r>
+            <a:endParaRPr lang="es-MX" sz="2000" b="1" dirty="0">
+              <a:latin typeface="Arial" panose="020B0604020202020204" pitchFamily="34" charset="0"/>
+              <a:cs typeface="Arial" panose="020B0604020202020204" pitchFamily="34" charset="0"/>
+            </a:endParaRPr>
+          </a:p>
+        </p:txBody>
+      </p:sp>
+      <p:sp>
+        <p:nvSpPr>
+          <p:cNvPr id="4" name="Marcador de pie de página 3"/>
+          <p:cNvSpPr>
+            <a:spLocks noGrp="1"/>
+          </p:cNvSpPr>
+          <p:nvPr>
+            <p:ph type="ftr" sz="quarter" idx="11"/>
+          </p:nvPr>
+        </p:nvSpPr>
+        <p:spPr/>
+        <p:txBody>
+          <a:bodyPr/>
+          <a:lstStyle/>
+          <a:p>
+            <a:r>
+              <a:rPr lang="en-US" smtClean="0"/>
+              <a:t>Ing. Alejandro Soto Treviño</a:t>
+            </a:r>
+            <a:endParaRPr lang="en-US" dirty="0"/>
+          </a:p>
+        </p:txBody>
+      </p:sp>
+      <p:pic>
+        <p:nvPicPr>
+          <p:cNvPr id="6" name="Imagen 5"/>
+          <p:cNvPicPr>
+            <a:picLocks noChangeAspect="1"/>
+          </p:cNvPicPr>
+          <p:nvPr/>
+        </p:nvPicPr>
+        <p:blipFill>
+          <a:blip r:embed="rId2">
+            <a:extLst>
+              <a:ext uri="{28A0092B-C50C-407E-A947-70E740481C1C}">
+                <a14:useLocalDpi xmlns:a14="http://schemas.microsoft.com/office/drawing/2010/main" val="0"/>
+              </a:ext>
+            </a:extLst>
+          </a:blip>
+          <a:stretch>
+            <a:fillRect/>
+          </a:stretch>
+        </p:blipFill>
+        <p:spPr>
+          <a:xfrm>
+            <a:off x="2175470" y="5652064"/>
+            <a:ext cx="5640890" cy="947854"/>
+          </a:xfrm>
+          <a:prstGeom prst="rect">
+            <a:avLst/>
+          </a:prstGeom>
+        </p:spPr>
+      </p:pic>
+      <p:pic>
+        <p:nvPicPr>
+          <p:cNvPr id="7" name="Imagen 6"/>
+          <p:cNvPicPr>
+            <a:picLocks noChangeAspect="1"/>
+          </p:cNvPicPr>
+          <p:nvPr/>
+        </p:nvPicPr>
+        <p:blipFill>
+          <a:blip r:embed="rId3">
+            <a:extLst>
+              <a:ext uri="{28A0092B-C50C-407E-A947-70E740481C1C}">
+                <a14:useLocalDpi xmlns:a14="http://schemas.microsoft.com/office/drawing/2010/main" val="0"/>
+              </a:ext>
+            </a:extLst>
+          </a:blip>
+          <a:stretch>
+            <a:fillRect/>
+          </a:stretch>
+        </p:blipFill>
+        <p:spPr>
+          <a:xfrm>
+            <a:off x="845189" y="2997722"/>
+            <a:ext cx="8743778" cy="2289218"/>
+          </a:xfrm>
+          <a:prstGeom prst="rect">
+            <a:avLst/>
+          </a:prstGeom>
+        </p:spPr>
+      </p:pic>
+    </p:spTree>
+    <p:extLst>
+      <p:ext uri="{BB962C8B-B14F-4D97-AF65-F5344CB8AC3E}">
+        <p14:creationId xmlns:p14="http://schemas.microsoft.com/office/powerpoint/2010/main" val="3672182839"/>
+      </p:ext>
+    </p:extLst>
+  </p:cSld>
+  <p:clrMapOvr>
+    <a:masterClrMapping/>
+  </p:clrMapOvr>
+  <p:timing>
+    <p:tnLst>
+      <p:par>
+        <p:cTn id="1" dur="indefinite" restart="never" nodeType="tmRoot"/>
+      </p:par>
+    </p:tnLst>
+  </p:timing>
+</p:sld>
+</file>
+
+<file path=ppt/slides/slide48.xml><?xml version="1.0" encoding="utf-8"?>
+<p:sld xmlns:a="http://schemas.openxmlformats.org/drawingml/2006/main" xmlns:r="http://schemas.openxmlformats.org/officeDocument/2006/relationships" xmlns:p="http://schemas.openxmlformats.org/presentationml/2006/main">
+  <p:cSld>
+    <p:spTree>
+      <p:nvGrpSpPr>
+        <p:cNvPr id="1" name=""/>
+        <p:cNvGrpSpPr/>
+        <p:nvPr/>
+      </p:nvGrpSpPr>
+      <p:grpSpPr>
+        <a:xfrm>
+          <a:off x="0" y="0"/>
+          <a:ext cx="0" cy="0"/>
+          <a:chOff x="0" y="0"/>
+          <a:chExt cx="0" cy="0"/>
+        </a:xfrm>
+      </p:grpSpPr>
+      <p:sp>
+        <p:nvSpPr>
+          <p:cNvPr id="2" name="Título 1"/>
+          <p:cNvSpPr>
+            <a:spLocks noGrp="1"/>
+          </p:cNvSpPr>
+          <p:nvPr>
+            <p:ph type="title"/>
+          </p:nvPr>
+        </p:nvSpPr>
+        <p:spPr>
+          <a:xfrm>
+            <a:off x="677334" y="257907"/>
+            <a:ext cx="8596668" cy="779585"/>
+          </a:xfrm>
+        </p:spPr>
+        <p:txBody>
+          <a:bodyPr/>
+          <a:lstStyle/>
+          <a:p>
+            <a:r>
+              <a:rPr lang="es-ES" dirty="0"/>
+              <a:t>Navegar a una nueva pantalla y volver</a:t>
+            </a:r>
+          </a:p>
+        </p:txBody>
+      </p:sp>
+      <p:sp>
+        <p:nvSpPr>
+          <p:cNvPr id="3" name="Marcador de contenido 2"/>
+          <p:cNvSpPr>
+            <a:spLocks noGrp="1"/>
+          </p:cNvSpPr>
+          <p:nvPr>
+            <p:ph idx="1"/>
+          </p:nvPr>
+        </p:nvSpPr>
+        <p:spPr>
+          <a:xfrm>
+            <a:off x="677334" y="888023"/>
+            <a:ext cx="8596668" cy="5153340"/>
+          </a:xfrm>
+        </p:spPr>
+        <p:txBody>
+          <a:bodyPr>
+            <a:normAutofit/>
+          </a:bodyPr>
+          <a:lstStyle/>
+          <a:p>
+            <a:pPr algn="just">
+              <a:buFont typeface="Arial" panose="020B0604020202020204" pitchFamily="34" charset="0"/>
+              <a:buChar char="•"/>
+            </a:pPr>
+            <a:r>
+              <a:rPr lang="es-ES" sz="2000" dirty="0" smtClean="0">
+                <a:latin typeface="Arial" panose="020B0604020202020204" pitchFamily="34" charset="0"/>
+                <a:cs typeface="Arial" panose="020B0604020202020204" pitchFamily="34" charset="0"/>
+              </a:rPr>
+              <a:t>Regresa a la ruta anterior utilizando </a:t>
+            </a:r>
+            <a:r>
+              <a:rPr lang="es-ES" sz="2000" b="1" dirty="0" err="1" smtClean="0">
+                <a:latin typeface="Arial" panose="020B0604020202020204" pitchFamily="34" charset="0"/>
+                <a:cs typeface="Arial" panose="020B0604020202020204" pitchFamily="34" charset="0"/>
+              </a:rPr>
+              <a:t>Navigator.pop</a:t>
+            </a:r>
+            <a:endParaRPr lang="es-ES" sz="2000" b="1" dirty="0" smtClean="0">
+              <a:latin typeface="Arial" panose="020B0604020202020204" pitchFamily="34" charset="0"/>
+              <a:cs typeface="Arial" panose="020B0604020202020204" pitchFamily="34" charset="0"/>
+            </a:endParaRPr>
+          </a:p>
+          <a:p>
+            <a:pPr algn="just">
+              <a:buFont typeface="Arial" panose="020B0604020202020204" pitchFamily="34" charset="0"/>
+              <a:buChar char="•"/>
+            </a:pPr>
+            <a:endParaRPr lang="es-ES" sz="2000" b="1" dirty="0">
+              <a:latin typeface="Arial" panose="020B0604020202020204" pitchFamily="34" charset="0"/>
+              <a:cs typeface="Arial" panose="020B0604020202020204" pitchFamily="34" charset="0"/>
+            </a:endParaRPr>
+          </a:p>
+          <a:p>
+            <a:pPr algn="just">
+              <a:buFont typeface="Arial" panose="020B0604020202020204" pitchFamily="34" charset="0"/>
+              <a:buChar char="•"/>
+            </a:pPr>
+            <a:endParaRPr lang="es-ES" sz="2000" b="1" dirty="0" smtClean="0">
+              <a:latin typeface="Arial" panose="020B0604020202020204" pitchFamily="34" charset="0"/>
+              <a:cs typeface="Arial" panose="020B0604020202020204" pitchFamily="34" charset="0"/>
+            </a:endParaRPr>
+          </a:p>
+          <a:p>
+            <a:pPr algn="just">
+              <a:buFont typeface="Arial" panose="020B0604020202020204" pitchFamily="34" charset="0"/>
+              <a:buChar char="•"/>
+            </a:pPr>
+            <a:endParaRPr lang="es-ES" sz="2000" b="1" dirty="0">
+              <a:latin typeface="Arial" panose="020B0604020202020204" pitchFamily="34" charset="0"/>
+              <a:cs typeface="Arial" panose="020B0604020202020204" pitchFamily="34" charset="0"/>
+            </a:endParaRPr>
+          </a:p>
+          <a:p>
+            <a:pPr marL="0" indent="0" algn="just">
+              <a:buNone/>
+            </a:pPr>
+            <a:endParaRPr lang="es-ES" sz="2000" b="1" dirty="0">
+              <a:latin typeface="Arial" panose="020B0604020202020204" pitchFamily="34" charset="0"/>
+              <a:cs typeface="Arial" panose="020B0604020202020204" pitchFamily="34" charset="0"/>
+            </a:endParaRPr>
+          </a:p>
+          <a:p>
+            <a:pPr algn="just">
+              <a:buFont typeface="Arial" panose="020B0604020202020204" pitchFamily="34" charset="0"/>
+              <a:buChar char="•"/>
+            </a:pPr>
+            <a:r>
+              <a:rPr lang="es-ES" sz="2000" dirty="0" smtClean="0">
+                <a:latin typeface="Arial" panose="020B0604020202020204" pitchFamily="34" charset="0"/>
+                <a:cs typeface="Arial" panose="020B0604020202020204" pitchFamily="34" charset="0"/>
+              </a:rPr>
+              <a:t>Navegación enviando parámetros.</a:t>
+            </a:r>
+          </a:p>
+          <a:p>
+            <a:pPr lvl="1" algn="just">
+              <a:buFont typeface="Wingdings" panose="05000000000000000000" pitchFamily="2" charset="2"/>
+              <a:buChar char="§"/>
+            </a:pPr>
+            <a:r>
+              <a:rPr lang="es-ES" sz="1800" dirty="0" smtClean="0">
+                <a:latin typeface="Arial" panose="020B0604020202020204" pitchFamily="34" charset="0"/>
+                <a:cs typeface="Arial" panose="020B0604020202020204" pitchFamily="34" charset="0"/>
+              </a:rPr>
+              <a:t>Revisa el ejemplo inicial de Flutter </a:t>
+            </a:r>
+            <a:r>
+              <a:rPr lang="es-ES" sz="1800" b="1" dirty="0" smtClean="0">
+                <a:latin typeface="Arial" panose="020B0604020202020204" pitchFamily="34" charset="0"/>
+                <a:cs typeface="Arial" panose="020B0604020202020204" pitchFamily="34" charset="0"/>
+              </a:rPr>
+              <a:t>MyHomePage</a:t>
+            </a:r>
+            <a:r>
+              <a:rPr lang="es-ES" sz="1800" dirty="0" smtClean="0">
+                <a:latin typeface="Arial" panose="020B0604020202020204" pitchFamily="34" charset="0"/>
+                <a:cs typeface="Arial" panose="020B0604020202020204" pitchFamily="34" charset="0"/>
+              </a:rPr>
+              <a:t>.</a:t>
+            </a:r>
+          </a:p>
+          <a:p>
+            <a:pPr lvl="1" algn="just">
+              <a:buFont typeface="Wingdings" panose="05000000000000000000" pitchFamily="2" charset="2"/>
+              <a:buChar char="§"/>
+            </a:pPr>
+            <a:r>
+              <a:rPr lang="es-ES" sz="1800" dirty="0" smtClean="0">
+                <a:latin typeface="Arial" panose="020B0604020202020204" pitchFamily="34" charset="0"/>
+                <a:cs typeface="Arial" panose="020B0604020202020204" pitchFamily="34" charset="0"/>
+              </a:rPr>
+              <a:t>Agrega un atributo más a su constructor.</a:t>
+            </a:r>
+          </a:p>
+          <a:p>
+            <a:pPr lvl="1" algn="just">
+              <a:buFont typeface="Wingdings" panose="05000000000000000000" pitchFamily="2" charset="2"/>
+              <a:buChar char="§"/>
+            </a:pPr>
+            <a:r>
+              <a:rPr lang="es-ES" sz="1800" dirty="0" smtClean="0">
+                <a:latin typeface="Arial" panose="020B0604020202020204" pitchFamily="34" charset="0"/>
+                <a:cs typeface="Arial" panose="020B0604020202020204" pitchFamily="34" charset="0"/>
+              </a:rPr>
+              <a:t>Utiliza el parámetro en la Interfaz  </a:t>
+            </a:r>
+            <a:r>
+              <a:rPr lang="es-ES" sz="1800" b="1" i="1" dirty="0" smtClean="0">
+                <a:latin typeface="Arial" panose="020B0604020202020204" pitchFamily="34" charset="0"/>
+                <a:cs typeface="Arial" panose="020B0604020202020204" pitchFamily="34" charset="0"/>
+              </a:rPr>
+              <a:t>“widget.&lt;parámetro&gt;”.</a:t>
+            </a:r>
+          </a:p>
+          <a:p>
+            <a:pPr lvl="1" algn="just">
+              <a:buFont typeface="Wingdings" panose="05000000000000000000" pitchFamily="2" charset="2"/>
+              <a:buChar char="§"/>
+            </a:pPr>
+            <a:r>
+              <a:rPr lang="es-ES" sz="1800" dirty="0" smtClean="0">
+                <a:latin typeface="Arial" panose="020B0604020202020204" pitchFamily="34" charset="0"/>
+                <a:cs typeface="Arial" panose="020B0604020202020204" pitchFamily="34" charset="0"/>
+              </a:rPr>
+              <a:t>Navega hacia él enviando parámetros.</a:t>
+            </a:r>
+            <a:endParaRPr lang="es-MX" sz="1800" dirty="0">
+              <a:latin typeface="Arial" panose="020B0604020202020204" pitchFamily="34" charset="0"/>
+              <a:cs typeface="Arial" panose="020B0604020202020204" pitchFamily="34" charset="0"/>
+            </a:endParaRPr>
+          </a:p>
+        </p:txBody>
+      </p:sp>
+      <p:sp>
+        <p:nvSpPr>
+          <p:cNvPr id="4" name="Marcador de pie de página 3"/>
+          <p:cNvSpPr>
+            <a:spLocks noGrp="1"/>
+          </p:cNvSpPr>
+          <p:nvPr>
+            <p:ph type="ftr" sz="quarter" idx="11"/>
+          </p:nvPr>
+        </p:nvSpPr>
+        <p:spPr/>
+        <p:txBody>
+          <a:bodyPr/>
+          <a:lstStyle/>
+          <a:p>
+            <a:r>
+              <a:rPr lang="en-US" smtClean="0"/>
+              <a:t>Ing. Alejandro Soto Treviño</a:t>
+            </a:r>
+            <a:endParaRPr lang="en-US" dirty="0"/>
+          </a:p>
+        </p:txBody>
+      </p:sp>
+      <p:pic>
+        <p:nvPicPr>
+          <p:cNvPr id="6" name="Imagen 5"/>
+          <p:cNvPicPr>
+            <a:picLocks noChangeAspect="1"/>
+          </p:cNvPicPr>
+          <p:nvPr/>
+        </p:nvPicPr>
+        <p:blipFill>
+          <a:blip r:embed="rId2">
+            <a:extLst>
+              <a:ext uri="{28A0092B-C50C-407E-A947-70E740481C1C}">
+                <a14:useLocalDpi xmlns:a14="http://schemas.microsoft.com/office/drawing/2010/main" val="0"/>
+              </a:ext>
+            </a:extLst>
+          </a:blip>
+          <a:stretch>
+            <a:fillRect/>
+          </a:stretch>
+        </p:blipFill>
+        <p:spPr>
+          <a:xfrm>
+            <a:off x="2175470" y="5652064"/>
+            <a:ext cx="5640890" cy="947854"/>
+          </a:xfrm>
+          <a:prstGeom prst="rect">
+            <a:avLst/>
+          </a:prstGeom>
+        </p:spPr>
+      </p:pic>
+      <p:pic>
+        <p:nvPicPr>
+          <p:cNvPr id="5" name="Imagen 4"/>
+          <p:cNvPicPr>
+            <a:picLocks noChangeAspect="1"/>
+          </p:cNvPicPr>
+          <p:nvPr/>
+        </p:nvPicPr>
+        <p:blipFill>
+          <a:blip r:embed="rId3">
+            <a:extLst>
+              <a:ext uri="{28A0092B-C50C-407E-A947-70E740481C1C}">
+                <a14:useLocalDpi xmlns:a14="http://schemas.microsoft.com/office/drawing/2010/main" val="0"/>
+              </a:ext>
+            </a:extLst>
+          </a:blip>
+          <a:stretch>
+            <a:fillRect/>
+          </a:stretch>
+        </p:blipFill>
+        <p:spPr>
+          <a:xfrm>
+            <a:off x="2281445" y="1553308"/>
+            <a:ext cx="4110563" cy="1219235"/>
+          </a:xfrm>
+          <a:prstGeom prst="rect">
+            <a:avLst/>
+          </a:prstGeom>
+        </p:spPr>
+      </p:pic>
+    </p:spTree>
+    <p:extLst>
+      <p:ext uri="{BB962C8B-B14F-4D97-AF65-F5344CB8AC3E}">
+        <p14:creationId xmlns:p14="http://schemas.microsoft.com/office/powerpoint/2010/main" val="1662162509"/>
+      </p:ext>
+    </p:extLst>
+  </p:cSld>
+  <p:clrMapOvr>
+    <a:masterClrMapping/>
+  </p:clrMapOvr>
+  <p:timing>
+    <p:tnLst>
+      <p:par>
+        <p:cTn id="1" dur="indefinite" restart="never" nodeType="tmRoot"/>
+      </p:par>
+    </p:tnLst>
+  </p:timing>
+</p:sld>
+</file>
+
+<file path=ppt/slides/slide49.xml><?xml version="1.0" encoding="utf-8"?>
+<p:sld xmlns:a="http://schemas.openxmlformats.org/drawingml/2006/main" xmlns:r="http://schemas.openxmlformats.org/officeDocument/2006/relationships" xmlns:p="http://schemas.openxmlformats.org/presentationml/2006/main">
+  <p:cSld>
+    <p:spTree>
+      <p:nvGrpSpPr>
+        <p:cNvPr id="1" name=""/>
+        <p:cNvGrpSpPr/>
+        <p:nvPr/>
+      </p:nvGrpSpPr>
+      <p:grpSpPr>
+        <a:xfrm>
+          <a:off x="0" y="0"/>
+          <a:ext cx="0" cy="0"/>
+          <a:chOff x="0" y="0"/>
+          <a:chExt cx="0" cy="0"/>
+        </a:xfrm>
+      </p:grpSpPr>
+      <p:sp>
+        <p:nvSpPr>
+          <p:cNvPr id="4" name="Marcador de pie de página 3"/>
+          <p:cNvSpPr>
+            <a:spLocks noGrp="1"/>
+          </p:cNvSpPr>
+          <p:nvPr>
+            <p:ph type="ftr" sz="quarter" idx="11"/>
+          </p:nvPr>
+        </p:nvSpPr>
+        <p:spPr/>
+        <p:txBody>
+          <a:bodyPr/>
+          <a:lstStyle/>
+          <a:p>
+            <a:r>
+              <a:rPr lang="en-US" smtClean="0"/>
+              <a:t>Ing. Alejandro Soto Treviño</a:t>
+            </a:r>
+            <a:endParaRPr lang="en-US" dirty="0"/>
+          </a:p>
+        </p:txBody>
+      </p:sp>
+      <p:pic>
+        <p:nvPicPr>
+          <p:cNvPr id="5" name="Imagen 4"/>
+          <p:cNvPicPr>
+            <a:picLocks noChangeAspect="1"/>
+          </p:cNvPicPr>
+          <p:nvPr/>
+        </p:nvPicPr>
+        <p:blipFill>
+          <a:blip r:embed="rId2">
+            <a:extLst>
+              <a:ext uri="{28A0092B-C50C-407E-A947-70E740481C1C}">
+                <a14:useLocalDpi xmlns:a14="http://schemas.microsoft.com/office/drawing/2010/main" val="0"/>
+              </a:ext>
+            </a:extLst>
+          </a:blip>
+          <a:stretch>
+            <a:fillRect/>
+          </a:stretch>
+        </p:blipFill>
+        <p:spPr>
+          <a:xfrm>
+            <a:off x="2400266" y="1577837"/>
+            <a:ext cx="5890881" cy="3019583"/>
+          </a:xfrm>
+          <a:prstGeom prst="rect">
+            <a:avLst/>
+          </a:prstGeom>
+          <a:solidFill>
+            <a:schemeClr val="accent2"/>
+          </a:solidFill>
+          <a:effectLst>
+            <a:outerShdw blurRad="50800" dist="50800" dir="5400000" algn="ctr" rotWithShape="0">
+              <a:schemeClr val="tx1">
+                <a:lumMod val="50000"/>
+                <a:lumOff val="50000"/>
+              </a:schemeClr>
+            </a:outerShdw>
+          </a:effectLst>
+        </p:spPr>
+      </p:pic>
+    </p:spTree>
+    <p:extLst>
+      <p:ext uri="{BB962C8B-B14F-4D97-AF65-F5344CB8AC3E}">
+        <p14:creationId xmlns:p14="http://schemas.microsoft.com/office/powerpoint/2010/main" val="2238793027"/>
+      </p:ext>
+    </p:extLst>
+  </p:cSld>
+  <p:clrMapOvr>
+    <a:masterClrMapping/>
+  </p:clrMapOvr>
+  <p:timing>
+    <p:tnLst>
+      <p:par>
+        <p:cTn id="1" dur="indefinite" restart="never" nodeType="tmRoot"/>
+      </p:par>
+    </p:tnLst>
+  </p:timing>
+</p:sld>
+</file>
+
 <file path=ppt/slides/slide5.xml><?xml version="1.0" encoding="utf-8"?>
 <p:sld xmlns:a="http://schemas.openxmlformats.org/drawingml/2006/main" xmlns:r="http://schemas.openxmlformats.org/officeDocument/2006/relationships" xmlns:p="http://schemas.openxmlformats.org/presentationml/2006/main">
   <p:cSld>
@@ -12803,6 +16014,1093 @@
   <p:clrMapOvr>
     <a:masterClrMapping/>
   </p:clrMapOvr>
+</p:sld>
+</file>
+
+<file path=ppt/slides/slide50.xml><?xml version="1.0" encoding="utf-8"?>
+<p:sld xmlns:a="http://schemas.openxmlformats.org/drawingml/2006/main" xmlns:r="http://schemas.openxmlformats.org/officeDocument/2006/relationships" xmlns:p="http://schemas.openxmlformats.org/presentationml/2006/main">
+  <p:cSld>
+    <p:spTree>
+      <p:nvGrpSpPr>
+        <p:cNvPr id="1" name=""/>
+        <p:cNvGrpSpPr/>
+        <p:nvPr/>
+      </p:nvGrpSpPr>
+      <p:grpSpPr>
+        <a:xfrm>
+          <a:off x="0" y="0"/>
+          <a:ext cx="0" cy="0"/>
+          <a:chOff x="0" y="0"/>
+          <a:chExt cx="0" cy="0"/>
+        </a:xfrm>
+      </p:grpSpPr>
+      <p:sp>
+        <p:nvSpPr>
+          <p:cNvPr id="2" name="Título 1"/>
+          <p:cNvSpPr>
+            <a:spLocks noGrp="1"/>
+          </p:cNvSpPr>
+          <p:nvPr>
+            <p:ph type="title"/>
+          </p:nvPr>
+        </p:nvSpPr>
+        <p:spPr/>
+        <p:txBody>
+          <a:bodyPr/>
+          <a:lstStyle/>
+          <a:p>
+            <a:r>
+              <a:rPr lang="es-MX" dirty="0" smtClean="0"/>
+              <a:t>Crear proyecto en Firebase.</a:t>
+            </a:r>
+            <a:endParaRPr lang="es-MX" dirty="0"/>
+          </a:p>
+        </p:txBody>
+      </p:sp>
+      <p:pic>
+        <p:nvPicPr>
+          <p:cNvPr id="5" name="Marcador de contenido 4"/>
+          <p:cNvPicPr>
+            <a:picLocks noGrp="1" noChangeAspect="1"/>
+          </p:cNvPicPr>
+          <p:nvPr>
+            <p:ph idx="1"/>
+          </p:nvPr>
+        </p:nvPicPr>
+        <p:blipFill>
+          <a:blip r:embed="rId2">
+            <a:extLst>
+              <a:ext uri="{28A0092B-C50C-407E-A947-70E740481C1C}">
+                <a14:useLocalDpi xmlns:a14="http://schemas.microsoft.com/office/drawing/2010/main" val="0"/>
+              </a:ext>
+            </a:extLst>
+          </a:blip>
+          <a:stretch>
+            <a:fillRect/>
+          </a:stretch>
+        </p:blipFill>
+        <p:spPr>
+          <a:xfrm>
+            <a:off x="985786" y="1270000"/>
+            <a:ext cx="8288216" cy="4310705"/>
+          </a:xfrm>
+        </p:spPr>
+      </p:pic>
+      <p:sp>
+        <p:nvSpPr>
+          <p:cNvPr id="4" name="Marcador de pie de página 3"/>
+          <p:cNvSpPr>
+            <a:spLocks noGrp="1"/>
+          </p:cNvSpPr>
+          <p:nvPr>
+            <p:ph type="ftr" sz="quarter" idx="11"/>
+          </p:nvPr>
+        </p:nvSpPr>
+        <p:spPr/>
+        <p:txBody>
+          <a:bodyPr/>
+          <a:lstStyle/>
+          <a:p>
+            <a:r>
+              <a:rPr lang="en-US" smtClean="0"/>
+              <a:t>Ing. Alejandro Soto Treviño</a:t>
+            </a:r>
+            <a:endParaRPr lang="en-US" dirty="0"/>
+          </a:p>
+        </p:txBody>
+      </p:sp>
+    </p:spTree>
+    <p:extLst>
+      <p:ext uri="{BB962C8B-B14F-4D97-AF65-F5344CB8AC3E}">
+        <p14:creationId xmlns:p14="http://schemas.microsoft.com/office/powerpoint/2010/main" val="720644434"/>
+      </p:ext>
+    </p:extLst>
+  </p:cSld>
+  <p:clrMapOvr>
+    <a:masterClrMapping/>
+  </p:clrMapOvr>
+  <p:timing>
+    <p:tnLst>
+      <p:par>
+        <p:cTn id="1" dur="indefinite" restart="never" nodeType="tmRoot"/>
+      </p:par>
+    </p:tnLst>
+  </p:timing>
+</p:sld>
+</file>
+
+<file path=ppt/slides/slide51.xml><?xml version="1.0" encoding="utf-8"?>
+<p:sld xmlns:a="http://schemas.openxmlformats.org/drawingml/2006/main" xmlns:r="http://schemas.openxmlformats.org/officeDocument/2006/relationships" xmlns:p="http://schemas.openxmlformats.org/presentationml/2006/main">
+  <p:cSld>
+    <p:spTree>
+      <p:nvGrpSpPr>
+        <p:cNvPr id="1" name=""/>
+        <p:cNvGrpSpPr/>
+        <p:nvPr/>
+      </p:nvGrpSpPr>
+      <p:grpSpPr>
+        <a:xfrm>
+          <a:off x="0" y="0"/>
+          <a:ext cx="0" cy="0"/>
+          <a:chOff x="0" y="0"/>
+          <a:chExt cx="0" cy="0"/>
+        </a:xfrm>
+      </p:grpSpPr>
+      <p:pic>
+        <p:nvPicPr>
+          <p:cNvPr id="8" name="Marcador de contenido 7"/>
+          <p:cNvPicPr>
+            <a:picLocks noGrp="1" noChangeAspect="1"/>
+          </p:cNvPicPr>
+          <p:nvPr>
+            <p:ph idx="1"/>
+          </p:nvPr>
+        </p:nvPicPr>
+        <p:blipFill>
+          <a:blip r:embed="rId2">
+            <a:extLst>
+              <a:ext uri="{28A0092B-C50C-407E-A947-70E740481C1C}">
+                <a14:useLocalDpi xmlns:a14="http://schemas.microsoft.com/office/drawing/2010/main" val="0"/>
+              </a:ext>
+            </a:extLst>
+          </a:blip>
+          <a:stretch>
+            <a:fillRect/>
+          </a:stretch>
+        </p:blipFill>
+        <p:spPr>
+          <a:xfrm>
+            <a:off x="850718" y="1270000"/>
+            <a:ext cx="8309142" cy="4383454"/>
+          </a:xfrm>
+        </p:spPr>
+      </p:pic>
+      <p:sp>
+        <p:nvSpPr>
+          <p:cNvPr id="2" name="Título 1"/>
+          <p:cNvSpPr>
+            <a:spLocks noGrp="1"/>
+          </p:cNvSpPr>
+          <p:nvPr>
+            <p:ph type="title"/>
+          </p:nvPr>
+        </p:nvSpPr>
+        <p:spPr/>
+        <p:txBody>
+          <a:bodyPr/>
+          <a:lstStyle/>
+          <a:p>
+            <a:r>
+              <a:rPr lang="es-MX" dirty="0" smtClean="0"/>
+              <a:t>Crear proyecto en Firebase.</a:t>
+            </a:r>
+            <a:endParaRPr lang="es-MX" dirty="0"/>
+          </a:p>
+        </p:txBody>
+      </p:sp>
+      <p:sp>
+        <p:nvSpPr>
+          <p:cNvPr id="4" name="Marcador de pie de página 3"/>
+          <p:cNvSpPr>
+            <a:spLocks noGrp="1"/>
+          </p:cNvSpPr>
+          <p:nvPr>
+            <p:ph type="ftr" sz="quarter" idx="11"/>
+          </p:nvPr>
+        </p:nvSpPr>
+        <p:spPr/>
+        <p:txBody>
+          <a:bodyPr/>
+          <a:lstStyle/>
+          <a:p>
+            <a:r>
+              <a:rPr lang="en-US" smtClean="0"/>
+              <a:t>Ing. Alejandro Soto Treviño</a:t>
+            </a:r>
+            <a:endParaRPr lang="en-US" dirty="0"/>
+          </a:p>
+        </p:txBody>
+      </p:sp>
+    </p:spTree>
+    <p:extLst>
+      <p:ext uri="{BB962C8B-B14F-4D97-AF65-F5344CB8AC3E}">
+        <p14:creationId xmlns:p14="http://schemas.microsoft.com/office/powerpoint/2010/main" val="386358511"/>
+      </p:ext>
+    </p:extLst>
+  </p:cSld>
+  <p:clrMapOvr>
+    <a:masterClrMapping/>
+  </p:clrMapOvr>
+  <p:timing>
+    <p:tnLst>
+      <p:par>
+        <p:cTn id="1" dur="indefinite" restart="never" nodeType="tmRoot"/>
+      </p:par>
+    </p:tnLst>
+  </p:timing>
+</p:sld>
+</file>
+
+<file path=ppt/slides/slide52.xml><?xml version="1.0" encoding="utf-8"?>
+<p:sld xmlns:a="http://schemas.openxmlformats.org/drawingml/2006/main" xmlns:r="http://schemas.openxmlformats.org/officeDocument/2006/relationships" xmlns:p="http://schemas.openxmlformats.org/presentationml/2006/main">
+  <p:cSld>
+    <p:spTree>
+      <p:nvGrpSpPr>
+        <p:cNvPr id="1" name=""/>
+        <p:cNvGrpSpPr/>
+        <p:nvPr/>
+      </p:nvGrpSpPr>
+      <p:grpSpPr>
+        <a:xfrm>
+          <a:off x="0" y="0"/>
+          <a:ext cx="0" cy="0"/>
+          <a:chOff x="0" y="0"/>
+          <a:chExt cx="0" cy="0"/>
+        </a:xfrm>
+      </p:grpSpPr>
+      <p:sp>
+        <p:nvSpPr>
+          <p:cNvPr id="2" name="Título 1"/>
+          <p:cNvSpPr>
+            <a:spLocks noGrp="1"/>
+          </p:cNvSpPr>
+          <p:nvPr>
+            <p:ph type="title"/>
+          </p:nvPr>
+        </p:nvSpPr>
+        <p:spPr/>
+        <p:txBody>
+          <a:bodyPr/>
+          <a:lstStyle/>
+          <a:p>
+            <a:r>
+              <a:rPr lang="es-MX" dirty="0" smtClean="0"/>
+              <a:t>Crear proyecto en Firebase.</a:t>
+            </a:r>
+            <a:endParaRPr lang="es-MX" dirty="0"/>
+          </a:p>
+        </p:txBody>
+      </p:sp>
+      <p:sp>
+        <p:nvSpPr>
+          <p:cNvPr id="4" name="Marcador de pie de página 3"/>
+          <p:cNvSpPr>
+            <a:spLocks noGrp="1"/>
+          </p:cNvSpPr>
+          <p:nvPr>
+            <p:ph type="ftr" sz="quarter" idx="11"/>
+          </p:nvPr>
+        </p:nvSpPr>
+        <p:spPr/>
+        <p:txBody>
+          <a:bodyPr/>
+          <a:lstStyle/>
+          <a:p>
+            <a:r>
+              <a:rPr lang="en-US" smtClean="0"/>
+              <a:t>Ing. Alejandro Soto Treviño</a:t>
+            </a:r>
+            <a:endParaRPr lang="en-US" dirty="0"/>
+          </a:p>
+        </p:txBody>
+      </p:sp>
+      <p:pic>
+        <p:nvPicPr>
+          <p:cNvPr id="7" name="Marcador de contenido 6"/>
+          <p:cNvPicPr>
+            <a:picLocks noGrp="1" noChangeAspect="1"/>
+          </p:cNvPicPr>
+          <p:nvPr>
+            <p:ph idx="1"/>
+          </p:nvPr>
+        </p:nvPicPr>
+        <p:blipFill>
+          <a:blip r:embed="rId2">
+            <a:extLst>
+              <a:ext uri="{28A0092B-C50C-407E-A947-70E740481C1C}">
+                <a14:useLocalDpi xmlns:a14="http://schemas.microsoft.com/office/drawing/2010/main" val="0"/>
+              </a:ext>
+            </a:extLst>
+          </a:blip>
+          <a:stretch>
+            <a:fillRect/>
+          </a:stretch>
+        </p:blipFill>
+        <p:spPr>
+          <a:xfrm>
+            <a:off x="1126366" y="1270000"/>
+            <a:ext cx="7472511" cy="4734738"/>
+          </a:xfrm>
+        </p:spPr>
+      </p:pic>
+    </p:spTree>
+    <p:extLst>
+      <p:ext uri="{BB962C8B-B14F-4D97-AF65-F5344CB8AC3E}">
+        <p14:creationId xmlns:p14="http://schemas.microsoft.com/office/powerpoint/2010/main" val="2182619391"/>
+      </p:ext>
+    </p:extLst>
+  </p:cSld>
+  <p:clrMapOvr>
+    <a:masterClrMapping/>
+  </p:clrMapOvr>
+  <p:timing>
+    <p:tnLst>
+      <p:par>
+        <p:cTn id="1" dur="indefinite" restart="never" nodeType="tmRoot"/>
+      </p:par>
+    </p:tnLst>
+  </p:timing>
+</p:sld>
+</file>
+
+<file path=ppt/slides/slide53.xml><?xml version="1.0" encoding="utf-8"?>
+<p:sld xmlns:a="http://schemas.openxmlformats.org/drawingml/2006/main" xmlns:r="http://schemas.openxmlformats.org/officeDocument/2006/relationships" xmlns:p="http://schemas.openxmlformats.org/presentationml/2006/main">
+  <p:cSld>
+    <p:spTree>
+      <p:nvGrpSpPr>
+        <p:cNvPr id="1" name=""/>
+        <p:cNvGrpSpPr/>
+        <p:nvPr/>
+      </p:nvGrpSpPr>
+      <p:grpSpPr>
+        <a:xfrm>
+          <a:off x="0" y="0"/>
+          <a:ext cx="0" cy="0"/>
+          <a:chOff x="0" y="0"/>
+          <a:chExt cx="0" cy="0"/>
+        </a:xfrm>
+      </p:grpSpPr>
+      <p:sp>
+        <p:nvSpPr>
+          <p:cNvPr id="2" name="Título 1"/>
+          <p:cNvSpPr>
+            <a:spLocks noGrp="1"/>
+          </p:cNvSpPr>
+          <p:nvPr>
+            <p:ph type="title"/>
+          </p:nvPr>
+        </p:nvSpPr>
+        <p:spPr/>
+        <p:txBody>
+          <a:bodyPr/>
+          <a:lstStyle/>
+          <a:p>
+            <a:r>
+              <a:rPr lang="es-MX" dirty="0" smtClean="0"/>
+              <a:t>Crear proyecto en Firebase.</a:t>
+            </a:r>
+            <a:endParaRPr lang="es-MX" dirty="0"/>
+          </a:p>
+        </p:txBody>
+      </p:sp>
+      <p:sp>
+        <p:nvSpPr>
+          <p:cNvPr id="4" name="Marcador de pie de página 3"/>
+          <p:cNvSpPr>
+            <a:spLocks noGrp="1"/>
+          </p:cNvSpPr>
+          <p:nvPr>
+            <p:ph type="ftr" sz="quarter" idx="11"/>
+          </p:nvPr>
+        </p:nvSpPr>
+        <p:spPr/>
+        <p:txBody>
+          <a:bodyPr/>
+          <a:lstStyle/>
+          <a:p>
+            <a:r>
+              <a:rPr lang="en-US" smtClean="0"/>
+              <a:t>Ing. Alejandro Soto Treviño</a:t>
+            </a:r>
+            <a:endParaRPr lang="en-US" dirty="0"/>
+          </a:p>
+        </p:txBody>
+      </p:sp>
+      <p:pic>
+        <p:nvPicPr>
+          <p:cNvPr id="5" name="Marcador de contenido 4"/>
+          <p:cNvPicPr>
+            <a:picLocks noGrp="1" noChangeAspect="1"/>
+          </p:cNvPicPr>
+          <p:nvPr>
+            <p:ph idx="1"/>
+          </p:nvPr>
+        </p:nvPicPr>
+        <p:blipFill>
+          <a:blip r:embed="rId2">
+            <a:extLst>
+              <a:ext uri="{28A0092B-C50C-407E-A947-70E740481C1C}">
+                <a14:useLocalDpi xmlns:a14="http://schemas.microsoft.com/office/drawing/2010/main" val="0"/>
+              </a:ext>
+            </a:extLst>
+          </a:blip>
+          <a:stretch>
+            <a:fillRect/>
+          </a:stretch>
+        </p:blipFill>
+        <p:spPr>
+          <a:xfrm>
+            <a:off x="3445942" y="1747648"/>
+            <a:ext cx="3305636" cy="3581900"/>
+          </a:xfrm>
+        </p:spPr>
+      </p:pic>
+    </p:spTree>
+    <p:extLst>
+      <p:ext uri="{BB962C8B-B14F-4D97-AF65-F5344CB8AC3E}">
+        <p14:creationId xmlns:p14="http://schemas.microsoft.com/office/powerpoint/2010/main" val="3174251829"/>
+      </p:ext>
+    </p:extLst>
+  </p:cSld>
+  <p:clrMapOvr>
+    <a:masterClrMapping/>
+  </p:clrMapOvr>
+  <p:timing>
+    <p:tnLst>
+      <p:par>
+        <p:cTn id="1" dur="indefinite" restart="never" nodeType="tmRoot"/>
+      </p:par>
+    </p:tnLst>
+  </p:timing>
+</p:sld>
+</file>
+
+<file path=ppt/slides/slide54.xml><?xml version="1.0" encoding="utf-8"?>
+<p:sld xmlns:a="http://schemas.openxmlformats.org/drawingml/2006/main" xmlns:r="http://schemas.openxmlformats.org/officeDocument/2006/relationships" xmlns:p="http://schemas.openxmlformats.org/presentationml/2006/main">
+  <p:cSld>
+    <p:spTree>
+      <p:nvGrpSpPr>
+        <p:cNvPr id="1" name=""/>
+        <p:cNvGrpSpPr/>
+        <p:nvPr/>
+      </p:nvGrpSpPr>
+      <p:grpSpPr>
+        <a:xfrm>
+          <a:off x="0" y="0"/>
+          <a:ext cx="0" cy="0"/>
+          <a:chOff x="0" y="0"/>
+          <a:chExt cx="0" cy="0"/>
+        </a:xfrm>
+      </p:grpSpPr>
+      <p:sp>
+        <p:nvSpPr>
+          <p:cNvPr id="2" name="Título 1"/>
+          <p:cNvSpPr>
+            <a:spLocks noGrp="1"/>
+          </p:cNvSpPr>
+          <p:nvPr>
+            <p:ph type="title"/>
+          </p:nvPr>
+        </p:nvSpPr>
+        <p:spPr>
+          <a:xfrm>
+            <a:off x="677334" y="609600"/>
+            <a:ext cx="8596668" cy="1185864"/>
+          </a:xfrm>
+        </p:spPr>
+        <p:txBody>
+          <a:bodyPr>
+            <a:normAutofit/>
+          </a:bodyPr>
+          <a:lstStyle/>
+          <a:p>
+            <a:r>
+              <a:rPr lang="es-MX" dirty="0" smtClean="0"/>
+              <a:t>Registrar aplicación en Firebase</a:t>
+            </a:r>
+            <a:endParaRPr lang="es-MX" dirty="0"/>
+          </a:p>
+        </p:txBody>
+      </p:sp>
+      <p:sp>
+        <p:nvSpPr>
+          <p:cNvPr id="4" name="Marcador de pie de página 3"/>
+          <p:cNvSpPr>
+            <a:spLocks noGrp="1"/>
+          </p:cNvSpPr>
+          <p:nvPr>
+            <p:ph type="ftr" sz="quarter" idx="11"/>
+          </p:nvPr>
+        </p:nvSpPr>
+        <p:spPr/>
+        <p:txBody>
+          <a:bodyPr/>
+          <a:lstStyle/>
+          <a:p>
+            <a:r>
+              <a:rPr lang="en-US" smtClean="0"/>
+              <a:t>Ing. Alejandro Soto Treviño</a:t>
+            </a:r>
+            <a:endParaRPr lang="en-US" dirty="0"/>
+          </a:p>
+        </p:txBody>
+      </p:sp>
+      <p:pic>
+        <p:nvPicPr>
+          <p:cNvPr id="6" name="Marcador de contenido 5"/>
+          <p:cNvPicPr>
+            <a:picLocks noGrp="1" noChangeAspect="1"/>
+          </p:cNvPicPr>
+          <p:nvPr>
+            <p:ph idx="1"/>
+          </p:nvPr>
+        </p:nvPicPr>
+        <p:blipFill>
+          <a:blip r:embed="rId2">
+            <a:extLst>
+              <a:ext uri="{28A0092B-C50C-407E-A947-70E740481C1C}">
+                <a14:useLocalDpi xmlns:a14="http://schemas.microsoft.com/office/drawing/2010/main" val="0"/>
+              </a:ext>
+            </a:extLst>
+          </a:blip>
+          <a:stretch>
+            <a:fillRect/>
+          </a:stretch>
+        </p:blipFill>
+        <p:spPr>
+          <a:xfrm>
+            <a:off x="1389510" y="1662113"/>
+            <a:ext cx="7173017" cy="4379912"/>
+          </a:xfrm>
+        </p:spPr>
+      </p:pic>
+    </p:spTree>
+    <p:extLst>
+      <p:ext uri="{BB962C8B-B14F-4D97-AF65-F5344CB8AC3E}">
+        <p14:creationId xmlns:p14="http://schemas.microsoft.com/office/powerpoint/2010/main" val="434123056"/>
+      </p:ext>
+    </p:extLst>
+  </p:cSld>
+  <p:clrMapOvr>
+    <a:masterClrMapping/>
+  </p:clrMapOvr>
+  <p:timing>
+    <p:tnLst>
+      <p:par>
+        <p:cTn id="1" dur="indefinite" restart="never" nodeType="tmRoot"/>
+      </p:par>
+    </p:tnLst>
+  </p:timing>
+</p:sld>
+</file>
+
+<file path=ppt/slides/slide55.xml><?xml version="1.0" encoding="utf-8"?>
+<p:sld xmlns:a="http://schemas.openxmlformats.org/drawingml/2006/main" xmlns:r="http://schemas.openxmlformats.org/officeDocument/2006/relationships" xmlns:p="http://schemas.openxmlformats.org/presentationml/2006/main">
+  <p:cSld>
+    <p:spTree>
+      <p:nvGrpSpPr>
+        <p:cNvPr id="1" name=""/>
+        <p:cNvGrpSpPr/>
+        <p:nvPr/>
+      </p:nvGrpSpPr>
+      <p:grpSpPr>
+        <a:xfrm>
+          <a:off x="0" y="0"/>
+          <a:ext cx="0" cy="0"/>
+          <a:chOff x="0" y="0"/>
+          <a:chExt cx="0" cy="0"/>
+        </a:xfrm>
+      </p:grpSpPr>
+      <p:sp>
+        <p:nvSpPr>
+          <p:cNvPr id="2" name="Título 1"/>
+          <p:cNvSpPr>
+            <a:spLocks noGrp="1"/>
+          </p:cNvSpPr>
+          <p:nvPr>
+            <p:ph type="title"/>
+          </p:nvPr>
+        </p:nvSpPr>
+        <p:spPr>
+          <a:xfrm>
+            <a:off x="677334" y="609600"/>
+            <a:ext cx="8596668" cy="1185864"/>
+          </a:xfrm>
+        </p:spPr>
+        <p:txBody>
+          <a:bodyPr>
+            <a:normAutofit/>
+          </a:bodyPr>
+          <a:lstStyle/>
+          <a:p>
+            <a:r>
+              <a:rPr lang="es-MX" dirty="0"/>
+              <a:t>Registrar aplicación en Firebase</a:t>
+            </a:r>
+          </a:p>
+        </p:txBody>
+      </p:sp>
+      <p:sp>
+        <p:nvSpPr>
+          <p:cNvPr id="4" name="Marcador de pie de página 3"/>
+          <p:cNvSpPr>
+            <a:spLocks noGrp="1"/>
+          </p:cNvSpPr>
+          <p:nvPr>
+            <p:ph type="ftr" sz="quarter" idx="11"/>
+          </p:nvPr>
+        </p:nvSpPr>
+        <p:spPr/>
+        <p:txBody>
+          <a:bodyPr/>
+          <a:lstStyle/>
+          <a:p>
+            <a:r>
+              <a:rPr lang="en-US" smtClean="0"/>
+              <a:t>Ing. Alejandro Soto Treviño</a:t>
+            </a:r>
+            <a:endParaRPr lang="en-US" dirty="0"/>
+          </a:p>
+        </p:txBody>
+      </p:sp>
+      <p:pic>
+        <p:nvPicPr>
+          <p:cNvPr id="5" name="Marcador de contenido 4"/>
+          <p:cNvPicPr>
+            <a:picLocks noGrp="1" noChangeAspect="1"/>
+          </p:cNvPicPr>
+          <p:nvPr>
+            <p:ph idx="1"/>
+          </p:nvPr>
+        </p:nvPicPr>
+        <p:blipFill rotWithShape="1">
+          <a:blip r:embed="rId2">
+            <a:extLst>
+              <a:ext uri="{28A0092B-C50C-407E-A947-70E740481C1C}">
+                <a14:useLocalDpi xmlns:a14="http://schemas.microsoft.com/office/drawing/2010/main" val="0"/>
+              </a:ext>
+            </a:extLst>
+          </a:blip>
+          <a:srcRect t="16429"/>
+          <a:stretch/>
+        </p:blipFill>
+        <p:spPr>
+          <a:xfrm>
+            <a:off x="2506384" y="1334416"/>
+            <a:ext cx="5725189" cy="4960876"/>
+          </a:xfrm>
+        </p:spPr>
+      </p:pic>
+    </p:spTree>
+    <p:extLst>
+      <p:ext uri="{BB962C8B-B14F-4D97-AF65-F5344CB8AC3E}">
+        <p14:creationId xmlns:p14="http://schemas.microsoft.com/office/powerpoint/2010/main" val="3382420100"/>
+      </p:ext>
+    </p:extLst>
+  </p:cSld>
+  <p:clrMapOvr>
+    <a:masterClrMapping/>
+  </p:clrMapOvr>
+  <p:timing>
+    <p:tnLst>
+      <p:par>
+        <p:cTn id="1" dur="indefinite" restart="never" nodeType="tmRoot"/>
+      </p:par>
+    </p:tnLst>
+  </p:timing>
+</p:sld>
+</file>
+
+<file path=ppt/slides/slide56.xml><?xml version="1.0" encoding="utf-8"?>
+<p:sld xmlns:a="http://schemas.openxmlformats.org/drawingml/2006/main" xmlns:r="http://schemas.openxmlformats.org/officeDocument/2006/relationships" xmlns:p="http://schemas.openxmlformats.org/presentationml/2006/main">
+  <p:cSld>
+    <p:spTree>
+      <p:nvGrpSpPr>
+        <p:cNvPr id="1" name=""/>
+        <p:cNvGrpSpPr/>
+        <p:nvPr/>
+      </p:nvGrpSpPr>
+      <p:grpSpPr>
+        <a:xfrm>
+          <a:off x="0" y="0"/>
+          <a:ext cx="0" cy="0"/>
+          <a:chOff x="0" y="0"/>
+          <a:chExt cx="0" cy="0"/>
+        </a:xfrm>
+      </p:grpSpPr>
+      <p:sp>
+        <p:nvSpPr>
+          <p:cNvPr id="2" name="Título 1"/>
+          <p:cNvSpPr>
+            <a:spLocks noGrp="1"/>
+          </p:cNvSpPr>
+          <p:nvPr>
+            <p:ph type="title"/>
+          </p:nvPr>
+        </p:nvSpPr>
+        <p:spPr>
+          <a:xfrm>
+            <a:off x="677334" y="609600"/>
+            <a:ext cx="8596668" cy="1185864"/>
+          </a:xfrm>
+        </p:spPr>
+        <p:txBody>
+          <a:bodyPr>
+            <a:normAutofit/>
+          </a:bodyPr>
+          <a:lstStyle/>
+          <a:p>
+            <a:r>
+              <a:rPr lang="es-MX" dirty="0"/>
+              <a:t>Registrar aplicación en Firebase</a:t>
+            </a:r>
+          </a:p>
+        </p:txBody>
+      </p:sp>
+      <p:sp>
+        <p:nvSpPr>
+          <p:cNvPr id="4" name="Marcador de pie de página 3"/>
+          <p:cNvSpPr>
+            <a:spLocks noGrp="1"/>
+          </p:cNvSpPr>
+          <p:nvPr>
+            <p:ph type="ftr" sz="quarter" idx="11"/>
+          </p:nvPr>
+        </p:nvSpPr>
+        <p:spPr/>
+        <p:txBody>
+          <a:bodyPr/>
+          <a:lstStyle/>
+          <a:p>
+            <a:r>
+              <a:rPr lang="en-US" smtClean="0"/>
+              <a:t>Ing. Alejandro Soto Treviño</a:t>
+            </a:r>
+            <a:endParaRPr lang="en-US" dirty="0"/>
+          </a:p>
+        </p:txBody>
+      </p:sp>
+      <p:pic>
+        <p:nvPicPr>
+          <p:cNvPr id="6" name="Marcador de contenido 5"/>
+          <p:cNvPicPr>
+            <a:picLocks noGrp="1" noChangeAspect="1"/>
+          </p:cNvPicPr>
+          <p:nvPr>
+            <p:ph idx="1"/>
+          </p:nvPr>
+        </p:nvPicPr>
+        <p:blipFill>
+          <a:blip r:embed="rId2">
+            <a:extLst>
+              <a:ext uri="{28A0092B-C50C-407E-A947-70E740481C1C}">
+                <a14:useLocalDpi xmlns:a14="http://schemas.microsoft.com/office/drawing/2010/main" val="0"/>
+              </a:ext>
+            </a:extLst>
+          </a:blip>
+          <a:stretch>
+            <a:fillRect/>
+          </a:stretch>
+        </p:blipFill>
+        <p:spPr>
+          <a:xfrm>
+            <a:off x="327482" y="1673688"/>
+            <a:ext cx="9278788" cy="3742373"/>
+          </a:xfrm>
+        </p:spPr>
+      </p:pic>
+    </p:spTree>
+    <p:extLst>
+      <p:ext uri="{BB962C8B-B14F-4D97-AF65-F5344CB8AC3E}">
+        <p14:creationId xmlns:p14="http://schemas.microsoft.com/office/powerpoint/2010/main" val="3623972853"/>
+      </p:ext>
+    </p:extLst>
+  </p:cSld>
+  <p:clrMapOvr>
+    <a:masterClrMapping/>
+  </p:clrMapOvr>
+  <p:timing>
+    <p:tnLst>
+      <p:par>
+        <p:cTn id="1" dur="indefinite" restart="never" nodeType="tmRoot"/>
+      </p:par>
+    </p:tnLst>
+  </p:timing>
+</p:sld>
+</file>
+
+<file path=ppt/slides/slide57.xml><?xml version="1.0" encoding="utf-8"?>
+<p:sld xmlns:a="http://schemas.openxmlformats.org/drawingml/2006/main" xmlns:r="http://schemas.openxmlformats.org/officeDocument/2006/relationships" xmlns:p="http://schemas.openxmlformats.org/presentationml/2006/main">
+  <p:cSld>
+    <p:spTree>
+      <p:nvGrpSpPr>
+        <p:cNvPr id="1" name=""/>
+        <p:cNvGrpSpPr/>
+        <p:nvPr/>
+      </p:nvGrpSpPr>
+      <p:grpSpPr>
+        <a:xfrm>
+          <a:off x="0" y="0"/>
+          <a:ext cx="0" cy="0"/>
+          <a:chOff x="0" y="0"/>
+          <a:chExt cx="0" cy="0"/>
+        </a:xfrm>
+      </p:grpSpPr>
+      <p:sp>
+        <p:nvSpPr>
+          <p:cNvPr id="2" name="Título 1"/>
+          <p:cNvSpPr>
+            <a:spLocks noGrp="1"/>
+          </p:cNvSpPr>
+          <p:nvPr>
+            <p:ph type="title"/>
+          </p:nvPr>
+        </p:nvSpPr>
+        <p:spPr>
+          <a:xfrm>
+            <a:off x="677334" y="143608"/>
+            <a:ext cx="8596668" cy="1185864"/>
+          </a:xfrm>
+        </p:spPr>
+        <p:txBody>
+          <a:bodyPr>
+            <a:normAutofit/>
+          </a:bodyPr>
+          <a:lstStyle/>
+          <a:p>
+            <a:r>
+              <a:rPr lang="es-MX" dirty="0"/>
+              <a:t>Registrar aplicación en Firebase</a:t>
+            </a:r>
+          </a:p>
+        </p:txBody>
+      </p:sp>
+      <p:pic>
+        <p:nvPicPr>
+          <p:cNvPr id="5" name="Marcador de contenido 4"/>
+          <p:cNvPicPr>
+            <a:picLocks noGrp="1" noChangeAspect="1"/>
+          </p:cNvPicPr>
+          <p:nvPr>
+            <p:ph idx="1"/>
+          </p:nvPr>
+        </p:nvPicPr>
+        <p:blipFill>
+          <a:blip r:embed="rId2">
+            <a:extLst>
+              <a:ext uri="{28A0092B-C50C-407E-A947-70E740481C1C}">
+                <a14:useLocalDpi xmlns:a14="http://schemas.microsoft.com/office/drawing/2010/main" val="0"/>
+              </a:ext>
+            </a:extLst>
+          </a:blip>
+          <a:stretch>
+            <a:fillRect/>
+          </a:stretch>
+        </p:blipFill>
+        <p:spPr>
+          <a:xfrm>
+            <a:off x="1512276" y="736540"/>
+            <a:ext cx="7156939" cy="6095963"/>
+          </a:xfrm>
+        </p:spPr>
+      </p:pic>
+    </p:spTree>
+    <p:extLst>
+      <p:ext uri="{BB962C8B-B14F-4D97-AF65-F5344CB8AC3E}">
+        <p14:creationId xmlns:p14="http://schemas.microsoft.com/office/powerpoint/2010/main" val="785889895"/>
+      </p:ext>
+    </p:extLst>
+  </p:cSld>
+  <p:clrMapOvr>
+    <a:masterClrMapping/>
+  </p:clrMapOvr>
+  <p:timing>
+    <p:tnLst>
+      <p:par>
+        <p:cTn id="1" dur="indefinite" restart="never" nodeType="tmRoot"/>
+      </p:par>
+    </p:tnLst>
+  </p:timing>
+</p:sld>
+</file>
+
+<file path=ppt/slides/slide58.xml><?xml version="1.0" encoding="utf-8"?>
+<p:sld xmlns:a="http://schemas.openxmlformats.org/drawingml/2006/main" xmlns:r="http://schemas.openxmlformats.org/officeDocument/2006/relationships" xmlns:p="http://schemas.openxmlformats.org/presentationml/2006/main">
+  <p:cSld>
+    <p:spTree>
+      <p:nvGrpSpPr>
+        <p:cNvPr id="1" name=""/>
+        <p:cNvGrpSpPr/>
+        <p:nvPr/>
+      </p:nvGrpSpPr>
+      <p:grpSpPr>
+        <a:xfrm>
+          <a:off x="0" y="0"/>
+          <a:ext cx="0" cy="0"/>
+          <a:chOff x="0" y="0"/>
+          <a:chExt cx="0" cy="0"/>
+        </a:xfrm>
+      </p:grpSpPr>
+      <p:sp>
+        <p:nvSpPr>
+          <p:cNvPr id="2" name="Título 1"/>
+          <p:cNvSpPr>
+            <a:spLocks noGrp="1"/>
+          </p:cNvSpPr>
+          <p:nvPr>
+            <p:ph type="title"/>
+          </p:nvPr>
+        </p:nvSpPr>
+        <p:spPr>
+          <a:xfrm>
+            <a:off x="677334" y="618392"/>
+            <a:ext cx="8596668" cy="1185864"/>
+          </a:xfrm>
+        </p:spPr>
+        <p:txBody>
+          <a:bodyPr>
+            <a:normAutofit/>
+          </a:bodyPr>
+          <a:lstStyle/>
+          <a:p>
+            <a:r>
+              <a:rPr lang="es-MX" dirty="0"/>
+              <a:t>Registrar aplicación en Firebase</a:t>
+            </a:r>
+          </a:p>
+        </p:txBody>
+      </p:sp>
+      <p:pic>
+        <p:nvPicPr>
+          <p:cNvPr id="4" name="Marcador de contenido 3"/>
+          <p:cNvPicPr>
+            <a:picLocks noGrp="1" noChangeAspect="1"/>
+          </p:cNvPicPr>
+          <p:nvPr>
+            <p:ph idx="1"/>
+          </p:nvPr>
+        </p:nvPicPr>
+        <p:blipFill>
+          <a:blip r:embed="rId2">
+            <a:extLst>
+              <a:ext uri="{28A0092B-C50C-407E-A947-70E740481C1C}">
+                <a14:useLocalDpi xmlns:a14="http://schemas.microsoft.com/office/drawing/2010/main" val="0"/>
+              </a:ext>
+            </a:extLst>
+          </a:blip>
+          <a:stretch>
+            <a:fillRect/>
+          </a:stretch>
+        </p:blipFill>
+        <p:spPr>
+          <a:xfrm>
+            <a:off x="294417" y="1602032"/>
+            <a:ext cx="9337653" cy="3356828"/>
+          </a:xfrm>
+        </p:spPr>
+      </p:pic>
+    </p:spTree>
+    <p:extLst>
+      <p:ext uri="{BB962C8B-B14F-4D97-AF65-F5344CB8AC3E}">
+        <p14:creationId xmlns:p14="http://schemas.microsoft.com/office/powerpoint/2010/main" val="2208130626"/>
+      </p:ext>
+    </p:extLst>
+  </p:cSld>
+  <p:clrMapOvr>
+    <a:masterClrMapping/>
+  </p:clrMapOvr>
+  <p:timing>
+    <p:tnLst>
+      <p:par>
+        <p:cTn id="1" dur="indefinite" restart="never" nodeType="tmRoot"/>
+      </p:par>
+    </p:tnLst>
+  </p:timing>
+</p:sld>
+</file>
+
+<file path=ppt/slides/slide59.xml><?xml version="1.0" encoding="utf-8"?>
+<p:sld xmlns:a="http://schemas.openxmlformats.org/drawingml/2006/main" xmlns:r="http://schemas.openxmlformats.org/officeDocument/2006/relationships" xmlns:p="http://schemas.openxmlformats.org/presentationml/2006/main">
+  <p:cSld>
+    <p:spTree>
+      <p:nvGrpSpPr>
+        <p:cNvPr id="1" name=""/>
+        <p:cNvGrpSpPr/>
+        <p:nvPr/>
+      </p:nvGrpSpPr>
+      <p:grpSpPr>
+        <a:xfrm>
+          <a:off x="0" y="0"/>
+          <a:ext cx="0" cy="0"/>
+          <a:chOff x="0" y="0"/>
+          <a:chExt cx="0" cy="0"/>
+        </a:xfrm>
+      </p:grpSpPr>
+      <p:sp>
+        <p:nvSpPr>
+          <p:cNvPr id="2" name="Título 1"/>
+          <p:cNvSpPr>
+            <a:spLocks noGrp="1"/>
+          </p:cNvSpPr>
+          <p:nvPr>
+            <p:ph type="title"/>
+          </p:nvPr>
+        </p:nvSpPr>
+        <p:spPr>
+          <a:xfrm>
+            <a:off x="677334" y="618392"/>
+            <a:ext cx="8596668" cy="1185864"/>
+          </a:xfrm>
+        </p:spPr>
+        <p:txBody>
+          <a:bodyPr>
+            <a:normAutofit/>
+          </a:bodyPr>
+          <a:lstStyle/>
+          <a:p>
+            <a:r>
+              <a:rPr lang="es-MX" dirty="0"/>
+              <a:t>Registrar aplicación en Firebase</a:t>
+            </a:r>
+          </a:p>
+        </p:txBody>
+      </p:sp>
+      <p:pic>
+        <p:nvPicPr>
+          <p:cNvPr id="5" name="Marcador de contenido 4"/>
+          <p:cNvPicPr>
+            <a:picLocks noGrp="1" noChangeAspect="1"/>
+          </p:cNvPicPr>
+          <p:nvPr>
+            <p:ph idx="1"/>
+          </p:nvPr>
+        </p:nvPicPr>
+        <p:blipFill>
+          <a:blip r:embed="rId2">
+            <a:extLst>
+              <a:ext uri="{28A0092B-C50C-407E-A947-70E740481C1C}">
+                <a14:useLocalDpi xmlns:a14="http://schemas.microsoft.com/office/drawing/2010/main" val="0"/>
+              </a:ext>
+            </a:extLst>
+          </a:blip>
+          <a:stretch>
+            <a:fillRect/>
+          </a:stretch>
+        </p:blipFill>
+        <p:spPr>
+          <a:xfrm>
+            <a:off x="413566" y="1738863"/>
+            <a:ext cx="9266765" cy="3817108"/>
+          </a:xfrm>
+        </p:spPr>
+      </p:pic>
+    </p:spTree>
+    <p:extLst>
+      <p:ext uri="{BB962C8B-B14F-4D97-AF65-F5344CB8AC3E}">
+        <p14:creationId xmlns:p14="http://schemas.microsoft.com/office/powerpoint/2010/main" val="3345561480"/>
+      </p:ext>
+    </p:extLst>
+  </p:cSld>
+  <p:clrMapOvr>
+    <a:masterClrMapping/>
+  </p:clrMapOvr>
+  <p:timing>
+    <p:tnLst>
+      <p:par>
+        <p:cTn id="1" dur="indefinite" restart="never" nodeType="tmRoot"/>
+      </p:par>
+    </p:tnLst>
+  </p:timing>
 </p:sld>
 </file>
 
@@ -12939,6 +17237,110 @@
   <p:clrMapOvr>
     <a:masterClrMapping/>
   </p:clrMapOvr>
+</p:sld>
+</file>
+
+<file path=ppt/slides/slide60.xml><?xml version="1.0" encoding="utf-8"?>
+<p:sld xmlns:a="http://schemas.openxmlformats.org/drawingml/2006/main" xmlns:r="http://schemas.openxmlformats.org/officeDocument/2006/relationships" xmlns:p="http://schemas.openxmlformats.org/presentationml/2006/main">
+  <p:cSld>
+    <p:spTree>
+      <p:nvGrpSpPr>
+        <p:cNvPr id="1" name=""/>
+        <p:cNvGrpSpPr/>
+        <p:nvPr/>
+      </p:nvGrpSpPr>
+      <p:grpSpPr>
+        <a:xfrm>
+          <a:off x="0" y="0"/>
+          <a:ext cx="0" cy="0"/>
+          <a:chOff x="0" y="0"/>
+          <a:chExt cx="0" cy="0"/>
+        </a:xfrm>
+      </p:grpSpPr>
+      <p:sp>
+        <p:nvSpPr>
+          <p:cNvPr id="2" name="Título 1"/>
+          <p:cNvSpPr>
+            <a:spLocks noGrp="1"/>
+          </p:cNvSpPr>
+          <p:nvPr>
+            <p:ph type="title"/>
+          </p:nvPr>
+        </p:nvSpPr>
+        <p:spPr>
+          <a:xfrm>
+            <a:off x="334108" y="618392"/>
+            <a:ext cx="8957479" cy="1185864"/>
+          </a:xfrm>
+        </p:spPr>
+        <p:txBody>
+          <a:bodyPr>
+            <a:normAutofit/>
+          </a:bodyPr>
+          <a:lstStyle/>
+          <a:p>
+            <a:r>
+              <a:rPr lang="es-MX" dirty="0" smtClean="0"/>
+              <a:t>Instalar librerías FlutterFire</a:t>
+            </a:r>
+            <a:r>
+              <a:rPr lang="es-MX" dirty="0"/>
+              <a:t> </a:t>
+            </a:r>
+            <a:r>
+              <a:rPr lang="es-MX" dirty="0" smtClean="0"/>
+              <a:t>en la app</a:t>
+            </a:r>
+            <a:endParaRPr lang="es-MX" dirty="0"/>
+          </a:p>
+        </p:txBody>
+      </p:sp>
+      <p:pic>
+        <p:nvPicPr>
+          <p:cNvPr id="4" name="Marcador de contenido 3"/>
+          <p:cNvPicPr>
+            <a:picLocks noGrp="1" noChangeAspect="1"/>
+          </p:cNvPicPr>
+          <p:nvPr>
+            <p:ph idx="1"/>
+          </p:nvPr>
+        </p:nvPicPr>
+        <p:blipFill>
+          <a:blip r:embed="rId2">
+            <a:extLst>
+              <a:ext uri="{28A0092B-C50C-407E-A947-70E740481C1C}">
+                <a14:useLocalDpi xmlns:a14="http://schemas.microsoft.com/office/drawing/2010/main" val="0"/>
+              </a:ext>
+            </a:extLst>
+          </a:blip>
+          <a:stretch>
+            <a:fillRect/>
+          </a:stretch>
+        </p:blipFill>
+        <p:spPr>
+          <a:xfrm>
+            <a:off x="444088" y="1211324"/>
+            <a:ext cx="8585613" cy="4679457"/>
+          </a:xfrm>
+        </p:spPr>
+      </p:pic>
+    </p:spTree>
+    <p:extLst>
+      <p:ext uri="{BB962C8B-B14F-4D97-AF65-F5344CB8AC3E}">
+        <p14:creationId xmlns:p14="http://schemas.microsoft.com/office/powerpoint/2010/main" val="937440908"/>
+      </p:ext>
+    </p:extLst>
+  </p:cSld>
+  <p:clrMapOvr>
+    <a:masterClrMapping/>
+  </p:clrMapOvr>
+  <p:timing>
+    <p:tnLst>
+      <p:par>
+        <p:cTn id="1" dur="indefinite" restart="never" nodeType="tmRoot"/>
+      </p:par>
+    </p:tnLst>
+  </p:timing>
 </p:sld>
 </file>
 
@@ -13455,7 +17857,7 @@
 <file path=ppt/theme/theme1.xml><?xml version="1.0" encoding="utf-8"?>
 <a:theme xmlns:a="http://schemas.openxmlformats.org/drawingml/2006/main" name="Faceta">
   <a:themeElements>
-    <a:clrScheme name="Facet">
+    <a:clrScheme name="Azul II">
       <a:dk1>
         <a:sysClr val="windowText" lastClr="000000"/>
       </a:dk1>
@@ -13463,37 +17865,37 @@
         <a:sysClr val="window" lastClr="FFFFFF"/>
       </a:lt1>
       <a:dk2>
-        <a:srgbClr val="2C3C43"/>
+        <a:srgbClr val="335B74"/>
       </a:dk2>
       <a:lt2>
-        <a:srgbClr val="EBEBEB"/>
+        <a:srgbClr val="DFE3E5"/>
       </a:lt2>
       <a:accent1>
-        <a:srgbClr val="5FCBEF"/>
+        <a:srgbClr val="1CADE4"/>
       </a:accent1>
       <a:accent2>
-        <a:srgbClr val="2E83C3"/>
+        <a:srgbClr val="2683C6"/>
       </a:accent2>
       <a:accent3>
-        <a:srgbClr val="42D0A2"/>
+        <a:srgbClr val="27CED7"/>
       </a:accent3>
       <a:accent4>
-        <a:srgbClr val="2E946B"/>
+        <a:srgbClr val="42BA97"/>
       </a:accent4>
       <a:accent5>
-        <a:srgbClr val="42B051"/>
+        <a:srgbClr val="3E8853"/>
       </a:accent5>
       <a:accent6>
-        <a:srgbClr val="96D141"/>
+        <a:srgbClr val="62A39F"/>
       </a:accent6>
       <a:hlink>
-        <a:srgbClr val="3FCDE7"/>
+        <a:srgbClr val="6EAC1C"/>
       </a:hlink>
       <a:folHlink>
-        <a:srgbClr val="A9D3E1"/>
+        <a:srgbClr val="B26B02"/>
       </a:folHlink>
     </a:clrScheme>
-    <a:fontScheme name="Facet">
+    <a:fontScheme name="Faceta">
       <a:majorFont>
         <a:latin typeface="Trebuchet MS" panose="020B0603020202020204"/>
         <a:ea typeface=""/>
@@ -13565,7 +17967,7 @@
         <a:font script="Geor" typeface="Sylfaen"/>
       </a:minorFont>
     </a:fontScheme>
-    <a:fmtScheme name="Facet">
+    <a:fmtScheme name="Faceta">
       <a:fillStyleLst>
         <a:solidFill>
           <a:schemeClr val="phClr"/>

--- a/Desarrollo de aplicaciones móviles.pptx
+++ b/Desarrollo de aplicaciones móviles.pptx
@@ -5,7 +5,7 @@
     <p:sldMasterId id="2147483686" r:id="rId1"/>
   </p:sldMasterIdLst>
   <p:notesMasterIdLst>
-    <p:notesMasterId r:id="rId62"/>
+    <p:notesMasterId r:id="rId61"/>
   </p:notesMasterIdLst>
   <p:sldIdLst>
     <p:sldId id="256" r:id="rId2"/>
@@ -65,9 +65,8 @@
     <p:sldId id="309" r:id="rId56"/>
     <p:sldId id="310" r:id="rId57"/>
     <p:sldId id="311" r:id="rId58"/>
-    <p:sldId id="312" r:id="rId59"/>
-    <p:sldId id="313" r:id="rId60"/>
-    <p:sldId id="314" r:id="rId61"/>
+    <p:sldId id="313" r:id="rId59"/>
+    <p:sldId id="314" r:id="rId60"/>
   </p:sldIdLst>
   <p:sldSz cx="12192000" cy="6858000"/>
   <p:notesSz cx="6858000" cy="9144000"/>
@@ -256,7 +255,7 @@
           <a:p>
             <a:fld id="{E17156FB-EE64-4FE5-A8B0-B463B8E820E1}" type="datetimeFigureOut">
               <a:rPr lang="es-MX" smtClean="0"/>
-              <a:t>14/01/2020</a:t>
+              <a:t>15/01/20</a:t>
             </a:fld>
             <a:endParaRPr lang="es-MX"/>
           </a:p>
@@ -320,35 +319,35 @@
           <a:p>
             <a:pPr lvl="0"/>
             <a:r>
-              <a:rPr lang="es-ES" smtClean="0"/>
+              <a:rPr lang="es-ES"/>
               <a:t>Editar el estilo de texto del patrón</a:t>
             </a:r>
           </a:p>
           <a:p>
             <a:pPr lvl="1"/>
             <a:r>
-              <a:rPr lang="es-ES" smtClean="0"/>
+              <a:rPr lang="es-ES"/>
               <a:t>Segundo nivel</a:t>
             </a:r>
           </a:p>
           <a:p>
             <a:pPr lvl="2"/>
             <a:r>
-              <a:rPr lang="es-ES" smtClean="0"/>
+              <a:rPr lang="es-ES"/>
               <a:t>Tercer nivel</a:t>
             </a:r>
           </a:p>
           <a:p>
             <a:pPr lvl="3"/>
             <a:r>
-              <a:rPr lang="es-ES" smtClean="0"/>
+              <a:rPr lang="es-ES"/>
               <a:t>Cuarto nivel</a:t>
             </a:r>
           </a:p>
           <a:p>
             <a:pPr lvl="4"/>
             <a:r>
-              <a:rPr lang="es-ES" smtClean="0"/>
+              <a:rPr lang="es-ES"/>
               <a:t>Quinto nivel</a:t>
             </a:r>
             <a:endParaRPr lang="es-MX"/>
@@ -1125,7 +1124,7 @@
           </a:lstStyle>
           <a:p>
             <a:r>
-              <a:rPr lang="es-ES" smtClean="0"/>
+              <a:rPr lang="es-ES"/>
               <a:t>Haga clic para modificar el estilo de título del patrón</a:t>
             </a:r>
             <a:endParaRPr lang="en-US" dirty="0"/>
@@ -1245,7 +1244,7 @@
           </a:lstStyle>
           <a:p>
             <a:r>
-              <a:rPr lang="es-ES" smtClean="0"/>
+              <a:rPr lang="es-ES"/>
               <a:t>Haga clic para editar el estilo de subtítulo del patrón</a:t>
             </a:r>
             <a:endParaRPr lang="en-US" dirty="0"/>
@@ -1269,7 +1268,7 @@
           <a:p>
             <a:fld id="{A7FC655F-A514-484A-9D6B-77989AC32687}" type="datetime1">
               <a:rPr lang="en-US" smtClean="0"/>
-              <a:t>1/14/2020</a:t>
+              <a:t>1/15/20</a:t>
             </a:fld>
             <a:endParaRPr lang="en-US" dirty="0"/>
           </a:p>
@@ -1291,7 +1290,7 @@
           <a:lstStyle/>
           <a:p>
             <a:r>
-              <a:rPr lang="en-US" smtClean="0"/>
+              <a:rPr lang="en-US"/>
               <a:t>Ing. Alejandro Soto Treviño</a:t>
             </a:r>
             <a:endParaRPr lang="en-US" dirty="0"/>
@@ -1379,7 +1378,7 @@
           </a:lstStyle>
           <a:p>
             <a:r>
-              <a:rPr lang="es-ES" smtClean="0"/>
+              <a:rPr lang="es-ES"/>
               <a:t>Haga clic para modificar el estilo de título del patrón</a:t>
             </a:r>
             <a:endParaRPr lang="en-US" dirty="0"/>
@@ -1502,7 +1501,7 @@
           <a:p>
             <a:pPr lvl="0"/>
             <a:r>
-              <a:rPr lang="es-ES" smtClean="0"/>
+              <a:rPr lang="es-ES"/>
               <a:t>Editar el estilo de texto del patrón</a:t>
             </a:r>
           </a:p>
@@ -1525,7 +1524,7 @@
           <a:p>
             <a:fld id="{EE3C6975-2915-477D-BB56-3A3021AE7C80}" type="datetime1">
               <a:rPr lang="en-US" smtClean="0"/>
-              <a:t>1/14/2020</a:t>
+              <a:t>1/15/20</a:t>
             </a:fld>
             <a:endParaRPr lang="en-US" dirty="0"/>
           </a:p>
@@ -1547,7 +1546,7 @@
           <a:lstStyle/>
           <a:p>
             <a:r>
-              <a:rPr lang="en-US" smtClean="0"/>
+              <a:rPr lang="en-US"/>
               <a:t>Ing. Alejandro Soto Treviño</a:t>
             </a:r>
             <a:endParaRPr lang="en-US" dirty="0"/>
@@ -1635,7 +1634,7 @@
           </a:lstStyle>
           <a:p>
             <a:r>
-              <a:rPr lang="es-ES" smtClean="0"/>
+              <a:rPr lang="es-ES"/>
               <a:t>Haga clic para modificar el estilo de título del patrón</a:t>
             </a:r>
             <a:endParaRPr lang="en-US" dirty="0"/>
@@ -1699,7 +1698,7 @@
           <a:p>
             <a:pPr lvl="0"/>
             <a:r>
-              <a:rPr lang="es-ES" smtClean="0"/>
+              <a:rPr lang="es-ES"/>
               <a:t>Editar el estilo de texto del patrón</a:t>
             </a:r>
           </a:p>
@@ -1821,7 +1820,7 @@
           <a:p>
             <a:pPr lvl="0"/>
             <a:r>
-              <a:rPr lang="es-ES" smtClean="0"/>
+              <a:rPr lang="es-ES"/>
               <a:t>Editar el estilo de texto del patrón</a:t>
             </a:r>
           </a:p>
@@ -1844,7 +1843,7 @@
           <a:p>
             <a:fld id="{58256739-9EC2-42DF-A82A-B3C9CFCB639A}" type="datetime1">
               <a:rPr lang="en-US" smtClean="0"/>
-              <a:t>1/14/2020</a:t>
+              <a:t>1/15/20</a:t>
             </a:fld>
             <a:endParaRPr lang="en-US" dirty="0"/>
           </a:p>
@@ -1866,7 +1865,7 @@
           <a:lstStyle/>
           <a:p>
             <a:r>
-              <a:rPr lang="en-US" smtClean="0"/>
+              <a:rPr lang="en-US"/>
               <a:t>Ing. Alejandro Soto Treviño</a:t>
             </a:r>
             <a:endParaRPr lang="en-US" dirty="0"/>
@@ -2036,7 +2035,7 @@
           </a:lstStyle>
           <a:p>
             <a:r>
-              <a:rPr lang="es-ES" smtClean="0"/>
+              <a:rPr lang="es-ES"/>
               <a:t>Haga clic para modificar el estilo de título del patrón</a:t>
             </a:r>
             <a:endParaRPr lang="en-US" dirty="0"/>
@@ -2159,7 +2158,7 @@
           <a:p>
             <a:pPr lvl="0"/>
             <a:r>
-              <a:rPr lang="es-ES" smtClean="0"/>
+              <a:rPr lang="es-ES"/>
               <a:t>Editar el estilo de texto del patrón</a:t>
             </a:r>
           </a:p>
@@ -2182,7 +2181,7 @@
           <a:p>
             <a:fld id="{ADA3997B-10A2-4AA4-AE2B-1F6DBFA3EA5F}" type="datetime1">
               <a:rPr lang="en-US" smtClean="0"/>
-              <a:t>1/14/2020</a:t>
+              <a:t>1/15/20</a:t>
             </a:fld>
             <a:endParaRPr lang="en-US" dirty="0"/>
           </a:p>
@@ -2204,7 +2203,7 @@
           <a:lstStyle/>
           <a:p>
             <a:r>
-              <a:rPr lang="en-US" smtClean="0"/>
+              <a:rPr lang="en-US"/>
               <a:t>Ing. Alejandro Soto Treviño</a:t>
             </a:r>
             <a:endParaRPr lang="en-US" dirty="0"/>
@@ -2292,7 +2291,7 @@
           </a:lstStyle>
           <a:p>
             <a:r>
-              <a:rPr lang="es-ES" smtClean="0"/>
+              <a:rPr lang="es-ES"/>
               <a:t>Haga clic para modificar el estilo de título del patrón</a:t>
             </a:r>
             <a:endParaRPr lang="en-US" dirty="0"/>
@@ -2356,7 +2355,7 @@
           <a:p>
             <a:pPr lvl="0"/>
             <a:r>
-              <a:rPr lang="es-ES" smtClean="0"/>
+              <a:rPr lang="es-ES"/>
               <a:t>Editar el estilo de texto del patrón</a:t>
             </a:r>
           </a:p>
@@ -2478,7 +2477,7 @@
           <a:p>
             <a:pPr lvl="0"/>
             <a:r>
-              <a:rPr lang="es-ES" smtClean="0"/>
+              <a:rPr lang="es-ES"/>
               <a:t>Editar el estilo de texto del patrón</a:t>
             </a:r>
           </a:p>
@@ -2501,7 +2500,7 @@
           <a:p>
             <a:fld id="{D701CF22-459E-423E-860F-85C2AB2B74AB}" type="datetime1">
               <a:rPr lang="en-US" smtClean="0"/>
-              <a:t>1/14/2020</a:t>
+              <a:t>1/15/20</a:t>
             </a:fld>
             <a:endParaRPr lang="en-US" dirty="0"/>
           </a:p>
@@ -2523,7 +2522,7 @@
           <a:lstStyle/>
           <a:p>
             <a:r>
-              <a:rPr lang="en-US" smtClean="0"/>
+              <a:rPr lang="en-US"/>
               <a:t>Ing. Alejandro Soto Treviño</a:t>
             </a:r>
             <a:endParaRPr lang="en-US" dirty="0"/>
@@ -2693,7 +2692,7 @@
           </a:lstStyle>
           <a:p>
             <a:r>
-              <a:rPr lang="es-ES" smtClean="0"/>
+              <a:rPr lang="es-ES"/>
               <a:t>Haga clic para modificar el estilo de título del patrón</a:t>
             </a:r>
             <a:endParaRPr lang="en-US" dirty="0"/>
@@ -2754,7 +2753,7 @@
           <a:p>
             <a:pPr lvl="0"/>
             <a:r>
-              <a:rPr lang="es-ES" smtClean="0"/>
+              <a:rPr lang="es-ES"/>
               <a:t>Editar el estilo de texto del patrón</a:t>
             </a:r>
           </a:p>
@@ -2876,7 +2875,7 @@
           <a:p>
             <a:pPr lvl="0"/>
             <a:r>
-              <a:rPr lang="es-ES" smtClean="0"/>
+              <a:rPr lang="es-ES"/>
               <a:t>Editar el estilo de texto del patrón</a:t>
             </a:r>
           </a:p>
@@ -2899,7 +2898,7 @@
           <a:p>
             <a:fld id="{01C9D716-238E-4BFA-927C-5826F3E9147B}" type="datetime1">
               <a:rPr lang="en-US" smtClean="0"/>
-              <a:t>1/14/2020</a:t>
+              <a:t>1/15/20</a:t>
             </a:fld>
             <a:endParaRPr lang="en-US" dirty="0"/>
           </a:p>
@@ -2921,7 +2920,7 @@
           <a:lstStyle/>
           <a:p>
             <a:r>
-              <a:rPr lang="en-US" smtClean="0"/>
+              <a:rPr lang="en-US"/>
               <a:t>Ing. Alejandro Soto Treviño</a:t>
             </a:r>
             <a:endParaRPr lang="en-US" dirty="0"/>
@@ -2998,7 +2997,7 @@
           <a:lstStyle/>
           <a:p>
             <a:r>
-              <a:rPr lang="es-ES" smtClean="0"/>
+              <a:rPr lang="es-ES"/>
               <a:t>Haga clic para modificar el estilo de título del patrón</a:t>
             </a:r>
             <a:endParaRPr lang="en-US" dirty="0"/>
@@ -3022,35 +3021,35 @@
           <a:p>
             <a:pPr lvl="0"/>
             <a:r>
-              <a:rPr lang="es-ES" smtClean="0"/>
+              <a:rPr lang="es-ES"/>
               <a:t>Editar el estilo de texto del patrón</a:t>
             </a:r>
           </a:p>
           <a:p>
             <a:pPr lvl="1"/>
             <a:r>
-              <a:rPr lang="es-ES" smtClean="0"/>
+              <a:rPr lang="es-ES"/>
               <a:t>Segundo nivel</a:t>
             </a:r>
           </a:p>
           <a:p>
             <a:pPr lvl="2"/>
             <a:r>
-              <a:rPr lang="es-ES" smtClean="0"/>
+              <a:rPr lang="es-ES"/>
               <a:t>Tercer nivel</a:t>
             </a:r>
           </a:p>
           <a:p>
             <a:pPr lvl="3"/>
             <a:r>
-              <a:rPr lang="es-ES" smtClean="0"/>
+              <a:rPr lang="es-ES"/>
               <a:t>Cuarto nivel</a:t>
             </a:r>
           </a:p>
           <a:p>
             <a:pPr lvl="4"/>
             <a:r>
-              <a:rPr lang="es-ES" smtClean="0"/>
+              <a:rPr lang="es-ES"/>
               <a:t>Quinto nivel</a:t>
             </a:r>
             <a:endParaRPr lang="en-US" dirty="0"/>
@@ -3074,7 +3073,7 @@
           <a:p>
             <a:fld id="{988105B0-DFCE-4D25-84B8-EC79543D49E4}" type="datetime1">
               <a:rPr lang="en-US" smtClean="0"/>
-              <a:t>1/14/2020</a:t>
+              <a:t>1/15/20</a:t>
             </a:fld>
             <a:endParaRPr lang="en-US" dirty="0"/>
           </a:p>
@@ -3096,7 +3095,7 @@
           <a:lstStyle/>
           <a:p>
             <a:r>
-              <a:rPr lang="en-US" smtClean="0"/>
+              <a:rPr lang="en-US"/>
               <a:t>Ing. Alejandro Soto Treviño</a:t>
             </a:r>
             <a:endParaRPr lang="en-US" dirty="0"/>
@@ -3177,7 +3176,7 @@
           <a:lstStyle/>
           <a:p>
             <a:r>
-              <a:rPr lang="es-ES" smtClean="0"/>
+              <a:rPr lang="es-ES"/>
               <a:t>Haga clic para modificar el estilo de título del patrón</a:t>
             </a:r>
             <a:endParaRPr lang="en-US" dirty="0"/>
@@ -3206,35 +3205,35 @@
           <a:p>
             <a:pPr lvl="0"/>
             <a:r>
-              <a:rPr lang="es-ES" smtClean="0"/>
+              <a:rPr lang="es-ES"/>
               <a:t>Editar el estilo de texto del patrón</a:t>
             </a:r>
           </a:p>
           <a:p>
             <a:pPr lvl="1"/>
             <a:r>
-              <a:rPr lang="es-ES" smtClean="0"/>
+              <a:rPr lang="es-ES"/>
               <a:t>Segundo nivel</a:t>
             </a:r>
           </a:p>
           <a:p>
             <a:pPr lvl="2"/>
             <a:r>
-              <a:rPr lang="es-ES" smtClean="0"/>
+              <a:rPr lang="es-ES"/>
               <a:t>Tercer nivel</a:t>
             </a:r>
           </a:p>
           <a:p>
             <a:pPr lvl="3"/>
             <a:r>
-              <a:rPr lang="es-ES" smtClean="0"/>
+              <a:rPr lang="es-ES"/>
               <a:t>Cuarto nivel</a:t>
             </a:r>
           </a:p>
           <a:p>
             <a:pPr lvl="4"/>
             <a:r>
-              <a:rPr lang="es-ES" smtClean="0"/>
+              <a:rPr lang="es-ES"/>
               <a:t>Quinto nivel</a:t>
             </a:r>
             <a:endParaRPr lang="en-US" dirty="0"/>
@@ -3258,7 +3257,7 @@
           <a:p>
             <a:fld id="{6FD56374-FF43-4462-8E2B-D59594D10A68}" type="datetime1">
               <a:rPr lang="en-US" smtClean="0"/>
-              <a:t>1/14/2020</a:t>
+              <a:t>1/15/20</a:t>
             </a:fld>
             <a:endParaRPr lang="en-US" dirty="0"/>
           </a:p>
@@ -3280,7 +3279,7 @@
           <a:lstStyle/>
           <a:p>
             <a:r>
-              <a:rPr lang="en-US" smtClean="0"/>
+              <a:rPr lang="en-US"/>
               <a:t>Ing. Alejandro Soto Treviño</a:t>
             </a:r>
             <a:endParaRPr lang="en-US" dirty="0"/>
@@ -3357,7 +3356,7 @@
           <a:lstStyle/>
           <a:p>
             <a:r>
-              <a:rPr lang="es-ES" smtClean="0"/>
+              <a:rPr lang="es-ES"/>
               <a:t>Haga clic para modificar el estilo de título del patrón</a:t>
             </a:r>
             <a:endParaRPr lang="en-US" dirty="0"/>
@@ -3381,35 +3380,35 @@
           <a:p>
             <a:pPr lvl="0"/>
             <a:r>
-              <a:rPr lang="es-ES" smtClean="0"/>
+              <a:rPr lang="es-ES"/>
               <a:t>Editar el estilo de texto del patrón</a:t>
             </a:r>
           </a:p>
           <a:p>
             <a:pPr lvl="1"/>
             <a:r>
-              <a:rPr lang="es-ES" smtClean="0"/>
+              <a:rPr lang="es-ES"/>
               <a:t>Segundo nivel</a:t>
             </a:r>
           </a:p>
           <a:p>
             <a:pPr lvl="2"/>
             <a:r>
-              <a:rPr lang="es-ES" smtClean="0"/>
+              <a:rPr lang="es-ES"/>
               <a:t>Tercer nivel</a:t>
             </a:r>
           </a:p>
           <a:p>
             <a:pPr lvl="3"/>
             <a:r>
-              <a:rPr lang="es-ES" smtClean="0"/>
+              <a:rPr lang="es-ES"/>
               <a:t>Cuarto nivel</a:t>
             </a:r>
           </a:p>
           <a:p>
             <a:pPr lvl="4"/>
             <a:r>
-              <a:rPr lang="es-ES" smtClean="0"/>
+              <a:rPr lang="es-ES"/>
               <a:t>Quinto nivel</a:t>
             </a:r>
             <a:endParaRPr lang="en-US" dirty="0"/>
@@ -3433,7 +3432,7 @@
           <a:p>
             <a:fld id="{2803C245-9273-430C-ADD9-3107C80438C8}" type="datetime1">
               <a:rPr lang="en-US" smtClean="0"/>
-              <a:t>1/14/2020</a:t>
+              <a:t>1/15/20</a:t>
             </a:fld>
             <a:endParaRPr lang="en-US" dirty="0"/>
           </a:p>
@@ -3455,7 +3454,7 @@
           <a:lstStyle/>
           <a:p>
             <a:r>
-              <a:rPr lang="en-US" smtClean="0"/>
+              <a:rPr lang="en-US"/>
               <a:t>Ing. Alejandro Soto Treviño</a:t>
             </a:r>
             <a:endParaRPr lang="en-US" dirty="0"/>
@@ -3540,7 +3539,7 @@
           </a:lstStyle>
           <a:p>
             <a:r>
-              <a:rPr lang="es-ES" smtClean="0"/>
+              <a:rPr lang="es-ES"/>
               <a:t>Haga clic para modificar el estilo de título del patrón</a:t>
             </a:r>
             <a:endParaRPr lang="en-US" dirty="0"/>
@@ -3661,7 +3660,7 @@
           <a:p>
             <a:pPr lvl="0"/>
             <a:r>
-              <a:rPr lang="es-ES" smtClean="0"/>
+              <a:rPr lang="es-ES"/>
               <a:t>Editar el estilo de texto del patrón</a:t>
             </a:r>
           </a:p>
@@ -3684,7 +3683,7 @@
           <a:p>
             <a:fld id="{37182F14-8F60-417B-BC0C-D311F0F032E9}" type="datetime1">
               <a:rPr lang="en-US" smtClean="0"/>
-              <a:t>1/14/2020</a:t>
+              <a:t>1/15/20</a:t>
             </a:fld>
             <a:endParaRPr lang="en-US" dirty="0"/>
           </a:p>
@@ -3706,7 +3705,7 @@
           <a:lstStyle/>
           <a:p>
             <a:r>
-              <a:rPr lang="en-US" smtClean="0"/>
+              <a:rPr lang="en-US"/>
               <a:t>Ing. Alejandro Soto Treviño</a:t>
             </a:r>
             <a:endParaRPr lang="en-US" dirty="0"/>
@@ -3783,7 +3782,7 @@
           <a:lstStyle/>
           <a:p>
             <a:r>
-              <a:rPr lang="es-ES" smtClean="0"/>
+              <a:rPr lang="es-ES"/>
               <a:t>Haga clic para modificar el estilo de título del patrón</a:t>
             </a:r>
             <a:endParaRPr lang="en-US" dirty="0"/>
@@ -3812,35 +3811,35 @@
           <a:p>
             <a:pPr lvl="0"/>
             <a:r>
-              <a:rPr lang="es-ES" smtClean="0"/>
+              <a:rPr lang="es-ES"/>
               <a:t>Editar el estilo de texto del patrón</a:t>
             </a:r>
           </a:p>
           <a:p>
             <a:pPr lvl="1"/>
             <a:r>
-              <a:rPr lang="es-ES" smtClean="0"/>
+              <a:rPr lang="es-ES"/>
               <a:t>Segundo nivel</a:t>
             </a:r>
           </a:p>
           <a:p>
             <a:pPr lvl="2"/>
             <a:r>
-              <a:rPr lang="es-ES" smtClean="0"/>
+              <a:rPr lang="es-ES"/>
               <a:t>Tercer nivel</a:t>
             </a:r>
           </a:p>
           <a:p>
             <a:pPr lvl="3"/>
             <a:r>
-              <a:rPr lang="es-ES" smtClean="0"/>
+              <a:rPr lang="es-ES"/>
               <a:t>Cuarto nivel</a:t>
             </a:r>
           </a:p>
           <a:p>
             <a:pPr lvl="4"/>
             <a:r>
-              <a:rPr lang="es-ES" smtClean="0"/>
+              <a:rPr lang="es-ES"/>
               <a:t>Quinto nivel</a:t>
             </a:r>
             <a:endParaRPr lang="en-US" dirty="0"/>
@@ -3869,35 +3868,35 @@
           <a:p>
             <a:pPr lvl="0"/>
             <a:r>
-              <a:rPr lang="es-ES" smtClean="0"/>
+              <a:rPr lang="es-ES"/>
               <a:t>Editar el estilo de texto del patrón</a:t>
             </a:r>
           </a:p>
           <a:p>
             <a:pPr lvl="1"/>
             <a:r>
-              <a:rPr lang="es-ES" smtClean="0"/>
+              <a:rPr lang="es-ES"/>
               <a:t>Segundo nivel</a:t>
             </a:r>
           </a:p>
           <a:p>
             <a:pPr lvl="2"/>
             <a:r>
-              <a:rPr lang="es-ES" smtClean="0"/>
+              <a:rPr lang="es-ES"/>
               <a:t>Tercer nivel</a:t>
             </a:r>
           </a:p>
           <a:p>
             <a:pPr lvl="3"/>
             <a:r>
-              <a:rPr lang="es-ES" smtClean="0"/>
+              <a:rPr lang="es-ES"/>
               <a:t>Cuarto nivel</a:t>
             </a:r>
           </a:p>
           <a:p>
             <a:pPr lvl="4"/>
             <a:r>
-              <a:rPr lang="es-ES" smtClean="0"/>
+              <a:rPr lang="es-ES"/>
               <a:t>Quinto nivel</a:t>
             </a:r>
             <a:endParaRPr lang="en-US" dirty="0"/>
@@ -3921,7 +3920,7 @@
           <a:p>
             <a:fld id="{DD42A7D5-2EC9-4991-8430-872E033760EB}" type="datetime1">
               <a:rPr lang="en-US" smtClean="0"/>
-              <a:t>1/14/2020</a:t>
+              <a:t>1/15/20</a:t>
             </a:fld>
             <a:endParaRPr lang="en-US" dirty="0"/>
           </a:p>
@@ -3943,7 +3942,7 @@
           <a:lstStyle/>
           <a:p>
             <a:r>
-              <a:rPr lang="en-US" smtClean="0"/>
+              <a:rPr lang="en-US"/>
               <a:t>Ing. Alejandro Soto Treviño</a:t>
             </a:r>
             <a:endParaRPr lang="en-US" dirty="0"/>
@@ -4023,7 +4022,7 @@
           </a:lstStyle>
           <a:p>
             <a:r>
-              <a:rPr lang="es-ES" smtClean="0"/>
+              <a:rPr lang="es-ES"/>
               <a:t>Haga clic para modificar el estilo de título del patrón</a:t>
             </a:r>
             <a:endParaRPr lang="en-US" dirty="0"/>
@@ -4091,7 +4090,7 @@
           <a:p>
             <a:pPr lvl="0"/>
             <a:r>
-              <a:rPr lang="es-ES" smtClean="0"/>
+              <a:rPr lang="es-ES"/>
               <a:t>Editar el estilo de texto del patrón</a:t>
             </a:r>
           </a:p>
@@ -4121,35 +4120,35 @@
           <a:p>
             <a:pPr lvl="0"/>
             <a:r>
-              <a:rPr lang="es-ES" smtClean="0"/>
+              <a:rPr lang="es-ES"/>
               <a:t>Editar el estilo de texto del patrón</a:t>
             </a:r>
           </a:p>
           <a:p>
             <a:pPr lvl="1"/>
             <a:r>
-              <a:rPr lang="es-ES" smtClean="0"/>
+              <a:rPr lang="es-ES"/>
               <a:t>Segundo nivel</a:t>
             </a:r>
           </a:p>
           <a:p>
             <a:pPr lvl="2"/>
             <a:r>
-              <a:rPr lang="es-ES" smtClean="0"/>
+              <a:rPr lang="es-ES"/>
               <a:t>Tercer nivel</a:t>
             </a:r>
           </a:p>
           <a:p>
             <a:pPr lvl="3"/>
             <a:r>
-              <a:rPr lang="es-ES" smtClean="0"/>
+              <a:rPr lang="es-ES"/>
               <a:t>Cuarto nivel</a:t>
             </a:r>
           </a:p>
           <a:p>
             <a:pPr lvl="4"/>
             <a:r>
-              <a:rPr lang="es-ES" smtClean="0"/>
+              <a:rPr lang="es-ES"/>
               <a:t>Quinto nivel</a:t>
             </a:r>
             <a:endParaRPr lang="en-US" dirty="0"/>
@@ -4217,7 +4216,7 @@
           <a:p>
             <a:pPr lvl="0"/>
             <a:r>
-              <a:rPr lang="es-ES" smtClean="0"/>
+              <a:rPr lang="es-ES"/>
               <a:t>Editar el estilo de texto del patrón</a:t>
             </a:r>
           </a:p>
@@ -4247,35 +4246,35 @@
           <a:p>
             <a:pPr lvl="0"/>
             <a:r>
-              <a:rPr lang="es-ES" smtClean="0"/>
+              <a:rPr lang="es-ES"/>
               <a:t>Editar el estilo de texto del patrón</a:t>
             </a:r>
           </a:p>
           <a:p>
             <a:pPr lvl="1"/>
             <a:r>
-              <a:rPr lang="es-ES" smtClean="0"/>
+              <a:rPr lang="es-ES"/>
               <a:t>Segundo nivel</a:t>
             </a:r>
           </a:p>
           <a:p>
             <a:pPr lvl="2"/>
             <a:r>
-              <a:rPr lang="es-ES" smtClean="0"/>
+              <a:rPr lang="es-ES"/>
               <a:t>Tercer nivel</a:t>
             </a:r>
           </a:p>
           <a:p>
             <a:pPr lvl="3"/>
             <a:r>
-              <a:rPr lang="es-ES" smtClean="0"/>
+              <a:rPr lang="es-ES"/>
               <a:t>Cuarto nivel</a:t>
             </a:r>
           </a:p>
           <a:p>
             <a:pPr lvl="4"/>
             <a:r>
-              <a:rPr lang="es-ES" smtClean="0"/>
+              <a:rPr lang="es-ES"/>
               <a:t>Quinto nivel</a:t>
             </a:r>
             <a:endParaRPr lang="en-US" dirty="0"/>
@@ -4299,7 +4298,7 @@
           <a:p>
             <a:fld id="{355A9E6B-8126-4252-89D7-1CEFBA2AEEE3}" type="datetime1">
               <a:rPr lang="en-US" smtClean="0"/>
-              <a:t>1/14/2020</a:t>
+              <a:t>1/15/20</a:t>
             </a:fld>
             <a:endParaRPr lang="en-US" dirty="0"/>
           </a:p>
@@ -4321,7 +4320,7 @@
           <a:lstStyle/>
           <a:p>
             <a:r>
-              <a:rPr lang="en-US" smtClean="0"/>
+              <a:rPr lang="en-US"/>
               <a:t>Ing. Alejandro Soto Treviño</a:t>
             </a:r>
             <a:endParaRPr lang="en-US" dirty="0"/>
@@ -4403,7 +4402,7 @@
           <a:lstStyle/>
           <a:p>
             <a:r>
-              <a:rPr lang="es-ES" smtClean="0"/>
+              <a:rPr lang="es-ES"/>
               <a:t>Haga clic para modificar el estilo de título del patrón</a:t>
             </a:r>
             <a:endParaRPr lang="en-US" dirty="0"/>
@@ -4427,7 +4426,7 @@
           <a:p>
             <a:fld id="{30B9D0EB-0CE4-46A1-94AA-80E8C9B0A875}" type="datetime1">
               <a:rPr lang="en-US" smtClean="0"/>
-              <a:t>1/14/2020</a:t>
+              <a:t>1/15/20</a:t>
             </a:fld>
             <a:endParaRPr lang="en-US" dirty="0"/>
           </a:p>
@@ -4449,7 +4448,7 @@
           <a:lstStyle/>
           <a:p>
             <a:r>
-              <a:rPr lang="en-US" smtClean="0"/>
+              <a:rPr lang="en-US"/>
               <a:t>Ing. Alejandro Soto Treviño</a:t>
             </a:r>
             <a:endParaRPr lang="en-US" dirty="0"/>
@@ -4527,7 +4526,7 @@
           <a:p>
             <a:fld id="{7361E1DC-05CA-4FCC-A840-95876A1182C5}" type="datetime1">
               <a:rPr lang="en-US" smtClean="0"/>
-              <a:t>1/14/2020</a:t>
+              <a:t>1/15/20</a:t>
             </a:fld>
             <a:endParaRPr lang="en-US" dirty="0"/>
           </a:p>
@@ -4549,7 +4548,7 @@
           <a:lstStyle/>
           <a:p>
             <a:r>
-              <a:rPr lang="en-US" smtClean="0"/>
+              <a:rPr lang="en-US"/>
               <a:t>Ing. Alejandro Soto Treviño</a:t>
             </a:r>
             <a:endParaRPr lang="en-US" dirty="0"/>
@@ -4637,7 +4636,7 @@
           </a:lstStyle>
           <a:p>
             <a:r>
-              <a:rPr lang="es-ES" smtClean="0"/>
+              <a:rPr lang="es-ES"/>
               <a:t>Haga clic para modificar el estilo de título del patrón</a:t>
             </a:r>
             <a:endParaRPr lang="en-US" dirty="0"/>
@@ -4668,35 +4667,35 @@
           <a:p>
             <a:pPr lvl="0"/>
             <a:r>
-              <a:rPr lang="es-ES" smtClean="0"/>
+              <a:rPr lang="es-ES"/>
               <a:t>Editar el estilo de texto del patrón</a:t>
             </a:r>
           </a:p>
           <a:p>
             <a:pPr lvl="1"/>
             <a:r>
-              <a:rPr lang="es-ES" smtClean="0"/>
+              <a:rPr lang="es-ES"/>
               <a:t>Segundo nivel</a:t>
             </a:r>
           </a:p>
           <a:p>
             <a:pPr lvl="2"/>
             <a:r>
-              <a:rPr lang="es-ES" smtClean="0"/>
+              <a:rPr lang="es-ES"/>
               <a:t>Tercer nivel</a:t>
             </a:r>
           </a:p>
           <a:p>
             <a:pPr lvl="3"/>
             <a:r>
-              <a:rPr lang="es-ES" smtClean="0"/>
+              <a:rPr lang="es-ES"/>
               <a:t>Cuarto nivel</a:t>
             </a:r>
           </a:p>
           <a:p>
             <a:pPr lvl="4"/>
             <a:r>
-              <a:rPr lang="es-ES" smtClean="0"/>
+              <a:rPr lang="es-ES"/>
               <a:t>Quinto nivel</a:t>
             </a:r>
             <a:endParaRPr lang="en-US" dirty="0"/>
@@ -4764,7 +4763,7 @@
           <a:p>
             <a:pPr lvl="0"/>
             <a:r>
-              <a:rPr lang="es-ES" smtClean="0"/>
+              <a:rPr lang="es-ES"/>
               <a:t>Editar el estilo de texto del patrón</a:t>
             </a:r>
           </a:p>
@@ -4787,7 +4786,7 @@
           <a:p>
             <a:fld id="{28BF70CD-9A9F-499B-85E3-1E1E1D293031}" type="datetime1">
               <a:rPr lang="en-US" smtClean="0"/>
-              <a:t>1/14/2020</a:t>
+              <a:t>1/15/20</a:t>
             </a:fld>
             <a:endParaRPr lang="en-US" dirty="0"/>
           </a:p>
@@ -4809,7 +4808,7 @@
           <a:lstStyle/>
           <a:p>
             <a:r>
-              <a:rPr lang="en-US" smtClean="0"/>
+              <a:rPr lang="en-US"/>
               <a:t>Ing. Alejandro Soto Treviño</a:t>
             </a:r>
             <a:endParaRPr lang="en-US" dirty="0"/>
@@ -4896,7 +4895,7 @@
           </a:lstStyle>
           <a:p>
             <a:r>
-              <a:rPr lang="es-ES" smtClean="0"/>
+              <a:rPr lang="es-ES"/>
               <a:t>Haga clic para modificar el estilo de título del patrón</a:t>
             </a:r>
             <a:endParaRPr lang="en-US" dirty="0"/>
@@ -4963,7 +4962,7 @@
           </a:lstStyle>
           <a:p>
             <a:r>
-              <a:rPr lang="es-ES" smtClean="0"/>
+              <a:rPr lang="es-ES"/>
               <a:t>Haga clic en el icono para agregar una imagen</a:t>
             </a:r>
             <a:endParaRPr lang="en-US" dirty="0"/>
@@ -5031,7 +5030,7 @@
           <a:p>
             <a:pPr lvl="0"/>
             <a:r>
-              <a:rPr lang="es-ES" smtClean="0"/>
+              <a:rPr lang="es-ES"/>
               <a:t>Editar el estilo de texto del patrón</a:t>
             </a:r>
           </a:p>
@@ -5053,7 +5052,7 @@
           <a:lstStyle/>
           <a:p>
             <a:r>
-              <a:rPr lang="en-US" smtClean="0"/>
+              <a:rPr lang="en-US"/>
               <a:t>Ing. Alejandro Soto Treviño</a:t>
             </a:r>
             <a:endParaRPr lang="en-US" dirty="0"/>
@@ -5101,7 +5100,7 @@
           <a:p>
             <a:fld id="{4BD7197F-7DD4-4F8A-B4E6-0B30D6376A5F}" type="datetime1">
               <a:rPr lang="en-US" smtClean="0"/>
-              <a:t>1/14/2020</a:t>
+              <a:t>1/15/20</a:t>
             </a:fld>
             <a:endParaRPr lang="en-US" dirty="0"/>
           </a:p>
@@ -5699,7 +5698,7 @@
           <a:lstStyle/>
           <a:p>
             <a:r>
-              <a:rPr lang="es-ES" smtClean="0"/>
+              <a:rPr lang="es-ES"/>
               <a:t>Haga clic para modificar el estilo de título del patrón</a:t>
             </a:r>
             <a:endParaRPr lang="en-US" dirty="0"/>
@@ -5733,35 +5732,35 @@
           <a:p>
             <a:pPr lvl="0"/>
             <a:r>
-              <a:rPr lang="es-ES" smtClean="0"/>
+              <a:rPr lang="es-ES"/>
               <a:t>Editar el estilo de texto del patrón</a:t>
             </a:r>
           </a:p>
           <a:p>
             <a:pPr lvl="1"/>
             <a:r>
-              <a:rPr lang="es-ES" smtClean="0"/>
+              <a:rPr lang="es-ES"/>
               <a:t>Segundo nivel</a:t>
             </a:r>
           </a:p>
           <a:p>
             <a:pPr lvl="2"/>
             <a:r>
-              <a:rPr lang="es-ES" smtClean="0"/>
+              <a:rPr lang="es-ES"/>
               <a:t>Tercer nivel</a:t>
             </a:r>
           </a:p>
           <a:p>
             <a:pPr lvl="3"/>
             <a:r>
-              <a:rPr lang="es-ES" smtClean="0"/>
+              <a:rPr lang="es-ES"/>
               <a:t>Cuarto nivel</a:t>
             </a:r>
           </a:p>
           <a:p>
             <a:pPr lvl="4"/>
             <a:r>
-              <a:rPr lang="es-ES" smtClean="0"/>
+              <a:rPr lang="es-ES"/>
               <a:t>Quinto nivel</a:t>
             </a:r>
             <a:endParaRPr lang="en-US" dirty="0"/>
@@ -5803,7 +5802,7 @@
           <a:p>
             <a:fld id="{57CC504D-090D-4ADF-88DA-C24C49147DCD}" type="datetime1">
               <a:rPr lang="en-US" smtClean="0"/>
-              <a:t>1/14/2020</a:t>
+              <a:t>1/15/20</a:t>
             </a:fld>
             <a:endParaRPr lang="en-US" dirty="0"/>
           </a:p>
@@ -5843,7 +5842,7 @@
           </a:lstStyle>
           <a:p>
             <a:r>
-              <a:rPr lang="en-US" smtClean="0"/>
+              <a:rPr lang="en-US"/>
               <a:t>Ing. Alejandro Soto Treviño</a:t>
             </a:r>
             <a:endParaRPr lang="en-US" dirty="0"/>
@@ -6354,10 +6353,9 @@
           <a:lstStyle/>
           <a:p>
             <a:r>
-              <a:rPr lang="es-MX" dirty="0" smtClean="0"/>
+              <a:rPr lang="es-MX" dirty="0"/>
               <a:t>Desarrollo de aplicaciones móviles.</a:t>
             </a:r>
-            <a:endParaRPr lang="es-MX" dirty="0"/>
           </a:p>
         </p:txBody>
       </p:sp>
@@ -6381,14 +6379,13 @@
           <a:bodyPr/>
           <a:lstStyle/>
           <a:p>
-            <a:endParaRPr lang="es-MX" dirty="0" smtClean="0"/>
-          </a:p>
-          <a:p>
-            <a:r>
-              <a:rPr lang="es-MX" dirty="0" smtClean="0"/>
+            <a:endParaRPr lang="es-MX" dirty="0"/>
+          </a:p>
+          <a:p>
+            <a:r>
+              <a:rPr lang="es-MX" dirty="0"/>
               <a:t>Con base de datos en tiempo real</a:t>
             </a:r>
-            <a:endParaRPr lang="es-MX" dirty="0"/>
           </a:p>
         </p:txBody>
       </p:sp>
@@ -6408,10 +6405,9 @@
           <a:lstStyle/>
           <a:p>
             <a:r>
-              <a:rPr lang="en-US" dirty="0" smtClean="0"/>
+              <a:rPr lang="en-US" dirty="0"/>
               <a:t>Ing. Alejandro Soto Treviño</a:t>
             </a:r>
-            <a:endParaRPr lang="en-US" dirty="0"/>
           </a:p>
         </p:txBody>
       </p:sp>
@@ -6496,13 +6492,6 @@
   <p:clrMapOvr>
     <a:masterClrMapping/>
   </p:clrMapOvr>
-  <p:timing>
-    <p:tnLst>
-      <p:par>
-        <p:cTn id="1" dur="indefinite" restart="never" nodeType="tmRoot"/>
-      </p:par>
-    </p:tnLst>
-  </p:timing>
 </p:sld>
 </file>
 
@@ -6539,10 +6528,9 @@
           <a:lstStyle/>
           <a:p>
             <a:r>
-              <a:rPr lang="es-MX" dirty="0" smtClean="0"/>
+              <a:rPr lang="es-MX" dirty="0"/>
               <a:t>Antes de comenzar…</a:t>
             </a:r>
-            <a:endParaRPr lang="es-MX" dirty="0"/>
           </a:p>
         </p:txBody>
       </p:sp>
@@ -6567,34 +6555,23 @@
           <a:lstStyle/>
           <a:p>
             <a:r>
-              <a:rPr lang="es-MX" dirty="0" smtClean="0"/>
+              <a:rPr lang="es-MX" dirty="0"/>
               <a:t>Recomendaciones:</a:t>
             </a:r>
           </a:p>
           <a:p>
             <a:pPr lvl="1"/>
             <a:r>
-              <a:rPr lang="es-MX" dirty="0" smtClean="0"/>
+              <a:rPr lang="es-MX" dirty="0"/>
               <a:t>La aplicación </a:t>
             </a:r>
             <a:r>
-              <a:rPr lang="es-MX" b="1" dirty="0" smtClean="0"/>
+              <a:rPr lang="es-MX" b="1" dirty="0"/>
               <a:t>no</a:t>
             </a:r>
             <a:r>
-              <a:rPr lang="es-MX" dirty="0" smtClean="0"/>
+              <a:rPr lang="es-MX" dirty="0"/>
               <a:t> es solo para tu teléfono.</a:t>
-            </a:r>
-          </a:p>
-          <a:p>
-            <a:pPr lvl="1"/>
-            <a:endParaRPr lang="es-MX" dirty="0" smtClean="0"/>
-          </a:p>
-          <a:p>
-            <a:pPr lvl="1"/>
-            <a:r>
-              <a:rPr lang="es-MX" dirty="0" smtClean="0"/>
-              <a:t>Sé pesimista.</a:t>
             </a:r>
           </a:p>
           <a:p>
@@ -6604,29 +6581,40 @@
           <a:p>
             <a:pPr lvl="1"/>
             <a:r>
-              <a:rPr lang="es-MX" dirty="0" smtClean="0"/>
+              <a:rPr lang="es-MX" dirty="0"/>
+              <a:t>Sé pesimista.</a:t>
+            </a:r>
+          </a:p>
+          <a:p>
+            <a:pPr lvl="1"/>
+            <a:endParaRPr lang="es-MX" dirty="0"/>
+          </a:p>
+          <a:p>
+            <a:pPr lvl="1"/>
+            <a:r>
+              <a:rPr lang="es-MX" dirty="0"/>
               <a:t>Si tienes un error, alguien más también lo tuvo, no olvides los foros:</a:t>
             </a:r>
           </a:p>
           <a:p>
             <a:pPr lvl="2"/>
             <a:r>
-              <a:rPr lang="es-MX" dirty="0" smtClean="0">
+              <a:rPr lang="es-MX" dirty="0">
                 <a:hlinkClick r:id="rId2"/>
               </a:rPr>
               <a:t>https://flutter.dev/community</a:t>
             </a:r>
-            <a:endParaRPr lang="es-MX" dirty="0" smtClean="0"/>
+            <a:endParaRPr lang="es-MX" dirty="0"/>
           </a:p>
           <a:p>
             <a:pPr lvl="2"/>
             <a:r>
-              <a:rPr lang="es-MX" dirty="0" smtClean="0">
+              <a:rPr lang="es-MX" dirty="0">
                 <a:hlinkClick r:id="rId3"/>
               </a:rPr>
               <a:t>https://es.stackoverflow.com/</a:t>
             </a:r>
-            <a:endParaRPr lang="es-MX" dirty="0" smtClean="0"/>
+            <a:endParaRPr lang="es-MX" dirty="0"/>
           </a:p>
           <a:p>
             <a:pPr lvl="2"/>
@@ -6636,7 +6624,7 @@
               </a:rPr>
               <a:t>https://androidforums.com/forums/</a:t>
             </a:r>
-            <a:endParaRPr lang="es-MX" dirty="0" smtClean="0"/>
+            <a:endParaRPr lang="es-MX" dirty="0"/>
           </a:p>
         </p:txBody>
       </p:sp>
@@ -6656,10 +6644,9 @@
           <a:lstStyle/>
           <a:p>
             <a:r>
-              <a:rPr lang="en-US" dirty="0" smtClean="0"/>
+              <a:rPr lang="en-US" dirty="0"/>
               <a:t>Ing. Alejandro Soto Treviño</a:t>
             </a:r>
-            <a:endParaRPr lang="en-US" dirty="0"/>
           </a:p>
         </p:txBody>
       </p:sp>
@@ -6739,10 +6726,9 @@
           <a:lstStyle/>
           <a:p>
             <a:r>
-              <a:rPr lang="es-MX" dirty="0" smtClean="0"/>
+              <a:rPr lang="es-MX" dirty="0"/>
               <a:t>1. Instalación Android Studio</a:t>
             </a:r>
-            <a:endParaRPr lang="es-MX" dirty="0"/>
           </a:p>
         </p:txBody>
       </p:sp>
@@ -6776,14 +6762,7 @@
                 <a:latin typeface="Arial" panose="020B0604020202020204" pitchFamily="34" charset="0"/>
                 <a:cs typeface="Arial" panose="020B0604020202020204" pitchFamily="34" charset="0"/>
               </a:rPr>
-              <a:t>Para instalar Android Studio en Windows, haz lo siguiente</a:t>
-            </a:r>
-            <a:r>
-              <a:rPr lang="es-ES" sz="2000" dirty="0" smtClean="0">
-                <a:latin typeface="Arial" panose="020B0604020202020204" pitchFamily="34" charset="0"/>
-                <a:cs typeface="Arial" panose="020B0604020202020204" pitchFamily="34" charset="0"/>
-              </a:rPr>
-              <a:t>:</a:t>
+              <a:t>Para instalar Android Studio en Windows, haz lo siguiente:</a:t>
             </a:r>
           </a:p>
           <a:p>
@@ -6805,25 +6784,18 @@
               <a:t>Si descargaste un archivo </a:t>
             </a:r>
             <a:r>
-              <a:rPr lang="es-ES" sz="2000" dirty="0" err="1" smtClean="0">
+              <a:rPr lang="es-ES" sz="2000" dirty="0" err="1">
                 <a:latin typeface="Arial" panose="020B0604020202020204" pitchFamily="34" charset="0"/>
                 <a:cs typeface="Arial" panose="020B0604020202020204" pitchFamily="34" charset="0"/>
               </a:rPr>
               <a:t>exe</a:t>
             </a:r>
             <a:r>
-              <a:rPr lang="es-ES" sz="2000" dirty="0" smtClean="0">
-                <a:latin typeface="Arial" panose="020B0604020202020204" pitchFamily="34" charset="0"/>
-                <a:cs typeface="Arial" panose="020B0604020202020204" pitchFamily="34" charset="0"/>
-              </a:rPr>
-              <a:t> </a:t>
-            </a:r>
-            <a:r>
               <a:rPr lang="es-ES" sz="2000" dirty="0">
                 <a:latin typeface="Arial" panose="020B0604020202020204" pitchFamily="34" charset="0"/>
                 <a:cs typeface="Arial" panose="020B0604020202020204" pitchFamily="34" charset="0"/>
               </a:rPr>
-              <a:t>(recomendado), haz doble clic en él para iniciarlo.</a:t>
+              <a:t> (recomendado), haz doble clic en él para iniciarlo.</a:t>
             </a:r>
           </a:p>
           <a:p>
@@ -6875,19 +6847,8 @@
                 <a:latin typeface="Arial" panose="020B0604020202020204" pitchFamily="34" charset="0"/>
                 <a:cs typeface="Arial" panose="020B0604020202020204" pitchFamily="34" charset="0"/>
               </a:rPr>
-              <a:t> y, luego, inicia studio64.exe (para máquinas de 64 bits) o studio.exe (para las de 32 bits</a:t>
-            </a:r>
-            <a:r>
-              <a:rPr lang="es-ES" sz="2000" dirty="0" smtClean="0">
-                <a:latin typeface="Arial" panose="020B0604020202020204" pitchFamily="34" charset="0"/>
-                <a:cs typeface="Arial" panose="020B0604020202020204" pitchFamily="34" charset="0"/>
-              </a:rPr>
-              <a:t>).</a:t>
-            </a:r>
-            <a:endParaRPr lang="es-ES" sz="2000" dirty="0">
-              <a:latin typeface="Arial" panose="020B0604020202020204" pitchFamily="34" charset="0"/>
-              <a:cs typeface="Arial" panose="020B0604020202020204" pitchFamily="34" charset="0"/>
-            </a:endParaRPr>
+              <a:t> y, luego, inicia studio64.exe (para máquinas de 64 bits) o studio.exe (para las de 32 bits).</a:t>
+            </a:r>
           </a:p>
           <a:p>
             <a:pPr algn="just"/>
@@ -6931,7 +6892,7 @@
           <a:lstStyle/>
           <a:p>
             <a:r>
-              <a:rPr lang="en-US" smtClean="0"/>
+              <a:rPr lang="en-US"/>
               <a:t>Ing. Alejandro Soto Treviño</a:t>
             </a:r>
             <a:endParaRPr lang="en-US" dirty="0"/>
@@ -6984,10 +6945,9 @@
           <a:lstStyle/>
           <a:p>
             <a:r>
-              <a:rPr lang="es-MX" dirty="0" smtClean="0"/>
+              <a:rPr lang="es-MX" dirty="0"/>
               <a:t>Instalación del SDK de Flutter</a:t>
             </a:r>
-            <a:endParaRPr lang="es-MX" dirty="0"/>
           </a:p>
         </p:txBody>
       </p:sp>
@@ -7019,115 +6979,7 @@
                 <a:latin typeface="Arial" panose="020B0604020202020204" pitchFamily="34" charset="0"/>
                 <a:cs typeface="Arial" panose="020B0604020202020204" pitchFamily="34" charset="0"/>
               </a:rPr>
-              <a:t>Descarga el </a:t>
-            </a:r>
-            <a:r>
-              <a:rPr lang="es-ES" sz="2000" dirty="0" smtClean="0">
-                <a:latin typeface="Arial" panose="020B0604020202020204" pitchFamily="34" charset="0"/>
-                <a:cs typeface="Arial" panose="020B0604020202020204" pitchFamily="34" charset="0"/>
-              </a:rPr>
-              <a:t>archivo zip de la </a:t>
-            </a:r>
-            <a:r>
-              <a:rPr lang="es-ES" sz="2000" dirty="0">
-                <a:latin typeface="Arial" panose="020B0604020202020204" pitchFamily="34" charset="0"/>
-                <a:cs typeface="Arial" panose="020B0604020202020204" pitchFamily="34" charset="0"/>
-              </a:rPr>
-              <a:t>versión más reciente </a:t>
-            </a:r>
-            <a:r>
-              <a:rPr lang="es-ES" sz="2000" dirty="0" smtClean="0">
-                <a:latin typeface="Arial" panose="020B0604020202020204" pitchFamily="34" charset="0"/>
-                <a:cs typeface="Arial" panose="020B0604020202020204" pitchFamily="34" charset="0"/>
-              </a:rPr>
-              <a:t>del </a:t>
-            </a:r>
-            <a:r>
-              <a:rPr lang="es-ES" sz="2000" dirty="0">
-                <a:latin typeface="Arial" panose="020B0604020202020204" pitchFamily="34" charset="0"/>
-                <a:cs typeface="Arial" panose="020B0604020202020204" pitchFamily="34" charset="0"/>
-              </a:rPr>
-              <a:t>SDK </a:t>
-            </a:r>
-            <a:r>
-              <a:rPr lang="es-ES" sz="2000" dirty="0" smtClean="0">
-                <a:latin typeface="Arial" panose="020B0604020202020204" pitchFamily="34" charset="0"/>
-                <a:cs typeface="Arial" panose="020B0604020202020204" pitchFamily="34" charset="0"/>
-              </a:rPr>
-              <a:t>Flutter.</a:t>
-            </a:r>
-          </a:p>
-          <a:p>
-            <a:pPr algn="just"/>
-            <a:endParaRPr lang="es-ES" sz="2000" dirty="0" smtClean="0">
-              <a:latin typeface="Arial" panose="020B0604020202020204" pitchFamily="34" charset="0"/>
-              <a:cs typeface="Arial" panose="020B0604020202020204" pitchFamily="34" charset="0"/>
-            </a:endParaRPr>
-          </a:p>
-          <a:p>
-            <a:pPr algn="just"/>
-            <a:r>
-              <a:rPr lang="es-ES" sz="2000" dirty="0">
-                <a:latin typeface="Arial" panose="020B0604020202020204" pitchFamily="34" charset="0"/>
-                <a:cs typeface="Arial" panose="020B0604020202020204" pitchFamily="34" charset="0"/>
-              </a:rPr>
-              <a:t>Extraiga el archivo zip y coloque el contenido de </a:t>
-            </a:r>
-            <a:r>
-              <a:rPr lang="es-ES" sz="2000" dirty="0" err="1" smtClean="0">
-                <a:latin typeface="Arial" panose="020B0604020202020204" pitchFamily="34" charset="0"/>
-                <a:cs typeface="Arial" panose="020B0604020202020204" pitchFamily="34" charset="0"/>
-              </a:rPr>
-              <a:t>flutter</a:t>
-            </a:r>
-            <a:r>
-              <a:rPr lang="es-ES" sz="2000" dirty="0" smtClean="0">
-                <a:latin typeface="Arial" panose="020B0604020202020204" pitchFamily="34" charset="0"/>
-                <a:cs typeface="Arial" panose="020B0604020202020204" pitchFamily="34" charset="0"/>
-              </a:rPr>
-              <a:t> </a:t>
-            </a:r>
-            <a:r>
-              <a:rPr lang="es-ES" sz="2000" dirty="0">
-                <a:latin typeface="Arial" panose="020B0604020202020204" pitchFamily="34" charset="0"/>
-                <a:cs typeface="Arial" panose="020B0604020202020204" pitchFamily="34" charset="0"/>
-              </a:rPr>
-              <a:t>en la ubicación deseada de instalación para el Flutter SDK (ej. C</a:t>
-            </a:r>
-            <a:r>
-              <a:rPr lang="es-ES" sz="2000" dirty="0" smtClean="0">
-                <a:latin typeface="Arial" panose="020B0604020202020204" pitchFamily="34" charset="0"/>
-                <a:cs typeface="Arial" panose="020B0604020202020204" pitchFamily="34" charset="0"/>
-              </a:rPr>
-              <a:t>:\flutter</a:t>
-            </a:r>
-            <a:r>
-              <a:rPr lang="es-ES" sz="2000" dirty="0">
-                <a:latin typeface="Arial" panose="020B0604020202020204" pitchFamily="34" charset="0"/>
-                <a:cs typeface="Arial" panose="020B0604020202020204" pitchFamily="34" charset="0"/>
-              </a:rPr>
-              <a:t>; no instale </a:t>
-            </a:r>
-            <a:r>
-              <a:rPr lang="es-ES" sz="2000" dirty="0" err="1">
-                <a:latin typeface="Arial" panose="020B0604020202020204" pitchFamily="34" charset="0"/>
-                <a:cs typeface="Arial" panose="020B0604020202020204" pitchFamily="34" charset="0"/>
-              </a:rPr>
-              <a:t>flutter</a:t>
-            </a:r>
-            <a:r>
-              <a:rPr lang="es-ES" sz="2000" dirty="0">
-                <a:latin typeface="Arial" panose="020B0604020202020204" pitchFamily="34" charset="0"/>
-                <a:cs typeface="Arial" panose="020B0604020202020204" pitchFamily="34" charset="0"/>
-              </a:rPr>
-              <a:t> en un directorio como C:\Program Files\ que requiere permisos de administrador</a:t>
-            </a:r>
-            <a:r>
-              <a:rPr lang="es-ES" sz="2000" dirty="0" smtClean="0">
-                <a:latin typeface="Arial" panose="020B0604020202020204" pitchFamily="34" charset="0"/>
-                <a:cs typeface="Arial" panose="020B0604020202020204" pitchFamily="34" charset="0"/>
-              </a:rPr>
-              <a:t>).</a:t>
+              <a:t>Descarga el archivo zip de la versión más reciente del SDK Flutter.</a:t>
             </a:r>
           </a:p>
           <a:p>
@@ -7144,7 +6996,7 @@
                 <a:latin typeface="Arial" panose="020B0604020202020204" pitchFamily="34" charset="0"/>
                 <a:cs typeface="Arial" panose="020B0604020202020204" pitchFamily="34" charset="0"/>
               </a:rPr>
-              <a:t>Localice el archivo flutter_console.bat dentro del directorio de </a:t>
+              <a:t>Extraiga el archivo zip y coloque el contenido de </a:t>
             </a:r>
             <a:r>
               <a:rPr lang="es-ES" sz="2000" dirty="0" err="1">
@@ -7158,14 +7010,21 @@
                 <a:latin typeface="Arial" panose="020B0604020202020204" pitchFamily="34" charset="0"/>
                 <a:cs typeface="Arial" panose="020B0604020202020204" pitchFamily="34" charset="0"/>
               </a:rPr>
-              <a:t>. Inícialo con doble clic</a:t>
-            </a:r>
-            <a:r>
-              <a:rPr lang="es-ES" sz="2000" dirty="0" smtClean="0">
-                <a:latin typeface="Arial" panose="020B0604020202020204" pitchFamily="34" charset="0"/>
-                <a:cs typeface="Arial" panose="020B0604020202020204" pitchFamily="34" charset="0"/>
-              </a:rPr>
-              <a:t>.</a:t>
+              <a:t> en la ubicación deseada de instalación para el Flutter SDK (ej. C:\flutter; no instale </a:t>
+            </a:r>
+            <a:r>
+              <a:rPr lang="es-ES" sz="2000" dirty="0" err="1">
+                <a:latin typeface="Arial" panose="020B0604020202020204" pitchFamily="34" charset="0"/>
+                <a:cs typeface="Arial" panose="020B0604020202020204" pitchFamily="34" charset="0"/>
+              </a:rPr>
+              <a:t>flutter</a:t>
+            </a:r>
+            <a:r>
+              <a:rPr lang="es-ES" sz="2000" dirty="0">
+                <a:latin typeface="Arial" panose="020B0604020202020204" pitchFamily="34" charset="0"/>
+                <a:cs typeface="Arial" panose="020B0604020202020204" pitchFamily="34" charset="0"/>
+              </a:rPr>
+              <a:t> en un directorio como C:\Program Files\ que requiere permisos de administrador).</a:t>
             </a:r>
           </a:p>
           <a:p>
@@ -7182,6 +7041,37 @@
                 <a:latin typeface="Arial" panose="020B0604020202020204" pitchFamily="34" charset="0"/>
                 <a:cs typeface="Arial" panose="020B0604020202020204" pitchFamily="34" charset="0"/>
               </a:rPr>
+              <a:t>Localice el archivo flutter_console.bat dentro del directorio de </a:t>
+            </a:r>
+            <a:r>
+              <a:rPr lang="es-ES" sz="2000" dirty="0" err="1">
+                <a:latin typeface="Arial" panose="020B0604020202020204" pitchFamily="34" charset="0"/>
+                <a:cs typeface="Arial" panose="020B0604020202020204" pitchFamily="34" charset="0"/>
+              </a:rPr>
+              <a:t>flutter</a:t>
+            </a:r>
+            <a:r>
+              <a:rPr lang="es-ES" sz="2000" dirty="0">
+                <a:latin typeface="Arial" panose="020B0604020202020204" pitchFamily="34" charset="0"/>
+                <a:cs typeface="Arial" panose="020B0604020202020204" pitchFamily="34" charset="0"/>
+              </a:rPr>
+              <a:t>. Inícialo con doble clic.</a:t>
+            </a:r>
+          </a:p>
+          <a:p>
+            <a:pPr algn="just"/>
+            <a:endParaRPr lang="es-ES" sz="2000" dirty="0">
+              <a:latin typeface="Arial" panose="020B0604020202020204" pitchFamily="34" charset="0"/>
+              <a:cs typeface="Arial" panose="020B0604020202020204" pitchFamily="34" charset="0"/>
+            </a:endParaRPr>
+          </a:p>
+          <a:p>
+            <a:pPr algn="just"/>
+            <a:r>
+              <a:rPr lang="es-ES" sz="2000" dirty="0">
+                <a:latin typeface="Arial" panose="020B0604020202020204" pitchFamily="34" charset="0"/>
+                <a:cs typeface="Arial" panose="020B0604020202020204" pitchFamily="34" charset="0"/>
+              </a:rPr>
               <a:t>¡Ahora está todo listo para ejecutar los comandos de Flutter en la consola de Flutter!</a:t>
             </a:r>
             <a:endParaRPr lang="es-MX" sz="2000" dirty="0">
@@ -7207,7 +7097,7 @@
           <a:lstStyle/>
           <a:p>
             <a:r>
-              <a:rPr lang="en-US" smtClean="0"/>
+              <a:rPr lang="en-US"/>
               <a:t>Ing. Alejandro Soto Treviño</a:t>
             </a:r>
             <a:endParaRPr lang="en-US" dirty="0"/>
@@ -7264,14 +7154,7 @@
                 <a:latin typeface="Arial" panose="020B0604020202020204" pitchFamily="34" charset="0"/>
                 <a:cs typeface="Arial" panose="020B0604020202020204" pitchFamily="34" charset="0"/>
               </a:rPr>
-              <a:t>Instalar los plugins de Flutter y </a:t>
-            </a:r>
-            <a:r>
-              <a:rPr lang="es-ES" dirty="0" smtClean="0">
-                <a:latin typeface="Arial" panose="020B0604020202020204" pitchFamily="34" charset="0"/>
-                <a:cs typeface="Arial" panose="020B0604020202020204" pitchFamily="34" charset="0"/>
-              </a:rPr>
-              <a:t>Dart en Android Studio.</a:t>
+              <a:t>Instalar los plugins de Flutter y Dart en Android Studio.</a:t>
             </a:r>
             <a:endParaRPr lang="es-MX" dirty="0"/>
           </a:p>
@@ -7302,32 +7185,18 @@
             <a:pPr marL="0" indent="0">
               <a:buNone/>
             </a:pPr>
-            <a:endParaRPr lang="es-ES" sz="2000" dirty="0" smtClean="0">
+            <a:endParaRPr lang="es-ES" sz="2000" dirty="0">
               <a:latin typeface="Arial" panose="020B0604020202020204" pitchFamily="34" charset="0"/>
               <a:cs typeface="Arial" panose="020B0604020202020204" pitchFamily="34" charset="0"/>
             </a:endParaRPr>
           </a:p>
           <a:p>
             <a:r>
-              <a:rPr lang="es-MX" sz="2000" dirty="0" smtClean="0">
-                <a:latin typeface="Arial" panose="020B0604020202020204" pitchFamily="34" charset="0"/>
-                <a:cs typeface="Arial" panose="020B0604020202020204" pitchFamily="34" charset="0"/>
-              </a:rPr>
-              <a:t>Para </a:t>
-            </a:r>
-            <a:r>
               <a:rPr lang="es-MX" sz="2000" dirty="0">
                 <a:latin typeface="Arial" panose="020B0604020202020204" pitchFamily="34" charset="0"/>
                 <a:cs typeface="Arial" panose="020B0604020202020204" pitchFamily="34" charset="0"/>
               </a:rPr>
-              <a:t>instalar estos</a:t>
-            </a:r>
-            <a:r>
-              <a:rPr lang="es-MX" sz="2000" dirty="0" smtClean="0">
-                <a:latin typeface="Arial" panose="020B0604020202020204" pitchFamily="34" charset="0"/>
-                <a:cs typeface="Arial" panose="020B0604020202020204" pitchFamily="34" charset="0"/>
-              </a:rPr>
-              <a:t>:</a:t>
+              <a:t>Para instalar estos:</a:t>
             </a:r>
           </a:p>
           <a:p>
@@ -7340,14 +7209,7 @@
                 <a:latin typeface="Arial" panose="020B0604020202020204" pitchFamily="34" charset="0"/>
                 <a:cs typeface="Arial" panose="020B0604020202020204" pitchFamily="34" charset="0"/>
               </a:rPr>
-              <a:t>Inicie Android Studio</a:t>
-            </a:r>
-            <a:r>
-              <a:rPr lang="es-MX" sz="2000" dirty="0" smtClean="0">
-                <a:latin typeface="Arial" panose="020B0604020202020204" pitchFamily="34" charset="0"/>
-                <a:cs typeface="Arial" panose="020B0604020202020204" pitchFamily="34" charset="0"/>
-              </a:rPr>
-              <a:t>.</a:t>
+              <a:t>Inicie Android Studio.</a:t>
             </a:r>
           </a:p>
           <a:p>
@@ -7437,14 +7299,7 @@
                 <a:latin typeface="Arial" panose="020B0604020202020204" pitchFamily="34" charset="0"/>
                 <a:cs typeface="Arial" panose="020B0604020202020204" pitchFamily="34" charset="0"/>
               </a:rPr>
-              <a:t> en Windows &amp; Linux</a:t>
-            </a:r>
-            <a:r>
-              <a:rPr lang="es-MX" sz="2000" dirty="0" smtClean="0">
-                <a:latin typeface="Arial" panose="020B0604020202020204" pitchFamily="34" charset="0"/>
-                <a:cs typeface="Arial" panose="020B0604020202020204" pitchFamily="34" charset="0"/>
-              </a:rPr>
-              <a:t>).</a:t>
+              <a:t> en Windows &amp; Linux).</a:t>
             </a:r>
           </a:p>
           <a:p>
@@ -7495,7 +7350,7 @@
               <a:t>install</a:t>
             </a:r>
             <a:r>
-              <a:rPr lang="es-ES" sz="2000" dirty="0" smtClean="0">
+              <a:rPr lang="es-ES" sz="2000" dirty="0">
                 <a:latin typeface="Arial" panose="020B0604020202020204" pitchFamily="34" charset="0"/>
                 <a:cs typeface="Arial" panose="020B0604020202020204" pitchFamily="34" charset="0"/>
               </a:rPr>
@@ -7536,7 +7391,7 @@
               <a:t>Dart</a:t>
             </a:r>
             <a:r>
-              <a:rPr lang="es-ES" sz="2000" dirty="0" smtClean="0">
+              <a:rPr lang="es-ES" sz="2000" dirty="0">
                 <a:latin typeface="Arial" panose="020B0604020202020204" pitchFamily="34" charset="0"/>
                 <a:cs typeface="Arial" panose="020B0604020202020204" pitchFamily="34" charset="0"/>
               </a:rPr>
@@ -7549,7 +7404,7 @@
               <a:buAutoNum type="arabicPeriod"/>
             </a:pPr>
             <a:r>
-              <a:rPr lang="es-ES" sz="2000" dirty="0" smtClean="0">
+              <a:rPr lang="es-ES" sz="2000" dirty="0">
                 <a:latin typeface="Arial" panose="020B0604020202020204" pitchFamily="34" charset="0"/>
                 <a:cs typeface="Arial" panose="020B0604020202020204" pitchFamily="34" charset="0"/>
               </a:rPr>
@@ -7562,7 +7417,7 @@
               <a:buAutoNum type="arabicPeriod"/>
             </a:pPr>
             <a:r>
-              <a:rPr lang="es-ES" sz="2000" dirty="0" smtClean="0">
+              <a:rPr lang="es-ES" sz="2000" dirty="0">
                 <a:latin typeface="Arial" panose="020B0604020202020204" pitchFamily="34" charset="0"/>
                 <a:cs typeface="Arial" panose="020B0604020202020204" pitchFamily="34" charset="0"/>
               </a:rPr>
@@ -7600,7 +7455,7 @@
           <a:lstStyle/>
           <a:p>
             <a:r>
-              <a:rPr lang="en-US" smtClean="0"/>
+              <a:rPr lang="en-US"/>
               <a:t>Ing. Alejandro Soto Treviño</a:t>
             </a:r>
             <a:endParaRPr lang="en-US" dirty="0"/>
@@ -7658,10 +7513,9 @@
           <a:lstStyle/>
           <a:p>
             <a:r>
-              <a:rPr lang="es-MX" dirty="0" smtClean="0"/>
+              <a:rPr lang="es-MX" dirty="0"/>
               <a:t>Flutter Doctor</a:t>
             </a:r>
-            <a:endParaRPr lang="es-MX" dirty="0"/>
           </a:p>
         </p:txBody>
       </p:sp>
@@ -7686,7 +7540,7 @@
           <a:lstStyle/>
           <a:p>
             <a:r>
-              <a:rPr lang="es-MX" dirty="0" smtClean="0"/>
+              <a:rPr lang="es-MX" dirty="0"/>
               <a:t>Flutter Doctor es un herramienta para diagnosticar si nuestro equipo tiene lo indispensable para utilizar Flutter, se utiliza de la siguiente manera:</a:t>
             </a:r>
           </a:p>
@@ -7728,14 +7582,7 @@
                 <a:latin typeface="Arial" panose="020B0604020202020204" pitchFamily="34" charset="0"/>
                 <a:cs typeface="Arial" panose="020B0604020202020204" pitchFamily="34" charset="0"/>
               </a:rPr>
-              <a:t>. Inícialo con doble clic</a:t>
-            </a:r>
-            <a:r>
-              <a:rPr lang="es-ES" dirty="0" smtClean="0">
-                <a:latin typeface="Arial" panose="020B0604020202020204" pitchFamily="34" charset="0"/>
-                <a:cs typeface="Arial" panose="020B0604020202020204" pitchFamily="34" charset="0"/>
-              </a:rPr>
-              <a:t>.</a:t>
+              <a:t>. Inícialo con doble clic.</a:t>
             </a:r>
           </a:p>
           <a:p>
@@ -7744,21 +7591,21 @@
               <a:buAutoNum type="arabicPeriod"/>
             </a:pPr>
             <a:r>
-              <a:rPr lang="es-ES" dirty="0" smtClean="0">
+              <a:rPr lang="es-ES" dirty="0">
                 <a:latin typeface="Arial" panose="020B0604020202020204" pitchFamily="34" charset="0"/>
                 <a:cs typeface="Arial" panose="020B0604020202020204" pitchFamily="34" charset="0"/>
               </a:rPr>
               <a:t>En la terminal ejecutar el comando: </a:t>
             </a:r>
             <a:r>
-              <a:rPr lang="es-ES" b="1" dirty="0" err="1" smtClean="0">
+              <a:rPr lang="es-ES" b="1" dirty="0" err="1">
                 <a:latin typeface="Arial" panose="020B0604020202020204" pitchFamily="34" charset="0"/>
                 <a:cs typeface="Arial" panose="020B0604020202020204" pitchFamily="34" charset="0"/>
               </a:rPr>
               <a:t>flutter</a:t>
             </a:r>
             <a:r>
-              <a:rPr lang="es-ES" b="1" dirty="0" smtClean="0">
+              <a:rPr lang="es-ES" b="1" dirty="0">
                 <a:latin typeface="Arial" panose="020B0604020202020204" pitchFamily="34" charset="0"/>
                 <a:cs typeface="Arial" panose="020B0604020202020204" pitchFamily="34" charset="0"/>
               </a:rPr>
@@ -7774,7 +7621,7 @@
               <a:buFont typeface="+mj-lt"/>
               <a:buAutoNum type="arabicPeriod"/>
             </a:pPr>
-            <a:endParaRPr lang="es-MX" dirty="0" smtClean="0"/>
+            <a:endParaRPr lang="es-MX" dirty="0"/>
           </a:p>
         </p:txBody>
       </p:sp>
@@ -7794,7 +7641,7 @@
           <a:lstStyle/>
           <a:p>
             <a:r>
-              <a:rPr lang="en-US" smtClean="0"/>
+              <a:rPr lang="en-US"/>
               <a:t>Ing. Alejandro Soto Treviño</a:t>
             </a:r>
             <a:endParaRPr lang="en-US" dirty="0"/>
@@ -7877,10 +7724,9 @@
           <a:lstStyle/>
           <a:p>
             <a:r>
-              <a:rPr lang="es-MX" dirty="0" smtClean="0"/>
+              <a:rPr lang="es-MX" dirty="0"/>
               <a:t>Creando primera app con Flutter</a:t>
             </a:r>
-            <a:endParaRPr lang="es-MX" dirty="0"/>
           </a:p>
         </p:txBody>
       </p:sp>
@@ -7932,7 +7778,7 @@
           <a:lstStyle/>
           <a:p>
             <a:r>
-              <a:rPr lang="en-US" smtClean="0"/>
+              <a:rPr lang="en-US"/>
               <a:t>Ing. Alejandro Soto Treviño</a:t>
             </a:r>
             <a:endParaRPr lang="en-US" dirty="0"/>
@@ -8015,10 +7861,9 @@
           <a:lstStyle/>
           <a:p>
             <a:r>
-              <a:rPr lang="es-MX" dirty="0" smtClean="0"/>
+              <a:rPr lang="es-MX" dirty="0"/>
               <a:t>Creando primera app con Flutter</a:t>
             </a:r>
-            <a:endParaRPr lang="es-MX" dirty="0"/>
           </a:p>
         </p:txBody>
       </p:sp>
@@ -8082,7 +7927,7 @@
           <a:lstStyle/>
           <a:p>
             <a:r>
-              <a:rPr lang="en-US" smtClean="0"/>
+              <a:rPr lang="en-US"/>
               <a:t>Ing. Alejandro Soto Treviño</a:t>
             </a:r>
             <a:endParaRPr lang="en-US" dirty="0"/>
@@ -8170,10 +8015,9 @@
           <a:lstStyle/>
           <a:p>
             <a:r>
-              <a:rPr lang="es-MX" dirty="0" smtClean="0"/>
+              <a:rPr lang="es-MX" dirty="0"/>
               <a:t>Creando primera app con Flutter</a:t>
             </a:r>
-            <a:endParaRPr lang="es-MX" dirty="0"/>
           </a:p>
         </p:txBody>
       </p:sp>
@@ -8198,18 +8042,14 @@
           <a:lstStyle/>
           <a:p>
             <a:r>
-              <a:rPr lang="es-ES" dirty="0" smtClean="0"/>
+              <a:rPr lang="es-ES" dirty="0"/>
               <a:t>Escribe el nombre del proyecto</a:t>
             </a:r>
           </a:p>
           <a:p>
             <a:r>
-              <a:rPr lang="es-ES" dirty="0" smtClean="0"/>
-              <a:t>Asegúrate </a:t>
-            </a:r>
-            <a:r>
               <a:rPr lang="es-ES" dirty="0"/>
-              <a:t>que el campo </a:t>
+              <a:t>Asegúrate que el campo </a:t>
             </a:r>
             <a:r>
               <a:rPr lang="es-ES" b="1" dirty="0"/>
@@ -8217,28 +8057,24 @@
             </a:r>
             <a:r>
               <a:rPr lang="es-ES" dirty="0"/>
-              <a:t> especifica la localización del SDK</a:t>
-            </a:r>
-            <a:r>
-              <a:rPr lang="es-ES" dirty="0" smtClean="0"/>
+              <a:t> especifica la localización del SDK.</a:t>
+            </a:r>
+          </a:p>
+          <a:p>
+            <a:r>
+              <a:rPr lang="es-ES" dirty="0"/>
+              <a:t>Presiona </a:t>
+            </a:r>
+            <a:r>
+              <a:rPr lang="es-ES" b="1" dirty="0" err="1"/>
+              <a:t>Finish</a:t>
+            </a:r>
+            <a:r>
+              <a:rPr lang="es-ES" b="1" dirty="0"/>
               <a:t>.</a:t>
             </a:r>
           </a:p>
           <a:p>
-            <a:r>
-              <a:rPr lang="es-ES" dirty="0" smtClean="0"/>
-              <a:t>Presiona </a:t>
-            </a:r>
-            <a:r>
-              <a:rPr lang="es-ES" b="1" dirty="0" err="1" smtClean="0"/>
-              <a:t>Finish</a:t>
-            </a:r>
-            <a:r>
-              <a:rPr lang="es-ES" b="1" dirty="0" smtClean="0"/>
-              <a:t>.</a:t>
-            </a:r>
-          </a:p>
-          <a:p>
             <a:endParaRPr lang="es-MX" dirty="0"/>
           </a:p>
         </p:txBody>
@@ -8259,10 +8095,9 @@
           <a:lstStyle/>
           <a:p>
             <a:r>
-              <a:rPr lang="en-US" dirty="0" smtClean="0"/>
+              <a:rPr lang="en-US" dirty="0"/>
               <a:t>Ing. Alejandro Soto Treviño</a:t>
             </a:r>
-            <a:endParaRPr lang="en-US" dirty="0"/>
           </a:p>
         </p:txBody>
       </p:sp>
@@ -8347,10 +8182,9 @@
           <a:lstStyle/>
           <a:p>
             <a:r>
-              <a:rPr lang="es-MX" dirty="0" smtClean="0"/>
+              <a:rPr lang="es-MX" dirty="0"/>
               <a:t>Creando primera app con Flutter</a:t>
             </a:r>
-            <a:endParaRPr lang="es-MX" dirty="0"/>
           </a:p>
         </p:txBody>
       </p:sp>
@@ -8375,7 +8209,7 @@
           <a:lstStyle/>
           <a:p>
             <a:r>
-              <a:rPr lang="es-ES" sz="2000" dirty="0" smtClean="0">
+              <a:rPr lang="es-ES" sz="2000" dirty="0">
                 <a:latin typeface="Arial" panose="020B0604020202020204" pitchFamily="34" charset="0"/>
                 <a:cs typeface="Arial" panose="020B0604020202020204" pitchFamily="34" charset="0"/>
               </a:rPr>
@@ -8384,18 +8218,11 @@
           </a:p>
           <a:p>
             <a:r>
-              <a:rPr lang="es-ES" sz="2000" dirty="0" smtClean="0">
-                <a:latin typeface="Arial" panose="020B0604020202020204" pitchFamily="34" charset="0"/>
-                <a:cs typeface="Arial" panose="020B0604020202020204" pitchFamily="34" charset="0"/>
-              </a:rPr>
-              <a:t>Asegúrate </a:t>
-            </a:r>
-            <a:r>
               <a:rPr lang="es-ES" sz="2000" dirty="0">
                 <a:latin typeface="Arial" panose="020B0604020202020204" pitchFamily="34" charset="0"/>
                 <a:cs typeface="Arial" panose="020B0604020202020204" pitchFamily="34" charset="0"/>
               </a:rPr>
-              <a:t>que el campo </a:t>
+              <a:t>Asegúrate que el campo </a:t>
             </a:r>
             <a:r>
               <a:rPr lang="es-ES" sz="2000" b="1" dirty="0">
@@ -8409,10 +8236,26 @@
                 <a:latin typeface="Arial" panose="020B0604020202020204" pitchFamily="34" charset="0"/>
                 <a:cs typeface="Arial" panose="020B0604020202020204" pitchFamily="34" charset="0"/>
               </a:rPr>
-              <a:t> especifica la localización del SDK</a:t>
-            </a:r>
-            <a:r>
-              <a:rPr lang="es-ES" sz="2000" dirty="0" smtClean="0">
+              <a:t> especifica la localización del SDK.</a:t>
+            </a:r>
+          </a:p>
+          <a:p>
+            <a:r>
+              <a:rPr lang="es-ES" sz="2000" dirty="0">
+                <a:latin typeface="Arial" panose="020B0604020202020204" pitchFamily="34" charset="0"/>
+                <a:cs typeface="Arial" panose="020B0604020202020204" pitchFamily="34" charset="0"/>
+              </a:rPr>
+              <a:t>Presiona </a:t>
+            </a:r>
+            <a:r>
+              <a:rPr lang="es-ES" sz="2000" b="1" dirty="0" err="1">
+                <a:latin typeface="Arial" panose="020B0604020202020204" pitchFamily="34" charset="0"/>
+                <a:cs typeface="Arial" panose="020B0604020202020204" pitchFamily="34" charset="0"/>
+              </a:rPr>
+              <a:t>Finish</a:t>
+            </a:r>
+            <a:r>
+              <a:rPr lang="es-ES" sz="2000" b="1" dirty="0">
                 <a:latin typeface="Arial" panose="020B0604020202020204" pitchFamily="34" charset="0"/>
                 <a:cs typeface="Arial" panose="020B0604020202020204" pitchFamily="34" charset="0"/>
               </a:rPr>
@@ -8420,29 +8263,6 @@
             </a:r>
           </a:p>
           <a:p>
-            <a:r>
-              <a:rPr lang="es-ES" sz="2000" dirty="0" smtClean="0">
-                <a:latin typeface="Arial" panose="020B0604020202020204" pitchFamily="34" charset="0"/>
-                <a:cs typeface="Arial" panose="020B0604020202020204" pitchFamily="34" charset="0"/>
-              </a:rPr>
-              <a:t>Presiona </a:t>
-            </a:r>
-            <a:r>
-              <a:rPr lang="es-ES" sz="2000" b="1" dirty="0" err="1" smtClean="0">
-                <a:latin typeface="Arial" panose="020B0604020202020204" pitchFamily="34" charset="0"/>
-                <a:cs typeface="Arial" panose="020B0604020202020204" pitchFamily="34" charset="0"/>
-              </a:rPr>
-              <a:t>Finish</a:t>
-            </a:r>
-            <a:r>
-              <a:rPr lang="es-ES" sz="2000" b="1" dirty="0" smtClean="0">
-                <a:latin typeface="Arial" panose="020B0604020202020204" pitchFamily="34" charset="0"/>
-                <a:cs typeface="Arial" panose="020B0604020202020204" pitchFamily="34" charset="0"/>
-              </a:rPr>
-              <a:t>.</a:t>
-            </a:r>
-          </a:p>
-          <a:p>
             <a:endParaRPr lang="es-MX" dirty="0"/>
           </a:p>
         </p:txBody>
@@ -8463,10 +8283,9 @@
           <a:lstStyle/>
           <a:p>
             <a:r>
-              <a:rPr lang="en-US" dirty="0" smtClean="0"/>
+              <a:rPr lang="en-US" dirty="0"/>
               <a:t>Ing. Alejandro Soto Treviño</a:t>
             </a:r>
-            <a:endParaRPr lang="en-US" dirty="0"/>
           </a:p>
         </p:txBody>
       </p:sp>
@@ -8546,22 +8365,21 @@
           <a:lstStyle/>
           <a:p>
             <a:r>
-              <a:rPr lang="es-MX" dirty="0" err="1" smtClean="0"/>
+              <a:rPr lang="es-MX" dirty="0" err="1"/>
               <a:t>Hello</a:t>
             </a:r>
             <a:r>
-              <a:rPr lang="es-MX" dirty="0" smtClean="0"/>
+              <a:rPr lang="es-MX" dirty="0"/>
               <a:t> </a:t>
             </a:r>
             <a:r>
-              <a:rPr lang="es-MX" dirty="0" err="1" smtClean="0"/>
+              <a:rPr lang="es-MX" dirty="0" err="1"/>
               <a:t>World</a:t>
             </a:r>
             <a:r>
-              <a:rPr lang="es-MX" dirty="0" smtClean="0"/>
+              <a:rPr lang="es-MX" dirty="0"/>
               <a:t> en Flutter</a:t>
             </a:r>
-            <a:endParaRPr lang="es-MX" dirty="0"/>
           </a:p>
         </p:txBody>
       </p:sp>
@@ -8613,14 +8431,7 @@
                 <a:latin typeface="Arial" panose="020B0604020202020204" pitchFamily="34" charset="0"/>
                 <a:cs typeface="Arial" panose="020B0604020202020204" pitchFamily="34" charset="0"/>
               </a:rPr>
-              <a:t> con un </a:t>
-            </a:r>
-            <a:r>
-              <a:rPr lang="es-ES" sz="2000" dirty="0" smtClean="0">
-                <a:latin typeface="Arial" panose="020B0604020202020204" pitchFamily="34" charset="0"/>
-                <a:cs typeface="Arial" panose="020B0604020202020204" pitchFamily="34" charset="0"/>
-              </a:rPr>
-              <a:t>widget.</a:t>
+              <a:t> con un widget.</a:t>
             </a:r>
           </a:p>
           <a:p>
@@ -8650,7 +8461,7 @@
           <a:lstStyle/>
           <a:p>
             <a:r>
-              <a:rPr lang="en-US" smtClean="0"/>
+              <a:rPr lang="en-US"/>
               <a:t>Ing. Alejandro Soto Treviño</a:t>
             </a:r>
             <a:endParaRPr lang="en-US" dirty="0"/>
@@ -8733,10 +8544,9 @@
           <a:lstStyle/>
           <a:p>
             <a:r>
-              <a:rPr lang="es-MX" dirty="0" smtClean="0"/>
+              <a:rPr lang="es-MX" dirty="0"/>
               <a:t>Introducción</a:t>
             </a:r>
-            <a:endParaRPr lang="es-MX" dirty="0"/>
           </a:p>
         </p:txBody>
       </p:sp>
@@ -8759,7 +8569,7 @@
           <a:p>
             <a:pPr algn="just"/>
             <a:r>
-              <a:rPr lang="es-MX" sz="2000" dirty="0" smtClean="0">
+              <a:rPr lang="es-MX" sz="2000" dirty="0">
                 <a:latin typeface="Arial" panose="020B0604020202020204" pitchFamily="34" charset="0"/>
                 <a:cs typeface="Arial" panose="020B0604020202020204" pitchFamily="34" charset="0"/>
               </a:rPr>
@@ -8776,16 +8586,12 @@
           <a:p>
             <a:pPr algn="just"/>
             <a:r>
-              <a:rPr lang="es-MX" sz="2000" dirty="0" smtClean="0">
+              <a:rPr lang="es-MX" sz="2000" dirty="0">
                 <a:latin typeface="Arial" panose="020B0604020202020204" pitchFamily="34" charset="0"/>
                 <a:cs typeface="Arial" panose="020B0604020202020204" pitchFamily="34" charset="0"/>
               </a:rPr>
               <a:t>Los volúmenes de datos son cada día mayores y la importancia de acceder a los datos de manera rápida impulsan la utilización de base de datos de alta capacidad y sobretodo en tiempo real.</a:t>
             </a:r>
-            <a:endParaRPr lang="es-MX" sz="2000" dirty="0">
-              <a:latin typeface="Arial" panose="020B0604020202020204" pitchFamily="34" charset="0"/>
-              <a:cs typeface="Arial" panose="020B0604020202020204" pitchFamily="34" charset="0"/>
-            </a:endParaRPr>
           </a:p>
         </p:txBody>
       </p:sp>
@@ -8805,10 +8611,9 @@
           <a:lstStyle/>
           <a:p>
             <a:r>
-              <a:rPr lang="en-US" dirty="0" smtClean="0"/>
+              <a:rPr lang="en-US" dirty="0"/>
               <a:t>Ing. Alejandro Soto Treviño</a:t>
             </a:r>
-            <a:endParaRPr lang="en-US" dirty="0"/>
           </a:p>
         </p:txBody>
       </p:sp>
@@ -8863,10 +8668,9 @@
           <a:lstStyle/>
           <a:p>
             <a:r>
-              <a:rPr lang="es-MX" dirty="0" smtClean="0"/>
+              <a:rPr lang="es-MX" dirty="0"/>
               <a:t>Material App</a:t>
             </a:r>
-            <a:endParaRPr lang="es-MX" dirty="0"/>
           </a:p>
         </p:txBody>
       </p:sp>
@@ -8892,88 +8696,42 @@
           <a:p>
             <a:pPr algn="just"/>
             <a:r>
-              <a:rPr lang="es-ES" dirty="0" smtClean="0">
-                <a:latin typeface="Arial" panose="020B0604020202020204" pitchFamily="34" charset="0"/>
-                <a:cs typeface="Arial" panose="020B0604020202020204" pitchFamily="34" charset="0"/>
-              </a:rPr>
-              <a:t>Flutter </a:t>
-            </a:r>
-            <a:r>
               <a:rPr lang="es-ES" dirty="0">
                 <a:latin typeface="Arial" panose="020B0604020202020204" pitchFamily="34" charset="0"/>
                 <a:cs typeface="Arial" panose="020B0604020202020204" pitchFamily="34" charset="0"/>
               </a:rPr>
-              <a:t>proporciona una serie de widgets que te ayudan a crear aplicaciones que siguen el Material Design. Una aplicación Material comienza con el widget MaterialApp que construye una serie de widgets en la raíz de tu </a:t>
-            </a:r>
-            <a:r>
-              <a:rPr lang="es-ES" dirty="0" smtClean="0">
-                <a:latin typeface="Arial" panose="020B0604020202020204" pitchFamily="34" charset="0"/>
-                <a:cs typeface="Arial" panose="020B0604020202020204" pitchFamily="34" charset="0"/>
-              </a:rPr>
-              <a:t>aplicación.</a:t>
-            </a:r>
-            <a:endParaRPr lang="es-ES" dirty="0">
-              <a:latin typeface="Arial" panose="020B0604020202020204" pitchFamily="34" charset="0"/>
-              <a:cs typeface="Arial" panose="020B0604020202020204" pitchFamily="34" charset="0"/>
-            </a:endParaRPr>
+              <a:t>Flutter proporciona una serie de widgets que te ayudan a crear aplicaciones que siguen el Material Design. Una aplicación Material comienza con el widget MaterialApp que construye una serie de widgets en la raíz de tu aplicación.</a:t>
+            </a:r>
           </a:p>
           <a:p>
             <a:pPr algn="just"/>
             <a:r>
-              <a:rPr lang="es-ES" dirty="0" smtClean="0">
-                <a:latin typeface="Arial" panose="020B0604020202020204" pitchFamily="34" charset="0"/>
-                <a:cs typeface="Arial" panose="020B0604020202020204" pitchFamily="34" charset="0"/>
-              </a:rPr>
-              <a:t>Muchos </a:t>
-            </a:r>
-            <a:r>
               <a:rPr lang="es-ES" dirty="0">
                 <a:latin typeface="Arial" panose="020B0604020202020204" pitchFamily="34" charset="0"/>
                 <a:cs typeface="Arial" panose="020B0604020202020204" pitchFamily="34" charset="0"/>
               </a:rPr>
-              <a:t>widgets </a:t>
-            </a:r>
-            <a:r>
-              <a:rPr lang="es-ES" dirty="0" smtClean="0">
-                <a:latin typeface="Arial" panose="020B0604020202020204" pitchFamily="34" charset="0"/>
-                <a:cs typeface="Arial" panose="020B0604020202020204" pitchFamily="34" charset="0"/>
-              </a:rPr>
-              <a:t>necesitan </a:t>
+              <a:t>Muchos widgets necesitan estar dentro de un </a:t>
             </a:r>
             <a:r>
               <a:rPr lang="es-ES" dirty="0">
                 <a:latin typeface="Arial" panose="020B0604020202020204" pitchFamily="34" charset="0"/>
                 <a:cs typeface="Arial" panose="020B0604020202020204" pitchFamily="34" charset="0"/>
-              </a:rPr>
-              <a:t>estar dentro de un </a:t>
+                <a:hlinkClick r:id="rId2"/>
+              </a:rPr>
+              <a:t>MaterialApp</a:t>
             </a:r>
             <a:r>
               <a:rPr lang="es-ES" dirty="0">
                 <a:latin typeface="Arial" panose="020B0604020202020204" pitchFamily="34" charset="0"/>
                 <a:cs typeface="Arial" panose="020B0604020202020204" pitchFamily="34" charset="0"/>
-                <a:hlinkClick r:id="rId2"/>
-              </a:rPr>
-              <a:t>MaterialApp</a:t>
-            </a:r>
+              </a:rPr>
+              <a:t> parar mostrarse correctamente.</a:t>
+            </a:r>
+          </a:p>
+          <a:p>
+            <a:pPr algn="just"/>
             <a:r>
               <a:rPr lang="es-ES" dirty="0">
-                <a:latin typeface="Arial" panose="020B0604020202020204" pitchFamily="34" charset="0"/>
-                <a:cs typeface="Arial" panose="020B0604020202020204" pitchFamily="34" charset="0"/>
-              </a:rPr>
-              <a:t> parar mostrarse </a:t>
-            </a:r>
-            <a:r>
-              <a:rPr lang="es-ES" dirty="0" smtClean="0">
-                <a:latin typeface="Arial" panose="020B0604020202020204" pitchFamily="34" charset="0"/>
-                <a:cs typeface="Arial" panose="020B0604020202020204" pitchFamily="34" charset="0"/>
-              </a:rPr>
-              <a:t>correctamente.</a:t>
-            </a:r>
-          </a:p>
-          <a:p>
-            <a:pPr algn="just"/>
-            <a:r>
-              <a:rPr lang="es-ES" dirty="0" smtClean="0">
                 <a:latin typeface="Arial" panose="020B0604020202020204" pitchFamily="34" charset="0"/>
                 <a:cs typeface="Arial" panose="020B0604020202020204" pitchFamily="34" charset="0"/>
               </a:rPr>
@@ -8986,25 +8744,11 @@
               <a:buAutoNum type="arabicPeriod"/>
             </a:pPr>
             <a:r>
-              <a:rPr lang="es-ES" dirty="0" smtClean="0">
-                <a:latin typeface="Arial" panose="020B0604020202020204" pitchFamily="34" charset="0"/>
-                <a:cs typeface="Arial" panose="020B0604020202020204" pitchFamily="34" charset="0"/>
-              </a:rPr>
-              <a:t>title  </a:t>
-            </a:r>
-            <a:r>
               <a:rPr lang="es-ES" dirty="0">
                 <a:latin typeface="Arial" panose="020B0604020202020204" pitchFamily="34" charset="0"/>
                 <a:cs typeface="Arial" panose="020B0604020202020204" pitchFamily="34" charset="0"/>
               </a:rPr>
-              <a:t>-&gt; utilizado por el conmutador de tareas del sistema </a:t>
-            </a:r>
-            <a:r>
-              <a:rPr lang="es-ES" dirty="0" smtClean="0">
-                <a:latin typeface="Arial" panose="020B0604020202020204" pitchFamily="34" charset="0"/>
-                <a:cs typeface="Arial" panose="020B0604020202020204" pitchFamily="34" charset="0"/>
-              </a:rPr>
-              <a:t>operativo.</a:t>
+              <a:t>title  -&gt; utilizado por el conmutador de tareas del sistema operativo.</a:t>
             </a:r>
           </a:p>
           <a:p>
@@ -9017,14 +8761,7 @@
                 <a:latin typeface="Arial" panose="020B0604020202020204" pitchFamily="34" charset="0"/>
                 <a:cs typeface="Arial" panose="020B0604020202020204" pitchFamily="34" charset="0"/>
               </a:rPr>
-              <a:t>h</a:t>
-            </a:r>
-            <a:r>
-              <a:rPr lang="es-MX" dirty="0" smtClean="0">
-                <a:latin typeface="Arial" panose="020B0604020202020204" pitchFamily="34" charset="0"/>
-                <a:cs typeface="Arial" panose="020B0604020202020204" pitchFamily="34" charset="0"/>
-              </a:rPr>
-              <a:t>ome -&gt; contenido principal.</a:t>
+              <a:t>home -&gt; contenido principal.</a:t>
             </a:r>
           </a:p>
           <a:p>
@@ -9052,7 +8789,7 @@
           <a:lstStyle/>
           <a:p>
             <a:r>
-              <a:rPr lang="en-US" smtClean="0"/>
+              <a:rPr lang="en-US"/>
               <a:t>Ing. Alejandro Soto Treviño</a:t>
             </a:r>
             <a:endParaRPr lang="en-US" dirty="0"/>
@@ -9140,10 +8877,9 @@
           <a:lstStyle/>
           <a:p>
             <a:r>
-              <a:rPr lang="es-MX" dirty="0" smtClean="0"/>
+              <a:rPr lang="es-MX" dirty="0"/>
               <a:t>Scaffold</a:t>
             </a:r>
-            <a:endParaRPr lang="es-MX" dirty="0"/>
           </a:p>
         </p:txBody>
       </p:sp>
@@ -9169,16 +8905,12 @@
           <a:p>
             <a:r>
               <a:rPr lang="es-ES" dirty="0"/>
-              <a:t>Implementa la estructura de diseño visual básica de Material </a:t>
-            </a:r>
-            <a:r>
-              <a:rPr lang="es-ES" dirty="0" smtClean="0"/>
-              <a:t>Design.</a:t>
-            </a:r>
-          </a:p>
-          <a:p>
-            <a:r>
-              <a:rPr lang="es-ES" dirty="0" smtClean="0"/>
+              <a:t>Implementa la estructura de diseño visual básica de Material Design.</a:t>
+            </a:r>
+          </a:p>
+          <a:p>
+            <a:r>
+              <a:rPr lang="es-ES" dirty="0"/>
               <a:t>Esta formado por las siguientes propiedades (entre otras):</a:t>
             </a:r>
           </a:p>
@@ -9188,7 +8920,7 @@
               <a:buAutoNum type="arabicPeriod"/>
             </a:pPr>
             <a:r>
-              <a:rPr lang="es-ES" dirty="0" smtClean="0"/>
+              <a:rPr lang="es-ES" dirty="0"/>
               <a:t>AppBar -&gt; Barra de aplicaciones superior</a:t>
             </a:r>
           </a:p>
@@ -9198,7 +8930,7 @@
               <a:buAutoNum type="arabicPeriod"/>
             </a:pPr>
             <a:r>
-              <a:rPr lang="es-ES" dirty="0" smtClean="0"/>
+              <a:rPr lang="es-ES" dirty="0"/>
               <a:t>Body -&gt; Contenido principal de la ventana.</a:t>
             </a:r>
           </a:p>
@@ -9220,7 +8952,7 @@
           <a:lstStyle/>
           <a:p>
             <a:r>
-              <a:rPr lang="en-US" smtClean="0"/>
+              <a:rPr lang="en-US"/>
               <a:t>Ing. Alejandro Soto Treviño</a:t>
             </a:r>
             <a:endParaRPr lang="en-US" dirty="0"/>
@@ -9302,10 +9034,9 @@
           <a:lstStyle/>
           <a:p>
             <a:r>
-              <a:rPr lang="es-MX" dirty="0" smtClean="0"/>
+              <a:rPr lang="es-MX" dirty="0"/>
               <a:t>Widgets básicos.</a:t>
             </a:r>
-            <a:endParaRPr lang="es-MX" dirty="0"/>
           </a:p>
         </p:txBody>
       </p:sp>
@@ -9333,30 +9064,12 @@
           <a:p>
             <a:pPr algn="just"/>
             <a:r>
-              <a:rPr lang="es-ES" sz="2000" dirty="0" smtClean="0">
-                <a:latin typeface="Arial" panose="020B0604020202020204" pitchFamily="34" charset="0"/>
-                <a:cs typeface="Arial" panose="020B0604020202020204" pitchFamily="34" charset="0"/>
-              </a:rPr>
-              <a:t>Flutter </a:t>
-            </a:r>
-            <a:r>
               <a:rPr lang="es-ES" sz="2000" dirty="0">
                 <a:latin typeface="Arial" panose="020B0604020202020204" pitchFamily="34" charset="0"/>
                 <a:cs typeface="Arial" panose="020B0604020202020204" pitchFamily="34" charset="0"/>
               </a:rPr>
-              <a:t>viene con un conjunto de potentes widgets básicos, de los cuales los siguientes son de uso muy común</a:t>
-            </a:r>
-            <a:r>
-              <a:rPr lang="es-ES" sz="2000" dirty="0" smtClean="0">
-                <a:latin typeface="Arial" panose="020B0604020202020204" pitchFamily="34" charset="0"/>
-                <a:cs typeface="Arial" panose="020B0604020202020204" pitchFamily="34" charset="0"/>
-              </a:rPr>
-              <a:t>:</a:t>
-            </a:r>
-            <a:endParaRPr lang="es-ES" sz="2000" dirty="0">
-              <a:latin typeface="Arial" panose="020B0604020202020204" pitchFamily="34" charset="0"/>
-              <a:cs typeface="Arial" panose="020B0604020202020204" pitchFamily="34" charset="0"/>
-            </a:endParaRPr>
+              <a:t>Flutter viene con un conjunto de potentes widgets básicos, de los cuales los siguientes son de uso muy común:</a:t>
+            </a:r>
           </a:p>
           <a:p>
             <a:pPr marL="0" indent="0" algn="just">
@@ -9374,14 +9087,7 @@
                 <a:latin typeface="Arial" panose="020B0604020202020204" pitchFamily="34" charset="0"/>
                 <a:cs typeface="Arial" panose="020B0604020202020204" pitchFamily="34" charset="0"/>
               </a:rPr>
-              <a:t>: </a:t>
-            </a:r>
-            <a:r>
-              <a:rPr lang="es-ES" sz="2000" dirty="0" smtClean="0">
-                <a:latin typeface="Arial" panose="020B0604020202020204" pitchFamily="34" charset="0"/>
-                <a:cs typeface="Arial" panose="020B0604020202020204" pitchFamily="34" charset="0"/>
-              </a:rPr>
-              <a:t>El widget Text te permite crear una cadena de texto con estilo, dentro de tu aplicación.</a:t>
+              <a:t>: El widget Text te permite crear una cadena de texto con estilo, dentro de tu aplicación.</a:t>
             </a:r>
           </a:p>
           <a:p>
@@ -9409,7 +9115,7 @@
           <a:lstStyle/>
           <a:p>
             <a:r>
-              <a:rPr lang="en-US" smtClean="0"/>
+              <a:rPr lang="en-US"/>
               <a:t>Ing. Alejandro Soto Treviño</a:t>
             </a:r>
             <a:endParaRPr lang="en-US" dirty="0"/>
@@ -9492,10 +9198,9 @@
           <a:lstStyle/>
           <a:p>
             <a:r>
-              <a:rPr lang="es-MX" dirty="0" smtClean="0"/>
+              <a:rPr lang="es-MX" dirty="0"/>
               <a:t>Widgets básicos.</a:t>
             </a:r>
-            <a:endParaRPr lang="es-MX" dirty="0"/>
           </a:p>
         </p:txBody>
       </p:sp>
@@ -9525,39 +9230,32 @@
               <a:buNone/>
             </a:pPr>
             <a:r>
-              <a:rPr lang="es-ES" sz="2000" b="1" dirty="0" err="1" smtClean="0">
+              <a:rPr lang="es-ES" sz="2000" b="1" dirty="0" err="1">
                 <a:latin typeface="Arial" panose="020B0604020202020204" pitchFamily="34" charset="0"/>
                 <a:cs typeface="Arial" panose="020B0604020202020204" pitchFamily="34" charset="0"/>
               </a:rPr>
               <a:t>Row</a:t>
             </a:r>
             <a:r>
-              <a:rPr lang="es-ES" sz="2000" b="1" dirty="0" smtClean="0">
+              <a:rPr lang="es-ES" sz="2000" b="1" dirty="0">
                 <a:latin typeface="Arial" panose="020B0604020202020204" pitchFamily="34" charset="0"/>
                 <a:cs typeface="Arial" panose="020B0604020202020204" pitchFamily="34" charset="0"/>
               </a:rPr>
               <a:t>, </a:t>
             </a:r>
             <a:r>
-              <a:rPr lang="es-ES" sz="2000" b="1" dirty="0" err="1" smtClean="0">
+              <a:rPr lang="es-ES" sz="2000" b="1" dirty="0" err="1">
                 <a:latin typeface="Arial" panose="020B0604020202020204" pitchFamily="34" charset="0"/>
                 <a:cs typeface="Arial" panose="020B0604020202020204" pitchFamily="34" charset="0"/>
               </a:rPr>
               <a:t>Column</a:t>
             </a:r>
             <a:r>
-              <a:rPr lang="es-ES" sz="2000" dirty="0" smtClean="0">
-                <a:latin typeface="Arial" panose="020B0604020202020204" pitchFamily="34" charset="0"/>
-                <a:cs typeface="Arial" panose="020B0604020202020204" pitchFamily="34" charset="0"/>
-              </a:rPr>
-              <a:t>: </a:t>
-            </a:r>
-            <a:r>
               <a:rPr lang="es-ES" sz="2000" dirty="0">
                 <a:latin typeface="Arial" panose="020B0604020202020204" pitchFamily="34" charset="0"/>
                 <a:cs typeface="Arial" panose="020B0604020202020204" pitchFamily="34" charset="0"/>
               </a:rPr>
-              <a:t>Estos widgets flexibles te permiten crear layouts flexibles tanto en la dirección horizontal (</a:t>
+              <a:t>: Estos widgets flexibles te permiten crear layouts flexibles tanto en la dirección horizontal (</a:t>
             </a:r>
             <a:r>
               <a:rPr lang="es-ES" sz="2000" dirty="0" err="1">
@@ -9612,7 +9310,7 @@
           <a:lstStyle/>
           <a:p>
             <a:r>
-              <a:rPr lang="en-US" smtClean="0"/>
+              <a:rPr lang="en-US"/>
               <a:t>Ing. Alejandro Soto Treviño</a:t>
             </a:r>
             <a:endParaRPr lang="en-US" dirty="0"/>
@@ -9700,10 +9398,9 @@
           <a:lstStyle/>
           <a:p>
             <a:r>
-              <a:rPr lang="es-MX" dirty="0" smtClean="0"/>
+              <a:rPr lang="es-MX" dirty="0"/>
               <a:t>Widgets básicos.</a:t>
             </a:r>
-            <a:endParaRPr lang="es-MX" dirty="0"/>
           </a:p>
         </p:txBody>
       </p:sp>
@@ -9737,14 +9434,7 @@
                 <a:latin typeface="Arial" panose="020B0604020202020204" pitchFamily="34" charset="0"/>
                 <a:cs typeface="Arial" panose="020B0604020202020204" pitchFamily="34" charset="0"/>
               </a:rPr>
-              <a:t>S</a:t>
-            </a:r>
-            <a:r>
-              <a:rPr lang="es-ES" sz="2000" b="1" dirty="0" smtClean="0">
-                <a:latin typeface="Arial" panose="020B0604020202020204" pitchFamily="34" charset="0"/>
-                <a:cs typeface="Arial" panose="020B0604020202020204" pitchFamily="34" charset="0"/>
-              </a:rPr>
-              <a:t>tack</a:t>
+              <a:t>Stack</a:t>
             </a:r>
             <a:r>
               <a:rPr lang="es-ES" sz="2000" dirty="0">
@@ -9776,7 +9466,7 @@
           <a:lstStyle/>
           <a:p>
             <a:r>
-              <a:rPr lang="en-US" smtClean="0"/>
+              <a:rPr lang="en-US"/>
               <a:t>Ing. Alejandro Soto Treviño</a:t>
             </a:r>
             <a:endParaRPr lang="en-US" dirty="0"/>
@@ -9864,10 +9554,9 @@
           <a:lstStyle/>
           <a:p>
             <a:r>
-              <a:rPr lang="es-MX" dirty="0" smtClean="0"/>
+              <a:rPr lang="es-MX" dirty="0"/>
               <a:t>Widgets básicos.</a:t>
             </a:r>
-            <a:endParaRPr lang="es-MX" dirty="0"/>
           </a:p>
         </p:txBody>
       </p:sp>
@@ -9897,14 +9586,14 @@
               <a:buNone/>
             </a:pPr>
             <a:r>
-              <a:rPr lang="es-ES" sz="2400" b="1" dirty="0" smtClean="0">
+              <a:rPr lang="es-ES" sz="2400" b="1" dirty="0">
                 <a:latin typeface="Arial" panose="020B0604020202020204" pitchFamily="34" charset="0"/>
                 <a:cs typeface="Arial" panose="020B0604020202020204" pitchFamily="34" charset="0"/>
               </a:rPr>
               <a:t>Container</a:t>
             </a:r>
             <a:r>
-              <a:rPr lang="es-ES" sz="2400" dirty="0" smtClean="0">
+              <a:rPr lang="es-ES" sz="2400" dirty="0">
                 <a:latin typeface="Arial" panose="020B0604020202020204" pitchFamily="34" charset="0"/>
                 <a:cs typeface="Arial" panose="020B0604020202020204" pitchFamily="34" charset="0"/>
               </a:rPr>
@@ -9915,96 +9604,33 @@
                 <a:latin typeface="Arial" panose="020B0604020202020204" pitchFamily="34" charset="0"/>
                 <a:cs typeface="Arial" panose="020B0604020202020204" pitchFamily="34" charset="0"/>
               </a:rPr>
-              <a:t> T</a:t>
-            </a:r>
-            <a:r>
-              <a:rPr lang="es-ES" sz="2000" dirty="0" smtClean="0">
-                <a:latin typeface="Arial" panose="020B0604020202020204" pitchFamily="34" charset="0"/>
-                <a:cs typeface="Arial" panose="020B0604020202020204" pitchFamily="34" charset="0"/>
-              </a:rPr>
-              <a:t>e </a:t>
+              <a:t> Te permite crear un elemento visual rectangular. Puede ser decorado con un </a:t>
+            </a:r>
+            <a:r>
+              <a:rPr lang="es-ES" sz="2000" dirty="0" err="1">
+                <a:latin typeface="Arial" panose="020B0604020202020204" pitchFamily="34" charset="0"/>
+                <a:cs typeface="Arial" panose="020B0604020202020204" pitchFamily="34" charset="0"/>
+                <a:hlinkClick r:id="rId2"/>
+              </a:rPr>
+              <a:t>BoxDecoration</a:t>
             </a:r>
             <a:r>
               <a:rPr lang="es-ES" sz="2000" dirty="0">
                 <a:latin typeface="Arial" panose="020B0604020202020204" pitchFamily="34" charset="0"/>
                 <a:cs typeface="Arial" panose="020B0604020202020204" pitchFamily="34" charset="0"/>
               </a:rPr>
-              <a:t>permite crear un elemento </a:t>
-            </a:r>
-            <a:r>
-              <a:rPr lang="es-ES" sz="2000" dirty="0" smtClean="0">
-                <a:latin typeface="Arial" panose="020B0604020202020204" pitchFamily="34" charset="0"/>
-                <a:cs typeface="Arial" panose="020B0604020202020204" pitchFamily="34" charset="0"/>
-              </a:rPr>
-              <a:t>visual </a:t>
+              <a:t>, como un fondo, un borde o una sombra. También puede tener márgenes, relleno interno y restricciones aplicadas a su tamaño. Además, un </a:t>
             </a:r>
             <a:r>
               <a:rPr lang="es-ES" sz="2000" dirty="0">
                 <a:latin typeface="Arial" panose="020B0604020202020204" pitchFamily="34" charset="0"/>
                 <a:cs typeface="Arial" panose="020B0604020202020204" pitchFamily="34" charset="0"/>
-              </a:rPr>
-              <a:t>rectangular. P</a:t>
-            </a:r>
-            <a:r>
-              <a:rPr lang="es-ES" sz="2000" dirty="0" smtClean="0">
-                <a:latin typeface="Arial" panose="020B0604020202020204" pitchFamily="34" charset="0"/>
-                <a:cs typeface="Arial" panose="020B0604020202020204" pitchFamily="34" charset="0"/>
-              </a:rPr>
-              <a:t>uede </a:t>
+                <a:hlinkClick r:id="rId3"/>
+              </a:rPr>
+              <a:t>Container</a:t>
             </a:r>
             <a:r>
               <a:rPr lang="es-ES" sz="2000" dirty="0">
-                <a:latin typeface="Arial" panose="020B0604020202020204" pitchFamily="34" charset="0"/>
-                <a:cs typeface="Arial" panose="020B0604020202020204" pitchFamily="34" charset="0"/>
-              </a:rPr>
-              <a:t>ser decorado con un </a:t>
-            </a:r>
-            <a:r>
-              <a:rPr lang="es-ES" sz="2000" dirty="0" err="1">
-                <a:latin typeface="Arial" panose="020B0604020202020204" pitchFamily="34" charset="0"/>
-                <a:cs typeface="Arial" panose="020B0604020202020204" pitchFamily="34" charset="0"/>
-                <a:hlinkClick r:id="rId2"/>
-              </a:rPr>
-              <a:t>BoxDecoration</a:t>
-            </a:r>
-            <a:r>
-              <a:rPr lang="es-ES" sz="2000" dirty="0">
-                <a:latin typeface="Arial" panose="020B0604020202020204" pitchFamily="34" charset="0"/>
-                <a:cs typeface="Arial" panose="020B0604020202020204" pitchFamily="34" charset="0"/>
-              </a:rPr>
-              <a:t>, como un fondo, un borde o una sombra. T</a:t>
-            </a:r>
-            <a:r>
-              <a:rPr lang="es-ES" sz="2000" dirty="0" smtClean="0">
-                <a:latin typeface="Arial" panose="020B0604020202020204" pitchFamily="34" charset="0"/>
-                <a:cs typeface="Arial" panose="020B0604020202020204" pitchFamily="34" charset="0"/>
-              </a:rPr>
-              <a:t>ambién puede </a:t>
-            </a:r>
-            <a:r>
-              <a:rPr lang="es-ES" sz="2000" dirty="0">
-                <a:latin typeface="Arial" panose="020B0604020202020204" pitchFamily="34" charset="0"/>
-                <a:cs typeface="Arial" panose="020B0604020202020204" pitchFamily="34" charset="0"/>
-              </a:rPr>
-              <a:t>tener márgenes, relleno interno y restricciones aplicadas a su tamaño. </a:t>
-            </a:r>
-            <a:r>
-              <a:rPr lang="es-ES" sz="2000" dirty="0" smtClean="0">
-                <a:latin typeface="Arial" panose="020B0604020202020204" pitchFamily="34" charset="0"/>
-                <a:cs typeface="Arial" panose="020B0604020202020204" pitchFamily="34" charset="0"/>
-              </a:rPr>
-              <a:t>Además, un </a:t>
-            </a:r>
-            <a:r>
-              <a:rPr lang="es-ES" sz="2000" dirty="0" smtClean="0">
-                <a:latin typeface="Arial" panose="020B0604020202020204" pitchFamily="34" charset="0"/>
-                <a:cs typeface="Arial" panose="020B0604020202020204" pitchFamily="34" charset="0"/>
-                <a:hlinkClick r:id="rId3"/>
-              </a:rPr>
-              <a:t>Container</a:t>
-            </a:r>
-            <a:r>
-              <a:rPr lang="es-ES" sz="2000" dirty="0" smtClean="0">
                 <a:latin typeface="Arial" panose="020B0604020202020204" pitchFamily="34" charset="0"/>
                 <a:cs typeface="Arial" panose="020B0604020202020204" pitchFamily="34" charset="0"/>
               </a:rPr>
@@ -10033,7 +9659,7 @@
           <a:lstStyle/>
           <a:p>
             <a:r>
-              <a:rPr lang="en-US" smtClean="0"/>
+              <a:rPr lang="en-US"/>
               <a:t>Ing. Alejandro Soto Treviño</a:t>
             </a:r>
             <a:endParaRPr lang="en-US" dirty="0"/>
@@ -10121,10 +9747,9 @@
           <a:lstStyle/>
           <a:p>
             <a:r>
-              <a:rPr lang="es-MX" dirty="0" smtClean="0"/>
+              <a:rPr lang="es-MX" dirty="0"/>
               <a:t>Stateless Widget</a:t>
             </a:r>
-            <a:endParaRPr lang="es-MX" dirty="0"/>
           </a:p>
         </p:txBody>
       </p:sp>
@@ -10156,19 +9781,8 @@
                 <a:latin typeface="Arial" panose="020B0604020202020204" pitchFamily="34" charset="0"/>
                 <a:cs typeface="Arial" panose="020B0604020202020204" pitchFamily="34" charset="0"/>
               </a:rPr>
-              <a:t>Un widget que no requiere estado mutable</a:t>
-            </a:r>
-            <a:r>
-              <a:rPr lang="es-ES" sz="2000" dirty="0" smtClean="0">
-                <a:latin typeface="Arial" panose="020B0604020202020204" pitchFamily="34" charset="0"/>
-                <a:cs typeface="Arial" panose="020B0604020202020204" pitchFamily="34" charset="0"/>
-              </a:rPr>
-              <a:t>.</a:t>
-            </a:r>
-            <a:endParaRPr lang="es-ES" sz="2000" dirty="0">
-              <a:latin typeface="Arial" panose="020B0604020202020204" pitchFamily="34" charset="0"/>
-              <a:cs typeface="Arial" panose="020B0604020202020204" pitchFamily="34" charset="0"/>
-            </a:endParaRPr>
+              <a:t>Un widget que no requiere estado mutable.</a:t>
+            </a:r>
           </a:p>
           <a:p>
             <a:pPr algn="just"/>
@@ -10202,7 +9816,7 @@
           <a:lstStyle/>
           <a:p>
             <a:r>
-              <a:rPr lang="en-US" smtClean="0"/>
+              <a:rPr lang="en-US"/>
               <a:t>Ing. Alejandro Soto Treviño</a:t>
             </a:r>
             <a:endParaRPr lang="en-US" dirty="0"/>
@@ -10292,10 +9906,9 @@
           <a:lstStyle/>
           <a:p>
             <a:r>
-              <a:rPr lang="es-MX" dirty="0" smtClean="0"/>
+              <a:rPr lang="es-MX" dirty="0"/>
               <a:t>Stateful Widget</a:t>
             </a:r>
-            <a:endParaRPr lang="es-MX" dirty="0"/>
           </a:p>
         </p:txBody>
       </p:sp>
@@ -10327,19 +9940,46 @@
                 <a:latin typeface="Arial" panose="020B0604020202020204" pitchFamily="34" charset="0"/>
                 <a:cs typeface="Arial" panose="020B0604020202020204" pitchFamily="34" charset="0"/>
               </a:rPr>
-              <a:t>Un widget que tiene estado mutable</a:t>
-            </a:r>
-            <a:r>
-              <a:rPr lang="es-ES" sz="2000" dirty="0" smtClean="0">
+              <a:t>Un widget que tiene estado mutable.</a:t>
+            </a:r>
+          </a:p>
+          <a:p>
+            <a:pPr algn="just"/>
+            <a:r>
+              <a:rPr lang="es-ES" sz="2000" dirty="0">
+                <a:latin typeface="Arial" panose="020B0604020202020204" pitchFamily="34" charset="0"/>
+                <a:cs typeface="Arial" panose="020B0604020202020204" pitchFamily="34" charset="0"/>
+              </a:rPr>
+              <a:t>El estado es información que puede leerse sincrónicamente cuando se crea el widget y puede cambiar durante la vida útil del widget. Es responsabilidad del implementador del widget asegurarse de que el </a:t>
+            </a:r>
+            <a:r>
+              <a:rPr lang="es-ES" sz="2000" b="1" dirty="0">
+                <a:latin typeface="Arial" panose="020B0604020202020204" pitchFamily="34" charset="0"/>
+                <a:cs typeface="Arial" panose="020B0604020202020204" pitchFamily="34" charset="0"/>
+              </a:rPr>
+              <a:t>Estado sea notificado </a:t>
+            </a:r>
+            <a:r>
+              <a:rPr lang="es-ES" sz="2000" dirty="0">
+                <a:latin typeface="Arial" panose="020B0604020202020204" pitchFamily="34" charset="0"/>
+                <a:cs typeface="Arial" panose="020B0604020202020204" pitchFamily="34" charset="0"/>
+              </a:rPr>
+              <a:t>de inmediato cuando dicho estado cambie, utilizando </a:t>
+            </a:r>
+            <a:r>
+              <a:rPr lang="es-ES" sz="2000" b="1" dirty="0" err="1">
+                <a:latin typeface="Arial" panose="020B0604020202020204" pitchFamily="34" charset="0"/>
+                <a:cs typeface="Arial" panose="020B0604020202020204" pitchFamily="34" charset="0"/>
+              </a:rPr>
+              <a:t>setState</a:t>
+            </a:r>
+            <a:r>
+              <a:rPr lang="es-ES" sz="2000" dirty="0">
                 <a:latin typeface="Arial" panose="020B0604020202020204" pitchFamily="34" charset="0"/>
                 <a:cs typeface="Arial" panose="020B0604020202020204" pitchFamily="34" charset="0"/>
               </a:rPr>
               <a:t>.</a:t>
             </a:r>
-            <a:endParaRPr lang="es-ES" sz="2000" dirty="0">
-              <a:latin typeface="Arial" panose="020B0604020202020204" pitchFamily="34" charset="0"/>
-              <a:cs typeface="Arial" panose="020B0604020202020204" pitchFamily="34" charset="0"/>
-            </a:endParaRPr>
           </a:p>
           <a:p>
             <a:pPr algn="just"/>
@@ -10348,105 +9988,17 @@
                 <a:latin typeface="Arial" panose="020B0604020202020204" pitchFamily="34" charset="0"/>
                 <a:cs typeface="Arial" panose="020B0604020202020204" pitchFamily="34" charset="0"/>
               </a:rPr>
-              <a:t>El estado es información que </a:t>
-            </a:r>
-            <a:r>
-              <a:rPr lang="es-ES" sz="2000" dirty="0" smtClean="0">
-                <a:latin typeface="Arial" panose="020B0604020202020204" pitchFamily="34" charset="0"/>
-                <a:cs typeface="Arial" panose="020B0604020202020204" pitchFamily="34" charset="0"/>
-              </a:rPr>
-              <a:t>puede </a:t>
-            </a:r>
+              <a:t>Un widget con estado es un widget que describe parte de la interfaz de usuario mediante la construcción de una constelación de otros widgets que describen la interfaz de usuario de manera más concreta. El proceso de construcción continúa de manera recursiva hasta que la descripción de la interfaz de usuario es completamente concreta.</a:t>
+            </a:r>
+          </a:p>
+          <a:p>
+            <a:pPr algn="just"/>
             <a:r>
               <a:rPr lang="es-ES" sz="2000" dirty="0">
                 <a:latin typeface="Arial" panose="020B0604020202020204" pitchFamily="34" charset="0"/>
                 <a:cs typeface="Arial" panose="020B0604020202020204" pitchFamily="34" charset="0"/>
               </a:rPr>
-              <a:t>leerse sincrónicamente cuando se crea el widget y </a:t>
-            </a:r>
-            <a:r>
-              <a:rPr lang="es-ES" sz="2000" dirty="0" smtClean="0">
-                <a:latin typeface="Arial" panose="020B0604020202020204" pitchFamily="34" charset="0"/>
-                <a:cs typeface="Arial" panose="020B0604020202020204" pitchFamily="34" charset="0"/>
-              </a:rPr>
-              <a:t>puede </a:t>
-            </a:r>
-            <a:r>
-              <a:rPr lang="es-ES" sz="2000" dirty="0">
-                <a:latin typeface="Arial" panose="020B0604020202020204" pitchFamily="34" charset="0"/>
-                <a:cs typeface="Arial" panose="020B0604020202020204" pitchFamily="34" charset="0"/>
-              </a:rPr>
-              <a:t>cambiar durante la vida útil del widget. Es responsabilidad del implementador del widget asegurarse de que el </a:t>
-            </a:r>
-            <a:r>
-              <a:rPr lang="es-ES" sz="2000" b="1" dirty="0">
-                <a:latin typeface="Arial" panose="020B0604020202020204" pitchFamily="34" charset="0"/>
-                <a:cs typeface="Arial" panose="020B0604020202020204" pitchFamily="34" charset="0"/>
-              </a:rPr>
-              <a:t>Estado sea notificado </a:t>
-            </a:r>
-            <a:r>
-              <a:rPr lang="es-ES" sz="2000" dirty="0">
-                <a:latin typeface="Arial" panose="020B0604020202020204" pitchFamily="34" charset="0"/>
-                <a:cs typeface="Arial" panose="020B0604020202020204" pitchFamily="34" charset="0"/>
-              </a:rPr>
-              <a:t>de inmediato cuando dicho estado cambie, utilizando </a:t>
-            </a:r>
-            <a:r>
-              <a:rPr lang="es-ES" sz="2000" b="1" dirty="0" err="1" smtClean="0">
-                <a:latin typeface="Arial" panose="020B0604020202020204" pitchFamily="34" charset="0"/>
-                <a:cs typeface="Arial" panose="020B0604020202020204" pitchFamily="34" charset="0"/>
-              </a:rPr>
-              <a:t>setState</a:t>
-            </a:r>
-            <a:r>
-              <a:rPr lang="es-ES" sz="2000" dirty="0" smtClean="0">
-                <a:latin typeface="Arial" panose="020B0604020202020204" pitchFamily="34" charset="0"/>
-                <a:cs typeface="Arial" panose="020B0604020202020204" pitchFamily="34" charset="0"/>
-              </a:rPr>
-              <a:t>.</a:t>
-            </a:r>
-            <a:endParaRPr lang="es-ES" sz="2000" dirty="0">
-              <a:latin typeface="Arial" panose="020B0604020202020204" pitchFamily="34" charset="0"/>
-              <a:cs typeface="Arial" panose="020B0604020202020204" pitchFamily="34" charset="0"/>
-            </a:endParaRPr>
-          </a:p>
-          <a:p>
-            <a:pPr algn="just"/>
-            <a:r>
-              <a:rPr lang="es-ES" sz="2000" dirty="0">
-                <a:latin typeface="Arial" panose="020B0604020202020204" pitchFamily="34" charset="0"/>
-                <a:cs typeface="Arial" panose="020B0604020202020204" pitchFamily="34" charset="0"/>
-              </a:rPr>
-              <a:t>Un widget con estado es un widget que describe parte de la interfaz de usuario mediante la construcción de una constelación de otros widgets que describen la interfaz de usuario de manera más concreta. El proceso de construcción continúa de manera recursiva hasta que la descripción de la interfaz de usuario es completamente </a:t>
-            </a:r>
-            <a:r>
-              <a:rPr lang="es-ES" sz="2000" dirty="0" smtClean="0">
-                <a:latin typeface="Arial" panose="020B0604020202020204" pitchFamily="34" charset="0"/>
-                <a:cs typeface="Arial" panose="020B0604020202020204" pitchFamily="34" charset="0"/>
-              </a:rPr>
-              <a:t>concreta.</a:t>
-            </a:r>
-            <a:endParaRPr lang="es-ES" sz="2000" dirty="0">
-              <a:latin typeface="Arial" panose="020B0604020202020204" pitchFamily="34" charset="0"/>
-              <a:cs typeface="Arial" panose="020B0604020202020204" pitchFamily="34" charset="0"/>
-            </a:endParaRPr>
-          </a:p>
-          <a:p>
-            <a:pPr algn="just"/>
-            <a:r>
-              <a:rPr lang="es-ES" sz="2000" dirty="0">
-                <a:latin typeface="Arial" panose="020B0604020202020204" pitchFamily="34" charset="0"/>
-                <a:cs typeface="Arial" panose="020B0604020202020204" pitchFamily="34" charset="0"/>
-              </a:rPr>
-              <a:t>Los widgets con estado son útiles cuando la parte de la interfaz de usuario que está describiendo puede cambiar </a:t>
-            </a:r>
-            <a:r>
-              <a:rPr lang="es-ES" sz="2000" dirty="0" smtClean="0">
-                <a:latin typeface="Arial" panose="020B0604020202020204" pitchFamily="34" charset="0"/>
-                <a:cs typeface="Arial" panose="020B0604020202020204" pitchFamily="34" charset="0"/>
-              </a:rPr>
-              <a:t>dinámicamente.</a:t>
+              <a:t>Los widgets con estado son útiles cuando la parte de la interfaz de usuario que está describiendo puede cambiar dinámicamente.</a:t>
             </a:r>
             <a:endParaRPr lang="es-MX" sz="2000" dirty="0">
               <a:latin typeface="Arial" panose="020B0604020202020204" pitchFamily="34" charset="0"/>
@@ -10471,7 +10023,7 @@
           <a:lstStyle/>
           <a:p>
             <a:r>
-              <a:rPr lang="en-US" smtClean="0"/>
+              <a:rPr lang="en-US"/>
               <a:t>Ing. Alejandro Soto Treviño</a:t>
             </a:r>
             <a:endParaRPr lang="en-US" dirty="0"/>
@@ -10531,10 +10083,9 @@
           <a:lstStyle/>
           <a:p>
             <a:r>
-              <a:rPr lang="es-MX" dirty="0" smtClean="0"/>
+              <a:rPr lang="es-MX" dirty="0"/>
               <a:t>Stateful Widget</a:t>
             </a:r>
-            <a:endParaRPr lang="es-MX" dirty="0"/>
           </a:p>
         </p:txBody>
       </p:sp>
@@ -10583,7 +10134,7 @@
           <a:lstStyle/>
           <a:p>
             <a:r>
-              <a:rPr lang="en-US" smtClean="0"/>
+              <a:rPr lang="en-US"/>
               <a:t>Ing. Alejandro Soto Treviño</a:t>
             </a:r>
             <a:endParaRPr lang="en-US" dirty="0"/>
@@ -10642,13 +10193,8 @@
           <a:p>
             <a:r>
               <a:rPr lang="es-MX" dirty="0"/>
-              <a:t>Organiza </a:t>
-            </a:r>
-            <a:r>
-              <a:rPr lang="es-MX" dirty="0" smtClean="0"/>
-              <a:t>múltiples widgets</a:t>
-            </a:r>
-            <a:endParaRPr lang="es-MX" dirty="0"/>
+              <a:t>Organiza múltiples widgets</a:t>
+            </a:r>
           </a:p>
         </p:txBody>
       </p:sp>
@@ -10673,21 +10219,17 @@
           <a:lstStyle/>
           <a:p>
             <a:pPr algn="just"/>
-            <a:endParaRPr lang="es-ES" dirty="0" smtClean="0"/>
+            <a:endParaRPr lang="es-ES" dirty="0"/>
           </a:p>
           <a:p>
             <a:pPr algn="just"/>
             <a:r>
-              <a:rPr lang="es-ES" dirty="0" err="1" smtClean="0"/>
+              <a:rPr lang="es-ES" dirty="0" err="1"/>
               <a:t>Row</a:t>
             </a:r>
             <a:r>
-              <a:rPr lang="es-ES" dirty="0" smtClean="0"/>
-              <a:t> </a:t>
-            </a:r>
-            <a:r>
               <a:rPr lang="es-ES" dirty="0"/>
-              <a:t>y </a:t>
+              <a:t> y </a:t>
             </a:r>
             <a:r>
               <a:rPr lang="es-ES" dirty="0" err="1"/>
@@ -10702,23 +10244,19 @@
               <a:t>layout</a:t>
             </a:r>
             <a:r>
-              <a:rPr lang="es-ES" dirty="0" smtClean="0"/>
+              <a:rPr lang="es-ES" dirty="0"/>
               <a:t>.</a:t>
             </a:r>
           </a:p>
           <a:p>
             <a:pPr algn="just"/>
             <a:r>
-              <a:rPr lang="es-ES" dirty="0" err="1" smtClean="0"/>
+              <a:rPr lang="es-ES" dirty="0" err="1"/>
               <a:t>Row</a:t>
             </a:r>
             <a:r>
-              <a:rPr lang="es-ES" dirty="0" smtClean="0"/>
-              <a:t> </a:t>
-            </a:r>
-            <a:r>
               <a:rPr lang="es-ES" dirty="0"/>
-              <a:t>y </a:t>
+              <a:t> y </a:t>
             </a:r>
             <a:r>
               <a:rPr lang="es-ES" dirty="0" err="1"/>
@@ -10726,22 +10264,14 @@
             </a:r>
             <a:r>
               <a:rPr lang="es-ES" dirty="0"/>
-              <a:t> toman ambos una lista de widgets hijos</a:t>
-            </a:r>
-            <a:r>
-              <a:rPr lang="es-ES" dirty="0" smtClean="0"/>
-              <a:t>.</a:t>
+              <a:t> toman ambos una lista de widgets hijos.</a:t>
             </a:r>
           </a:p>
           <a:p>
             <a:pPr algn="just"/>
             <a:r>
-              <a:rPr lang="es-ES" dirty="0" smtClean="0"/>
-              <a:t>Un </a:t>
-            </a:r>
-            <a:r>
               <a:rPr lang="es-ES" dirty="0"/>
-              <a:t>widget hijo puede ser él mismo un </a:t>
+              <a:t>Un widget hijo puede ser él mismo un </a:t>
             </a:r>
             <a:r>
               <a:rPr lang="es-ES" dirty="0" err="1"/>
@@ -10757,22 +10287,14 @@
             </a:r>
             <a:r>
               <a:rPr lang="es-ES" dirty="0"/>
-              <a:t>, u otro widget complejo</a:t>
-            </a:r>
-            <a:r>
-              <a:rPr lang="es-ES" dirty="0" smtClean="0"/>
-              <a:t>.</a:t>
+              <a:t>, u otro widget complejo.</a:t>
             </a:r>
           </a:p>
           <a:p>
             <a:pPr algn="just"/>
             <a:r>
-              <a:rPr lang="es-ES" dirty="0" smtClean="0"/>
-              <a:t>Puedes </a:t>
-            </a:r>
-            <a:r>
               <a:rPr lang="es-ES" dirty="0"/>
-              <a:t>especificar como un </a:t>
+              <a:t>Puedes especificar como un </a:t>
             </a:r>
             <a:r>
               <a:rPr lang="es-ES" dirty="0" err="1"/>
@@ -10788,37 +10310,21 @@
             </a:r>
             <a:r>
               <a:rPr lang="es-ES" dirty="0"/>
-              <a:t> alinea sus hijos, tanto vertical como </a:t>
-            </a:r>
-            <a:r>
-              <a:rPr lang="es-ES" dirty="0" smtClean="0"/>
-              <a:t>horizontalmente.</a:t>
+              <a:t> alinea sus hijos, tanto vertical como horizontalmente.</a:t>
             </a:r>
           </a:p>
           <a:p>
             <a:pPr algn="just"/>
             <a:r>
-              <a:rPr lang="es-ES" dirty="0" smtClean="0"/>
-              <a:t>Puedes </a:t>
-            </a:r>
-            <a:r>
               <a:rPr lang="es-ES" dirty="0"/>
-              <a:t>estirar o restringir widgets hijo específicos</a:t>
-            </a:r>
-            <a:r>
-              <a:rPr lang="es-ES" dirty="0" smtClean="0"/>
-              <a:t>.</a:t>
+              <a:t>Puedes estirar o restringir widgets hijo específicos.</a:t>
             </a:r>
           </a:p>
           <a:p>
             <a:pPr algn="just"/>
             <a:r>
-              <a:rPr lang="es-ES" dirty="0" smtClean="0"/>
-              <a:t>Puedes </a:t>
-            </a:r>
-            <a:r>
               <a:rPr lang="es-ES" dirty="0"/>
-              <a:t>especificar como los widgets hijo usa el espacio disponible del </a:t>
+              <a:t>Puedes especificar como los widgets hijo usa el espacio disponible del </a:t>
             </a:r>
             <a:r>
               <a:rPr lang="es-ES" dirty="0" err="1"/>
@@ -10856,7 +10362,7 @@
           <a:lstStyle/>
           <a:p>
             <a:r>
-              <a:rPr lang="en-US" smtClean="0"/>
+              <a:rPr lang="en-US"/>
               <a:t>Ing. Alejandro Soto Treviño</a:t>
             </a:r>
             <a:endParaRPr lang="en-US" dirty="0"/>
@@ -10909,16 +10415,8 @@
           <a:lstStyle/>
           <a:p>
             <a:r>
-              <a:rPr lang="es-ES" dirty="0" smtClean="0"/>
-              <a:t>Tipos </a:t>
-            </a:r>
-            <a:r>
               <a:rPr lang="es-ES" dirty="0"/>
-              <a:t>de desarrollo de aplicaciones</a:t>
-            </a:r>
-            <a:r>
-              <a:rPr lang="es-MX" dirty="0"/>
-              <a:t/>
+              <a:t>Tipos de desarrollo de aplicaciones</a:t>
             </a:r>
             <a:br>
               <a:rPr lang="es-MX" dirty="0"/>
@@ -10950,125 +10448,125 @@
           <a:lstStyle/>
           <a:p>
             <a:r>
-              <a:rPr lang="es-ES" sz="2000" dirty="0" smtClean="0"/>
+              <a:rPr lang="es-ES" sz="2000" dirty="0"/>
               <a:t>Aplicaciones Nativas.</a:t>
             </a:r>
           </a:p>
           <a:p>
             <a:pPr lvl="1"/>
             <a:r>
-              <a:rPr lang="es-MX" sz="2000" dirty="0" smtClean="0"/>
+              <a:rPr lang="es-MX" sz="2000" dirty="0"/>
               <a:t>Android Studio (Java, </a:t>
             </a:r>
             <a:r>
-              <a:rPr lang="es-MX" sz="2000" dirty="0" err="1" smtClean="0"/>
+              <a:rPr lang="es-MX" sz="2000" dirty="0" err="1"/>
               <a:t>Kotlin</a:t>
             </a:r>
             <a:r>
-              <a:rPr lang="es-MX" sz="2000" dirty="0" smtClean="0"/>
+              <a:rPr lang="es-MX" sz="2000" dirty="0"/>
               <a:t>)</a:t>
             </a:r>
           </a:p>
           <a:p>
             <a:pPr lvl="1"/>
             <a:r>
-              <a:rPr lang="es-MX" sz="2000" dirty="0" err="1" smtClean="0"/>
+              <a:rPr lang="es-MX" sz="2000" dirty="0" err="1"/>
               <a:t>Xcode</a:t>
             </a:r>
             <a:r>
-              <a:rPr lang="es-MX" sz="2000" dirty="0" smtClean="0"/>
+              <a:rPr lang="es-MX" sz="2000" dirty="0"/>
               <a:t> (Swift, </a:t>
             </a:r>
             <a:r>
-              <a:rPr lang="es-MX" sz="2000" dirty="0" err="1" smtClean="0"/>
+              <a:rPr lang="es-MX" sz="2000" dirty="0" err="1"/>
               <a:t>ObjectiveC</a:t>
             </a:r>
             <a:r>
-              <a:rPr lang="es-MX" sz="2000" dirty="0" smtClean="0"/>
+              <a:rPr lang="es-MX" sz="2000" dirty="0"/>
               <a:t>)</a:t>
             </a:r>
           </a:p>
           <a:p>
             <a:r>
-              <a:rPr lang="es-MX" sz="2000" dirty="0" smtClean="0"/>
+              <a:rPr lang="es-MX" sz="2000" dirty="0"/>
               <a:t>Aplicaciones Web Móviles (Progresivas o Responsivas)</a:t>
             </a:r>
           </a:p>
           <a:p>
             <a:pPr lvl="1"/>
             <a:r>
-              <a:rPr lang="es-MX" sz="2000" dirty="0" smtClean="0"/>
+              <a:rPr lang="es-MX" sz="2000" dirty="0"/>
               <a:t>HTML, </a:t>
             </a:r>
             <a:r>
-              <a:rPr lang="es-MX" sz="2000" dirty="0" err="1" smtClean="0"/>
+              <a:rPr lang="es-MX" sz="2000" dirty="0" err="1"/>
               <a:t>javascript</a:t>
             </a:r>
             <a:r>
-              <a:rPr lang="es-MX" sz="2000" dirty="0" smtClean="0"/>
+              <a:rPr lang="es-MX" sz="2000" dirty="0"/>
               <a:t>, </a:t>
             </a:r>
             <a:r>
-              <a:rPr lang="es-MX" sz="2000" dirty="0" err="1" smtClean="0"/>
+              <a:rPr lang="es-MX" sz="2000" dirty="0" err="1"/>
               <a:t>css</a:t>
             </a:r>
             <a:r>
-              <a:rPr lang="es-MX" sz="2000" dirty="0" smtClean="0"/>
+              <a:rPr lang="es-MX" sz="2000" dirty="0"/>
               <a:t>.</a:t>
             </a:r>
           </a:p>
           <a:p>
             <a:r>
-              <a:rPr lang="es-MX" sz="2000" dirty="0" smtClean="0"/>
+              <a:rPr lang="es-MX" sz="2000" dirty="0"/>
               <a:t>Aplicaciones </a:t>
             </a:r>
             <a:r>
-              <a:rPr lang="es-MX" sz="2000" dirty="0" err="1" smtClean="0"/>
+              <a:rPr lang="es-MX" sz="2000" dirty="0" err="1"/>
               <a:t>Crossplatform</a:t>
             </a:r>
             <a:r>
-              <a:rPr lang="es-MX" sz="2000" dirty="0" smtClean="0"/>
+              <a:rPr lang="es-MX" sz="2000" dirty="0"/>
               <a:t> (Frameworks)</a:t>
             </a:r>
           </a:p>
           <a:p>
             <a:pPr lvl="1"/>
             <a:r>
-              <a:rPr lang="es-MX" sz="2000" dirty="0" smtClean="0"/>
+              <a:rPr lang="es-MX" sz="2000" dirty="0"/>
               <a:t>Flutter</a:t>
             </a:r>
           </a:p>
           <a:p>
             <a:pPr lvl="1"/>
             <a:r>
-              <a:rPr lang="es-MX" sz="2000" dirty="0" err="1" smtClean="0"/>
+              <a:rPr lang="es-MX" sz="2000" dirty="0" err="1"/>
               <a:t>React</a:t>
             </a:r>
             <a:r>
-              <a:rPr lang="es-MX" sz="2000" dirty="0" smtClean="0"/>
+              <a:rPr lang="es-MX" sz="2000" dirty="0"/>
               <a:t> </a:t>
             </a:r>
             <a:r>
-              <a:rPr lang="es-MX" sz="2000" dirty="0" err="1" smtClean="0"/>
+              <a:rPr lang="es-MX" sz="2000" dirty="0" err="1"/>
               <a:t>Native</a:t>
             </a:r>
-            <a:endParaRPr lang="es-MX" sz="2000" dirty="0" smtClean="0"/>
+            <a:endParaRPr lang="es-MX" sz="2000" dirty="0"/>
           </a:p>
           <a:p>
             <a:pPr lvl="1"/>
             <a:r>
-              <a:rPr lang="es-MX" sz="2000" dirty="0" err="1" smtClean="0"/>
+              <a:rPr lang="es-MX" sz="2000" dirty="0" err="1"/>
               <a:t>Xamarin</a:t>
             </a:r>
-            <a:endParaRPr lang="es-MX" sz="2000" dirty="0" smtClean="0"/>
+            <a:endParaRPr lang="es-MX" sz="2000" dirty="0"/>
           </a:p>
           <a:p>
             <a:pPr lvl="1"/>
             <a:r>
-              <a:rPr lang="es-MX" sz="2000" dirty="0" err="1" smtClean="0"/>
+              <a:rPr lang="es-MX" sz="2000" dirty="0" err="1"/>
               <a:t>Ionic</a:t>
             </a:r>
-            <a:endParaRPr lang="es-MX" sz="2000" dirty="0" smtClean="0"/>
+            <a:endParaRPr lang="es-MX" sz="2000" dirty="0"/>
           </a:p>
         </p:txBody>
       </p:sp>
@@ -11088,10 +10586,9 @@
           <a:lstStyle/>
           <a:p>
             <a:r>
-              <a:rPr lang="en-US" dirty="0" smtClean="0"/>
+              <a:rPr lang="en-US" dirty="0"/>
               <a:t>Ing. Alejandro Soto Treviño</a:t>
             </a:r>
-            <a:endParaRPr lang="en-US" dirty="0"/>
           </a:p>
         </p:txBody>
       </p:sp>
@@ -11147,13 +10644,8 @@
           <a:p>
             <a:r>
               <a:rPr lang="es-MX" dirty="0"/>
-              <a:t>Organiza </a:t>
-            </a:r>
-            <a:r>
-              <a:rPr lang="es-MX" dirty="0" smtClean="0"/>
-              <a:t>múltiples widgets</a:t>
-            </a:r>
-            <a:endParaRPr lang="es-MX" dirty="0"/>
+              <a:t>Organiza múltiples widgets</a:t>
+            </a:r>
           </a:p>
         </p:txBody>
       </p:sp>
@@ -11201,7 +10693,7 @@
           <a:lstStyle/>
           <a:p>
             <a:r>
-              <a:rPr lang="en-US" smtClean="0"/>
+              <a:rPr lang="en-US"/>
               <a:t>Ing. Alejandro Soto Treviño</a:t>
             </a:r>
             <a:endParaRPr lang="en-US" dirty="0"/>
@@ -11260,13 +10752,8 @@
           <a:p>
             <a:r>
               <a:rPr lang="es-MX" dirty="0"/>
-              <a:t>Organiza </a:t>
-            </a:r>
-            <a:r>
-              <a:rPr lang="es-MX" dirty="0" smtClean="0"/>
-              <a:t>múltiples widgets</a:t>
-            </a:r>
-            <a:endParaRPr lang="es-MX" dirty="0"/>
+              <a:t>Organiza múltiples widgets</a:t>
+            </a:r>
           </a:p>
         </p:txBody>
       </p:sp>
@@ -11314,7 +10801,7 @@
           <a:lstStyle/>
           <a:p>
             <a:r>
-              <a:rPr lang="en-US" smtClean="0"/>
+              <a:rPr lang="en-US"/>
               <a:t>Ing. Alejandro Soto Treviño</a:t>
             </a:r>
             <a:endParaRPr lang="en-US" dirty="0"/>
@@ -11372,11 +10859,11 @@
           <a:lstStyle/>
           <a:p>
             <a:r>
-              <a:rPr lang="es-MX" dirty="0" smtClean="0"/>
+              <a:rPr lang="es-MX" dirty="0"/>
               <a:t>Alineación de widgets en Row y </a:t>
             </a:r>
             <a:r>
-              <a:rPr lang="es-MX" dirty="0" err="1" smtClean="0"/>
+              <a:rPr lang="es-MX" dirty="0" err="1"/>
               <a:t>Column</a:t>
             </a:r>
             <a:endParaRPr lang="es-MX" dirty="0"/>
@@ -11407,18 +10894,11 @@
           <a:p>
             <a:pPr algn="just"/>
             <a:r>
-              <a:rPr lang="es-ES" sz="2000" dirty="0" smtClean="0">
-                <a:latin typeface="Arial" panose="020B0604020202020204" pitchFamily="34" charset="0"/>
-                <a:cs typeface="Arial" panose="020B0604020202020204" pitchFamily="34" charset="0"/>
-              </a:rPr>
-              <a:t>Puedes controlar </a:t>
-            </a:r>
-            <a:r>
               <a:rPr lang="es-ES" sz="2000" dirty="0">
                 <a:latin typeface="Arial" panose="020B0604020202020204" pitchFamily="34" charset="0"/>
                 <a:cs typeface="Arial" panose="020B0604020202020204" pitchFamily="34" charset="0"/>
               </a:rPr>
-              <a:t>como una fila o columna alinea sus hijos usando las propiedades </a:t>
+              <a:t>Puedes controlar como una fila o columna alinea sus hijos usando las propiedades </a:t>
             </a:r>
             <a:r>
               <a:rPr lang="es-ES" sz="2000" dirty="0" err="1">
@@ -11471,7 +10951,7 @@
           <a:lstStyle/>
           <a:p>
             <a:r>
-              <a:rPr lang="en-US" smtClean="0"/>
+              <a:rPr lang="en-US"/>
               <a:t>Ing. Alejandro Soto Treviño</a:t>
             </a:r>
             <a:endParaRPr lang="en-US" dirty="0"/>
@@ -11553,10 +11033,9 @@
           <a:lstStyle/>
           <a:p>
             <a:r>
-              <a:rPr lang="es-MX" dirty="0" smtClean="0"/>
+              <a:rPr lang="es-MX" dirty="0"/>
               <a:t>Empaquetar Widgets</a:t>
             </a:r>
-            <a:endParaRPr lang="es-MX" dirty="0"/>
           </a:p>
         </p:txBody>
       </p:sp>
@@ -11616,7 +11095,7 @@
           <a:lstStyle/>
           <a:p>
             <a:r>
-              <a:rPr lang="en-US" smtClean="0"/>
+              <a:rPr lang="en-US"/>
               <a:t>Ing. Alejandro Soto Treviño</a:t>
             </a:r>
             <a:endParaRPr lang="en-US" dirty="0"/>
@@ -11793,28 +11272,7 @@
                 <a:latin typeface="Arial" panose="020B0604020202020204" pitchFamily="34" charset="0"/>
                 <a:cs typeface="Arial" panose="020B0604020202020204" pitchFamily="34" charset="0"/>
               </a:rPr>
-              <a:t>, ubicado en la raíz de su proyecto, para identificar los </a:t>
-            </a:r>
-            <a:r>
-              <a:rPr lang="es-ES" sz="2200" dirty="0" smtClean="0">
-                <a:latin typeface="Arial" panose="020B0604020202020204" pitchFamily="34" charset="0"/>
-                <a:cs typeface="Arial" panose="020B0604020202020204" pitchFamily="34" charset="0"/>
-              </a:rPr>
-              <a:t>recursos </a:t>
-            </a:r>
-            <a:r>
-              <a:rPr lang="es-ES" sz="2200" dirty="0">
-                <a:latin typeface="Arial" panose="020B0604020202020204" pitchFamily="34" charset="0"/>
-                <a:cs typeface="Arial" panose="020B0604020202020204" pitchFamily="34" charset="0"/>
-              </a:rPr>
-              <a:t>requeridos por una aplicación</a:t>
-            </a:r>
-            <a:r>
-              <a:rPr lang="es-ES" sz="2200" dirty="0" smtClean="0">
-                <a:latin typeface="Arial" panose="020B0604020202020204" pitchFamily="34" charset="0"/>
-                <a:cs typeface="Arial" panose="020B0604020202020204" pitchFamily="34" charset="0"/>
-              </a:rPr>
-              <a:t>.</a:t>
+              <a:t>, ubicado en la raíz de su proyecto, para identificar los recursos requeridos por una aplicación.</a:t>
             </a:r>
           </a:p>
           <a:p>
@@ -11824,7 +11282,7 @@
             </a:endParaRPr>
           </a:p>
           <a:p>
-            <a:endParaRPr lang="es-ES" sz="2200" dirty="0" smtClean="0">
+            <a:endParaRPr lang="es-ES" sz="2200" dirty="0">
               <a:latin typeface="Arial" panose="020B0604020202020204" pitchFamily="34" charset="0"/>
               <a:cs typeface="Arial" panose="020B0604020202020204" pitchFamily="34" charset="0"/>
             </a:endParaRPr>
@@ -11846,7 +11304,7 @@
           </a:p>
           <a:p>
             <a:r>
-              <a:rPr lang="es-ES" sz="2200" dirty="0" smtClean="0">
+              <a:rPr lang="es-ES" sz="2200" dirty="0">
                 <a:latin typeface="Arial" panose="020B0604020202020204" pitchFamily="34" charset="0"/>
                 <a:cs typeface="Arial" panose="020B0604020202020204" pitchFamily="34" charset="0"/>
               </a:rPr>
@@ -11860,24 +11318,24 @@
             </a:endParaRPr>
           </a:p>
           <a:p>
-            <a:endParaRPr lang="es-ES" sz="2200" dirty="0" smtClean="0">
-              <a:latin typeface="Arial" panose="020B0604020202020204" pitchFamily="34" charset="0"/>
-              <a:cs typeface="Arial" panose="020B0604020202020204" pitchFamily="34" charset="0"/>
-            </a:endParaRPr>
-          </a:p>
-          <a:p>
             <a:endParaRPr lang="es-ES" sz="2200" dirty="0">
               <a:latin typeface="Arial" panose="020B0604020202020204" pitchFamily="34" charset="0"/>
               <a:cs typeface="Arial" panose="020B0604020202020204" pitchFamily="34" charset="0"/>
             </a:endParaRPr>
           </a:p>
           <a:p>
-            <a:endParaRPr lang="es-ES" sz="2200" dirty="0" smtClean="0">
+            <a:endParaRPr lang="es-ES" sz="2200" dirty="0">
               <a:latin typeface="Arial" panose="020B0604020202020204" pitchFamily="34" charset="0"/>
               <a:cs typeface="Arial" panose="020B0604020202020204" pitchFamily="34" charset="0"/>
             </a:endParaRPr>
           </a:p>
           <a:p>
+            <a:endParaRPr lang="es-ES" sz="2200" dirty="0">
+              <a:latin typeface="Arial" panose="020B0604020202020204" pitchFamily="34" charset="0"/>
+              <a:cs typeface="Arial" panose="020B0604020202020204" pitchFamily="34" charset="0"/>
+            </a:endParaRPr>
+          </a:p>
+          <a:p>
             <a:r>
               <a:rPr lang="es-ES" sz="2200" dirty="0">
                 <a:latin typeface="Arial" panose="020B0604020202020204" pitchFamily="34" charset="0"/>
@@ -11890,7 +11348,7 @@
             <a:endParaRPr lang="es-ES" dirty="0"/>
           </a:p>
           <a:p>
-            <a:endParaRPr lang="es-ES" dirty="0" smtClean="0"/>
+            <a:endParaRPr lang="es-ES" dirty="0"/>
           </a:p>
           <a:p>
             <a:endParaRPr lang="es-MX" dirty="0"/>
@@ -11913,7 +11371,7 @@
           <a:lstStyle/>
           <a:p>
             <a:r>
-              <a:rPr lang="en-US" smtClean="0"/>
+              <a:rPr lang="en-US"/>
               <a:t>Ing. Alejandro Soto Treviño</a:t>
             </a:r>
             <a:endParaRPr lang="en-US" dirty="0"/>
@@ -12031,12 +11489,8 @@
           <a:lstStyle/>
           <a:p>
             <a:r>
-              <a:rPr lang="es-MX" dirty="0" smtClean="0"/>
+              <a:rPr lang="es-MX" dirty="0"/>
               <a:t>Cargar imágenes</a:t>
-            </a:r>
-            <a:r>
-              <a:rPr lang="es-MX" dirty="0"/>
-              <a:t/>
             </a:r>
             <a:br>
               <a:rPr lang="es-MX" dirty="0"/>
@@ -12069,18 +11523,11 @@
           <a:p>
             <a:pPr algn="just"/>
             <a:r>
-              <a:rPr lang="es-ES" sz="2000" dirty="0" smtClean="0">
-                <a:latin typeface="Arial" panose="020B0604020202020204" pitchFamily="34" charset="0"/>
-                <a:cs typeface="Arial" panose="020B0604020202020204" pitchFamily="34" charset="0"/>
-              </a:rPr>
-              <a:t>Para </a:t>
-            </a:r>
-            <a:r>
               <a:rPr lang="es-ES" sz="2000" dirty="0">
                 <a:latin typeface="Arial" panose="020B0604020202020204" pitchFamily="34" charset="0"/>
                 <a:cs typeface="Arial" panose="020B0604020202020204" pitchFamily="34" charset="0"/>
               </a:rPr>
-              <a:t>cargar una imagen, usa la clase </a:t>
+              <a:t>Para cargar una imagen, usa la clase </a:t>
             </a:r>
             <a:r>
               <a:rPr lang="es-ES" sz="2000" b="1" dirty="0" err="1">
@@ -12094,40 +11541,22 @@
                 <a:latin typeface="Arial" panose="020B0604020202020204" pitchFamily="34" charset="0"/>
                 <a:cs typeface="Arial" panose="020B0604020202020204" pitchFamily="34" charset="0"/>
               </a:rPr>
-              <a:t> </a:t>
-            </a:r>
-            <a:r>
-              <a:rPr lang="es-ES" sz="2000" dirty="0" smtClean="0">
-                <a:latin typeface="Arial" panose="020B0604020202020204" pitchFamily="34" charset="0"/>
-                <a:cs typeface="Arial" panose="020B0604020202020204" pitchFamily="34" charset="0"/>
-              </a:rPr>
-              <a:t>o </a:t>
-            </a:r>
-            <a:r>
-              <a:rPr lang="es-ES" sz="2000" b="1" dirty="0" err="1" smtClean="0">
+              <a:t> o </a:t>
+            </a:r>
+            <a:r>
+              <a:rPr lang="es-ES" sz="2000" b="1" dirty="0" err="1">
                 <a:latin typeface="Arial" panose="020B0604020202020204" pitchFamily="34" charset="0"/>
                 <a:cs typeface="Arial" panose="020B0604020202020204" pitchFamily="34" charset="0"/>
               </a:rPr>
               <a:t>Image.asset</a:t>
             </a:r>
             <a:r>
-              <a:rPr lang="es-ES" sz="2000" dirty="0" smtClean="0">
-                <a:latin typeface="Arial" panose="020B0604020202020204" pitchFamily="34" charset="0"/>
-                <a:cs typeface="Arial" panose="020B0604020202020204" pitchFamily="34" charset="0"/>
-              </a:rPr>
-              <a:t> en </a:t>
-            </a:r>
-            <a:r>
               <a:rPr lang="es-ES" sz="2000" dirty="0">
                 <a:latin typeface="Arial" panose="020B0604020202020204" pitchFamily="34" charset="0"/>
                 <a:cs typeface="Arial" panose="020B0604020202020204" pitchFamily="34" charset="0"/>
               </a:rPr>
-              <a:t>el método build de un Widget.</a:t>
-            </a:r>
-            <a:endParaRPr lang="es-ES" sz="2000" dirty="0" smtClean="0">
-              <a:latin typeface="Arial" panose="020B0604020202020204" pitchFamily="34" charset="0"/>
-              <a:cs typeface="Arial" panose="020B0604020202020204" pitchFamily="34" charset="0"/>
-            </a:endParaRPr>
+              <a:t> en el método build de un Widget.</a:t>
+            </a:r>
           </a:p>
           <a:p>
             <a:endParaRPr lang="es-MX" dirty="0"/>
@@ -12150,7 +11579,7 @@
           <a:lstStyle/>
           <a:p>
             <a:r>
-              <a:rPr lang="en-US" smtClean="0"/>
+              <a:rPr lang="en-US"/>
               <a:t>Ing. Alejandro Soto Treviño</a:t>
             </a:r>
             <a:endParaRPr lang="en-US" dirty="0"/>
@@ -12267,7 +11696,7 @@
           <a:lstStyle/>
           <a:p>
             <a:r>
-              <a:rPr lang="es-MX" dirty="0" err="1" smtClean="0"/>
+              <a:rPr lang="es-MX" dirty="0" err="1"/>
               <a:t>BoxDecoration</a:t>
             </a:r>
             <a:endParaRPr lang="es-MX" dirty="0"/>
@@ -12295,16 +11724,8 @@
           <a:lstStyle/>
           <a:p>
             <a:r>
-              <a:rPr lang="es-ES" dirty="0" smtClean="0"/>
-              <a:t>Proporciona </a:t>
-            </a:r>
-            <a:r>
               <a:rPr lang="es-ES" dirty="0"/>
-              <a:t>una variedad de formas de dibujar </a:t>
-            </a:r>
-            <a:r>
-              <a:rPr lang="es-ES" dirty="0" smtClean="0"/>
-              <a:t>o decorar un cuadro.</a:t>
+              <a:t>Proporciona una variedad de formas de dibujar o decorar un cuadro.</a:t>
             </a:r>
             <a:endParaRPr lang="es-MX" dirty="0"/>
           </a:p>
@@ -12326,7 +11747,7 @@
           <a:lstStyle/>
           <a:p>
             <a:r>
-              <a:rPr lang="en-US" smtClean="0"/>
+              <a:rPr lang="en-US"/>
               <a:t>Ing. Alejandro Soto Treviño</a:t>
             </a:r>
             <a:endParaRPr lang="en-US" dirty="0"/>
@@ -12446,14 +11867,9 @@
           <a:lstStyle/>
           <a:p>
             <a:r>
-              <a:rPr lang="es-MX" dirty="0" smtClean="0"/>
-              <a:t>Práctica </a:t>
-            </a:r>
-            <a:r>
-              <a:rPr lang="es-MX" dirty="0" smtClean="0"/>
-              <a:t>1</a:t>
-            </a:r>
-            <a:endParaRPr lang="es-MX" dirty="0"/>
+              <a:rPr lang="es-MX" dirty="0"/>
+              <a:t>Práctica 1</a:t>
+            </a:r>
           </a:p>
         </p:txBody>
       </p:sp>
@@ -12476,12 +11892,6 @@
         <p:txBody>
           <a:bodyPr/>
           <a:lstStyle/>
-          <a:p>
-            <a:pPr marL="0" indent="0">
-              <a:buNone/>
-            </a:pPr>
-            <a:endParaRPr lang="es-MX" dirty="0" smtClean="0"/>
-          </a:p>
           <a:p>
             <a:pPr marL="0" indent="0">
               <a:buNone/>
@@ -12492,7 +11902,7 @@
             <a:pPr marL="0" indent="0">
               <a:buNone/>
             </a:pPr>
-            <a:endParaRPr lang="es-MX" dirty="0" smtClean="0"/>
+            <a:endParaRPr lang="es-MX" dirty="0"/>
           </a:p>
           <a:p>
             <a:pPr marL="0" indent="0">
@@ -12504,18 +11914,15 @@
             <a:pPr marL="0" indent="0">
               <a:buNone/>
             </a:pPr>
-            <a:r>
-              <a:rPr lang="es-MX" dirty="0" smtClean="0"/>
-              <a:t>Utilizando los widgets</a:t>
-            </a:r>
+            <a:endParaRPr lang="es-MX" dirty="0"/>
           </a:p>
           <a:p>
             <a:pPr marL="0" indent="0">
               <a:buNone/>
             </a:pPr>
             <a:r>
-              <a:rPr lang="es-MX" dirty="0" smtClean="0"/>
-              <a:t> anteriores realice el </a:t>
+              <a:rPr lang="es-MX" dirty="0"/>
+              <a:t>Utilizando los widgets</a:t>
             </a:r>
           </a:p>
           <a:p>
@@ -12523,10 +11930,18 @@
               <a:buNone/>
             </a:pPr>
             <a:r>
-              <a:rPr lang="es-MX" dirty="0" smtClean="0"/>
+              <a:rPr lang="es-MX" dirty="0"/>
+              <a:t> anteriores realice el </a:t>
+            </a:r>
+          </a:p>
+          <a:p>
+            <a:pPr marL="0" indent="0">
+              <a:buNone/>
+            </a:pPr>
+            <a:r>
+              <a:rPr lang="es-MX" dirty="0"/>
               <a:t> siguiente diseño:</a:t>
             </a:r>
-            <a:endParaRPr lang="es-MX" dirty="0"/>
           </a:p>
         </p:txBody>
       </p:sp>
@@ -12546,7 +11961,7 @@
           <a:lstStyle/>
           <a:p>
             <a:r>
-              <a:rPr lang="en-US" smtClean="0"/>
+              <a:rPr lang="en-US"/>
               <a:t>Ing. Alejandro Soto Treviño</a:t>
             </a:r>
             <a:endParaRPr lang="en-US" dirty="0"/>
@@ -12593,13 +12008,6 @@
   <p:clrMapOvr>
     <a:masterClrMapping/>
   </p:clrMapOvr>
-  <p:timing>
-    <p:tnLst>
-      <p:par>
-        <p:cTn id="1" dur="indefinite" restart="never" nodeType="tmRoot"/>
-      </p:par>
-    </p:tnLst>
-  </p:timing>
 </p:sld>
 </file>
 
@@ -12641,10 +12049,9 @@
           <a:lstStyle/>
           <a:p>
             <a:r>
-              <a:rPr lang="es-MX" dirty="0" smtClean="0"/>
+              <a:rPr lang="es-MX" dirty="0"/>
               <a:t>Práctica 2</a:t>
             </a:r>
-            <a:endParaRPr lang="es-MX" dirty="0"/>
           </a:p>
         </p:txBody>
       </p:sp>
@@ -12667,12 +12074,6 @@
         <p:txBody>
           <a:bodyPr/>
           <a:lstStyle/>
-          <a:p>
-            <a:pPr marL="0" indent="0">
-              <a:buNone/>
-            </a:pPr>
-            <a:endParaRPr lang="es-MX" dirty="0" smtClean="0"/>
-          </a:p>
           <a:p>
             <a:pPr marL="0" indent="0">
               <a:buNone/>
@@ -12683,7 +12084,7 @@
             <a:pPr marL="0" indent="0">
               <a:buNone/>
             </a:pPr>
-            <a:endParaRPr lang="es-MX" dirty="0" smtClean="0"/>
+            <a:endParaRPr lang="es-MX" dirty="0"/>
           </a:p>
           <a:p>
             <a:pPr marL="0" indent="0">
@@ -12695,21 +12096,22 @@
             <a:pPr marL="0" indent="0">
               <a:buNone/>
             </a:pPr>
-            <a:endParaRPr lang="es-MX" dirty="0" smtClean="0"/>
+            <a:endParaRPr lang="es-MX" dirty="0"/>
           </a:p>
           <a:p>
             <a:pPr marL="0" indent="0">
               <a:buNone/>
             </a:pPr>
-            <a:r>
-              <a:rPr lang="es-MX" dirty="0" smtClean="0"/>
-              <a:t>Construir el siguiente layout</a:t>
-            </a:r>
+            <a:endParaRPr lang="es-MX" dirty="0"/>
+          </a:p>
+          <a:p>
+            <a:pPr marL="0" indent="0">
+              <a:buNone/>
+            </a:pPr>
             <a:r>
               <a:rPr lang="es-MX" dirty="0"/>
-              <a:t>:</a:t>
-            </a:r>
-            <a:endParaRPr lang="es-MX" dirty="0" smtClean="0"/>
+              <a:t>Construir el siguiente layout:</a:t>
+            </a:r>
           </a:p>
         </p:txBody>
       </p:sp>
@@ -12729,7 +12131,7 @@
           <a:lstStyle/>
           <a:p>
             <a:r>
-              <a:rPr lang="en-US" smtClean="0"/>
+              <a:rPr lang="en-US"/>
               <a:t>Ing. Alejandro Soto Treviño</a:t>
             </a:r>
             <a:endParaRPr lang="en-US" dirty="0"/>
@@ -12776,13 +12178,6 @@
   <p:clrMapOvr>
     <a:masterClrMapping/>
   </p:clrMapOvr>
-  <p:timing>
-    <p:tnLst>
-      <p:par>
-        <p:cTn id="1" dur="indefinite" restart="never" nodeType="tmRoot"/>
-      </p:par>
-    </p:tnLst>
-  </p:timing>
 </p:sld>
 </file>
 
@@ -12824,10 +12219,9 @@
           <a:lstStyle/>
           <a:p>
             <a:r>
-              <a:rPr lang="es-MX" dirty="0" smtClean="0"/>
+              <a:rPr lang="es-MX" dirty="0"/>
               <a:t>Práctica 2</a:t>
             </a:r>
-            <a:endParaRPr lang="es-MX" dirty="0"/>
           </a:p>
         </p:txBody>
       </p:sp>
@@ -12854,29 +12248,18 @@
           <a:lstStyle/>
           <a:p>
             <a:r>
-              <a:rPr lang="es-MX" sz="2000" dirty="0" smtClean="0">
-                <a:latin typeface="Arial" panose="020B0604020202020204" pitchFamily="34" charset="0"/>
-                <a:cs typeface="Arial" panose="020B0604020202020204" pitchFamily="34" charset="0"/>
-              </a:rPr>
-              <a:t>Paso 1: </a:t>
-            </a:r>
-            <a:r>
               <a:rPr lang="es-MX" sz="2000" dirty="0">
                 <a:latin typeface="Arial" panose="020B0604020202020204" pitchFamily="34" charset="0"/>
                 <a:cs typeface="Arial" panose="020B0604020202020204" pitchFamily="34" charset="0"/>
               </a:rPr>
-              <a:t>Analizar diseño</a:t>
-            </a:r>
-            <a:endParaRPr lang="es-MX" sz="2000" dirty="0" smtClean="0">
-              <a:latin typeface="Arial" panose="020B0604020202020204" pitchFamily="34" charset="0"/>
-              <a:cs typeface="Arial" panose="020B0604020202020204" pitchFamily="34" charset="0"/>
-            </a:endParaRPr>
+              <a:t>Paso 1: Analizar diseño</a:t>
+            </a:r>
           </a:p>
           <a:p>
             <a:pPr marL="0" indent="0">
               <a:buNone/>
             </a:pPr>
-            <a:endParaRPr lang="es-ES" sz="2000" dirty="0" smtClean="0">
+            <a:endParaRPr lang="es-ES" sz="2000" dirty="0">
               <a:latin typeface="Arial" panose="020B0604020202020204" pitchFamily="34" charset="0"/>
               <a:cs typeface="Arial" panose="020B0604020202020204" pitchFamily="34" charset="0"/>
             </a:endParaRPr>
@@ -12887,18 +12270,11 @@
               <a:buChar char="•"/>
             </a:pPr>
             <a:r>
-              <a:rPr lang="es-ES" sz="2000" dirty="0" smtClean="0">
-                <a:latin typeface="Arial" panose="020B0604020202020204" pitchFamily="34" charset="0"/>
-                <a:cs typeface="Arial" panose="020B0604020202020204" pitchFamily="34" charset="0"/>
-              </a:rPr>
-              <a:t>Identificar </a:t>
-            </a:r>
-            <a:r>
               <a:rPr lang="es-ES" sz="2000" dirty="0">
                 <a:latin typeface="Arial" panose="020B0604020202020204" pitchFamily="34" charset="0"/>
                 <a:cs typeface="Arial" panose="020B0604020202020204" pitchFamily="34" charset="0"/>
               </a:rPr>
-              <a:t>las filas y columnas.</a:t>
+              <a:t>Identificar las filas y columnas.</a:t>
             </a:r>
           </a:p>
           <a:p>
@@ -12946,27 +12322,13 @@
               <a:buChar char="•"/>
             </a:pPr>
             <a:r>
-              <a:rPr lang="es-ES" sz="2000" dirty="0" smtClean="0">
-                <a:latin typeface="Arial" panose="020B0604020202020204" pitchFamily="34" charset="0"/>
-                <a:cs typeface="Arial" panose="020B0604020202020204" pitchFamily="34" charset="0"/>
-              </a:rPr>
-              <a:t>Se requiere alineación</a:t>
-            </a:r>
-            <a:r>
               <a:rPr lang="es-ES" sz="2000" dirty="0">
                 <a:latin typeface="Arial" panose="020B0604020202020204" pitchFamily="34" charset="0"/>
                 <a:cs typeface="Arial" panose="020B0604020202020204" pitchFamily="34" charset="0"/>
               </a:rPr>
-              <a:t>, padding o </a:t>
-            </a:r>
-            <a:r>
-              <a:rPr lang="es-ES" sz="2000" dirty="0" smtClean="0">
-                <a:latin typeface="Arial" panose="020B0604020202020204" pitchFamily="34" charset="0"/>
-                <a:cs typeface="Arial" panose="020B0604020202020204" pitchFamily="34" charset="0"/>
-              </a:rPr>
-              <a:t>bordes?</a:t>
-            </a:r>
-            <a:endParaRPr lang="es-MX" sz="2000" dirty="0" smtClean="0">
+              <a:t>Se requiere alineación, padding o bordes?</a:t>
+            </a:r>
+            <a:endParaRPr lang="es-MX" sz="2000" dirty="0">
               <a:latin typeface="Arial" panose="020B0604020202020204" pitchFamily="34" charset="0"/>
               <a:cs typeface="Arial" panose="020B0604020202020204" pitchFamily="34" charset="0"/>
             </a:endParaRPr>
@@ -12989,10 +12351,9 @@
           <a:lstStyle/>
           <a:p>
             <a:r>
-              <a:rPr lang="en-US" dirty="0" smtClean="0"/>
+              <a:rPr lang="en-US" dirty="0"/>
               <a:t>Ing. Alejandro Soto Treviño</a:t>
             </a:r>
-            <a:endParaRPr lang="en-US" dirty="0"/>
           </a:p>
         </p:txBody>
       </p:sp>
@@ -13036,13 +12397,6 @@
   <p:clrMapOvr>
     <a:masterClrMapping/>
   </p:clrMapOvr>
-  <p:timing>
-    <p:tnLst>
-      <p:par>
-        <p:cTn id="1" dur="indefinite" restart="never" nodeType="tmRoot"/>
-      </p:par>
-    </p:tnLst>
-  </p:timing>
 </p:sld>
 </file>
 
@@ -13079,10 +12433,9 @@
           <a:lstStyle/>
           <a:p>
             <a:r>
-              <a:rPr lang="es-MX" dirty="0" smtClean="0"/>
+              <a:rPr lang="es-MX" dirty="0"/>
               <a:t>Cual elegir?</a:t>
             </a:r>
-            <a:endParaRPr lang="es-MX" dirty="0"/>
           </a:p>
         </p:txBody>
       </p:sp>
@@ -13110,10 +12463,6 @@
               </a:rPr>
               <a:t>¿Cuándo conviene invertir recursos en el desarrollo de una app nativa frente al desarrollo de una app multiplataforma? </a:t>
             </a:r>
-            <a:endParaRPr lang="es-ES" sz="2000" dirty="0" smtClean="0">
-              <a:latin typeface="Arial" panose="020B0604020202020204" pitchFamily="34" charset="0"/>
-              <a:cs typeface="Arial" panose="020B0604020202020204" pitchFamily="34" charset="0"/>
-            </a:endParaRPr>
           </a:p>
           <a:p>
             <a:endParaRPr lang="es-ES" sz="2000" dirty="0">
@@ -13123,23 +12472,12 @@
           </a:p>
           <a:p>
             <a:r>
-              <a:rPr lang="es-ES" sz="2000" dirty="0" smtClean="0">
-                <a:latin typeface="Arial" panose="020B0604020202020204" pitchFamily="34" charset="0"/>
-                <a:cs typeface="Arial" panose="020B0604020202020204" pitchFamily="34" charset="0"/>
-              </a:rPr>
-              <a:t>¿</a:t>
-            </a:r>
-            <a:r>
               <a:rPr lang="es-ES" sz="2000" dirty="0">
                 <a:latin typeface="Arial" panose="020B0604020202020204" pitchFamily="34" charset="0"/>
                 <a:cs typeface="Arial" panose="020B0604020202020204" pitchFamily="34" charset="0"/>
               </a:rPr>
-              <a:t>Realmente se necesita? </a:t>
-            </a:r>
-            <a:endParaRPr lang="es-ES" sz="2000" dirty="0" smtClean="0">
-              <a:latin typeface="Arial" panose="020B0604020202020204" pitchFamily="34" charset="0"/>
-              <a:cs typeface="Arial" panose="020B0604020202020204" pitchFamily="34" charset="0"/>
-            </a:endParaRPr>
+              <a:t>¿Realmente se necesita? </a:t>
+            </a:r>
           </a:p>
           <a:p>
             <a:endParaRPr lang="es-ES" sz="2000" dirty="0">
@@ -13175,10 +12513,9 @@
           <a:lstStyle/>
           <a:p>
             <a:r>
-              <a:rPr lang="en-US" dirty="0" smtClean="0"/>
+              <a:rPr lang="en-US" dirty="0"/>
               <a:t>Ing. Alejandro Soto Treviño</a:t>
             </a:r>
-            <a:endParaRPr lang="en-US" dirty="0"/>
           </a:p>
         </p:txBody>
       </p:sp>
@@ -13234,13 +12571,8 @@
           <a:p>
             <a:r>
               <a:rPr lang="es-MX" dirty="0"/>
-              <a:t>Práctica</a:t>
-            </a:r>
-            <a:r>
-              <a:rPr lang="es-MX" dirty="0" smtClean="0"/>
-              <a:t> 2</a:t>
-            </a:r>
-            <a:endParaRPr lang="es-MX" dirty="0"/>
+              <a:t>Práctica 2</a:t>
+            </a:r>
           </a:p>
         </p:txBody>
       </p:sp>
@@ -13265,37 +12597,12 @@
           <a:lstStyle/>
           <a:p>
             <a:r>
-              <a:rPr lang="es-MX" sz="2000" dirty="0" smtClean="0">
-                <a:latin typeface="Arial" panose="020B0604020202020204" pitchFamily="34" charset="0"/>
-                <a:cs typeface="Arial" panose="020B0604020202020204" pitchFamily="34" charset="0"/>
-              </a:rPr>
-              <a:t>Paso 2: Implementar </a:t>
-            </a:r>
-            <a:r>
               <a:rPr lang="es-MX" sz="2000" dirty="0">
                 <a:latin typeface="Arial" panose="020B0604020202020204" pitchFamily="34" charset="0"/>
                 <a:cs typeface="Arial" panose="020B0604020202020204" pitchFamily="34" charset="0"/>
               </a:rPr>
-              <a:t>la fila de </a:t>
-            </a:r>
-            <a:r>
-              <a:rPr lang="es-MX" sz="2000" dirty="0" smtClean="0">
-                <a:latin typeface="Arial" panose="020B0604020202020204" pitchFamily="34" charset="0"/>
-                <a:cs typeface="Arial" panose="020B0604020202020204" pitchFamily="34" charset="0"/>
-              </a:rPr>
-              <a:t>título</a:t>
-            </a:r>
-            <a:endParaRPr lang="es-MX" sz="2000" dirty="0">
-              <a:latin typeface="Arial" panose="020B0604020202020204" pitchFamily="34" charset="0"/>
-              <a:cs typeface="Arial" panose="020B0604020202020204" pitchFamily="34" charset="0"/>
-            </a:endParaRPr>
-          </a:p>
-          <a:p>
-            <a:pPr>
-              <a:buFont typeface="Arial" panose="020B0604020202020204" pitchFamily="34" charset="0"/>
-              <a:buChar char="•"/>
-            </a:pPr>
-            <a:endParaRPr lang="es-ES" dirty="0" smtClean="0"/>
+              <a:t>Paso 2: Implementar la fila de título</a:t>
+            </a:r>
           </a:p>
           <a:p>
             <a:pPr>
@@ -13309,7 +12616,7 @@
               <a:buFont typeface="Arial" panose="020B0604020202020204" pitchFamily="34" charset="0"/>
               <a:buChar char="•"/>
             </a:pPr>
-            <a:endParaRPr lang="es-ES" dirty="0" smtClean="0"/>
+            <a:endParaRPr lang="es-ES" dirty="0"/>
           </a:p>
           <a:p>
             <a:pPr>
@@ -13323,7 +12630,14 @@
               <a:buFont typeface="Arial" panose="020B0604020202020204" pitchFamily="34" charset="0"/>
               <a:buChar char="•"/>
             </a:pPr>
-            <a:endParaRPr lang="es-ES" dirty="0" smtClean="0"/>
+            <a:endParaRPr lang="es-ES" dirty="0"/>
+          </a:p>
+          <a:p>
+            <a:pPr>
+              <a:buFont typeface="Arial" panose="020B0604020202020204" pitchFamily="34" charset="0"/>
+              <a:buChar char="•"/>
+            </a:pPr>
+            <a:endParaRPr lang="es-ES" dirty="0"/>
           </a:p>
           <a:p>
             <a:pPr algn="just">
@@ -13331,14 +12645,9 @@
               <a:buChar char="•"/>
             </a:pPr>
             <a:r>
-              <a:rPr lang="es-ES" dirty="0" smtClean="0"/>
-              <a:t>La </a:t>
-            </a:r>
-            <a:r>
               <a:rPr lang="es-ES" dirty="0"/>
-              <a:t>primera fila, llamada sección Título, tiene 3 hijos: una columna de texto, un icono de estrella y un número. </a:t>
-            </a:r>
-            <a:endParaRPr lang="es-ES" dirty="0" smtClean="0"/>
+              <a:t>La primera fila, llamada sección Título, tiene 3 hijos: una columna de texto, un icono de estrella y un número. </a:t>
+            </a:r>
           </a:p>
           <a:p>
             <a:pPr algn="just">
@@ -13346,14 +12655,9 @@
               <a:buChar char="•"/>
             </a:pPr>
             <a:r>
-              <a:rPr lang="es-ES" dirty="0" smtClean="0"/>
-              <a:t>Su </a:t>
-            </a:r>
-            <a:r>
               <a:rPr lang="es-ES" dirty="0"/>
-              <a:t>primer hijo, la columna, contiene 2 líneas de texto. </a:t>
-            </a:r>
-            <a:endParaRPr lang="es-ES" dirty="0" smtClean="0"/>
+              <a:t>Su primer hijo, la columna, contiene 2 líneas de texto. </a:t>
+            </a:r>
           </a:p>
           <a:p>
             <a:pPr algn="just">
@@ -13361,12 +12665,8 @@
               <a:buChar char="•"/>
             </a:pPr>
             <a:r>
-              <a:rPr lang="es-ES" dirty="0" smtClean="0"/>
-              <a:t>Esa </a:t>
-            </a:r>
-            <a:r>
               <a:rPr lang="es-ES" dirty="0"/>
-              <a:t>primera columna ocupa mucho espacio, por lo que debe estar envuelta en un widget </a:t>
+              <a:t>Esa primera columna ocupa mucho espacio, por lo que debe estar envuelta en un widget </a:t>
             </a:r>
             <a:r>
               <a:rPr lang="es-ES" b="1" dirty="0" err="1"/>
@@ -13376,7 +12676,7 @@
               <a:rPr lang="es-ES" dirty="0"/>
               <a:t>.</a:t>
             </a:r>
-            <a:endParaRPr lang="es-MX" dirty="0" smtClean="0"/>
+            <a:endParaRPr lang="es-MX" dirty="0"/>
           </a:p>
           <a:p>
             <a:pPr marL="0" indent="0">
@@ -13388,7 +12688,7 @@
             <a:pPr marL="0" indent="0">
               <a:buNone/>
             </a:pPr>
-            <a:endParaRPr lang="es-ES" dirty="0" smtClean="0"/>
+            <a:endParaRPr lang="es-ES" dirty="0"/>
           </a:p>
         </p:txBody>
       </p:sp>
@@ -13408,10 +12708,9 @@
           <a:lstStyle/>
           <a:p>
             <a:r>
-              <a:rPr lang="en-US" dirty="0" smtClean="0"/>
+              <a:rPr lang="en-US" dirty="0"/>
               <a:t>Ing. Alejandro Soto Treviño</a:t>
             </a:r>
-            <a:endParaRPr lang="en-US" dirty="0"/>
           </a:p>
         </p:txBody>
       </p:sp>
@@ -13455,13 +12754,6 @@
   <p:clrMapOvr>
     <a:masterClrMapping/>
   </p:clrMapOvr>
-  <p:timing>
-    <p:tnLst>
-      <p:par>
-        <p:cTn id="1" dur="indefinite" restart="never" nodeType="tmRoot"/>
-      </p:par>
-    </p:tnLst>
-  </p:timing>
 </p:sld>
 </file>
 
@@ -13504,13 +12796,8 @@
           <a:p>
             <a:r>
               <a:rPr lang="es-MX" dirty="0"/>
-              <a:t>Práctica</a:t>
-            </a:r>
-            <a:r>
-              <a:rPr lang="es-MX" dirty="0" smtClean="0"/>
-              <a:t> 2</a:t>
-            </a:r>
-            <a:endParaRPr lang="es-MX" dirty="0"/>
+              <a:t>Práctica 2</a:t>
+            </a:r>
           </a:p>
         </p:txBody>
       </p:sp>
@@ -13535,13 +12822,13 @@
           <a:lstStyle/>
           <a:p>
             <a:r>
-              <a:rPr lang="es-MX" sz="2000" dirty="0" smtClean="0">
+              <a:rPr lang="es-MX" sz="2000" dirty="0">
                 <a:latin typeface="Arial" panose="020B0604020202020204" pitchFamily="34" charset="0"/>
                 <a:cs typeface="Arial" panose="020B0604020202020204" pitchFamily="34" charset="0"/>
               </a:rPr>
               <a:t>Código del Paso 2:</a:t>
             </a:r>
-            <a:endParaRPr lang="es-ES" dirty="0" smtClean="0"/>
+            <a:endParaRPr lang="es-ES" dirty="0"/>
           </a:p>
           <a:p>
             <a:pPr marL="0" indent="0">
@@ -13553,7 +12840,7 @@
             <a:pPr marL="0" indent="0">
               <a:buNone/>
             </a:pPr>
-            <a:endParaRPr lang="es-ES" dirty="0" smtClean="0"/>
+            <a:endParaRPr lang="es-ES" dirty="0"/>
           </a:p>
         </p:txBody>
       </p:sp>
@@ -13573,10 +12860,9 @@
           <a:lstStyle/>
           <a:p>
             <a:r>
-              <a:rPr lang="en-US" dirty="0" smtClean="0"/>
+              <a:rPr lang="en-US" dirty="0"/>
               <a:t>Ing. Alejandro Soto Treviño</a:t>
             </a:r>
-            <a:endParaRPr lang="en-US" dirty="0"/>
           </a:p>
         </p:txBody>
       </p:sp>
@@ -13620,13 +12906,6 @@
   <p:clrMapOvr>
     <a:masterClrMapping/>
   </p:clrMapOvr>
-  <p:timing>
-    <p:tnLst>
-      <p:par>
-        <p:cTn id="1" dur="indefinite" restart="never" nodeType="tmRoot"/>
-      </p:par>
-    </p:tnLst>
-  </p:timing>
 </p:sld>
 </file>
 
@@ -13669,13 +12948,8 @@
           <a:p>
             <a:r>
               <a:rPr lang="es-MX" dirty="0"/>
-              <a:t>Práctica</a:t>
-            </a:r>
-            <a:r>
-              <a:rPr lang="es-MX" dirty="0" smtClean="0"/>
-              <a:t> 2</a:t>
-            </a:r>
-            <a:endParaRPr lang="es-MX" dirty="0"/>
+              <a:t>Práctica 2</a:t>
+            </a:r>
           </a:p>
         </p:txBody>
       </p:sp>
@@ -13700,53 +12974,15 @@
           <a:lstStyle/>
           <a:p>
             <a:r>
-              <a:rPr lang="es-MX" sz="2000" dirty="0" smtClean="0">
-                <a:latin typeface="Arial" panose="020B0604020202020204" pitchFamily="34" charset="0"/>
-                <a:cs typeface="Arial" panose="020B0604020202020204" pitchFamily="34" charset="0"/>
-              </a:rPr>
-              <a:t>Paso </a:t>
-            </a:r>
-            <a:r>
               <a:rPr lang="es-MX" sz="2000" dirty="0">
                 <a:latin typeface="Arial" panose="020B0604020202020204" pitchFamily="34" charset="0"/>
                 <a:cs typeface="Arial" panose="020B0604020202020204" pitchFamily="34" charset="0"/>
               </a:rPr>
-              <a:t>3</a:t>
-            </a:r>
-            <a:r>
-              <a:rPr lang="es-MX" sz="2000" dirty="0" smtClean="0">
-                <a:latin typeface="Arial" panose="020B0604020202020204" pitchFamily="34" charset="0"/>
-                <a:cs typeface="Arial" panose="020B0604020202020204" pitchFamily="34" charset="0"/>
-              </a:rPr>
-              <a:t>: </a:t>
-            </a:r>
-            <a:r>
-              <a:rPr lang="es-MX" sz="2000" dirty="0">
-                <a:latin typeface="Arial" panose="020B0604020202020204" pitchFamily="34" charset="0"/>
-                <a:cs typeface="Arial" panose="020B0604020202020204" pitchFamily="34" charset="0"/>
-              </a:rPr>
-              <a:t>Implementar la fila de </a:t>
-            </a:r>
-            <a:r>
-              <a:rPr lang="es-MX" sz="2000" dirty="0" smtClean="0">
-                <a:latin typeface="Arial" panose="020B0604020202020204" pitchFamily="34" charset="0"/>
-                <a:cs typeface="Arial" panose="020B0604020202020204" pitchFamily="34" charset="0"/>
-              </a:rPr>
-              <a:t>botones.</a:t>
+              <a:t>Paso 3: Implementar la fila de botones.</a:t>
             </a:r>
           </a:p>
           <a:p>
             <a:endParaRPr lang="es-MX" sz="2000" dirty="0">
-              <a:latin typeface="Arial" panose="020B0604020202020204" pitchFamily="34" charset="0"/>
-              <a:cs typeface="Arial" panose="020B0604020202020204" pitchFamily="34" charset="0"/>
-            </a:endParaRPr>
-          </a:p>
-          <a:p>
-            <a:pPr>
-              <a:buFont typeface="Arial" panose="020B0604020202020204" pitchFamily="34" charset="0"/>
-              <a:buChar char="•"/>
-            </a:pPr>
-            <a:endParaRPr lang="es-MX" sz="2000" dirty="0" smtClean="0">
               <a:latin typeface="Arial" panose="020B0604020202020204" pitchFamily="34" charset="0"/>
               <a:cs typeface="Arial" panose="020B0604020202020204" pitchFamily="34" charset="0"/>
             </a:endParaRPr>
@@ -13766,7 +13002,7 @@
               <a:buFont typeface="Arial" panose="020B0604020202020204" pitchFamily="34" charset="0"/>
               <a:buChar char="•"/>
             </a:pPr>
-            <a:endParaRPr lang="es-MX" sz="2000" dirty="0" smtClean="0">
+            <a:endParaRPr lang="es-MX" sz="2000" dirty="0">
               <a:latin typeface="Arial" panose="020B0604020202020204" pitchFamily="34" charset="0"/>
               <a:cs typeface="Arial" panose="020B0604020202020204" pitchFamily="34" charset="0"/>
             </a:endParaRPr>
@@ -13786,7 +13022,7 @@
               <a:buFont typeface="Arial" panose="020B0604020202020204" pitchFamily="34" charset="0"/>
               <a:buChar char="•"/>
             </a:pPr>
-            <a:endParaRPr lang="es-MX" sz="2000" dirty="0" smtClean="0">
+            <a:endParaRPr lang="es-MX" sz="2000" dirty="0">
               <a:latin typeface="Arial" panose="020B0604020202020204" pitchFamily="34" charset="0"/>
               <a:cs typeface="Arial" panose="020B0604020202020204" pitchFamily="34" charset="0"/>
             </a:endParaRPr>
@@ -13802,6 +13038,16 @@
             </a:endParaRPr>
           </a:p>
           <a:p>
+            <a:pPr>
+              <a:buFont typeface="Arial" panose="020B0604020202020204" pitchFamily="34" charset="0"/>
+              <a:buChar char="•"/>
+            </a:pPr>
+            <a:endParaRPr lang="es-MX" sz="2000" dirty="0">
+              <a:latin typeface="Arial" panose="020B0604020202020204" pitchFamily="34" charset="0"/>
+              <a:cs typeface="Arial" panose="020B0604020202020204" pitchFamily="34" charset="0"/>
+            </a:endParaRPr>
+          </a:p>
+          <a:p>
             <a:pPr algn="just">
               <a:buFont typeface="Arial" panose="020B0604020202020204" pitchFamily="34" charset="0"/>
               <a:buChar char="•"/>
@@ -13813,10 +13059,6 @@
               </a:rPr>
               <a:t>La sección de botones contiene 3 columnas que utilizan la misma disposición: un icono sobre una línea de texto. Las columnas de esta fila están espaciadas uniformemente, y el texto y los iconos están pintados con el color primario.</a:t>
             </a:r>
-            <a:endParaRPr lang="es-ES" sz="2000" dirty="0" smtClean="0">
-              <a:latin typeface="Arial" panose="020B0604020202020204" pitchFamily="34" charset="0"/>
-              <a:cs typeface="Arial" panose="020B0604020202020204" pitchFamily="34" charset="0"/>
-            </a:endParaRPr>
           </a:p>
           <a:p>
             <a:pPr marL="0" indent="0">
@@ -13828,7 +13070,7 @@
             <a:pPr marL="0" indent="0">
               <a:buNone/>
             </a:pPr>
-            <a:endParaRPr lang="es-ES" dirty="0" smtClean="0"/>
+            <a:endParaRPr lang="es-ES" dirty="0"/>
           </a:p>
         </p:txBody>
       </p:sp>
@@ -13848,10 +13090,9 @@
           <a:lstStyle/>
           <a:p>
             <a:r>
-              <a:rPr lang="en-US" dirty="0" smtClean="0"/>
+              <a:rPr lang="en-US" dirty="0"/>
               <a:t>Ing. Alejandro Soto Treviño</a:t>
             </a:r>
-            <a:endParaRPr lang="en-US" dirty="0"/>
           </a:p>
         </p:txBody>
       </p:sp>
@@ -13895,13 +13136,6 @@
   <p:clrMapOvr>
     <a:masterClrMapping/>
   </p:clrMapOvr>
-  <p:timing>
-    <p:tnLst>
-      <p:par>
-        <p:cTn id="1" dur="indefinite" restart="never" nodeType="tmRoot"/>
-      </p:par>
-    </p:tnLst>
-  </p:timing>
 </p:sld>
 </file>
 
@@ -13944,13 +13178,8 @@
           <a:p>
             <a:r>
               <a:rPr lang="es-MX" dirty="0"/>
-              <a:t>Práctica</a:t>
-            </a:r>
-            <a:r>
-              <a:rPr lang="es-MX" dirty="0" smtClean="0"/>
-              <a:t> 2</a:t>
-            </a:r>
-            <a:endParaRPr lang="es-MX" dirty="0"/>
+              <a:t>Práctica 2</a:t>
+            </a:r>
           </a:p>
         </p:txBody>
       </p:sp>
@@ -13977,30 +13206,12 @@
           <a:lstStyle/>
           <a:p>
             <a:r>
-              <a:rPr lang="es-MX" sz="2000" dirty="0" smtClean="0">
-                <a:latin typeface="Arial" panose="020B0604020202020204" pitchFamily="34" charset="0"/>
-                <a:cs typeface="Arial" panose="020B0604020202020204" pitchFamily="34" charset="0"/>
-              </a:rPr>
-              <a:t>Código del Paso </a:t>
-            </a:r>
-            <a:r>
               <a:rPr lang="es-MX" sz="2000" dirty="0">
                 <a:latin typeface="Arial" panose="020B0604020202020204" pitchFamily="34" charset="0"/>
                 <a:cs typeface="Arial" panose="020B0604020202020204" pitchFamily="34" charset="0"/>
               </a:rPr>
-              <a:t>3</a:t>
-            </a:r>
-            <a:r>
-              <a:rPr lang="es-MX" sz="2000" dirty="0" smtClean="0">
-                <a:latin typeface="Arial" panose="020B0604020202020204" pitchFamily="34" charset="0"/>
-                <a:cs typeface="Arial" panose="020B0604020202020204" pitchFamily="34" charset="0"/>
-              </a:rPr>
-              <a:t>:</a:t>
-            </a:r>
-            <a:endParaRPr lang="es-MX" sz="2000" dirty="0">
-              <a:latin typeface="Arial" panose="020B0604020202020204" pitchFamily="34" charset="0"/>
-              <a:cs typeface="Arial" panose="020B0604020202020204" pitchFamily="34" charset="0"/>
-            </a:endParaRPr>
+              <a:t>Código del Paso 3:</a:t>
+            </a:r>
           </a:p>
           <a:p>
             <a:pPr marL="0" indent="0">
@@ -14017,53 +13228,25 @@
               <a:buChar char="•"/>
             </a:pPr>
             <a:r>
-              <a:rPr lang="es-ES" sz="2000" dirty="0" smtClean="0">
-                <a:latin typeface="Arial" panose="020B0604020202020204" pitchFamily="34" charset="0"/>
-                <a:cs typeface="Arial" panose="020B0604020202020204" pitchFamily="34" charset="0"/>
-              </a:rPr>
-              <a:t>El código </a:t>
-            </a:r>
-            <a:r>
               <a:rPr lang="es-ES" sz="2000" dirty="0">
                 <a:latin typeface="Arial" panose="020B0604020202020204" pitchFamily="34" charset="0"/>
                 <a:cs typeface="Arial" panose="020B0604020202020204" pitchFamily="34" charset="0"/>
               </a:rPr>
-              <a:t>para construir cada columna es casi idéntico, crea un método de ayuda privado llamado </a:t>
+              <a:t>El código para construir cada columna es casi idéntico, crea un método de ayuda privado llamado </a:t>
             </a:r>
             <a:r>
               <a:rPr lang="es-ES" sz="2000" b="1" dirty="0">
                 <a:latin typeface="Arial" panose="020B0604020202020204" pitchFamily="34" charset="0"/>
                 <a:cs typeface="Arial" panose="020B0604020202020204" pitchFamily="34" charset="0"/>
               </a:rPr>
-              <a:t>buildButtonColumn</a:t>
-            </a:r>
-            <a:r>
-              <a:rPr lang="es-ES" sz="2000" b="1" dirty="0" smtClean="0">
-                <a:latin typeface="Arial" panose="020B0604020202020204" pitchFamily="34" charset="0"/>
-                <a:cs typeface="Arial" panose="020B0604020202020204" pitchFamily="34" charset="0"/>
-              </a:rPr>
-              <a:t>(), </a:t>
-            </a:r>
-            <a:r>
-              <a:rPr lang="es-ES" sz="2000" dirty="0" smtClean="0">
-                <a:latin typeface="Arial" panose="020B0604020202020204" pitchFamily="34" charset="0"/>
-                <a:cs typeface="Arial" panose="020B0604020202020204" pitchFamily="34" charset="0"/>
-              </a:rPr>
-              <a:t>que </a:t>
+              <a:t>buildButtonColumn(), </a:t>
             </a:r>
             <a:r>
               <a:rPr lang="es-ES" sz="2000" dirty="0">
                 <a:latin typeface="Arial" panose="020B0604020202020204" pitchFamily="34" charset="0"/>
                 <a:cs typeface="Arial" panose="020B0604020202020204" pitchFamily="34" charset="0"/>
               </a:rPr>
-              <a:t>toma un color, un Icono y Texto, y devuelve una columna con sus widgets pintados con el color dado</a:t>
-            </a:r>
-            <a:r>
-              <a:rPr lang="es-ES" sz="2000" dirty="0" smtClean="0">
-                <a:latin typeface="Arial" panose="020B0604020202020204" pitchFamily="34" charset="0"/>
-                <a:cs typeface="Arial" panose="020B0604020202020204" pitchFamily="34" charset="0"/>
-              </a:rPr>
-              <a:t>.</a:t>
+              <a:t>que toma un color, un Icono y Texto, y devuelve una columna con sus widgets pintados con el color dado.</a:t>
             </a:r>
           </a:p>
           <a:p>
@@ -14081,7 +13264,7 @@
               <a:buFont typeface="Arial" panose="020B0604020202020204" pitchFamily="34" charset="0"/>
               <a:buChar char="•"/>
             </a:pPr>
-            <a:endParaRPr lang="es-ES" sz="2000" dirty="0" smtClean="0">
+            <a:endParaRPr lang="es-ES" sz="2000" dirty="0">
               <a:latin typeface="Arial" panose="020B0604020202020204" pitchFamily="34" charset="0"/>
               <a:cs typeface="Arial" panose="020B0604020202020204" pitchFamily="34" charset="0"/>
             </a:endParaRPr>
@@ -14090,7 +13273,7 @@
             <a:pPr marL="0" indent="0">
               <a:buNone/>
             </a:pPr>
-            <a:endParaRPr lang="es-ES" dirty="0" smtClean="0"/>
+            <a:endParaRPr lang="es-ES" dirty="0"/>
           </a:p>
         </p:txBody>
       </p:sp>
@@ -14110,10 +13293,9 @@
           <a:lstStyle/>
           <a:p>
             <a:r>
-              <a:rPr lang="en-US" dirty="0" smtClean="0"/>
+              <a:rPr lang="en-US" dirty="0"/>
               <a:t>Ing. Alejandro Soto Treviño</a:t>
             </a:r>
-            <a:endParaRPr lang="en-US" dirty="0"/>
           </a:p>
         </p:txBody>
       </p:sp>
@@ -14217,16 +13399,12 @@
           <a:lstStyle/>
           <a:p>
             <a:r>
-              <a:rPr lang="es-MX" sz="1400" dirty="0" smtClean="0">
+              <a:rPr lang="es-MX" sz="1400" dirty="0">
                 <a:latin typeface="Arial" panose="020B0604020202020204" pitchFamily="34" charset="0"/>
                 <a:cs typeface="Arial" panose="020B0604020202020204" pitchFamily="34" charset="0"/>
               </a:rPr>
               <a:t>Llamada al método creado anteriormente para crear cada columna de botones dentro de un Row</a:t>
             </a:r>
-            <a:endParaRPr lang="es-MX" sz="1400" dirty="0">
-              <a:latin typeface="Arial" panose="020B0604020202020204" pitchFamily="34" charset="0"/>
-              <a:cs typeface="Arial" panose="020B0604020202020204" pitchFamily="34" charset="0"/>
-            </a:endParaRPr>
           </a:p>
         </p:txBody>
       </p:sp>
@@ -14280,13 +13458,6 @@
   <p:clrMapOvr>
     <a:masterClrMapping/>
   </p:clrMapOvr>
-  <p:timing>
-    <p:tnLst>
-      <p:par>
-        <p:cTn id="1" dur="indefinite" restart="never" nodeType="tmRoot"/>
-      </p:par>
-    </p:tnLst>
-  </p:timing>
 </p:sld>
 </file>
 
@@ -14329,13 +13500,8 @@
           <a:p>
             <a:r>
               <a:rPr lang="es-MX" dirty="0"/>
-              <a:t>Práctica</a:t>
-            </a:r>
-            <a:r>
-              <a:rPr lang="es-MX" dirty="0" smtClean="0"/>
-              <a:t> 2</a:t>
-            </a:r>
-            <a:endParaRPr lang="es-MX" dirty="0"/>
+              <a:t>Práctica 2</a:t>
+            </a:r>
           </a:p>
         </p:txBody>
       </p:sp>
@@ -14362,7 +13528,7 @@
           <a:lstStyle/>
           <a:p>
             <a:r>
-              <a:rPr lang="es-MX" sz="2000" dirty="0" smtClean="0">
+              <a:rPr lang="es-MX" sz="2000" dirty="0">
                 <a:latin typeface="Arial" panose="020B0604020202020204" pitchFamily="34" charset="0"/>
                 <a:cs typeface="Arial" panose="020B0604020202020204" pitchFamily="34" charset="0"/>
               </a:rPr>
@@ -14413,14 +13579,7 @@
                 <a:latin typeface="Arial" panose="020B0604020202020204" pitchFamily="34" charset="0"/>
                 <a:cs typeface="Arial" panose="020B0604020202020204" pitchFamily="34" charset="0"/>
               </a:rPr>
-              <a:t> y agrega padding a lo largo de cada </a:t>
-            </a:r>
-            <a:r>
-              <a:rPr lang="es-ES" sz="2000" dirty="0" smtClean="0">
-                <a:latin typeface="Arial" panose="020B0604020202020204" pitchFamily="34" charset="0"/>
-                <a:cs typeface="Arial" panose="020B0604020202020204" pitchFamily="34" charset="0"/>
-              </a:rPr>
-              <a:t>borde.</a:t>
+              <a:t> y agrega padding a lo largo de cada borde.</a:t>
             </a:r>
           </a:p>
           <a:p>
@@ -14438,7 +13597,7 @@
               <a:buFont typeface="Arial" panose="020B0604020202020204" pitchFamily="34" charset="0"/>
               <a:buChar char="•"/>
             </a:pPr>
-            <a:endParaRPr lang="es-ES" sz="2000" dirty="0" smtClean="0">
+            <a:endParaRPr lang="es-ES" sz="2000" dirty="0">
               <a:latin typeface="Arial" panose="020B0604020202020204" pitchFamily="34" charset="0"/>
               <a:cs typeface="Arial" panose="020B0604020202020204" pitchFamily="34" charset="0"/>
             </a:endParaRPr>
@@ -14458,17 +13617,7 @@
               <a:buFont typeface="Arial" panose="020B0604020202020204" pitchFamily="34" charset="0"/>
               <a:buChar char="•"/>
             </a:pPr>
-            <a:endParaRPr lang="es-ES" sz="2000" dirty="0" smtClean="0">
-              <a:latin typeface="Arial" panose="020B0604020202020204" pitchFamily="34" charset="0"/>
-              <a:cs typeface="Arial" panose="020B0604020202020204" pitchFamily="34" charset="0"/>
-            </a:endParaRPr>
-          </a:p>
-          <a:p>
-            <a:pPr algn="just">
-              <a:buFont typeface="Arial" panose="020B0604020202020204" pitchFamily="34" charset="0"/>
-              <a:buChar char="•"/>
-            </a:pPr>
-            <a:endParaRPr lang="es-ES" sz="2000" dirty="0" smtClean="0">
+            <a:endParaRPr lang="es-ES" sz="2000" dirty="0">
               <a:latin typeface="Arial" panose="020B0604020202020204" pitchFamily="34" charset="0"/>
               <a:cs typeface="Arial" panose="020B0604020202020204" pitchFamily="34" charset="0"/>
             </a:endParaRPr>
@@ -14488,6 +13637,16 @@
               <a:buFont typeface="Arial" panose="020B0604020202020204" pitchFamily="34" charset="0"/>
               <a:buChar char="•"/>
             </a:pPr>
+            <a:endParaRPr lang="es-ES" sz="2000" dirty="0">
+              <a:latin typeface="Arial" panose="020B0604020202020204" pitchFamily="34" charset="0"/>
+              <a:cs typeface="Arial" panose="020B0604020202020204" pitchFamily="34" charset="0"/>
+            </a:endParaRPr>
+          </a:p>
+          <a:p>
+            <a:pPr algn="just">
+              <a:buFont typeface="Arial" panose="020B0604020202020204" pitchFamily="34" charset="0"/>
+              <a:buChar char="•"/>
+            </a:pPr>
             <a:r>
               <a:rPr lang="es-ES" sz="2000" dirty="0">
                 <a:latin typeface="Arial" panose="020B0604020202020204" pitchFamily="34" charset="0"/>
@@ -14538,7 +13697,7 @@
               <a:buFont typeface="Arial" panose="020B0604020202020204" pitchFamily="34" charset="0"/>
               <a:buChar char="•"/>
             </a:pPr>
-            <a:endParaRPr lang="es-ES" sz="2000" dirty="0" smtClean="0">
+            <a:endParaRPr lang="es-ES" sz="2000" dirty="0">
               <a:latin typeface="Arial" panose="020B0604020202020204" pitchFamily="34" charset="0"/>
               <a:cs typeface="Arial" panose="020B0604020202020204" pitchFamily="34" charset="0"/>
             </a:endParaRPr>
@@ -14547,7 +13706,7 @@
             <a:pPr marL="0" indent="0">
               <a:buNone/>
             </a:pPr>
-            <a:endParaRPr lang="es-ES" dirty="0" smtClean="0"/>
+            <a:endParaRPr lang="es-ES" dirty="0"/>
           </a:p>
         </p:txBody>
       </p:sp>
@@ -14567,10 +13726,9 @@
           <a:lstStyle/>
           <a:p>
             <a:r>
-              <a:rPr lang="en-US" dirty="0" smtClean="0"/>
+              <a:rPr lang="en-US" dirty="0"/>
               <a:t>Ing. Alejandro Soto Treviño</a:t>
             </a:r>
-            <a:endParaRPr lang="en-US" dirty="0"/>
           </a:p>
         </p:txBody>
       </p:sp>
@@ -14644,13 +13802,6 @@
   <p:clrMapOvr>
     <a:masterClrMapping/>
   </p:clrMapOvr>
-  <p:timing>
-    <p:tnLst>
-      <p:par>
-        <p:cTn id="1" dur="indefinite" restart="never" nodeType="tmRoot"/>
-      </p:par>
-    </p:tnLst>
-  </p:timing>
 </p:sld>
 </file>
 
@@ -14693,13 +13844,8 @@
           <a:p>
             <a:r>
               <a:rPr lang="es-MX" dirty="0"/>
-              <a:t>Práctica</a:t>
-            </a:r>
-            <a:r>
-              <a:rPr lang="es-MX" dirty="0" smtClean="0"/>
-              <a:t> 2</a:t>
-            </a:r>
-            <a:endParaRPr lang="es-MX" dirty="0"/>
+              <a:t>Práctica 2</a:t>
+            </a:r>
           </a:p>
         </p:txBody>
       </p:sp>
@@ -14726,26 +13872,12 @@
           <a:lstStyle/>
           <a:p>
             <a:r>
-              <a:rPr lang="es-MX" sz="2000" dirty="0" smtClean="0">
+              <a:rPr lang="es-MX" sz="2000" dirty="0">
                 <a:latin typeface="Arial" panose="020B0604020202020204" pitchFamily="34" charset="0"/>
                 <a:cs typeface="Arial" panose="020B0604020202020204" pitchFamily="34" charset="0"/>
               </a:rPr>
               <a:t>Paso 5: Implementar la sección de imagen</a:t>
             </a:r>
-            <a:endParaRPr lang="es-MX" sz="2000" dirty="0">
-              <a:latin typeface="Arial" panose="020B0604020202020204" pitchFamily="34" charset="0"/>
-              <a:cs typeface="Arial" panose="020B0604020202020204" pitchFamily="34" charset="0"/>
-            </a:endParaRPr>
-          </a:p>
-          <a:p>
-            <a:pPr algn="just">
-              <a:buFont typeface="Arial" panose="020B0604020202020204" pitchFamily="34" charset="0"/>
-              <a:buChar char="•"/>
-            </a:pPr>
-            <a:endParaRPr lang="es-ES" sz="2000" dirty="0" smtClean="0">
-              <a:latin typeface="Arial" panose="020B0604020202020204" pitchFamily="34" charset="0"/>
-              <a:cs typeface="Arial" panose="020B0604020202020204" pitchFamily="34" charset="0"/>
-            </a:endParaRPr>
           </a:p>
           <a:p>
             <a:pPr algn="just">
@@ -14762,27 +13894,7 @@
               <a:buFont typeface="Arial" panose="020B0604020202020204" pitchFamily="34" charset="0"/>
               <a:buChar char="•"/>
             </a:pPr>
-            <a:endParaRPr lang="es-ES" sz="2000" dirty="0" smtClean="0">
-              <a:latin typeface="Arial" panose="020B0604020202020204" pitchFamily="34" charset="0"/>
-              <a:cs typeface="Arial" panose="020B0604020202020204" pitchFamily="34" charset="0"/>
-            </a:endParaRPr>
-          </a:p>
-          <a:p>
-            <a:pPr algn="just">
-              <a:buFont typeface="Arial" panose="020B0604020202020204" pitchFamily="34" charset="0"/>
-              <a:buChar char="•"/>
-            </a:pPr>
-            <a:endParaRPr lang="es-ES" sz="2000" dirty="0" smtClean="0">
-              <a:latin typeface="Arial" panose="020B0604020202020204" pitchFamily="34" charset="0"/>
-              <a:cs typeface="Arial" panose="020B0604020202020204" pitchFamily="34" charset="0"/>
-            </a:endParaRPr>
-          </a:p>
-          <a:p>
-            <a:pPr algn="just">
-              <a:buFont typeface="Arial" panose="020B0604020202020204" pitchFamily="34" charset="0"/>
-              <a:buChar char="•"/>
-            </a:pPr>
-            <a:endParaRPr lang="es-ES" sz="2000" dirty="0" smtClean="0">
+            <a:endParaRPr lang="es-ES" sz="2000" dirty="0">
               <a:latin typeface="Arial" panose="020B0604020202020204" pitchFamily="34" charset="0"/>
               <a:cs typeface="Arial" panose="020B0604020202020204" pitchFamily="34" charset="0"/>
             </a:endParaRPr>
@@ -14802,16 +13914,37 @@
               <a:buFont typeface="Arial" panose="020B0604020202020204" pitchFamily="34" charset="0"/>
               <a:buChar char="•"/>
             </a:pPr>
-            <a:endParaRPr lang="es-ES" sz="2000" dirty="0" smtClean="0">
+            <a:endParaRPr lang="es-ES" sz="2000" dirty="0">
               <a:latin typeface="Arial" panose="020B0604020202020204" pitchFamily="34" charset="0"/>
               <a:cs typeface="Arial" panose="020B0604020202020204" pitchFamily="34" charset="0"/>
             </a:endParaRPr>
           </a:p>
           <a:p>
-            <a:pPr marL="0" indent="0" algn="just">
-              <a:buNone/>
+            <a:pPr algn="just">
+              <a:buFont typeface="Arial" panose="020B0604020202020204" pitchFamily="34" charset="0"/>
+              <a:buChar char="•"/>
             </a:pPr>
-            <a:endParaRPr lang="es-ES" sz="2000" dirty="0" smtClean="0">
+            <a:endParaRPr lang="es-ES" sz="2000" dirty="0">
+              <a:latin typeface="Arial" panose="020B0604020202020204" pitchFamily="34" charset="0"/>
+              <a:cs typeface="Arial" panose="020B0604020202020204" pitchFamily="34" charset="0"/>
+            </a:endParaRPr>
+          </a:p>
+          <a:p>
+            <a:pPr algn="just">
+              <a:buFont typeface="Arial" panose="020B0604020202020204" pitchFamily="34" charset="0"/>
+              <a:buChar char="•"/>
+            </a:pPr>
+            <a:endParaRPr lang="es-ES" sz="2000" dirty="0">
+              <a:latin typeface="Arial" panose="020B0604020202020204" pitchFamily="34" charset="0"/>
+              <a:cs typeface="Arial" panose="020B0604020202020204" pitchFamily="34" charset="0"/>
+            </a:endParaRPr>
+          </a:p>
+          <a:p>
+            <a:pPr algn="just">
+              <a:buFont typeface="Arial" panose="020B0604020202020204" pitchFamily="34" charset="0"/>
+              <a:buChar char="•"/>
+            </a:pPr>
+            <a:endParaRPr lang="es-ES" sz="2000" dirty="0">
               <a:latin typeface="Arial" panose="020B0604020202020204" pitchFamily="34" charset="0"/>
               <a:cs typeface="Arial" panose="020B0604020202020204" pitchFamily="34" charset="0"/>
             </a:endParaRPr>
@@ -14826,37 +13959,6 @@
             </a:endParaRPr>
           </a:p>
           <a:p>
-            <a:pPr algn="just">
-              <a:buFont typeface="Arial" panose="020B0604020202020204" pitchFamily="34" charset="0"/>
-              <a:buChar char="•"/>
-            </a:pPr>
-            <a:r>
-              <a:rPr lang="es-ES" sz="2000" dirty="0" smtClean="0">
-                <a:latin typeface="Arial" panose="020B0604020202020204" pitchFamily="34" charset="0"/>
-                <a:cs typeface="Arial" panose="020B0604020202020204" pitchFamily="34" charset="0"/>
-              </a:rPr>
-              <a:t>Recuerda agregar primero </a:t>
-            </a:r>
-            <a:r>
-              <a:rPr lang="es-ES" sz="2000" dirty="0">
-                <a:latin typeface="Arial" panose="020B0604020202020204" pitchFamily="34" charset="0"/>
-                <a:cs typeface="Arial" panose="020B0604020202020204" pitchFamily="34" charset="0"/>
-              </a:rPr>
-              <a:t>la imagen al proyecto e incluirla en el </a:t>
-            </a:r>
-            <a:r>
-              <a:rPr lang="es-ES" sz="2000" b="1" dirty="0" err="1">
-                <a:latin typeface="Arial" panose="020B0604020202020204" pitchFamily="34" charset="0"/>
-                <a:cs typeface="Arial" panose="020B0604020202020204" pitchFamily="34" charset="0"/>
-              </a:rPr>
-              <a:t>pubspec.yaml</a:t>
-            </a:r>
-            <a:endParaRPr lang="es-ES" sz="2000" b="1" dirty="0">
-              <a:latin typeface="Arial" panose="020B0604020202020204" pitchFamily="34" charset="0"/>
-              <a:cs typeface="Arial" panose="020B0604020202020204" pitchFamily="34" charset="0"/>
-            </a:endParaRPr>
-          </a:p>
-          <a:p>
             <a:pPr marL="0" indent="0" algn="just">
               <a:buNone/>
             </a:pPr>
@@ -14870,16 +13972,49 @@
               <a:buFont typeface="Arial" panose="020B0604020202020204" pitchFamily="34" charset="0"/>
               <a:buChar char="•"/>
             </a:pPr>
-            <a:endParaRPr lang="es-ES" sz="2000" dirty="0" smtClean="0">
+            <a:r>
+              <a:rPr lang="es-ES" sz="2000" dirty="0">
+                <a:latin typeface="Arial" panose="020B0604020202020204" pitchFamily="34" charset="0"/>
+                <a:cs typeface="Arial" panose="020B0604020202020204" pitchFamily="34" charset="0"/>
+              </a:rPr>
+              <a:t>Recuerda agregar primero la imagen al proyecto e incluirla en el </a:t>
+            </a:r>
+            <a:r>
+              <a:rPr lang="es-ES" sz="2000" b="1" dirty="0" err="1">
+                <a:latin typeface="Arial" panose="020B0604020202020204" pitchFamily="34" charset="0"/>
+                <a:cs typeface="Arial" panose="020B0604020202020204" pitchFamily="34" charset="0"/>
+              </a:rPr>
+              <a:t>pubspec.yaml</a:t>
+            </a:r>
+            <a:endParaRPr lang="es-ES" sz="2000" b="1" dirty="0">
               <a:latin typeface="Arial" panose="020B0604020202020204" pitchFamily="34" charset="0"/>
               <a:cs typeface="Arial" panose="020B0604020202020204" pitchFamily="34" charset="0"/>
             </a:endParaRPr>
           </a:p>
           <a:p>
+            <a:pPr marL="0" indent="0" algn="just">
+              <a:buNone/>
+            </a:pPr>
+            <a:endParaRPr lang="es-ES" sz="2000" dirty="0">
+              <a:latin typeface="Arial" panose="020B0604020202020204" pitchFamily="34" charset="0"/>
+              <a:cs typeface="Arial" panose="020B0604020202020204" pitchFamily="34" charset="0"/>
+            </a:endParaRPr>
+          </a:p>
+          <a:p>
+            <a:pPr algn="just">
+              <a:buFont typeface="Arial" panose="020B0604020202020204" pitchFamily="34" charset="0"/>
+              <a:buChar char="•"/>
+            </a:pPr>
+            <a:endParaRPr lang="es-ES" sz="2000" dirty="0">
+              <a:latin typeface="Arial" panose="020B0604020202020204" pitchFamily="34" charset="0"/>
+              <a:cs typeface="Arial" panose="020B0604020202020204" pitchFamily="34" charset="0"/>
+            </a:endParaRPr>
+          </a:p>
+          <a:p>
             <a:pPr marL="0" indent="0">
               <a:buNone/>
             </a:pPr>
-            <a:endParaRPr lang="es-ES" dirty="0" smtClean="0"/>
+            <a:endParaRPr lang="es-ES" dirty="0"/>
           </a:p>
         </p:txBody>
       </p:sp>
@@ -14899,10 +14034,9 @@
           <a:lstStyle/>
           <a:p>
             <a:r>
-              <a:rPr lang="en-US" dirty="0" smtClean="0"/>
+              <a:rPr lang="en-US" dirty="0"/>
               <a:t>Ing. Alejandro Soto Treviño</a:t>
             </a:r>
-            <a:endParaRPr lang="en-US" dirty="0"/>
           </a:p>
         </p:txBody>
       </p:sp>
@@ -14946,13 +14080,6 @@
   <p:clrMapOvr>
     <a:masterClrMapping/>
   </p:clrMapOvr>
-  <p:timing>
-    <p:tnLst>
-      <p:par>
-        <p:cTn id="1" dur="indefinite" restart="never" nodeType="tmRoot"/>
-      </p:par>
-    </p:tnLst>
-  </p:timing>
 </p:sld>
 </file>
 
@@ -14995,13 +14122,8 @@
           <a:p>
             <a:r>
               <a:rPr lang="es-MX" dirty="0"/>
-              <a:t>Práctica</a:t>
-            </a:r>
-            <a:r>
-              <a:rPr lang="es-MX" dirty="0" smtClean="0"/>
-              <a:t> 2</a:t>
-            </a:r>
-            <a:endParaRPr lang="es-MX" dirty="0"/>
+              <a:t>Práctica 2</a:t>
+            </a:r>
           </a:p>
         </p:txBody>
       </p:sp>
@@ -15028,13 +14150,13 @@
           <a:lstStyle/>
           <a:p>
             <a:r>
-              <a:rPr lang="es-MX" sz="2000" dirty="0" smtClean="0">
+              <a:rPr lang="es-MX" sz="2000" dirty="0">
                 <a:latin typeface="Arial" panose="020B0604020202020204" pitchFamily="34" charset="0"/>
                 <a:cs typeface="Arial" panose="020B0604020202020204" pitchFamily="34" charset="0"/>
               </a:rPr>
               <a:t>Paso 6: Dando el toque final.</a:t>
             </a:r>
-            <a:endParaRPr lang="es-ES" sz="2000" dirty="0" smtClean="0">
+            <a:endParaRPr lang="es-ES" sz="2000" dirty="0">
               <a:latin typeface="Arial" panose="020B0604020202020204" pitchFamily="34" charset="0"/>
               <a:cs typeface="Arial" panose="020B0604020202020204" pitchFamily="34" charset="0"/>
             </a:endParaRPr>
@@ -15044,16 +14166,7 @@
               <a:buFont typeface="Arial" panose="020B0604020202020204" pitchFamily="34" charset="0"/>
               <a:buChar char="•"/>
             </a:pPr>
-            <a:endParaRPr lang="es-ES" sz="2000" dirty="0" smtClean="0">
-              <a:latin typeface="Arial" panose="020B0604020202020204" pitchFamily="34" charset="0"/>
-              <a:cs typeface="Arial" panose="020B0604020202020204" pitchFamily="34" charset="0"/>
-            </a:endParaRPr>
-          </a:p>
-          <a:p>
-            <a:pPr marL="0" indent="0" algn="just">
-              <a:buNone/>
-            </a:pPr>
-            <a:endParaRPr lang="es-ES" sz="2000" dirty="0" smtClean="0">
+            <a:endParaRPr lang="es-ES" sz="2000" dirty="0">
               <a:latin typeface="Arial" panose="020B0604020202020204" pitchFamily="34" charset="0"/>
               <a:cs typeface="Arial" panose="020B0604020202020204" pitchFamily="34" charset="0"/>
             </a:endParaRPr>
@@ -15068,37 +14181,6 @@
             </a:endParaRPr>
           </a:p>
           <a:p>
-            <a:pPr algn="just">
-              <a:buFont typeface="Arial" panose="020B0604020202020204" pitchFamily="34" charset="0"/>
-              <a:buChar char="•"/>
-            </a:pPr>
-            <a:r>
-              <a:rPr lang="es-ES" sz="2000" dirty="0" smtClean="0">
-                <a:latin typeface="Arial" panose="020B0604020202020204" pitchFamily="34" charset="0"/>
-                <a:cs typeface="Arial" panose="020B0604020202020204" pitchFamily="34" charset="0"/>
-              </a:rPr>
-              <a:t>Así quedaría el método </a:t>
-            </a:r>
-            <a:r>
-              <a:rPr lang="es-ES" sz="2000" b="1" dirty="0" smtClean="0">
-                <a:latin typeface="Arial" panose="020B0604020202020204" pitchFamily="34" charset="0"/>
-                <a:cs typeface="Arial" panose="020B0604020202020204" pitchFamily="34" charset="0"/>
-              </a:rPr>
-              <a:t>build</a:t>
-            </a:r>
-            <a:r>
-              <a:rPr lang="es-ES" sz="2000" dirty="0" smtClean="0">
-                <a:latin typeface="Arial" panose="020B0604020202020204" pitchFamily="34" charset="0"/>
-                <a:cs typeface="Arial" panose="020B0604020202020204" pitchFamily="34" charset="0"/>
-              </a:rPr>
-              <a:t> de nuestro widget</a:t>
-            </a:r>
-            <a:endParaRPr lang="es-ES" sz="2000" b="1" dirty="0">
-              <a:latin typeface="Arial" panose="020B0604020202020204" pitchFamily="34" charset="0"/>
-              <a:cs typeface="Arial" panose="020B0604020202020204" pitchFamily="34" charset="0"/>
-            </a:endParaRPr>
-          </a:p>
-          <a:p>
             <a:pPr marL="0" indent="0" algn="just">
               <a:buNone/>
             </a:pPr>
@@ -15112,16 +14194,56 @@
               <a:buFont typeface="Arial" panose="020B0604020202020204" pitchFamily="34" charset="0"/>
               <a:buChar char="•"/>
             </a:pPr>
-            <a:endParaRPr lang="es-ES" sz="2000" dirty="0" smtClean="0">
+            <a:r>
+              <a:rPr lang="es-ES" sz="2000" dirty="0">
+                <a:latin typeface="Arial" panose="020B0604020202020204" pitchFamily="34" charset="0"/>
+                <a:cs typeface="Arial" panose="020B0604020202020204" pitchFamily="34" charset="0"/>
+              </a:rPr>
+              <a:t>Así quedaría el método </a:t>
+            </a:r>
+            <a:r>
+              <a:rPr lang="es-ES" sz="2000" b="1" dirty="0">
+                <a:latin typeface="Arial" panose="020B0604020202020204" pitchFamily="34" charset="0"/>
+                <a:cs typeface="Arial" panose="020B0604020202020204" pitchFamily="34" charset="0"/>
+              </a:rPr>
+              <a:t>build</a:t>
+            </a:r>
+            <a:r>
+              <a:rPr lang="es-ES" sz="2000" dirty="0">
+                <a:latin typeface="Arial" panose="020B0604020202020204" pitchFamily="34" charset="0"/>
+                <a:cs typeface="Arial" panose="020B0604020202020204" pitchFamily="34" charset="0"/>
+              </a:rPr>
+              <a:t> de nuestro widget</a:t>
+            </a:r>
+            <a:endParaRPr lang="es-ES" sz="2000" b="1" dirty="0">
               <a:latin typeface="Arial" panose="020B0604020202020204" pitchFamily="34" charset="0"/>
               <a:cs typeface="Arial" panose="020B0604020202020204" pitchFamily="34" charset="0"/>
             </a:endParaRPr>
           </a:p>
           <a:p>
+            <a:pPr marL="0" indent="0" algn="just">
+              <a:buNone/>
+            </a:pPr>
+            <a:endParaRPr lang="es-ES" sz="2000" dirty="0">
+              <a:latin typeface="Arial" panose="020B0604020202020204" pitchFamily="34" charset="0"/>
+              <a:cs typeface="Arial" panose="020B0604020202020204" pitchFamily="34" charset="0"/>
+            </a:endParaRPr>
+          </a:p>
+          <a:p>
+            <a:pPr algn="just">
+              <a:buFont typeface="Arial" panose="020B0604020202020204" pitchFamily="34" charset="0"/>
+              <a:buChar char="•"/>
+            </a:pPr>
+            <a:endParaRPr lang="es-ES" sz="2000" dirty="0">
+              <a:latin typeface="Arial" panose="020B0604020202020204" pitchFamily="34" charset="0"/>
+              <a:cs typeface="Arial" panose="020B0604020202020204" pitchFamily="34" charset="0"/>
+            </a:endParaRPr>
+          </a:p>
+          <a:p>
             <a:pPr marL="0" indent="0">
               <a:buNone/>
             </a:pPr>
-            <a:endParaRPr lang="es-ES" dirty="0" smtClean="0"/>
+            <a:endParaRPr lang="es-ES" dirty="0"/>
           </a:p>
         </p:txBody>
       </p:sp>
@@ -15141,10 +14263,9 @@
           <a:lstStyle/>
           <a:p>
             <a:r>
-              <a:rPr lang="en-US" dirty="0" smtClean="0"/>
+              <a:rPr lang="en-US" dirty="0"/>
               <a:t>Ing. Alejandro Soto Treviño</a:t>
             </a:r>
-            <a:endParaRPr lang="en-US" dirty="0"/>
           </a:p>
         </p:txBody>
       </p:sp>
@@ -15188,13 +14309,6 @@
   <p:clrMapOvr>
     <a:masterClrMapping/>
   </p:clrMapOvr>
-  <p:timing>
-    <p:tnLst>
-      <p:par>
-        <p:cTn id="1" dur="indefinite" restart="never" nodeType="tmRoot"/>
-      </p:par>
-    </p:tnLst>
-  </p:timing>
 </p:sld>
 </file>
 
@@ -15270,19 +14384,8 @@
                 <a:latin typeface="Arial" panose="020B0604020202020204" pitchFamily="34" charset="0"/>
                 <a:cs typeface="Arial" panose="020B0604020202020204" pitchFamily="34" charset="0"/>
               </a:rPr>
-              <a:t>La mayoría de las aplicaciones contienen varias pantallas para mostrar diferentes tipos de información. Por ejemplo, una app puede tener una pantalla que muestre productos. Los usuarios pueden entonces pulsar un producto para obtener más información sobre él en una nueva pantalla</a:t>
-            </a:r>
-            <a:r>
-              <a:rPr lang="es-ES" sz="2000" dirty="0" smtClean="0">
-                <a:latin typeface="Arial" panose="020B0604020202020204" pitchFamily="34" charset="0"/>
-                <a:cs typeface="Arial" panose="020B0604020202020204" pitchFamily="34" charset="0"/>
-              </a:rPr>
-              <a:t>.</a:t>
-            </a:r>
-            <a:endParaRPr lang="es-ES" sz="2000" dirty="0">
-              <a:latin typeface="Arial" panose="020B0604020202020204" pitchFamily="34" charset="0"/>
-              <a:cs typeface="Arial" panose="020B0604020202020204" pitchFamily="34" charset="0"/>
-            </a:endParaRPr>
+              <a:t>La mayoría de las aplicaciones contienen varias pantallas para mostrar diferentes tipos de información. Por ejemplo, una app puede tener una pantalla que muestre productos. Los usuarios pueden entonces pulsar un producto para obtener más información sobre él en una nueva pantalla.</a:t>
+            </a:r>
           </a:p>
           <a:p>
             <a:pPr algn="just">
@@ -15294,24 +14397,10 @@
                 <a:latin typeface="Arial" panose="020B0604020202020204" pitchFamily="34" charset="0"/>
                 <a:cs typeface="Arial" panose="020B0604020202020204" pitchFamily="34" charset="0"/>
               </a:rPr>
-              <a:t>Navega a </a:t>
-            </a:r>
-            <a:r>
-              <a:rPr lang="es-ES" sz="2000" dirty="0" smtClean="0">
-                <a:latin typeface="Arial" panose="020B0604020202020204" pitchFamily="34" charset="0"/>
-                <a:cs typeface="Arial" panose="020B0604020202020204" pitchFamily="34" charset="0"/>
-              </a:rPr>
-              <a:t>una </a:t>
-            </a:r>
-            <a:r>
-              <a:rPr lang="es-ES" sz="2000" dirty="0">
-                <a:latin typeface="Arial" panose="020B0604020202020204" pitchFamily="34" charset="0"/>
-                <a:cs typeface="Arial" panose="020B0604020202020204" pitchFamily="34" charset="0"/>
-              </a:rPr>
-              <a:t>segunda ruta usando </a:t>
-            </a:r>
-            <a:r>
-              <a:rPr lang="es-ES" sz="2000" b="1" dirty="0" smtClean="0">
+              <a:t>Navega a una segunda ruta usando </a:t>
+            </a:r>
+            <a:r>
+              <a:rPr lang="es-ES" sz="2000" b="1" dirty="0">
                 <a:latin typeface="Arial" panose="020B0604020202020204" pitchFamily="34" charset="0"/>
                 <a:cs typeface="Arial" panose="020B0604020202020204" pitchFamily="34" charset="0"/>
               </a:rPr>
@@ -15340,7 +14429,7 @@
           <a:lstStyle/>
           <a:p>
             <a:r>
-              <a:rPr lang="en-US" smtClean="0"/>
+              <a:rPr lang="en-US"/>
               <a:t>Ing. Alejandro Soto Treviño</a:t>
             </a:r>
             <a:endParaRPr lang="en-US" dirty="0"/>
@@ -15417,13 +14506,6 @@
   <p:clrMapOvr>
     <a:masterClrMapping/>
   </p:clrMapOvr>
-  <p:timing>
-    <p:tnLst>
-      <p:par>
-        <p:cTn id="1" dur="indefinite" restart="never" nodeType="tmRoot"/>
-      </p:par>
-    </p:tnLst>
-  </p:timing>
 </p:sld>
 </file>
 
@@ -15498,20 +14580,20 @@
               <a:buChar char="•"/>
             </a:pPr>
             <a:r>
-              <a:rPr lang="es-ES" sz="2000" dirty="0" smtClean="0">
+              <a:rPr lang="es-ES" sz="2000" dirty="0">
                 <a:latin typeface="Arial" panose="020B0604020202020204" pitchFamily="34" charset="0"/>
                 <a:cs typeface="Arial" panose="020B0604020202020204" pitchFamily="34" charset="0"/>
               </a:rPr>
               <a:t>Regresa a la ruta anterior utilizando </a:t>
             </a:r>
             <a:r>
-              <a:rPr lang="es-ES" sz="2000" b="1" dirty="0" err="1" smtClean="0">
+              <a:rPr lang="es-ES" sz="2000" b="1" dirty="0" err="1">
                 <a:latin typeface="Arial" panose="020B0604020202020204" pitchFamily="34" charset="0"/>
                 <a:cs typeface="Arial" panose="020B0604020202020204" pitchFamily="34" charset="0"/>
               </a:rPr>
               <a:t>Navigator.pop</a:t>
             </a:r>
-            <a:endParaRPr lang="es-ES" sz="2000" b="1" dirty="0" smtClean="0">
+            <a:endParaRPr lang="es-ES" sz="2000" b="1" dirty="0">
               <a:latin typeface="Arial" panose="020B0604020202020204" pitchFamily="34" charset="0"/>
               <a:cs typeface="Arial" panose="020B0604020202020204" pitchFamily="34" charset="0"/>
             </a:endParaRPr>
@@ -15531,7 +14613,7 @@
               <a:buFont typeface="Arial" panose="020B0604020202020204" pitchFamily="34" charset="0"/>
               <a:buChar char="•"/>
             </a:pPr>
-            <a:endParaRPr lang="es-ES" sz="2000" b="1" dirty="0" smtClean="0">
+            <a:endParaRPr lang="es-ES" sz="2000" b="1" dirty="0">
               <a:latin typeface="Arial" panose="020B0604020202020204" pitchFamily="34" charset="0"/>
               <a:cs typeface="Arial" panose="020B0604020202020204" pitchFamily="34" charset="0"/>
             </a:endParaRPr>
@@ -15561,7 +14643,7 @@
               <a:buChar char="•"/>
             </a:pPr>
             <a:r>
-              <a:rPr lang="es-ES" sz="2000" dirty="0" smtClean="0">
+              <a:rPr lang="es-ES" sz="2000" dirty="0">
                 <a:latin typeface="Arial" panose="020B0604020202020204" pitchFamily="34" charset="0"/>
                 <a:cs typeface="Arial" panose="020B0604020202020204" pitchFamily="34" charset="0"/>
               </a:rPr>
@@ -15574,21 +14656,21 @@
               <a:buChar char="§"/>
             </a:pPr>
             <a:r>
-              <a:rPr lang="es-ES" sz="1800" dirty="0" smtClean="0">
+              <a:rPr lang="es-ES" sz="1800" dirty="0">
                 <a:latin typeface="Arial" panose="020B0604020202020204" pitchFamily="34" charset="0"/>
                 <a:cs typeface="Arial" panose="020B0604020202020204" pitchFamily="34" charset="0"/>
               </a:rPr>
               <a:t>Revisa el ejemplo inicial de Flutter </a:t>
             </a:r>
             <a:r>
-              <a:rPr lang="es-ES" sz="1800" b="1" dirty="0" smtClean="0">
+              <a:rPr lang="es-ES" sz="1800" b="1" dirty="0">
                 <a:latin typeface="Arial" panose="020B0604020202020204" pitchFamily="34" charset="0"/>
                 <a:cs typeface="Arial" panose="020B0604020202020204" pitchFamily="34" charset="0"/>
               </a:rPr>
               <a:t>MyHomePage</a:t>
             </a:r>
             <a:r>
-              <a:rPr lang="es-ES" sz="1800" dirty="0" smtClean="0">
+              <a:rPr lang="es-ES" sz="1800" dirty="0">
                 <a:latin typeface="Arial" panose="020B0604020202020204" pitchFamily="34" charset="0"/>
                 <a:cs typeface="Arial" panose="020B0604020202020204" pitchFamily="34" charset="0"/>
               </a:rPr>
@@ -15601,7 +14683,7 @@
               <a:buChar char="§"/>
             </a:pPr>
             <a:r>
-              <a:rPr lang="es-ES" sz="1800" dirty="0" smtClean="0">
+              <a:rPr lang="es-ES" sz="1800" dirty="0">
                 <a:latin typeface="Arial" panose="020B0604020202020204" pitchFamily="34" charset="0"/>
                 <a:cs typeface="Arial" panose="020B0604020202020204" pitchFamily="34" charset="0"/>
               </a:rPr>
@@ -15614,14 +14696,14 @@
               <a:buChar char="§"/>
             </a:pPr>
             <a:r>
-              <a:rPr lang="es-ES" sz="1800" dirty="0" smtClean="0">
+              <a:rPr lang="es-ES" sz="1800" dirty="0">
                 <a:latin typeface="Arial" panose="020B0604020202020204" pitchFamily="34" charset="0"/>
                 <a:cs typeface="Arial" panose="020B0604020202020204" pitchFamily="34" charset="0"/>
               </a:rPr>
               <a:t>Utiliza el parámetro en la Interfaz  </a:t>
             </a:r>
             <a:r>
-              <a:rPr lang="es-ES" sz="1800" b="1" i="1" dirty="0" smtClean="0">
+              <a:rPr lang="es-ES" sz="1800" b="1" i="1" dirty="0">
                 <a:latin typeface="Arial" panose="020B0604020202020204" pitchFamily="34" charset="0"/>
                 <a:cs typeface="Arial" panose="020B0604020202020204" pitchFamily="34" charset="0"/>
               </a:rPr>
@@ -15634,7 +14716,7 @@
               <a:buChar char="§"/>
             </a:pPr>
             <a:r>
-              <a:rPr lang="es-ES" sz="1800" dirty="0" smtClean="0">
+              <a:rPr lang="es-ES" sz="1800" dirty="0">
                 <a:latin typeface="Arial" panose="020B0604020202020204" pitchFamily="34" charset="0"/>
                 <a:cs typeface="Arial" panose="020B0604020202020204" pitchFamily="34" charset="0"/>
               </a:rPr>
@@ -15663,7 +14745,7 @@
           <a:lstStyle/>
           <a:p>
             <a:r>
-              <a:rPr lang="en-US" smtClean="0"/>
+              <a:rPr lang="en-US"/>
               <a:t>Ing. Alejandro Soto Treviño</a:t>
             </a:r>
             <a:endParaRPr lang="en-US" dirty="0"/>
@@ -15740,13 +14822,6 @@
   <p:clrMapOvr>
     <a:masterClrMapping/>
   </p:clrMapOvr>
-  <p:timing>
-    <p:tnLst>
-      <p:par>
-        <p:cTn id="1" dur="indefinite" restart="never" nodeType="tmRoot"/>
-      </p:par>
-    </p:tnLst>
-  </p:timing>
 </p:sld>
 </file>
 
@@ -15783,7 +14858,7 @@
           <a:lstStyle/>
           <a:p>
             <a:r>
-              <a:rPr lang="en-US" smtClean="0"/>
+              <a:rPr lang="en-US"/>
               <a:t>Ing. Alejandro Soto Treviño</a:t>
             </a:r>
             <a:endParaRPr lang="en-US" dirty="0"/>
@@ -15841,13 +14916,6 @@
   <p:clrMapOvr>
     <a:masterClrMapping/>
   </p:clrMapOvr>
-  <p:timing>
-    <p:tnLst>
-      <p:par>
-        <p:cTn id="1" dur="indefinite" restart="never" nodeType="tmRoot"/>
-      </p:par>
-    </p:tnLst>
-  </p:timing>
 </p:sld>
 </file>
 
@@ -15884,10 +14952,9 @@
           <a:lstStyle/>
           <a:p>
             <a:r>
-              <a:rPr lang="es-MX" dirty="0" smtClean="0"/>
+              <a:rPr lang="es-MX" dirty="0"/>
               <a:t>Desarrollo ágil.</a:t>
             </a:r>
-            <a:endParaRPr lang="es-MX" dirty="0"/>
           </a:p>
         </p:txBody>
       </p:sp>
@@ -15914,42 +14981,7 @@
                 <a:latin typeface="Arial" panose="020B0604020202020204" pitchFamily="34" charset="0"/>
                 <a:cs typeface="Arial" panose="020B0604020202020204" pitchFamily="34" charset="0"/>
               </a:rPr>
-              <a:t>En los últimos años se ha identificado que el desarrollo de aplicaciones móviles no debe llevarse a cabo con una metodología tradicional centrada </a:t>
-            </a:r>
-            <a:r>
-              <a:rPr lang="es-ES" sz="2000" dirty="0" smtClean="0">
-                <a:latin typeface="Arial" panose="020B0604020202020204" pitchFamily="34" charset="0"/>
-                <a:cs typeface="Arial" panose="020B0604020202020204" pitchFamily="34" charset="0"/>
-              </a:rPr>
-              <a:t>en </a:t>
-            </a:r>
-            <a:r>
-              <a:rPr lang="es-ES" sz="2000" dirty="0">
-                <a:latin typeface="Arial" panose="020B0604020202020204" pitchFamily="34" charset="0"/>
-                <a:cs typeface="Arial" panose="020B0604020202020204" pitchFamily="34" charset="0"/>
-              </a:rPr>
-              <a:t>los procesos tardados, puesto que el desarrollo móvil pretende la rápida obtención de un producto funcional, para lo cual los </a:t>
-            </a:r>
-            <a:r>
-              <a:rPr lang="es-ES" sz="2000" dirty="0" smtClean="0">
-                <a:latin typeface="Arial" panose="020B0604020202020204" pitchFamily="34" charset="0"/>
-                <a:cs typeface="Arial" panose="020B0604020202020204" pitchFamily="34" charset="0"/>
-              </a:rPr>
-              <a:t>principios ágiles </a:t>
-            </a:r>
-            <a:r>
-              <a:rPr lang="es-ES" sz="2000" dirty="0">
-                <a:latin typeface="Arial" panose="020B0604020202020204" pitchFamily="34" charset="0"/>
-                <a:cs typeface="Arial" panose="020B0604020202020204" pitchFamily="34" charset="0"/>
-              </a:rPr>
-              <a:t>han prometido ser útiles</a:t>
-            </a:r>
-            <a:r>
-              <a:rPr lang="es-ES" sz="2000" dirty="0" smtClean="0">
-                <a:latin typeface="Arial" panose="020B0604020202020204" pitchFamily="34" charset="0"/>
-                <a:cs typeface="Arial" panose="020B0604020202020204" pitchFamily="34" charset="0"/>
-              </a:rPr>
-              <a:t>.</a:t>
+              <a:t>En los últimos años se ha identificado que el desarrollo de aplicaciones móviles no debe llevarse a cabo con una metodología tradicional centrada en los procesos tardados, puesto que el desarrollo móvil pretende la rápida obtención de un producto funcional, para lo cual los principios ágiles han prometido ser útiles.</a:t>
             </a:r>
           </a:p>
           <a:p>
@@ -15961,18 +14993,11 @@
           <a:p>
             <a:pPr algn="just"/>
             <a:r>
-              <a:rPr lang="es-ES" sz="2000" dirty="0" smtClean="0">
-                <a:latin typeface="Arial" panose="020B0604020202020204" pitchFamily="34" charset="0"/>
-                <a:cs typeface="Arial" panose="020B0604020202020204" pitchFamily="34" charset="0"/>
-              </a:rPr>
-              <a:t> </a:t>
-            </a:r>
-            <a:r>
               <a:rPr lang="es-ES" sz="2000" dirty="0">
                 <a:latin typeface="Arial" panose="020B0604020202020204" pitchFamily="34" charset="0"/>
                 <a:cs typeface="Arial" panose="020B0604020202020204" pitchFamily="34" charset="0"/>
               </a:rPr>
-              <a:t>Las metodologías ágiles de desarrollo tienen ya cierto tiempo que aparecieron en el mundo de la ingeniería de software y sus principios pueden ser aplicados al desarrollo de software móvil.</a:t>
+              <a:t> Las metodologías ágiles de desarrollo tienen ya cierto tiempo que aparecieron en el mundo de la ingeniería de software y sus principios pueden ser aplicados al desarrollo de software móvil.</a:t>
             </a:r>
             <a:endParaRPr lang="es-MX" sz="2000" dirty="0">
               <a:latin typeface="Arial" panose="020B0604020202020204" pitchFamily="34" charset="0"/>
@@ -15997,10 +15022,9 @@
           <a:lstStyle/>
           <a:p>
             <a:r>
-              <a:rPr lang="en-US" dirty="0" smtClean="0"/>
+              <a:rPr lang="en-US" dirty="0"/>
               <a:t>Ing. Alejandro Soto Treviño</a:t>
             </a:r>
-            <a:endParaRPr lang="en-US" dirty="0"/>
           </a:p>
         </p:txBody>
       </p:sp>
@@ -16050,10 +15074,9 @@
           <a:lstStyle/>
           <a:p>
             <a:r>
-              <a:rPr lang="es-MX" dirty="0" smtClean="0"/>
+              <a:rPr lang="es-MX" dirty="0"/>
               <a:t>Crear proyecto en Firebase.</a:t>
             </a:r>
-            <a:endParaRPr lang="es-MX" dirty="0"/>
           </a:p>
         </p:txBody>
       </p:sp>
@@ -16102,7 +15125,7 @@
           <a:lstStyle/>
           <a:p>
             <a:r>
-              <a:rPr lang="en-US" smtClean="0"/>
+              <a:rPr lang="en-US"/>
               <a:t>Ing. Alejandro Soto Treviño</a:t>
             </a:r>
             <a:endParaRPr lang="en-US" dirty="0"/>
@@ -16119,13 +15142,6 @@
   <p:clrMapOvr>
     <a:masterClrMapping/>
   </p:clrMapOvr>
-  <p:timing>
-    <p:tnLst>
-      <p:par>
-        <p:cTn id="1" dur="indefinite" restart="never" nodeType="tmRoot"/>
-      </p:par>
-    </p:tnLst>
-  </p:timing>
 </p:sld>
 </file>
 
@@ -16191,10 +15207,9 @@
           <a:lstStyle/>
           <a:p>
             <a:r>
-              <a:rPr lang="es-MX" dirty="0" smtClean="0"/>
+              <a:rPr lang="es-MX" dirty="0"/>
               <a:t>Crear proyecto en Firebase.</a:t>
             </a:r>
-            <a:endParaRPr lang="es-MX" dirty="0"/>
           </a:p>
         </p:txBody>
       </p:sp>
@@ -16214,7 +15229,7 @@
           <a:lstStyle/>
           <a:p>
             <a:r>
-              <a:rPr lang="en-US" smtClean="0"/>
+              <a:rPr lang="en-US"/>
               <a:t>Ing. Alejandro Soto Treviño</a:t>
             </a:r>
             <a:endParaRPr lang="en-US" dirty="0"/>
@@ -16231,13 +15246,6 @@
   <p:clrMapOvr>
     <a:masterClrMapping/>
   </p:clrMapOvr>
-  <p:timing>
-    <p:tnLst>
-      <p:par>
-        <p:cTn id="1" dur="indefinite" restart="never" nodeType="tmRoot"/>
-      </p:par>
-    </p:tnLst>
-  </p:timing>
 </p:sld>
 </file>
 
@@ -16274,10 +15282,9 @@
           <a:lstStyle/>
           <a:p>
             <a:r>
-              <a:rPr lang="es-MX" dirty="0" smtClean="0"/>
+              <a:rPr lang="es-MX" dirty="0"/>
               <a:t>Crear proyecto en Firebase.</a:t>
             </a:r>
-            <a:endParaRPr lang="es-MX" dirty="0"/>
           </a:p>
         </p:txBody>
       </p:sp>
@@ -16297,7 +15304,7 @@
           <a:lstStyle/>
           <a:p>
             <a:r>
-              <a:rPr lang="en-US" smtClean="0"/>
+              <a:rPr lang="en-US"/>
               <a:t>Ing. Alejandro Soto Treviño</a:t>
             </a:r>
             <a:endParaRPr lang="en-US" dirty="0"/>
@@ -16343,13 +15350,6 @@
   <p:clrMapOvr>
     <a:masterClrMapping/>
   </p:clrMapOvr>
-  <p:timing>
-    <p:tnLst>
-      <p:par>
-        <p:cTn id="1" dur="indefinite" restart="never" nodeType="tmRoot"/>
-      </p:par>
-    </p:tnLst>
-  </p:timing>
 </p:sld>
 </file>
 
@@ -16386,10 +15386,9 @@
           <a:lstStyle/>
           <a:p>
             <a:r>
-              <a:rPr lang="es-MX" dirty="0" smtClean="0"/>
+              <a:rPr lang="es-MX" dirty="0"/>
               <a:t>Crear proyecto en Firebase.</a:t>
             </a:r>
-            <a:endParaRPr lang="es-MX" dirty="0"/>
           </a:p>
         </p:txBody>
       </p:sp>
@@ -16409,7 +15408,7 @@
           <a:lstStyle/>
           <a:p>
             <a:r>
-              <a:rPr lang="en-US" smtClean="0"/>
+              <a:rPr lang="en-US"/>
               <a:t>Ing. Alejandro Soto Treviño</a:t>
             </a:r>
             <a:endParaRPr lang="en-US" dirty="0"/>
@@ -16455,13 +15454,6 @@
   <p:clrMapOvr>
     <a:masterClrMapping/>
   </p:clrMapOvr>
-  <p:timing>
-    <p:tnLst>
-      <p:par>
-        <p:cTn id="1" dur="indefinite" restart="never" nodeType="tmRoot"/>
-      </p:par>
-    </p:tnLst>
-  </p:timing>
 </p:sld>
 </file>
 
@@ -16505,10 +15497,9 @@
           <a:lstStyle/>
           <a:p>
             <a:r>
-              <a:rPr lang="es-MX" dirty="0" smtClean="0"/>
+              <a:rPr lang="es-MX" dirty="0"/>
               <a:t>Registrar aplicación en Firebase</a:t>
             </a:r>
-            <a:endParaRPr lang="es-MX" dirty="0"/>
           </a:p>
         </p:txBody>
       </p:sp>
@@ -16528,7 +15519,7 @@
           <a:lstStyle/>
           <a:p>
             <a:r>
-              <a:rPr lang="en-US" smtClean="0"/>
+              <a:rPr lang="en-US"/>
               <a:t>Ing. Alejandro Soto Treviño</a:t>
             </a:r>
             <a:endParaRPr lang="en-US" dirty="0"/>
@@ -16574,13 +15565,6 @@
   <p:clrMapOvr>
     <a:masterClrMapping/>
   </p:clrMapOvr>
-  <p:timing>
-    <p:tnLst>
-      <p:par>
-        <p:cTn id="1" dur="indefinite" restart="never" nodeType="tmRoot"/>
-      </p:par>
-    </p:tnLst>
-  </p:timing>
 </p:sld>
 </file>
 
@@ -16646,7 +15630,7 @@
           <a:lstStyle/>
           <a:p>
             <a:r>
-              <a:rPr lang="en-US" smtClean="0"/>
+              <a:rPr lang="en-US"/>
               <a:t>Ing. Alejandro Soto Treviño</a:t>
             </a:r>
             <a:endParaRPr lang="en-US" dirty="0"/>
@@ -16691,13 +15675,6 @@
   <p:clrMapOvr>
     <a:masterClrMapping/>
   </p:clrMapOvr>
-  <p:timing>
-    <p:tnLst>
-      <p:par>
-        <p:cTn id="1" dur="indefinite" restart="never" nodeType="tmRoot"/>
-      </p:par>
-    </p:tnLst>
-  </p:timing>
 </p:sld>
 </file>
 
@@ -16763,7 +15740,7 @@
           <a:lstStyle/>
           <a:p>
             <a:r>
-              <a:rPr lang="en-US" smtClean="0"/>
+              <a:rPr lang="en-US"/>
               <a:t>Ing. Alejandro Soto Treviño</a:t>
             </a:r>
             <a:endParaRPr lang="en-US" dirty="0"/>
@@ -16809,13 +15786,6 @@
   <p:clrMapOvr>
     <a:masterClrMapping/>
   </p:clrMapOvr>
-  <p:timing>
-    <p:tnLst>
-      <p:par>
-        <p:cTn id="1" dur="indefinite" restart="never" nodeType="tmRoot"/>
-      </p:par>
-    </p:tnLst>
-  </p:timing>
 </p:sld>
 </file>
 
@@ -16904,13 +15874,6 @@
   <p:clrMapOvr>
     <a:masterClrMapping/>
   </p:clrMapOvr>
-  <p:timing>
-    <p:tnLst>
-      <p:par>
-        <p:cTn id="1" dur="indefinite" restart="never" nodeType="tmRoot"/>
-      </p:par>
-    </p:tnLst>
-  </p:timing>
 </p:sld>
 </file>
 
@@ -16962,7 +15925,7 @@
       </p:sp>
       <p:pic>
         <p:nvPicPr>
-          <p:cNvPr id="4" name="Marcador de contenido 3"/>
+          <p:cNvPr id="5" name="Marcador de contenido 4"/>
           <p:cNvPicPr>
             <a:picLocks noGrp="1" noChangeAspect="1"/>
           </p:cNvPicPr>
@@ -16984,28 +15947,21 @@
         </p:blipFill>
         <p:spPr>
           <a:xfrm>
-            <a:off x="294417" y="1602032"/>
-            <a:ext cx="9337653" cy="3356828"/>
+            <a:off x="413566" y="1738863"/>
+            <a:ext cx="9266765" cy="3817108"/>
           </a:xfrm>
         </p:spPr>
       </p:pic>
     </p:spTree>
     <p:extLst>
       <p:ext uri="{BB962C8B-B14F-4D97-AF65-F5344CB8AC3E}">
-        <p14:creationId xmlns:p14="http://schemas.microsoft.com/office/powerpoint/2010/main" val="2208130626"/>
+        <p14:creationId xmlns:p14="http://schemas.microsoft.com/office/powerpoint/2010/main" val="3345561480"/>
       </p:ext>
     </p:extLst>
   </p:cSld>
   <p:clrMapOvr>
     <a:masterClrMapping/>
   </p:clrMapOvr>
-  <p:timing>
-    <p:tnLst>
-      <p:par>
-        <p:cTn id="1" dur="indefinite" restart="never" nodeType="tmRoot"/>
-      </p:par>
-    </p:tnLst>
-  </p:timing>
 </p:sld>
 </file>
 
@@ -17038,8 +15994,8 @@
         </p:nvSpPr>
         <p:spPr>
           <a:xfrm>
-            <a:off x="677334" y="618392"/>
-            <a:ext cx="8596668" cy="1185864"/>
+            <a:off x="334108" y="618392"/>
+            <a:ext cx="8957479" cy="1185864"/>
           </a:xfrm>
         </p:spPr>
         <p:txBody>
@@ -17050,14 +16006,14 @@
           <a:p>
             <a:r>
               <a:rPr lang="es-MX" dirty="0"/>
-              <a:t>Registrar aplicación en Firebase</a:t>
+              <a:t>Instalar librerías FlutterFire en la app</a:t>
             </a:r>
           </a:p>
         </p:txBody>
       </p:sp>
       <p:pic>
         <p:nvPicPr>
-          <p:cNvPr id="5" name="Marcador de contenido 4"/>
+          <p:cNvPr id="4" name="Marcador de contenido 3"/>
           <p:cNvPicPr>
             <a:picLocks noGrp="1" noChangeAspect="1"/>
           </p:cNvPicPr>
@@ -17079,28 +16035,21 @@
         </p:blipFill>
         <p:spPr>
           <a:xfrm>
-            <a:off x="413566" y="1738863"/>
-            <a:ext cx="9266765" cy="3817108"/>
+            <a:off x="444088" y="1211324"/>
+            <a:ext cx="8585613" cy="4679457"/>
           </a:xfrm>
         </p:spPr>
       </p:pic>
     </p:spTree>
     <p:extLst>
       <p:ext uri="{BB962C8B-B14F-4D97-AF65-F5344CB8AC3E}">
-        <p14:creationId xmlns:p14="http://schemas.microsoft.com/office/powerpoint/2010/main" val="3345561480"/>
+        <p14:creationId xmlns:p14="http://schemas.microsoft.com/office/powerpoint/2010/main" val="937440908"/>
       </p:ext>
     </p:extLst>
   </p:cSld>
   <p:clrMapOvr>
     <a:masterClrMapping/>
   </p:clrMapOvr>
-  <p:timing>
-    <p:tnLst>
-      <p:par>
-        <p:cTn id="1" dur="indefinite" restart="never" nodeType="tmRoot"/>
-      </p:par>
-    </p:tnLst>
-  </p:timing>
 </p:sld>
 </file>
 
@@ -17137,10 +16086,9 @@
           <a:lstStyle/>
           <a:p>
             <a:r>
-              <a:rPr lang="es-MX" dirty="0" smtClean="0"/>
+              <a:rPr lang="es-MX" dirty="0"/>
               <a:t>Frameworks de desarrollo.</a:t>
             </a:r>
-            <a:endParaRPr lang="es-MX" dirty="0"/>
           </a:p>
         </p:txBody>
       </p:sp>
@@ -17169,10 +16117,6 @@
               </a:rPr>
               <a:t>Existen frameworks para crear apps multiplataforma basados en el desarrollo mediante tecnologías totalmente web, cuyos marcos de trabajo ofrecen el soporte necesario y las herramientas que permiten trabajar con el diseño sin preocuparse de las características propias inherentes a cada plataforma. </a:t>
             </a:r>
-            <a:endParaRPr lang="es-ES" sz="2000" dirty="0" smtClean="0">
-              <a:latin typeface="Arial" panose="020B0604020202020204" pitchFamily="34" charset="0"/>
-              <a:cs typeface="Arial" panose="020B0604020202020204" pitchFamily="34" charset="0"/>
-            </a:endParaRPr>
           </a:p>
           <a:p>
             <a:pPr algn="just"/>
@@ -17184,18 +16128,11 @@
           <a:p>
             <a:pPr algn="just"/>
             <a:r>
-              <a:rPr lang="es-ES" sz="2000" dirty="0" smtClean="0">
-                <a:latin typeface="Arial" panose="020B0604020202020204" pitchFamily="34" charset="0"/>
-                <a:cs typeface="Arial" panose="020B0604020202020204" pitchFamily="34" charset="0"/>
-              </a:rPr>
-              <a:t>Dichos </a:t>
-            </a:r>
-            <a:r>
               <a:rPr lang="es-ES" sz="2000" dirty="0">
                 <a:latin typeface="Arial" panose="020B0604020202020204" pitchFamily="34" charset="0"/>
                 <a:cs typeface="Arial" panose="020B0604020202020204" pitchFamily="34" charset="0"/>
               </a:rPr>
-              <a:t>frameworks por su naturaleza web ya ofrecen soporte para el acceso a recursos de hardware de los dispositivos móviles, tanto así que rompen con las limitantes que se tenían a la hora de programar una aplicación web móvil.</a:t>
+              <a:t>Dichos frameworks por su naturaleza web ya ofrecen soporte para el acceso a recursos de hardware de los dispositivos móviles, tanto así que rompen con las limitantes que se tenían a la hora de programar una aplicación web móvil.</a:t>
             </a:r>
             <a:endParaRPr lang="es-MX" sz="2000" dirty="0">
               <a:latin typeface="Arial" panose="020B0604020202020204" pitchFamily="34" charset="0"/>
@@ -17220,10 +16157,9 @@
           <a:lstStyle/>
           <a:p>
             <a:r>
-              <a:rPr lang="en-US" dirty="0" smtClean="0"/>
+              <a:rPr lang="en-US" dirty="0"/>
               <a:t>Ing. Alejandro Soto Treviño</a:t>
             </a:r>
-            <a:endParaRPr lang="en-US" dirty="0"/>
           </a:p>
         </p:txBody>
       </p:sp>
@@ -17237,110 +16173,6 @@
   <p:clrMapOvr>
     <a:masterClrMapping/>
   </p:clrMapOvr>
-</p:sld>
-</file>
-
-<file path=ppt/slides/slide60.xml><?xml version="1.0" encoding="utf-8"?>
-<p:sld xmlns:a="http://schemas.openxmlformats.org/drawingml/2006/main" xmlns:r="http://schemas.openxmlformats.org/officeDocument/2006/relationships" xmlns:p="http://schemas.openxmlformats.org/presentationml/2006/main">
-  <p:cSld>
-    <p:spTree>
-      <p:nvGrpSpPr>
-        <p:cNvPr id="1" name=""/>
-        <p:cNvGrpSpPr/>
-        <p:nvPr/>
-      </p:nvGrpSpPr>
-      <p:grpSpPr>
-        <a:xfrm>
-          <a:off x="0" y="0"/>
-          <a:ext cx="0" cy="0"/>
-          <a:chOff x="0" y="0"/>
-          <a:chExt cx="0" cy="0"/>
-        </a:xfrm>
-      </p:grpSpPr>
-      <p:sp>
-        <p:nvSpPr>
-          <p:cNvPr id="2" name="Título 1"/>
-          <p:cNvSpPr>
-            <a:spLocks noGrp="1"/>
-          </p:cNvSpPr>
-          <p:nvPr>
-            <p:ph type="title"/>
-          </p:nvPr>
-        </p:nvSpPr>
-        <p:spPr>
-          <a:xfrm>
-            <a:off x="334108" y="618392"/>
-            <a:ext cx="8957479" cy="1185864"/>
-          </a:xfrm>
-        </p:spPr>
-        <p:txBody>
-          <a:bodyPr>
-            <a:normAutofit/>
-          </a:bodyPr>
-          <a:lstStyle/>
-          <a:p>
-            <a:r>
-              <a:rPr lang="es-MX" dirty="0" smtClean="0"/>
-              <a:t>Instalar librerías FlutterFire</a:t>
-            </a:r>
-            <a:r>
-              <a:rPr lang="es-MX" dirty="0"/>
-              <a:t> </a:t>
-            </a:r>
-            <a:r>
-              <a:rPr lang="es-MX" dirty="0" smtClean="0"/>
-              <a:t>en la app</a:t>
-            </a:r>
-            <a:endParaRPr lang="es-MX" dirty="0"/>
-          </a:p>
-        </p:txBody>
-      </p:sp>
-      <p:pic>
-        <p:nvPicPr>
-          <p:cNvPr id="4" name="Marcador de contenido 3"/>
-          <p:cNvPicPr>
-            <a:picLocks noGrp="1" noChangeAspect="1"/>
-          </p:cNvPicPr>
-          <p:nvPr>
-            <p:ph idx="1"/>
-          </p:nvPr>
-        </p:nvPicPr>
-        <p:blipFill>
-          <a:blip r:embed="rId2">
-            <a:extLst>
-              <a:ext uri="{28A0092B-C50C-407E-A947-70E740481C1C}">
-                <a14:useLocalDpi xmlns:a14="http://schemas.microsoft.com/office/drawing/2010/main" val="0"/>
-              </a:ext>
-            </a:extLst>
-          </a:blip>
-          <a:stretch>
-            <a:fillRect/>
-          </a:stretch>
-        </p:blipFill>
-        <p:spPr>
-          <a:xfrm>
-            <a:off x="444088" y="1211324"/>
-            <a:ext cx="8585613" cy="4679457"/>
-          </a:xfrm>
-        </p:spPr>
-      </p:pic>
-    </p:spTree>
-    <p:extLst>
-      <p:ext uri="{BB962C8B-B14F-4D97-AF65-F5344CB8AC3E}">
-        <p14:creationId xmlns:p14="http://schemas.microsoft.com/office/powerpoint/2010/main" val="937440908"/>
-      </p:ext>
-    </p:extLst>
-  </p:cSld>
-  <p:clrMapOvr>
-    <a:masterClrMapping/>
-  </p:clrMapOvr>
-  <p:timing>
-    <p:tnLst>
-      <p:par>
-        <p:cTn id="1" dur="indefinite" restart="never" nodeType="tmRoot"/>
-      </p:par>
-    </p:tnLst>
-  </p:timing>
 </p:sld>
 </file>
 
@@ -17377,10 +16209,9 @@
           <a:lstStyle/>
           <a:p>
             <a:r>
-              <a:rPr lang="es-MX" dirty="0" smtClean="0"/>
+              <a:rPr lang="es-MX" dirty="0"/>
               <a:t>Frameworks de desarrollo.</a:t>
             </a:r>
-            <a:endParaRPr lang="es-MX" dirty="0"/>
           </a:p>
         </p:txBody>
       </p:sp>
@@ -17409,10 +16240,6 @@
               </a:rPr>
               <a:t>El uso de frameworks representa la parte medular en la aplicación de las metodologías de desarrollo ágil enfocadas a las apps móviles. Pues permiten disminuir considerablemente la curva de tiempo de desarrollo en contraste con las tecnologías nativas. </a:t>
             </a:r>
-            <a:endParaRPr lang="es-ES" sz="2000" dirty="0" smtClean="0">
-              <a:latin typeface="Arial" panose="020B0604020202020204" pitchFamily="34" charset="0"/>
-              <a:cs typeface="Arial" panose="020B0604020202020204" pitchFamily="34" charset="0"/>
-            </a:endParaRPr>
           </a:p>
           <a:p>
             <a:pPr algn="just"/>
@@ -17424,18 +16251,11 @@
           <a:p>
             <a:pPr algn="just"/>
             <a:r>
-              <a:rPr lang="es-ES" sz="2000" dirty="0" smtClean="0">
-                <a:latin typeface="Arial" panose="020B0604020202020204" pitchFamily="34" charset="0"/>
-                <a:cs typeface="Arial" panose="020B0604020202020204" pitchFamily="34" charset="0"/>
-              </a:rPr>
-              <a:t>Esto </a:t>
-            </a:r>
-            <a:r>
               <a:rPr lang="es-ES" sz="2000" dirty="0">
                 <a:latin typeface="Arial" panose="020B0604020202020204" pitchFamily="34" charset="0"/>
                 <a:cs typeface="Arial" panose="020B0604020202020204" pitchFamily="34" charset="0"/>
               </a:rPr>
-              <a:t>en parte es debido a la reutilización de código y el uso de nuevos paradigmas de programación enfocados a transparentar las acciones de respuesta a los eventos en tiempo real y pasar a segundo plano la parte dura de la codificación de las acciones en una app.</a:t>
+              <a:t>Esto en parte es debido a la reutilización de código y el uso de nuevos paradigmas de programación enfocados a transparentar las acciones de respuesta a los eventos en tiempo real y pasar a segundo plano la parte dura de la codificación de las acciones en una app.</a:t>
             </a:r>
             <a:endParaRPr lang="es-MX" sz="2000" dirty="0">
               <a:latin typeface="Arial" panose="020B0604020202020204" pitchFamily="34" charset="0"/>
@@ -17460,10 +16280,9 @@
           <a:lstStyle/>
           <a:p>
             <a:r>
-              <a:rPr lang="en-US" dirty="0" smtClean="0"/>
+              <a:rPr lang="en-US" dirty="0"/>
               <a:t>Ing. Alejandro Soto Treviño</a:t>
             </a:r>
-            <a:endParaRPr lang="en-US" dirty="0"/>
           </a:p>
         </p:txBody>
       </p:sp>
@@ -17513,10 +16332,9 @@
           <a:lstStyle/>
           <a:p>
             <a:r>
-              <a:rPr lang="es-MX" dirty="0" smtClean="0"/>
+              <a:rPr lang="es-MX" dirty="0"/>
               <a:t>Flutter Framework.</a:t>
             </a:r>
-            <a:endParaRPr lang="es-MX" dirty="0"/>
           </a:p>
         </p:txBody>
       </p:sp>
@@ -17548,28 +16366,7 @@
                 <a:latin typeface="Arial" panose="020B0604020202020204" pitchFamily="34" charset="0"/>
                 <a:cs typeface="Arial" panose="020B0604020202020204" pitchFamily="34" charset="0"/>
               </a:rPr>
-              <a:t>Flutter es el kit de herramientas de UI de Google para realizar </a:t>
-            </a:r>
-            <a:r>
-              <a:rPr lang="es-ES" sz="2000" dirty="0" smtClean="0">
-                <a:latin typeface="Arial" panose="020B0604020202020204" pitchFamily="34" charset="0"/>
-                <a:cs typeface="Arial" panose="020B0604020202020204" pitchFamily="34" charset="0"/>
-              </a:rPr>
-              <a:t>aplicaciones</a:t>
-            </a:r>
-            <a:r>
-              <a:rPr lang="es-ES" sz="2000" dirty="0">
-                <a:latin typeface="Arial" panose="020B0604020202020204" pitchFamily="34" charset="0"/>
-                <a:cs typeface="Arial" panose="020B0604020202020204" pitchFamily="34" charset="0"/>
-              </a:rPr>
-              <a:t>, compiladas nativamente, para móvil, web y escritorio desde una única base de código</a:t>
-            </a:r>
-            <a:r>
-              <a:rPr lang="es-ES" sz="2000" dirty="0" smtClean="0">
-                <a:latin typeface="Arial" panose="020B0604020202020204" pitchFamily="34" charset="0"/>
-                <a:cs typeface="Arial" panose="020B0604020202020204" pitchFamily="34" charset="0"/>
-              </a:rPr>
-              <a:t>.</a:t>
+              <a:t>Flutter es el kit de herramientas de UI de Google para realizar aplicaciones, compiladas nativamente, para móvil, web y escritorio desde una única base de código.</a:t>
             </a:r>
           </a:p>
           <a:p>
@@ -17585,14 +16382,7 @@
                 <a:latin typeface="Arial" panose="020B0604020202020204" pitchFamily="34" charset="0"/>
                 <a:cs typeface="Arial" panose="020B0604020202020204" pitchFamily="34" charset="0"/>
               </a:rPr>
-              <a:t>Desarrollo </a:t>
-            </a:r>
-            <a:r>
-              <a:rPr lang="es-MX" sz="2000" dirty="0" smtClean="0">
-                <a:latin typeface="Arial" panose="020B0604020202020204" pitchFamily="34" charset="0"/>
-                <a:cs typeface="Arial" panose="020B0604020202020204" pitchFamily="34" charset="0"/>
-              </a:rPr>
-              <a:t>Rápido</a:t>
+              <a:t>Desarrollo Rápido</a:t>
             </a:r>
           </a:p>
           <a:p>
@@ -17603,7 +16393,7 @@
           </a:p>
           <a:p>
             <a:r>
-              <a:rPr lang="es-MX" sz="2000" dirty="0" smtClean="0">
+              <a:rPr lang="es-MX" sz="2000" dirty="0">
                 <a:latin typeface="Arial" panose="020B0604020202020204" pitchFamily="34" charset="0"/>
                 <a:cs typeface="Arial" panose="020B0604020202020204" pitchFamily="34" charset="0"/>
               </a:rPr>
@@ -17622,36 +16412,25 @@
                 <a:latin typeface="Arial" panose="020B0604020202020204" pitchFamily="34" charset="0"/>
                 <a:cs typeface="Arial" panose="020B0604020202020204" pitchFamily="34" charset="0"/>
               </a:rPr>
-              <a:t>UI Expresiva y </a:t>
-            </a:r>
-            <a:r>
-              <a:rPr lang="es-MX" sz="2000" dirty="0" smtClean="0">
-                <a:latin typeface="Arial" panose="020B0604020202020204" pitchFamily="34" charset="0"/>
-                <a:cs typeface="Arial" panose="020B0604020202020204" pitchFamily="34" charset="0"/>
-              </a:rPr>
-              <a:t>Flexible</a:t>
-            </a:r>
-          </a:p>
-          <a:p>
-            <a:endParaRPr lang="es-MX" sz="2000" dirty="0" smtClean="0">
-              <a:latin typeface="Arial" panose="020B0604020202020204" pitchFamily="34" charset="0"/>
-              <a:cs typeface="Arial" panose="020B0604020202020204" pitchFamily="34" charset="0"/>
-            </a:endParaRPr>
-          </a:p>
-          <a:p>
-            <a:r>
-              <a:rPr lang="es-MX" sz="2000" dirty="0" smtClean="0">
-                <a:latin typeface="Arial" panose="020B0604020202020204" pitchFamily="34" charset="0"/>
-                <a:cs typeface="Arial" panose="020B0604020202020204" pitchFamily="34" charset="0"/>
-              </a:rPr>
-              <a:t>Soporte de Google</a:t>
-            </a:r>
+              <a:t>UI Expresiva y Flexible</a:t>
+            </a:r>
+          </a:p>
+          <a:p>
             <a:endParaRPr lang="es-MX" sz="2000" dirty="0">
               <a:latin typeface="Arial" panose="020B0604020202020204" pitchFamily="34" charset="0"/>
               <a:cs typeface="Arial" panose="020B0604020202020204" pitchFamily="34" charset="0"/>
             </a:endParaRPr>
           </a:p>
           <a:p>
+            <a:r>
+              <a:rPr lang="es-MX" sz="2000" dirty="0">
+                <a:latin typeface="Arial" panose="020B0604020202020204" pitchFamily="34" charset="0"/>
+                <a:cs typeface="Arial" panose="020B0604020202020204" pitchFamily="34" charset="0"/>
+              </a:rPr>
+              <a:t>Soporte de Google</a:t>
+            </a:r>
+          </a:p>
+          <a:p>
             <a:pPr marL="0" indent="0">
               <a:buNone/>
             </a:pPr>
@@ -17675,10 +16454,9 @@
           <a:lstStyle/>
           <a:p>
             <a:r>
-              <a:rPr lang="en-US" dirty="0" smtClean="0"/>
+              <a:rPr lang="en-US" dirty="0"/>
               <a:t>Ing. Alejandro Soto Treviño</a:t>
             </a:r>
-            <a:endParaRPr lang="en-US" dirty="0"/>
           </a:p>
         </p:txBody>
       </p:sp>
@@ -17758,21 +16536,72 @@
           <a:lstStyle/>
           <a:p>
             <a:r>
-              <a:rPr lang="es-MX" dirty="0" smtClean="0"/>
+              <a:rPr lang="es-MX" dirty="0"/>
               <a:t>Requerimientos</a:t>
             </a:r>
+          </a:p>
+        </p:txBody>
+      </p:sp>
+      <p:sp>
+        <p:nvSpPr>
+          <p:cNvPr id="3" name="Marcador de contenido 2"/>
+          <p:cNvSpPr>
+            <a:spLocks noGrp="1"/>
+          </p:cNvSpPr>
+          <p:nvPr>
+            <p:ph idx="1"/>
+          </p:nvPr>
+        </p:nvSpPr>
+        <p:spPr/>
+        <p:txBody>
+          <a:bodyPr/>
+          <a:lstStyle/>
+          <a:p>
+            <a:r>
+              <a:rPr lang="es-MX" dirty="0"/>
+              <a:t>Android Studio (versión más reciente)</a:t>
+            </a:r>
+          </a:p>
+          <a:p>
             <a:endParaRPr lang="es-MX" dirty="0"/>
           </a:p>
-        </p:txBody>
-      </p:sp>
-      <p:sp>
-        <p:nvSpPr>
-          <p:cNvPr id="3" name="Marcador de contenido 2"/>
-          <p:cNvSpPr>
-            <a:spLocks noGrp="1"/>
-          </p:cNvSpPr>
-          <p:nvPr>
-            <p:ph idx="1"/>
+          <a:p>
+            <a:r>
+              <a:rPr lang="es-MX" dirty="0"/>
+              <a:t>Android SDK</a:t>
+            </a:r>
+          </a:p>
+          <a:p>
+            <a:endParaRPr lang="es-MX" dirty="0"/>
+          </a:p>
+          <a:p>
+            <a:r>
+              <a:rPr lang="es-MX" dirty="0"/>
+              <a:t>SDK Flutter</a:t>
+            </a:r>
+          </a:p>
+          <a:p>
+            <a:endParaRPr lang="es-MX" dirty="0"/>
+          </a:p>
+          <a:p>
+            <a:r>
+              <a:rPr lang="es-MX" dirty="0"/>
+              <a:t>Emulador o dispositivo móvil con Android.</a:t>
+            </a:r>
+          </a:p>
+          <a:p>
+            <a:endParaRPr lang="es-MX" dirty="0"/>
+          </a:p>
+        </p:txBody>
+      </p:sp>
+      <p:sp>
+        <p:nvSpPr>
+          <p:cNvPr id="4" name="Marcador de pie de página 3"/>
+          <p:cNvSpPr>
+            <a:spLocks noGrp="1"/>
+          </p:cNvSpPr>
+          <p:nvPr>
+            <p:ph type="ftr" sz="quarter" idx="11"/>
           </p:nvPr>
         </p:nvSpPr>
         <p:spPr/>
@@ -17781,63 +16610,9 @@
           <a:lstStyle/>
           <a:p>
             <a:r>
-              <a:rPr lang="es-MX" dirty="0" smtClean="0"/>
-              <a:t>Android Studio (versión más reciente)</a:t>
-            </a:r>
-          </a:p>
-          <a:p>
-            <a:endParaRPr lang="es-MX" dirty="0"/>
-          </a:p>
-          <a:p>
-            <a:r>
-              <a:rPr lang="es-MX" dirty="0" smtClean="0"/>
-              <a:t>Android SDK</a:t>
-            </a:r>
-          </a:p>
-          <a:p>
-            <a:endParaRPr lang="es-MX" dirty="0" smtClean="0"/>
-          </a:p>
-          <a:p>
-            <a:r>
-              <a:rPr lang="es-MX" dirty="0" smtClean="0"/>
-              <a:t>SDK Flutter</a:t>
-            </a:r>
-          </a:p>
-          <a:p>
-            <a:endParaRPr lang="es-MX" dirty="0" smtClean="0"/>
-          </a:p>
-          <a:p>
-            <a:r>
-              <a:rPr lang="es-MX" dirty="0" smtClean="0"/>
-              <a:t>Emulador o dispositivo móvil con Android.</a:t>
-            </a:r>
-            <a:endParaRPr lang="es-MX" dirty="0"/>
-          </a:p>
-          <a:p>
-            <a:endParaRPr lang="es-MX" dirty="0"/>
-          </a:p>
-        </p:txBody>
-      </p:sp>
-      <p:sp>
-        <p:nvSpPr>
-          <p:cNvPr id="4" name="Marcador de pie de página 3"/>
-          <p:cNvSpPr>
-            <a:spLocks noGrp="1"/>
-          </p:cNvSpPr>
-          <p:nvPr>
-            <p:ph type="ftr" sz="quarter" idx="11"/>
-          </p:nvPr>
-        </p:nvSpPr>
-        <p:spPr/>
-        <p:txBody>
-          <a:bodyPr/>
-          <a:lstStyle/>
-          <a:p>
-            <a:r>
-              <a:rPr lang="en-US" dirty="0" smtClean="0"/>
+              <a:rPr lang="en-US" dirty="0"/>
               <a:t>Ing. Alejandro Soto Treviño</a:t>
             </a:r>
-            <a:endParaRPr lang="en-US" dirty="0"/>
           </a:p>
         </p:txBody>
       </p:sp>
